--- a/powerpoint/Remediate-SSH-Control.pptx
+++ b/powerpoint/Remediate-SSH-Control.pptx
@@ -5,45 +5,43 @@
     <p:sldMasterId id="2147483940" r:id="rId1"/>
     <p:sldMasterId id="2147483951" r:id="rId2"/>
     <p:sldMasterId id="2147483960" r:id="rId3"/>
-    <p:sldMasterId id="2147483983" r:id="rId4"/>
-    <p:sldMasterId id="2147483999" r:id="rId5"/>
   </p:sldMasterIdLst>
   <p:notesMasterIdLst>
-    <p:notesMasterId r:id="rId38"/>
+    <p:notesMasterId r:id="rId36"/>
   </p:notesMasterIdLst>
   <p:sldIdLst>
-    <p:sldId id="256" r:id="rId6"/>
-    <p:sldId id="257" r:id="rId7"/>
-    <p:sldId id="258" r:id="rId8"/>
-    <p:sldId id="259" r:id="rId9"/>
-    <p:sldId id="260" r:id="rId10"/>
-    <p:sldId id="261" r:id="rId11"/>
-    <p:sldId id="262" r:id="rId12"/>
-    <p:sldId id="263" r:id="rId13"/>
-    <p:sldId id="264" r:id="rId14"/>
-    <p:sldId id="265" r:id="rId15"/>
-    <p:sldId id="266" r:id="rId16"/>
-    <p:sldId id="267" r:id="rId17"/>
-    <p:sldId id="268" r:id="rId18"/>
-    <p:sldId id="269" r:id="rId19"/>
-    <p:sldId id="270" r:id="rId20"/>
-    <p:sldId id="271" r:id="rId21"/>
-    <p:sldId id="272" r:id="rId22"/>
-    <p:sldId id="273" r:id="rId23"/>
-    <p:sldId id="274" r:id="rId24"/>
-    <p:sldId id="275" r:id="rId25"/>
-    <p:sldId id="276" r:id="rId26"/>
-    <p:sldId id="277" r:id="rId27"/>
-    <p:sldId id="278" r:id="rId28"/>
-    <p:sldId id="279" r:id="rId29"/>
-    <p:sldId id="280" r:id="rId30"/>
-    <p:sldId id="281" r:id="rId31"/>
-    <p:sldId id="282" r:id="rId32"/>
-    <p:sldId id="283" r:id="rId33"/>
-    <p:sldId id="284" r:id="rId34"/>
-    <p:sldId id="285" r:id="rId35"/>
-    <p:sldId id="286" r:id="rId36"/>
-    <p:sldId id="287" r:id="rId37"/>
+    <p:sldId id="256" r:id="rId4"/>
+    <p:sldId id="257" r:id="rId5"/>
+    <p:sldId id="258" r:id="rId6"/>
+    <p:sldId id="259" r:id="rId7"/>
+    <p:sldId id="260" r:id="rId8"/>
+    <p:sldId id="261" r:id="rId9"/>
+    <p:sldId id="262" r:id="rId10"/>
+    <p:sldId id="263" r:id="rId11"/>
+    <p:sldId id="264" r:id="rId12"/>
+    <p:sldId id="265" r:id="rId13"/>
+    <p:sldId id="266" r:id="rId14"/>
+    <p:sldId id="267" r:id="rId15"/>
+    <p:sldId id="268" r:id="rId16"/>
+    <p:sldId id="269" r:id="rId17"/>
+    <p:sldId id="270" r:id="rId18"/>
+    <p:sldId id="271" r:id="rId19"/>
+    <p:sldId id="272" r:id="rId20"/>
+    <p:sldId id="273" r:id="rId21"/>
+    <p:sldId id="274" r:id="rId22"/>
+    <p:sldId id="275" r:id="rId23"/>
+    <p:sldId id="276" r:id="rId24"/>
+    <p:sldId id="277" r:id="rId25"/>
+    <p:sldId id="278" r:id="rId26"/>
+    <p:sldId id="279" r:id="rId27"/>
+    <p:sldId id="280" r:id="rId28"/>
+    <p:sldId id="281" r:id="rId29"/>
+    <p:sldId id="282" r:id="rId30"/>
+    <p:sldId id="283" r:id="rId31"/>
+    <p:sldId id="284" r:id="rId32"/>
+    <p:sldId id="285" r:id="rId33"/>
+    <p:sldId id="286" r:id="rId34"/>
+    <p:sldId id="287" r:id="rId35"/>
   </p:sldIdLst>
   <p:sldSz cx="14630400" cy="8229600"/>
   <p:notesSz cx="6858000" cy="9144000"/>
@@ -278,7 +276,7 @@
           <a:p>
             <a:fld id="{30AF7211-D5D8-E543-B64B-420B2DDC73AD}" type="datetimeFigureOut">
               <a:rPr lang="en-US" smtClean="0"/>
-              <a:t>3/11/17</a:t>
+              <a:t>3/12/17</a:t>
             </a:fld>
             <a:endParaRPr lang="en-US"/>
           </a:p>
@@ -7128,6 +7126,106 @@
 </file>
 
 <file path=ppt/slideLayouts/slideLayout35.xml><?xml version="1.0" encoding="utf-8"?>
+<p:sldLayout xmlns:a="http://schemas.openxmlformats.org/drawingml/2006/main" xmlns:r="http://schemas.openxmlformats.org/officeDocument/2006/relationships" xmlns:p="http://schemas.openxmlformats.org/presentationml/2006/main" preserve="1" userDrawn="1">
+  <p:cSld name="Title &amp; Image">
+    <p:spTree>
+      <p:nvGrpSpPr>
+        <p:cNvPr id="1" name=""/>
+        <p:cNvGrpSpPr/>
+        <p:nvPr/>
+      </p:nvGrpSpPr>
+      <p:grpSpPr>
+        <a:xfrm>
+          <a:off x="0" y="0"/>
+          <a:ext cx="0" cy="0"/>
+          <a:chOff x="0" y="0"/>
+          <a:chExt cx="0" cy="0"/>
+        </a:xfrm>
+      </p:grpSpPr>
+      <p:sp>
+        <p:nvSpPr>
+          <p:cNvPr id="6" name="Media Placeholder 6"/>
+          <p:cNvSpPr>
+            <a:spLocks noGrp="1"/>
+          </p:cNvSpPr>
+          <p:nvPr>
+            <p:ph type="media" sz="quarter" idx="12"/>
+          </p:nvPr>
+        </p:nvSpPr>
+        <p:spPr>
+          <a:xfrm>
+            <a:off x="609600" y="1670050"/>
+            <a:ext cx="13411200" cy="5594350"/>
+          </a:xfrm>
+        </p:spPr>
+        <p:txBody>
+          <a:bodyPr/>
+          <a:lstStyle/>
+          <a:p>
+            <a:endParaRPr lang="en-US"/>
+          </a:p>
+        </p:txBody>
+      </p:sp>
+      <p:sp>
+        <p:nvSpPr>
+          <p:cNvPr id="2" name="Title 1"/>
+          <p:cNvSpPr>
+            <a:spLocks noGrp="1"/>
+          </p:cNvSpPr>
+          <p:nvPr>
+            <p:ph type="title"/>
+          </p:nvPr>
+        </p:nvSpPr>
+        <p:spPr/>
+        <p:txBody>
+          <a:bodyPr/>
+          <a:lstStyle>
+            <a:lvl1pPr>
+              <a:defRPr baseline="0"/>
+            </a:lvl1pPr>
+          </a:lstStyle>
+          <a:p>
+            <a:r>
+              <a:rPr lang="en-US" smtClean="0"/>
+              <a:t>Click to edit Master title style</a:t>
+            </a:r>
+            <a:endParaRPr lang="en-US" dirty="0"/>
+          </a:p>
+        </p:txBody>
+      </p:sp>
+    </p:spTree>
+    <p:extLst>
+      <p:ext uri="{BB962C8B-B14F-4D97-AF65-F5344CB8AC3E}">
+        <p14:creationId xmlns:p14="http://schemas.microsoft.com/office/powerpoint/2010/main" val="2622416579"/>
+      </p:ext>
+    </p:extLst>
+  </p:cSld>
+  <p:clrMapOvr>
+    <a:masterClrMapping/>
+  </p:clrMapOvr>
+  <mc:AlternateContent xmlns:mc="http://schemas.openxmlformats.org/markup-compatibility/2006" xmlns:p14="http://schemas.microsoft.com/office/powerpoint/2010/main">
+    <mc:Choice Requires="p14">
+      <p:transition spd="med" p14:dur="700">
+        <p:fade/>
+      </p:transition>
+    </mc:Choice>
+    <mc:Fallback xmlns="">
+      <p:transition spd="med">
+        <p:fade/>
+      </p:transition>
+    </mc:Fallback>
+  </mc:AlternateContent>
+  <p:timing>
+    <p:tnLst>
+      <p:par>
+        <p:cTn xmlns:p14="http://schemas.microsoft.com/office/powerpoint/2010/main" id="1" dur="indefinite" restart="never" nodeType="tmRoot"/>
+      </p:par>
+    </p:tnLst>
+  </p:timing>
+</p:sldLayout>
+</file>
+
+<file path=ppt/slideLayouts/slideLayout36.xml><?xml version="1.0" encoding="utf-8"?>
 <p:sldLayout xmlns:a="http://schemas.openxmlformats.org/drawingml/2006/main" xmlns:r="http://schemas.openxmlformats.org/officeDocument/2006/relationships" xmlns:p="http://schemas.openxmlformats.org/presentationml/2006/main" preserve="1">
   <p:cSld name="Logo Middle">
     <p:spTree>
@@ -7342,7 +7440,7 @@
 </p:sldLayout>
 </file>
 
-<file path=ppt/slideLayouts/slideLayout36.xml><?xml version="1.0" encoding="utf-8"?>
+<file path=ppt/slideLayouts/slideLayout37.xml><?xml version="1.0" encoding="utf-8"?>
 <p:sldLayout xmlns:a="http://schemas.openxmlformats.org/drawingml/2006/main" xmlns:r="http://schemas.openxmlformats.org/officeDocument/2006/relationships" xmlns:p="http://schemas.openxmlformats.org/presentationml/2006/main" preserve="1" userDrawn="1">
   <p:cSld name="Blank">
     <p:spTree>
@@ -7384,7 +7482,7 @@
 </p:sldLayout>
 </file>
 
-<file path=ppt/slideLayouts/slideLayout37.xml><?xml version="1.0" encoding="utf-8"?>
+<file path=ppt/slideLayouts/slideLayout38.xml><?xml version="1.0" encoding="utf-8"?>
 <p:sldLayout xmlns:a="http://schemas.openxmlformats.org/drawingml/2006/main" xmlns:r="http://schemas.openxmlformats.org/officeDocument/2006/relationships" xmlns:p="http://schemas.openxmlformats.org/presentationml/2006/main" preserve="1">
   <p:cSld name="Divider Slide">
     <p:spTree>
@@ -7599,7 +7697,7 @@
 </p:sldLayout>
 </file>
 
-<file path=ppt/slideLayouts/slideLayout38.xml><?xml version="1.0" encoding="utf-8"?>
+<file path=ppt/slideLayouts/slideLayout39.xml><?xml version="1.0" encoding="utf-8"?>
 <p:sldLayout xmlns:a="http://schemas.openxmlformats.org/drawingml/2006/main" xmlns:r="http://schemas.openxmlformats.org/officeDocument/2006/relationships" xmlns:p="http://schemas.openxmlformats.org/presentationml/2006/main" preserve="1">
   <p:cSld name="Thank You">
     <p:spTree>
@@ -7786,319 +7884,6 @@
     <p:extLst>
       <p:ext uri="{BB962C8B-B14F-4D97-AF65-F5344CB8AC3E}">
         <p14:creationId xmlns:p14="http://schemas.microsoft.com/office/powerpoint/2010/main" val="1139886805"/>
-      </p:ext>
-    </p:extLst>
-  </p:cSld>
-  <p:clrMapOvr>
-    <a:masterClrMapping/>
-  </p:clrMapOvr>
-  <mc:AlternateContent xmlns:mc="http://schemas.openxmlformats.org/markup-compatibility/2006" xmlns:p14="http://schemas.microsoft.com/office/powerpoint/2010/main">
-    <mc:Choice Requires="p14">
-      <p:transition spd="med" p14:dur="700">
-        <p:fade/>
-      </p:transition>
-    </mc:Choice>
-    <mc:Fallback xmlns="">
-      <p:transition spd="med">
-        <p:fade/>
-      </p:transition>
-    </mc:Fallback>
-  </mc:AlternateContent>
-  <p:timing>
-    <p:tnLst>
-      <p:par>
-        <p:cTn xmlns:p14="http://schemas.microsoft.com/office/powerpoint/2010/main" id="1" dur="indefinite" restart="never" nodeType="tmRoot"/>
-      </p:par>
-    </p:tnLst>
-  </p:timing>
-</p:sldLayout>
-</file>
-
-<file path=ppt/slideLayouts/slideLayout39.xml><?xml version="1.0" encoding="utf-8"?>
-<p:sldLayout xmlns:a="http://schemas.openxmlformats.org/drawingml/2006/main" xmlns:r="http://schemas.openxmlformats.org/officeDocument/2006/relationships" xmlns:p="http://schemas.openxmlformats.org/presentationml/2006/main" preserve="1" userDrawn="1">
-  <p:cSld name="Title Slide">
-    <p:spTree>
-      <p:nvGrpSpPr>
-        <p:cNvPr id="1" name=""/>
-        <p:cNvGrpSpPr/>
-        <p:nvPr/>
-      </p:nvGrpSpPr>
-      <p:grpSpPr>
-        <a:xfrm>
-          <a:off x="0" y="0"/>
-          <a:ext cx="0" cy="0"/>
-          <a:chOff x="0" y="0"/>
-          <a:chExt cx="0" cy="0"/>
-        </a:xfrm>
-      </p:grpSpPr>
-      <p:pic>
-        <p:nvPicPr>
-          <p:cNvPr id="3" name="Picture 2"/>
-          <p:cNvPicPr>
-            <a:picLocks noChangeAspect="1"/>
-          </p:cNvPicPr>
-          <p:nvPr userDrawn="1"/>
-        </p:nvPicPr>
-        <p:blipFill>
-          <a:blip r:embed="rId2">
-            <a:extLst>
-              <a:ext uri="{28A0092B-C50C-407E-A947-70E740481C1C}">
-                <a14:useLocalDpi xmlns:a14="http://schemas.microsoft.com/office/drawing/2010/main" val="0"/>
-              </a:ext>
-            </a:extLst>
-          </a:blip>
-          <a:stretch>
-            <a:fillRect/>
-          </a:stretch>
-        </p:blipFill>
-        <p:spPr>
-          <a:xfrm>
-            <a:off x="2426480" y="1773498"/>
-            <a:ext cx="9768298" cy="2701489"/>
-          </a:xfrm>
-          <a:prstGeom prst="rect">
-            <a:avLst/>
-          </a:prstGeom>
-        </p:spPr>
-      </p:pic>
-      <p:sp>
-        <p:nvSpPr>
-          <p:cNvPr id="4" name="Title 1"/>
-          <p:cNvSpPr>
-            <a:spLocks noGrp="1"/>
-          </p:cNvSpPr>
-          <p:nvPr>
-            <p:ph type="ctrTitle"/>
-          </p:nvPr>
-        </p:nvSpPr>
-        <p:spPr bwMode="white">
-          <a:xfrm>
-            <a:off x="2319257" y="6237720"/>
-            <a:ext cx="9875520" cy="1203795"/>
-          </a:xfrm>
-        </p:spPr>
-        <p:txBody>
-          <a:bodyPr wrap="square" lIns="82274" tIns="82274" rIns="82274" bIns="82274" anchor="ctr" anchorCtr="0">
-            <a:noAutofit/>
-          </a:bodyPr>
-          <a:lstStyle>
-            <a:lvl1pPr algn="ctr">
-              <a:lnSpc>
-                <a:spcPct val="90000"/>
-              </a:lnSpc>
-              <a:defRPr sz="4300" b="1" spc="0" baseline="0">
-                <a:solidFill>
-                  <a:srgbClr val="435464"/>
-                </a:solidFill>
-              </a:defRPr>
-            </a:lvl1pPr>
-          </a:lstStyle>
-          <a:p>
-            <a:r>
-              <a:rPr lang="en-US" smtClean="0"/>
-              <a:t>Click to edit Master title style</a:t>
-            </a:r>
-            <a:endParaRPr lang="en-US" dirty="0"/>
-          </a:p>
-        </p:txBody>
-      </p:sp>
-      <p:sp>
-        <p:nvSpPr>
-          <p:cNvPr id="5" name="Subtitle 2"/>
-          <p:cNvSpPr>
-            <a:spLocks noGrp="1"/>
-          </p:cNvSpPr>
-          <p:nvPr>
-            <p:ph type="subTitle" idx="1"/>
-          </p:nvPr>
-        </p:nvSpPr>
-        <p:spPr bwMode="white">
-          <a:xfrm>
-            <a:off x="2319257" y="7097053"/>
-            <a:ext cx="9875520" cy="504709"/>
-          </a:xfrm>
-        </p:spPr>
-        <p:txBody>
-          <a:bodyPr wrap="square" lIns="82274" tIns="82274" rIns="82274" bIns="82274">
-            <a:spAutoFit/>
-          </a:bodyPr>
-          <a:lstStyle>
-            <a:lvl1pPr marL="0" indent="0" algn="ctr">
-              <a:lnSpc>
-                <a:spcPct val="90000"/>
-              </a:lnSpc>
-              <a:spcBef>
-                <a:spcPts val="0"/>
-              </a:spcBef>
-              <a:buNone/>
-              <a:defRPr sz="2400" baseline="0">
-                <a:solidFill>
-                  <a:srgbClr val="435464"/>
-                </a:solidFill>
-              </a:defRPr>
-            </a:lvl1pPr>
-            <a:lvl2pPr marL="548453" indent="0" algn="ctr">
-              <a:buNone/>
-              <a:defRPr>
-                <a:solidFill>
-                  <a:schemeClr val="tx1">
-                    <a:tint val="75000"/>
-                  </a:schemeClr>
-                </a:solidFill>
-              </a:defRPr>
-            </a:lvl2pPr>
-            <a:lvl3pPr marL="1096907" indent="0" algn="ctr">
-              <a:buNone/>
-              <a:defRPr>
-                <a:solidFill>
-                  <a:schemeClr val="tx1">
-                    <a:tint val="75000"/>
-                  </a:schemeClr>
-                </a:solidFill>
-              </a:defRPr>
-            </a:lvl3pPr>
-            <a:lvl4pPr marL="1645362" indent="0" algn="ctr">
-              <a:buNone/>
-              <a:defRPr>
-                <a:solidFill>
-                  <a:schemeClr val="tx1">
-                    <a:tint val="75000"/>
-                  </a:schemeClr>
-                </a:solidFill>
-              </a:defRPr>
-            </a:lvl4pPr>
-            <a:lvl5pPr marL="2193816" indent="0" algn="ctr">
-              <a:buNone/>
-              <a:defRPr>
-                <a:solidFill>
-                  <a:schemeClr val="tx1">
-                    <a:tint val="75000"/>
-                  </a:schemeClr>
-                </a:solidFill>
-              </a:defRPr>
-            </a:lvl5pPr>
-            <a:lvl6pPr marL="2742267" indent="0" algn="ctr">
-              <a:buNone/>
-              <a:defRPr>
-                <a:solidFill>
-                  <a:schemeClr val="tx1">
-                    <a:tint val="75000"/>
-                  </a:schemeClr>
-                </a:solidFill>
-              </a:defRPr>
-            </a:lvl6pPr>
-            <a:lvl7pPr marL="3290722" indent="0" algn="ctr">
-              <a:buNone/>
-              <a:defRPr>
-                <a:solidFill>
-                  <a:schemeClr val="tx1">
-                    <a:tint val="75000"/>
-                  </a:schemeClr>
-                </a:solidFill>
-              </a:defRPr>
-            </a:lvl7pPr>
-            <a:lvl8pPr marL="3839178" indent="0" algn="ctr">
-              <a:buNone/>
-              <a:defRPr>
-                <a:solidFill>
-                  <a:schemeClr val="tx1">
-                    <a:tint val="75000"/>
-                  </a:schemeClr>
-                </a:solidFill>
-              </a:defRPr>
-            </a:lvl8pPr>
-            <a:lvl9pPr marL="4387630" indent="0" algn="ctr">
-              <a:buNone/>
-              <a:defRPr>
-                <a:solidFill>
-                  <a:schemeClr val="tx1">
-                    <a:tint val="75000"/>
-                  </a:schemeClr>
-                </a:solidFill>
-              </a:defRPr>
-            </a:lvl9pPr>
-          </a:lstStyle>
-          <a:p>
-            <a:r>
-              <a:rPr lang="en-US" smtClean="0"/>
-              <a:t>Click to edit Master subtitle style</a:t>
-            </a:r>
-            <a:endParaRPr lang="en-US" dirty="0"/>
-          </a:p>
-        </p:txBody>
-      </p:sp>
-      <p:sp>
-        <p:nvSpPr>
-          <p:cNvPr id="6" name="Rectangle 5"/>
-          <p:cNvSpPr/>
-          <p:nvPr userDrawn="1"/>
-        </p:nvSpPr>
-        <p:spPr bwMode="auto">
-          <a:xfrm>
-            <a:off x="152390" y="7228094"/>
-            <a:ext cx="1421254" cy="783958"/>
-          </a:xfrm>
-          <a:prstGeom prst="rect">
-            <a:avLst/>
-          </a:prstGeom>
-          <a:solidFill>
-            <a:srgbClr val="FEFEFE"/>
-          </a:solidFill>
-          <a:ln>
-            <a:noFill/>
-            <a:headEnd type="none" w="med" len="med"/>
-            <a:tailEnd type="none" w="med" len="med"/>
-          </a:ln>
-          <a:effectLst/>
-        </p:spPr>
-        <p:style>
-          <a:lnRef idx="1">
-            <a:schemeClr val="accent4"/>
-          </a:lnRef>
-          <a:fillRef idx="3">
-            <a:schemeClr val="accent4"/>
-          </a:fillRef>
-          <a:effectRef idx="2">
-            <a:schemeClr val="accent4"/>
-          </a:effectRef>
-          <a:fontRef idx="minor">
-            <a:schemeClr val="lt1"/>
-          </a:fontRef>
-        </p:style>
-        <p:txBody>
-          <a:bodyPr vert="horz" wrap="square" lIns="91436" tIns="45718" rIns="91436" bIns="45718" numCol="1" rtlCol="0" anchor="ctr" anchorCtr="0" compatLnSpc="1">
-            <a:prstTxWarp prst="textNoShape">
-              <a:avLst/>
-            </a:prstTxWarp>
-          </a:bodyPr>
-          <a:lstStyle/>
-          <a:p>
-            <a:pPr algn="ctr" defTabSz="914099"/>
-            <a:r>
-              <a:rPr lang="en-US" sz="2400" dirty="0" smtClean="0">
-                <a:gradFill>
-                  <a:gsLst>
-                    <a:gs pos="0">
-                      <a:srgbClr val="FFFFFF"/>
-                    </a:gs>
-                    <a:gs pos="100000">
-                      <a:srgbClr val="FFFFFF"/>
-                    </a:gs>
-                  </a:gsLst>
-                  <a:lin ang="5400000" scaled="0"/>
-                </a:gradFill>
-                <a:latin typeface="Gill Sans Light"/>
-                <a:cs typeface="Gill Sans Light"/>
-              </a:rPr>
-              <a:t> </a:t>
-            </a:r>
-          </a:p>
-        </p:txBody>
-      </p:sp>
-    </p:spTree>
-    <p:extLst>
-      <p:ext uri="{BB962C8B-B14F-4D97-AF65-F5344CB8AC3E}">
-        <p14:creationId xmlns:p14="http://schemas.microsoft.com/office/powerpoint/2010/main" val="933207505"/>
       </p:ext>
     </p:extLst>
   </p:cSld>
@@ -8171,1931 +7956,6 @@
     <p:extLst>
       <p:ext uri="{BB962C8B-B14F-4D97-AF65-F5344CB8AC3E}">
         <p14:creationId xmlns:p14="http://schemas.microsoft.com/office/powerpoint/2010/main" val="1025506295"/>
-      </p:ext>
-    </p:extLst>
-  </p:cSld>
-  <p:clrMapOvr>
-    <a:masterClrMapping/>
-  </p:clrMapOvr>
-  <mc:AlternateContent xmlns:mc="http://schemas.openxmlformats.org/markup-compatibility/2006" xmlns:p14="http://schemas.microsoft.com/office/powerpoint/2010/main">
-    <mc:Choice Requires="p14">
-      <p:transition spd="med" p14:dur="700">
-        <p:fade/>
-      </p:transition>
-    </mc:Choice>
-    <mc:Fallback xmlns="">
-      <p:transition spd="med">
-        <p:fade/>
-      </p:transition>
-    </mc:Fallback>
-  </mc:AlternateContent>
-  <p:timing>
-    <p:tnLst>
-      <p:par>
-        <p:cTn xmlns:p14="http://schemas.microsoft.com/office/powerpoint/2010/main" id="1" dur="indefinite" restart="never" nodeType="tmRoot"/>
-      </p:par>
-    </p:tnLst>
-  </p:timing>
-</p:sldLayout>
-</file>
-
-<file path=ppt/slideLayouts/slideLayout40.xml><?xml version="1.0" encoding="utf-8"?>
-<p:sldLayout xmlns:a="http://schemas.openxmlformats.org/drawingml/2006/main" xmlns:r="http://schemas.openxmlformats.org/officeDocument/2006/relationships" xmlns:p="http://schemas.openxmlformats.org/presentationml/2006/main" preserve="1">
-  <p:cSld name="Bullets">
-    <p:spTree>
-      <p:nvGrpSpPr>
-        <p:cNvPr id="1" name=""/>
-        <p:cNvGrpSpPr/>
-        <p:nvPr/>
-      </p:nvGrpSpPr>
-      <p:grpSpPr>
-        <a:xfrm>
-          <a:off x="0" y="0"/>
-          <a:ext cx="0" cy="0"/>
-          <a:chOff x="0" y="0"/>
-          <a:chExt cx="0" cy="0"/>
-        </a:xfrm>
-      </p:grpSpPr>
-      <p:sp>
-        <p:nvSpPr>
-          <p:cNvPr id="2" name="Title 1"/>
-          <p:cNvSpPr>
-            <a:spLocks noGrp="1"/>
-          </p:cNvSpPr>
-          <p:nvPr>
-            <p:ph type="title"/>
-          </p:nvPr>
-        </p:nvSpPr>
-        <p:spPr/>
-        <p:txBody>
-          <a:bodyPr/>
-          <a:lstStyle>
-            <a:lvl1pPr>
-              <a:defRPr baseline="0"/>
-            </a:lvl1pPr>
-          </a:lstStyle>
-          <a:p>
-            <a:r>
-              <a:rPr lang="en-US" smtClean="0"/>
-              <a:t>Click to edit Master title style</a:t>
-            </a:r>
-            <a:endParaRPr lang="en-US" dirty="0"/>
-          </a:p>
-        </p:txBody>
-      </p:sp>
-      <p:sp>
-        <p:nvSpPr>
-          <p:cNvPr id="5" name="Text Placeholder 4"/>
-          <p:cNvSpPr>
-            <a:spLocks noGrp="1"/>
-          </p:cNvSpPr>
-          <p:nvPr>
-            <p:ph type="body" sz="quarter" idx="10"/>
-          </p:nvPr>
-        </p:nvSpPr>
-        <p:spPr>
-          <a:xfrm>
-            <a:off x="609600" y="1670583"/>
-            <a:ext cx="13408762" cy="4811358"/>
-          </a:xfrm>
-        </p:spPr>
-        <p:txBody>
-          <a:bodyPr>
-            <a:noAutofit/>
-          </a:bodyPr>
-          <a:lstStyle>
-            <a:lvl1pPr>
-              <a:defRPr baseline="0"/>
-            </a:lvl1pPr>
-            <a:lvl2pPr>
-              <a:defRPr baseline="0"/>
-            </a:lvl2pPr>
-            <a:lvl3pPr>
-              <a:defRPr baseline="0"/>
-            </a:lvl3pPr>
-            <a:lvl4pPr>
-              <a:defRPr baseline="0"/>
-            </a:lvl4pPr>
-            <a:lvl5pPr>
-              <a:defRPr baseline="0"/>
-            </a:lvl5pPr>
-          </a:lstStyle>
-          <a:p>
-            <a:pPr lvl="0"/>
-            <a:r>
-              <a:rPr lang="en-US" smtClean="0"/>
-              <a:t>Click to edit Master text styles</a:t>
-            </a:r>
-          </a:p>
-          <a:p>
-            <a:pPr lvl="1"/>
-            <a:r>
-              <a:rPr lang="en-US" smtClean="0"/>
-              <a:t>Second level</a:t>
-            </a:r>
-          </a:p>
-          <a:p>
-            <a:pPr lvl="2"/>
-            <a:r>
-              <a:rPr lang="en-US" smtClean="0"/>
-              <a:t>Third level</a:t>
-            </a:r>
-          </a:p>
-          <a:p>
-            <a:pPr lvl="3"/>
-            <a:r>
-              <a:rPr lang="en-US" smtClean="0"/>
-              <a:t>Fourth level</a:t>
-            </a:r>
-          </a:p>
-          <a:p>
-            <a:pPr lvl="4"/>
-            <a:r>
-              <a:rPr lang="en-US" smtClean="0"/>
-              <a:t>Fifth level</a:t>
-            </a:r>
-            <a:endParaRPr lang="en-US" dirty="0"/>
-          </a:p>
-        </p:txBody>
-      </p:sp>
-    </p:spTree>
-    <p:extLst>
-      <p:ext uri="{BB962C8B-B14F-4D97-AF65-F5344CB8AC3E}">
-        <p14:creationId xmlns:p14="http://schemas.microsoft.com/office/powerpoint/2010/main" val="1972841077"/>
-      </p:ext>
-    </p:extLst>
-  </p:cSld>
-  <p:clrMapOvr>
-    <a:masterClrMapping/>
-  </p:clrMapOvr>
-  <mc:AlternateContent xmlns:mc="http://schemas.openxmlformats.org/markup-compatibility/2006" xmlns:p14="http://schemas.microsoft.com/office/powerpoint/2010/main">
-    <mc:Choice Requires="p14">
-      <p:transition spd="med" p14:dur="700">
-        <p:fade/>
-      </p:transition>
-    </mc:Choice>
-    <mc:Fallback xmlns="">
-      <p:transition spd="med">
-        <p:fade/>
-      </p:transition>
-    </mc:Fallback>
-  </mc:AlternateContent>
-  <p:timing>
-    <p:tnLst>
-      <p:par>
-        <p:cTn xmlns:p14="http://schemas.microsoft.com/office/powerpoint/2010/main" id="1" dur="indefinite" restart="never" nodeType="tmRoot"/>
-      </p:par>
-    </p:tnLst>
-  </p:timing>
-</p:sldLayout>
-</file>
-
-<file path=ppt/slideLayouts/slideLayout41.xml><?xml version="1.0" encoding="utf-8"?>
-<p:sldLayout xmlns:a="http://schemas.openxmlformats.org/drawingml/2006/main" xmlns:r="http://schemas.openxmlformats.org/officeDocument/2006/relationships" xmlns:p="http://schemas.openxmlformats.org/presentationml/2006/main" preserve="1" userDrawn="1">
-  <p:cSld name="Bullets and Pic">
-    <p:spTree>
-      <p:nvGrpSpPr>
-        <p:cNvPr id="1" name=""/>
-        <p:cNvGrpSpPr/>
-        <p:nvPr/>
-      </p:nvGrpSpPr>
-      <p:grpSpPr>
-        <a:xfrm>
-          <a:off x="0" y="0"/>
-          <a:ext cx="0" cy="0"/>
-          <a:chOff x="0" y="0"/>
-          <a:chExt cx="0" cy="0"/>
-        </a:xfrm>
-      </p:grpSpPr>
-      <p:sp>
-        <p:nvSpPr>
-          <p:cNvPr id="2" name="Title 1"/>
-          <p:cNvSpPr>
-            <a:spLocks noGrp="1"/>
-          </p:cNvSpPr>
-          <p:nvPr>
-            <p:ph type="title"/>
-          </p:nvPr>
-        </p:nvSpPr>
-        <p:spPr/>
-        <p:txBody>
-          <a:bodyPr/>
-          <a:lstStyle>
-            <a:lvl1pPr>
-              <a:defRPr baseline="0"/>
-            </a:lvl1pPr>
-          </a:lstStyle>
-          <a:p>
-            <a:r>
-              <a:rPr lang="en-US" smtClean="0"/>
-              <a:t>Click to edit Master title style</a:t>
-            </a:r>
-            <a:endParaRPr lang="en-US" dirty="0"/>
-          </a:p>
-        </p:txBody>
-      </p:sp>
-      <p:sp>
-        <p:nvSpPr>
-          <p:cNvPr id="4" name="Text Placeholder 4"/>
-          <p:cNvSpPr>
-            <a:spLocks noGrp="1"/>
-          </p:cNvSpPr>
-          <p:nvPr>
-            <p:ph type="body" sz="quarter" idx="11"/>
-          </p:nvPr>
-        </p:nvSpPr>
-        <p:spPr>
-          <a:xfrm>
-            <a:off x="609600" y="1670583"/>
-            <a:ext cx="7782147" cy="4811358"/>
-          </a:xfrm>
-        </p:spPr>
-        <p:txBody>
-          <a:bodyPr>
-            <a:noAutofit/>
-          </a:bodyPr>
-          <a:lstStyle>
-            <a:lvl1pPr>
-              <a:defRPr baseline="0"/>
-            </a:lvl1pPr>
-            <a:lvl2pPr>
-              <a:defRPr baseline="0"/>
-            </a:lvl2pPr>
-            <a:lvl3pPr>
-              <a:defRPr baseline="0"/>
-            </a:lvl3pPr>
-            <a:lvl4pPr>
-              <a:defRPr baseline="0"/>
-            </a:lvl4pPr>
-            <a:lvl5pPr>
-              <a:defRPr baseline="0"/>
-            </a:lvl5pPr>
-          </a:lstStyle>
-          <a:p>
-            <a:pPr lvl="0"/>
-            <a:r>
-              <a:rPr lang="en-US" smtClean="0"/>
-              <a:t>Click to edit Master text styles</a:t>
-            </a:r>
-          </a:p>
-          <a:p>
-            <a:pPr lvl="1"/>
-            <a:r>
-              <a:rPr lang="en-US" smtClean="0"/>
-              <a:t>Second level</a:t>
-            </a:r>
-          </a:p>
-          <a:p>
-            <a:pPr lvl="2"/>
-            <a:r>
-              <a:rPr lang="en-US" smtClean="0"/>
-              <a:t>Third level</a:t>
-            </a:r>
-          </a:p>
-          <a:p>
-            <a:pPr lvl="3"/>
-            <a:r>
-              <a:rPr lang="en-US" smtClean="0"/>
-              <a:t>Fourth level</a:t>
-            </a:r>
-          </a:p>
-          <a:p>
-            <a:pPr lvl="4"/>
-            <a:r>
-              <a:rPr lang="en-US" smtClean="0"/>
-              <a:t>Fifth level</a:t>
-            </a:r>
-            <a:endParaRPr lang="en-US" dirty="0"/>
-          </a:p>
-        </p:txBody>
-      </p:sp>
-      <p:sp>
-        <p:nvSpPr>
-          <p:cNvPr id="6" name="Media Placeholder 6"/>
-          <p:cNvSpPr>
-            <a:spLocks noGrp="1"/>
-          </p:cNvSpPr>
-          <p:nvPr>
-            <p:ph type="media" sz="quarter" idx="12"/>
-          </p:nvPr>
-        </p:nvSpPr>
-        <p:spPr>
-          <a:xfrm>
-            <a:off x="8864600" y="1670050"/>
-            <a:ext cx="5156200" cy="5594350"/>
-          </a:xfrm>
-        </p:spPr>
-        <p:txBody>
-          <a:bodyPr/>
-          <a:lstStyle/>
-          <a:p>
-            <a:endParaRPr lang="en-US"/>
-          </a:p>
-        </p:txBody>
-      </p:sp>
-    </p:spTree>
-    <p:extLst>
-      <p:ext uri="{BB962C8B-B14F-4D97-AF65-F5344CB8AC3E}">
-        <p14:creationId xmlns:p14="http://schemas.microsoft.com/office/powerpoint/2010/main" val="2992315971"/>
-      </p:ext>
-    </p:extLst>
-  </p:cSld>
-  <p:clrMapOvr>
-    <a:masterClrMapping/>
-  </p:clrMapOvr>
-  <mc:AlternateContent xmlns:mc="http://schemas.openxmlformats.org/markup-compatibility/2006" xmlns:p14="http://schemas.microsoft.com/office/powerpoint/2010/main">
-    <mc:Choice Requires="p14">
-      <p:transition spd="med" p14:dur="700">
-        <p:fade/>
-      </p:transition>
-    </mc:Choice>
-    <mc:Fallback xmlns="">
-      <p:transition spd="med">
-        <p:fade/>
-      </p:transition>
-    </mc:Fallback>
-  </mc:AlternateContent>
-  <p:timing>
-    <p:tnLst>
-      <p:par>
-        <p:cTn xmlns:p14="http://schemas.microsoft.com/office/powerpoint/2010/main" id="1" dur="indefinite" restart="never" nodeType="tmRoot"/>
-      </p:par>
-    </p:tnLst>
-  </p:timing>
-</p:sldLayout>
-</file>
-
-<file path=ppt/slideLayouts/slideLayout42.xml><?xml version="1.0" encoding="utf-8"?>
-<p:sldLayout xmlns:a="http://schemas.openxmlformats.org/drawingml/2006/main" xmlns:r="http://schemas.openxmlformats.org/officeDocument/2006/relationships" xmlns:p="http://schemas.openxmlformats.org/presentationml/2006/main" preserve="1" userDrawn="1">
-  <p:cSld name="Bullets and blank">
-    <p:spTree>
-      <p:nvGrpSpPr>
-        <p:cNvPr id="1" name=""/>
-        <p:cNvGrpSpPr/>
-        <p:nvPr/>
-      </p:nvGrpSpPr>
-      <p:grpSpPr>
-        <a:xfrm>
-          <a:off x="0" y="0"/>
-          <a:ext cx="0" cy="0"/>
-          <a:chOff x="0" y="0"/>
-          <a:chExt cx="0" cy="0"/>
-        </a:xfrm>
-      </p:grpSpPr>
-      <p:sp>
-        <p:nvSpPr>
-          <p:cNvPr id="2" name="Title 1"/>
-          <p:cNvSpPr>
-            <a:spLocks noGrp="1"/>
-          </p:cNvSpPr>
-          <p:nvPr>
-            <p:ph type="title"/>
-          </p:nvPr>
-        </p:nvSpPr>
-        <p:spPr/>
-        <p:txBody>
-          <a:bodyPr/>
-          <a:lstStyle>
-            <a:lvl1pPr>
-              <a:defRPr baseline="0"/>
-            </a:lvl1pPr>
-          </a:lstStyle>
-          <a:p>
-            <a:r>
-              <a:rPr lang="en-US" smtClean="0"/>
-              <a:t>Click to edit Master title style</a:t>
-            </a:r>
-            <a:endParaRPr lang="en-US" dirty="0"/>
-          </a:p>
-        </p:txBody>
-      </p:sp>
-      <p:sp>
-        <p:nvSpPr>
-          <p:cNvPr id="4" name="Text Placeholder 4"/>
-          <p:cNvSpPr>
-            <a:spLocks noGrp="1"/>
-          </p:cNvSpPr>
-          <p:nvPr>
-            <p:ph type="body" sz="quarter" idx="11"/>
-          </p:nvPr>
-        </p:nvSpPr>
-        <p:spPr>
-          <a:xfrm>
-            <a:off x="609600" y="1670583"/>
-            <a:ext cx="7782147" cy="4811358"/>
-          </a:xfrm>
-        </p:spPr>
-        <p:txBody>
-          <a:bodyPr>
-            <a:noAutofit/>
-          </a:bodyPr>
-          <a:lstStyle>
-            <a:lvl1pPr>
-              <a:defRPr baseline="0"/>
-            </a:lvl1pPr>
-            <a:lvl2pPr>
-              <a:defRPr baseline="0"/>
-            </a:lvl2pPr>
-            <a:lvl3pPr>
-              <a:defRPr baseline="0"/>
-            </a:lvl3pPr>
-            <a:lvl4pPr>
-              <a:defRPr baseline="0"/>
-            </a:lvl4pPr>
-            <a:lvl5pPr>
-              <a:defRPr baseline="0"/>
-            </a:lvl5pPr>
-          </a:lstStyle>
-          <a:p>
-            <a:pPr lvl="0"/>
-            <a:r>
-              <a:rPr lang="en-US" smtClean="0"/>
-              <a:t>Click to edit Master text styles</a:t>
-            </a:r>
-          </a:p>
-          <a:p>
-            <a:pPr lvl="1"/>
-            <a:r>
-              <a:rPr lang="en-US" smtClean="0"/>
-              <a:t>Second level</a:t>
-            </a:r>
-          </a:p>
-          <a:p>
-            <a:pPr lvl="2"/>
-            <a:r>
-              <a:rPr lang="en-US" smtClean="0"/>
-              <a:t>Third level</a:t>
-            </a:r>
-          </a:p>
-          <a:p>
-            <a:pPr lvl="3"/>
-            <a:r>
-              <a:rPr lang="en-US" smtClean="0"/>
-              <a:t>Fourth level</a:t>
-            </a:r>
-          </a:p>
-          <a:p>
-            <a:pPr lvl="4"/>
-            <a:r>
-              <a:rPr lang="en-US" smtClean="0"/>
-              <a:t>Fifth level</a:t>
-            </a:r>
-            <a:endParaRPr lang="en-US" dirty="0"/>
-          </a:p>
-        </p:txBody>
-      </p:sp>
-    </p:spTree>
-    <p:extLst>
-      <p:ext uri="{BB962C8B-B14F-4D97-AF65-F5344CB8AC3E}">
-        <p14:creationId xmlns:p14="http://schemas.microsoft.com/office/powerpoint/2010/main" val="2400354020"/>
-      </p:ext>
-    </p:extLst>
-  </p:cSld>
-  <p:clrMapOvr>
-    <a:masterClrMapping/>
-  </p:clrMapOvr>
-  <mc:AlternateContent xmlns:mc="http://schemas.openxmlformats.org/markup-compatibility/2006" xmlns:p14="http://schemas.microsoft.com/office/powerpoint/2010/main">
-    <mc:Choice Requires="p14">
-      <p:transition spd="med" p14:dur="700">
-        <p:fade/>
-      </p:transition>
-    </mc:Choice>
-    <mc:Fallback xmlns="">
-      <p:transition spd="med">
-        <p:fade/>
-      </p:transition>
-    </mc:Fallback>
-  </mc:AlternateContent>
-  <p:timing>
-    <p:tnLst>
-      <p:par>
-        <p:cTn xmlns:p14="http://schemas.microsoft.com/office/powerpoint/2010/main" id="1" dur="indefinite" restart="never" nodeType="tmRoot"/>
-      </p:par>
-    </p:tnLst>
-  </p:timing>
-</p:sldLayout>
-</file>
-
-<file path=ppt/slideLayouts/slideLayout43.xml><?xml version="1.0" encoding="utf-8"?>
-<p:sldLayout xmlns:a="http://schemas.openxmlformats.org/drawingml/2006/main" xmlns:r="http://schemas.openxmlformats.org/officeDocument/2006/relationships" xmlns:p="http://schemas.openxmlformats.org/presentationml/2006/main" preserve="1" userDrawn="1">
-  <p:cSld name="Code and Pic">
-    <p:spTree>
-      <p:nvGrpSpPr>
-        <p:cNvPr id="1" name=""/>
-        <p:cNvGrpSpPr/>
-        <p:nvPr/>
-      </p:nvGrpSpPr>
-      <p:grpSpPr>
-        <a:xfrm>
-          <a:off x="0" y="0"/>
-          <a:ext cx="0" cy="0"/>
-          <a:chOff x="0" y="0"/>
-          <a:chExt cx="0" cy="0"/>
-        </a:xfrm>
-      </p:grpSpPr>
-      <p:sp>
-        <p:nvSpPr>
-          <p:cNvPr id="2" name="Title 1"/>
-          <p:cNvSpPr>
-            <a:spLocks noGrp="1"/>
-          </p:cNvSpPr>
-          <p:nvPr>
-            <p:ph type="title"/>
-          </p:nvPr>
-        </p:nvSpPr>
-        <p:spPr/>
-        <p:txBody>
-          <a:bodyPr/>
-          <a:lstStyle>
-            <a:lvl1pPr>
-              <a:defRPr baseline="0"/>
-            </a:lvl1pPr>
-          </a:lstStyle>
-          <a:p>
-            <a:r>
-              <a:rPr lang="en-US" smtClean="0"/>
-              <a:t>Click to edit Master title style</a:t>
-            </a:r>
-            <a:endParaRPr lang="en-US" dirty="0"/>
-          </a:p>
-        </p:txBody>
-      </p:sp>
-      <p:sp>
-        <p:nvSpPr>
-          <p:cNvPr id="4" name="Text Placeholder 4"/>
-          <p:cNvSpPr>
-            <a:spLocks noGrp="1"/>
-          </p:cNvSpPr>
-          <p:nvPr>
-            <p:ph type="body" sz="quarter" idx="11" hasCustomPrompt="1"/>
-          </p:nvPr>
-        </p:nvSpPr>
-        <p:spPr>
-          <a:xfrm>
-            <a:off x="609600" y="1670583"/>
-            <a:ext cx="7782147" cy="4811358"/>
-          </a:xfrm>
-        </p:spPr>
-        <p:txBody>
-          <a:bodyPr>
-            <a:noAutofit/>
-          </a:bodyPr>
-          <a:lstStyle>
-            <a:lvl1pPr marL="0" indent="0">
-              <a:buFontTx/>
-              <a:buNone/>
-              <a:defRPr baseline="0"/>
-            </a:lvl1pPr>
-            <a:lvl2pPr>
-              <a:defRPr baseline="0"/>
-            </a:lvl2pPr>
-            <a:lvl3pPr>
-              <a:defRPr baseline="0"/>
-            </a:lvl3pPr>
-            <a:lvl4pPr>
-              <a:defRPr baseline="0"/>
-            </a:lvl4pPr>
-            <a:lvl5pPr>
-              <a:defRPr baseline="0"/>
-            </a:lvl5pPr>
-          </a:lstStyle>
-          <a:p>
-            <a:pPr lvl="0"/>
-            <a:r>
-              <a:rPr lang="en-US" dirty="0" smtClean="0"/>
-              <a:t>code</a:t>
-            </a:r>
-          </a:p>
-        </p:txBody>
-      </p:sp>
-      <p:sp>
-        <p:nvSpPr>
-          <p:cNvPr id="6" name="Media Placeholder 6"/>
-          <p:cNvSpPr>
-            <a:spLocks noGrp="1"/>
-          </p:cNvSpPr>
-          <p:nvPr>
-            <p:ph type="media" sz="quarter" idx="12"/>
-          </p:nvPr>
-        </p:nvSpPr>
-        <p:spPr>
-          <a:xfrm>
-            <a:off x="8864600" y="1670050"/>
-            <a:ext cx="5156200" cy="5594350"/>
-          </a:xfrm>
-        </p:spPr>
-        <p:txBody>
-          <a:bodyPr/>
-          <a:lstStyle/>
-          <a:p>
-            <a:endParaRPr lang="en-US"/>
-          </a:p>
-        </p:txBody>
-      </p:sp>
-    </p:spTree>
-    <p:extLst>
-      <p:ext uri="{BB962C8B-B14F-4D97-AF65-F5344CB8AC3E}">
-        <p14:creationId xmlns:p14="http://schemas.microsoft.com/office/powerpoint/2010/main" val="4199763995"/>
-      </p:ext>
-    </p:extLst>
-  </p:cSld>
-  <p:clrMapOvr>
-    <a:masterClrMapping/>
-  </p:clrMapOvr>
-  <mc:AlternateContent xmlns:mc="http://schemas.openxmlformats.org/markup-compatibility/2006" xmlns:p14="http://schemas.microsoft.com/office/powerpoint/2010/main">
-    <mc:Choice Requires="p14">
-      <p:transition spd="med" p14:dur="700">
-        <p:fade/>
-      </p:transition>
-    </mc:Choice>
-    <mc:Fallback xmlns="">
-      <p:transition spd="med">
-        <p:fade/>
-      </p:transition>
-    </mc:Fallback>
-  </mc:AlternateContent>
-  <p:timing>
-    <p:tnLst>
-      <p:par>
-        <p:cTn xmlns:p14="http://schemas.microsoft.com/office/powerpoint/2010/main" id="1" dur="indefinite" restart="never" nodeType="tmRoot"/>
-      </p:par>
-    </p:tnLst>
-  </p:timing>
-</p:sldLayout>
-</file>
-
-<file path=ppt/slideLayouts/slideLayout44.xml><?xml version="1.0" encoding="utf-8"?>
-<p:sldLayout xmlns:a="http://schemas.openxmlformats.org/drawingml/2006/main" xmlns:r="http://schemas.openxmlformats.org/officeDocument/2006/relationships" xmlns:p="http://schemas.openxmlformats.org/presentationml/2006/main" preserve="1" userDrawn="1">
-  <p:cSld name="media and Pic">
-    <p:spTree>
-      <p:nvGrpSpPr>
-        <p:cNvPr id="1" name=""/>
-        <p:cNvGrpSpPr/>
-        <p:nvPr/>
-      </p:nvGrpSpPr>
-      <p:grpSpPr>
-        <a:xfrm>
-          <a:off x="0" y="0"/>
-          <a:ext cx="0" cy="0"/>
-          <a:chOff x="0" y="0"/>
-          <a:chExt cx="0" cy="0"/>
-        </a:xfrm>
-      </p:grpSpPr>
-      <p:sp>
-        <p:nvSpPr>
-          <p:cNvPr id="5" name="Media Placeholder 4"/>
-          <p:cNvSpPr>
-            <a:spLocks noGrp="1"/>
-          </p:cNvSpPr>
-          <p:nvPr>
-            <p:ph type="media" sz="quarter" idx="13"/>
-          </p:nvPr>
-        </p:nvSpPr>
-        <p:spPr>
-          <a:xfrm>
-            <a:off x="609600" y="1670050"/>
-            <a:ext cx="7781925" cy="5594350"/>
-          </a:xfrm>
-        </p:spPr>
-        <p:txBody>
-          <a:bodyPr/>
-          <a:lstStyle/>
-          <a:p>
-            <a:endParaRPr lang="en-US"/>
-          </a:p>
-        </p:txBody>
-      </p:sp>
-      <p:sp>
-        <p:nvSpPr>
-          <p:cNvPr id="2" name="Title 1"/>
-          <p:cNvSpPr>
-            <a:spLocks noGrp="1"/>
-          </p:cNvSpPr>
-          <p:nvPr>
-            <p:ph type="title"/>
-          </p:nvPr>
-        </p:nvSpPr>
-        <p:spPr/>
-        <p:txBody>
-          <a:bodyPr/>
-          <a:lstStyle>
-            <a:lvl1pPr>
-              <a:defRPr baseline="0"/>
-            </a:lvl1pPr>
-          </a:lstStyle>
-          <a:p>
-            <a:r>
-              <a:rPr lang="en-US" smtClean="0"/>
-              <a:t>Click to edit Master title style</a:t>
-            </a:r>
-            <a:endParaRPr lang="en-US" dirty="0"/>
-          </a:p>
-        </p:txBody>
-      </p:sp>
-      <p:sp>
-        <p:nvSpPr>
-          <p:cNvPr id="6" name="Media Placeholder 6"/>
-          <p:cNvSpPr>
-            <a:spLocks noGrp="1"/>
-          </p:cNvSpPr>
-          <p:nvPr>
-            <p:ph type="media" sz="quarter" idx="12"/>
-          </p:nvPr>
-        </p:nvSpPr>
-        <p:spPr>
-          <a:xfrm>
-            <a:off x="8864600" y="1670050"/>
-            <a:ext cx="5156200" cy="5594350"/>
-          </a:xfrm>
-        </p:spPr>
-        <p:txBody>
-          <a:bodyPr/>
-          <a:lstStyle/>
-          <a:p>
-            <a:endParaRPr lang="en-US"/>
-          </a:p>
-        </p:txBody>
-      </p:sp>
-    </p:spTree>
-    <p:extLst>
-      <p:ext uri="{BB962C8B-B14F-4D97-AF65-F5344CB8AC3E}">
-        <p14:creationId xmlns:p14="http://schemas.microsoft.com/office/powerpoint/2010/main" val="888659187"/>
-      </p:ext>
-    </p:extLst>
-  </p:cSld>
-  <p:clrMapOvr>
-    <a:masterClrMapping/>
-  </p:clrMapOvr>
-  <mc:AlternateContent xmlns:mc="http://schemas.openxmlformats.org/markup-compatibility/2006" xmlns:p14="http://schemas.microsoft.com/office/powerpoint/2010/main">
-    <mc:Choice Requires="p14">
-      <p:transition spd="med" p14:dur="700">
-        <p:fade/>
-      </p:transition>
-    </mc:Choice>
-    <mc:Fallback xmlns="">
-      <p:transition spd="med">
-        <p:fade/>
-      </p:transition>
-    </mc:Fallback>
-  </mc:AlternateContent>
-  <p:timing>
-    <p:tnLst>
-      <p:par>
-        <p:cTn xmlns:p14="http://schemas.microsoft.com/office/powerpoint/2010/main" id="1" dur="indefinite" restart="never" nodeType="tmRoot"/>
-      </p:par>
-    </p:tnLst>
-  </p:timing>
-</p:sldLayout>
-</file>
-
-<file path=ppt/slideLayouts/slideLayout45.xml><?xml version="1.0" encoding="utf-8"?>
-<p:sldLayout xmlns:a="http://schemas.openxmlformats.org/drawingml/2006/main" xmlns:r="http://schemas.openxmlformats.org/officeDocument/2006/relationships" xmlns:p="http://schemas.openxmlformats.org/presentationml/2006/main" preserve="1" userDrawn="1">
-  <p:cSld name="Bullets Picture Right">
-    <p:spTree>
-      <p:nvGrpSpPr>
-        <p:cNvPr id="1" name=""/>
-        <p:cNvGrpSpPr/>
-        <p:nvPr/>
-      </p:nvGrpSpPr>
-      <p:grpSpPr>
-        <a:xfrm>
-          <a:off x="0" y="0"/>
-          <a:ext cx="0" cy="0"/>
-          <a:chOff x="0" y="0"/>
-          <a:chExt cx="0" cy="0"/>
-        </a:xfrm>
-      </p:grpSpPr>
-      <p:sp>
-        <p:nvSpPr>
-          <p:cNvPr id="2" name="Title 1"/>
-          <p:cNvSpPr>
-            <a:spLocks noGrp="1"/>
-          </p:cNvSpPr>
-          <p:nvPr>
-            <p:ph type="title"/>
-          </p:nvPr>
-        </p:nvSpPr>
-        <p:spPr>
-          <a:xfrm>
-            <a:off x="609602" y="548642"/>
-            <a:ext cx="7782145" cy="609397"/>
-          </a:xfrm>
-        </p:spPr>
-        <p:txBody>
-          <a:bodyPr/>
-          <a:lstStyle>
-            <a:lvl1pPr>
-              <a:defRPr baseline="0"/>
-            </a:lvl1pPr>
-          </a:lstStyle>
-          <a:p>
-            <a:r>
-              <a:rPr lang="en-US" smtClean="0"/>
-              <a:t>Click to edit Master title style</a:t>
-            </a:r>
-            <a:endParaRPr lang="en-US" dirty="0"/>
-          </a:p>
-        </p:txBody>
-      </p:sp>
-      <p:sp>
-        <p:nvSpPr>
-          <p:cNvPr id="5" name="Text Placeholder 4"/>
-          <p:cNvSpPr>
-            <a:spLocks noGrp="1"/>
-          </p:cNvSpPr>
-          <p:nvPr>
-            <p:ph type="body" sz="quarter" idx="10"/>
-          </p:nvPr>
-        </p:nvSpPr>
-        <p:spPr>
-          <a:xfrm>
-            <a:off x="609600" y="1670583"/>
-            <a:ext cx="7782147" cy="4811358"/>
-          </a:xfrm>
-        </p:spPr>
-        <p:txBody>
-          <a:bodyPr>
-            <a:noAutofit/>
-          </a:bodyPr>
-          <a:lstStyle>
-            <a:lvl1pPr>
-              <a:defRPr baseline="0"/>
-            </a:lvl1pPr>
-            <a:lvl2pPr>
-              <a:defRPr baseline="0"/>
-            </a:lvl2pPr>
-            <a:lvl3pPr>
-              <a:defRPr baseline="0"/>
-            </a:lvl3pPr>
-            <a:lvl4pPr>
-              <a:defRPr baseline="0"/>
-            </a:lvl4pPr>
-            <a:lvl5pPr>
-              <a:defRPr baseline="0"/>
-            </a:lvl5pPr>
-          </a:lstStyle>
-          <a:p>
-            <a:pPr lvl="0"/>
-            <a:r>
-              <a:rPr lang="en-US" smtClean="0"/>
-              <a:t>Click to edit Master text styles</a:t>
-            </a:r>
-          </a:p>
-          <a:p>
-            <a:pPr lvl="1"/>
-            <a:r>
-              <a:rPr lang="en-US" smtClean="0"/>
-              <a:t>Second level</a:t>
-            </a:r>
-          </a:p>
-          <a:p>
-            <a:pPr lvl="2"/>
-            <a:r>
-              <a:rPr lang="en-US" smtClean="0"/>
-              <a:t>Third level</a:t>
-            </a:r>
-          </a:p>
-          <a:p>
-            <a:pPr lvl="3"/>
-            <a:r>
-              <a:rPr lang="en-US" smtClean="0"/>
-              <a:t>Fourth level</a:t>
-            </a:r>
-          </a:p>
-          <a:p>
-            <a:pPr lvl="4"/>
-            <a:r>
-              <a:rPr lang="en-US" smtClean="0"/>
-              <a:t>Fifth level</a:t>
-            </a:r>
-            <a:endParaRPr lang="en-US" dirty="0"/>
-          </a:p>
-        </p:txBody>
-      </p:sp>
-      <p:sp>
-        <p:nvSpPr>
-          <p:cNvPr id="3" name="Rectangle 2"/>
-          <p:cNvSpPr/>
-          <p:nvPr userDrawn="1"/>
-        </p:nvSpPr>
-        <p:spPr bwMode="auto">
-          <a:xfrm>
-            <a:off x="9110416" y="0"/>
-            <a:ext cx="5519984" cy="8229600"/>
-          </a:xfrm>
-          <a:prstGeom prst="rect">
-            <a:avLst/>
-          </a:prstGeom>
-          <a:solidFill>
-            <a:srgbClr val="3486A7"/>
-          </a:solidFill>
-          <a:ln>
-            <a:noFill/>
-            <a:headEnd type="none" w="med" len="med"/>
-            <a:tailEnd type="none" w="med" len="med"/>
-          </a:ln>
-          <a:effectLst/>
-        </p:spPr>
-        <p:style>
-          <a:lnRef idx="1">
-            <a:schemeClr val="accent4"/>
-          </a:lnRef>
-          <a:fillRef idx="3">
-            <a:schemeClr val="accent4"/>
-          </a:fillRef>
-          <a:effectRef idx="2">
-            <a:schemeClr val="accent4"/>
-          </a:effectRef>
-          <a:fontRef idx="minor">
-            <a:schemeClr val="lt1"/>
-          </a:fontRef>
-        </p:style>
-        <p:txBody>
-          <a:bodyPr vert="horz" wrap="square" lIns="91436" tIns="45718" rIns="91436" bIns="45718" numCol="1" rtlCol="0" anchor="ctr" anchorCtr="0" compatLnSpc="1">
-            <a:prstTxWarp prst="textNoShape">
-              <a:avLst/>
-            </a:prstTxWarp>
-          </a:bodyPr>
-          <a:lstStyle/>
-          <a:p>
-            <a:pPr algn="ctr" defTabSz="914099"/>
-            <a:endParaRPr lang="en-US" sz="2400" dirty="0" smtClean="0">
-              <a:gradFill>
-                <a:gsLst>
-                  <a:gs pos="0">
-                    <a:srgbClr val="FFFFFF"/>
-                  </a:gs>
-                  <a:gs pos="100000">
-                    <a:srgbClr val="FFFFFF"/>
-                  </a:gs>
-                </a:gsLst>
-                <a:lin ang="5400000" scaled="0"/>
-              </a:gradFill>
-              <a:latin typeface="Gill Sans Light"/>
-              <a:cs typeface="Gill Sans Light"/>
-            </a:endParaRPr>
-          </a:p>
-        </p:txBody>
-      </p:sp>
-      <p:sp>
-        <p:nvSpPr>
-          <p:cNvPr id="7" name="Media Placeholder 6"/>
-          <p:cNvSpPr>
-            <a:spLocks noGrp="1"/>
-          </p:cNvSpPr>
-          <p:nvPr>
-            <p:ph type="media" sz="quarter" idx="11"/>
-          </p:nvPr>
-        </p:nvSpPr>
-        <p:spPr>
-          <a:xfrm>
-            <a:off x="9296400" y="1670050"/>
-            <a:ext cx="5156200" cy="4811713"/>
-          </a:xfrm>
-        </p:spPr>
-        <p:txBody>
-          <a:bodyPr/>
-          <a:lstStyle/>
-          <a:p>
-            <a:endParaRPr lang="en-US"/>
-          </a:p>
-        </p:txBody>
-      </p:sp>
-    </p:spTree>
-    <p:extLst>
-      <p:ext uri="{BB962C8B-B14F-4D97-AF65-F5344CB8AC3E}">
-        <p14:creationId xmlns:p14="http://schemas.microsoft.com/office/powerpoint/2010/main" val="2059248469"/>
-      </p:ext>
-    </p:extLst>
-  </p:cSld>
-  <p:clrMapOvr>
-    <a:masterClrMapping/>
-  </p:clrMapOvr>
-  <mc:AlternateContent xmlns:mc="http://schemas.openxmlformats.org/markup-compatibility/2006" xmlns:p14="http://schemas.microsoft.com/office/powerpoint/2010/main">
-    <mc:Choice Requires="p14">
-      <p:transition spd="med" p14:dur="700">
-        <p:fade/>
-      </p:transition>
-    </mc:Choice>
-    <mc:Fallback xmlns="">
-      <p:transition spd="med">
-        <p:fade/>
-      </p:transition>
-    </mc:Fallback>
-  </mc:AlternateContent>
-  <p:timing>
-    <p:tnLst>
-      <p:par>
-        <p:cTn xmlns:p14="http://schemas.microsoft.com/office/powerpoint/2010/main" id="1" dur="indefinite" restart="never" nodeType="tmRoot"/>
-      </p:par>
-    </p:tnLst>
-  </p:timing>
-</p:sldLayout>
-</file>
-
-<file path=ppt/slideLayouts/slideLayout46.xml><?xml version="1.0" encoding="utf-8"?>
-<p:sldLayout xmlns:a="http://schemas.openxmlformats.org/drawingml/2006/main" xmlns:r="http://schemas.openxmlformats.org/officeDocument/2006/relationships" xmlns:p="http://schemas.openxmlformats.org/presentationml/2006/main" preserve="1" userDrawn="1">
-  <p:cSld name="Bullets Words Right - Orange">
-    <p:spTree>
-      <p:nvGrpSpPr>
-        <p:cNvPr id="1" name=""/>
-        <p:cNvGrpSpPr/>
-        <p:nvPr/>
-      </p:nvGrpSpPr>
-      <p:grpSpPr>
-        <a:xfrm>
-          <a:off x="0" y="0"/>
-          <a:ext cx="0" cy="0"/>
-          <a:chOff x="0" y="0"/>
-          <a:chExt cx="0" cy="0"/>
-        </a:xfrm>
-      </p:grpSpPr>
-      <p:sp>
-        <p:nvSpPr>
-          <p:cNvPr id="2" name="Title 1"/>
-          <p:cNvSpPr>
-            <a:spLocks noGrp="1"/>
-          </p:cNvSpPr>
-          <p:nvPr>
-            <p:ph type="title"/>
-          </p:nvPr>
-        </p:nvSpPr>
-        <p:spPr>
-          <a:xfrm>
-            <a:off x="609602" y="548642"/>
-            <a:ext cx="7782145" cy="609397"/>
-          </a:xfrm>
-        </p:spPr>
-        <p:txBody>
-          <a:bodyPr/>
-          <a:lstStyle>
-            <a:lvl1pPr>
-              <a:defRPr baseline="0"/>
-            </a:lvl1pPr>
-          </a:lstStyle>
-          <a:p>
-            <a:r>
-              <a:rPr lang="en-US" smtClean="0"/>
-              <a:t>Click to edit Master title style</a:t>
-            </a:r>
-            <a:endParaRPr lang="en-US" dirty="0"/>
-          </a:p>
-        </p:txBody>
-      </p:sp>
-      <p:sp>
-        <p:nvSpPr>
-          <p:cNvPr id="5" name="Text Placeholder 4"/>
-          <p:cNvSpPr>
-            <a:spLocks noGrp="1"/>
-          </p:cNvSpPr>
-          <p:nvPr>
-            <p:ph type="body" sz="quarter" idx="10"/>
-          </p:nvPr>
-        </p:nvSpPr>
-        <p:spPr>
-          <a:xfrm>
-            <a:off x="609600" y="1670583"/>
-            <a:ext cx="7782147" cy="4811358"/>
-          </a:xfrm>
-        </p:spPr>
-        <p:txBody>
-          <a:bodyPr>
-            <a:noAutofit/>
-          </a:bodyPr>
-          <a:lstStyle>
-            <a:lvl1pPr>
-              <a:defRPr baseline="0"/>
-            </a:lvl1pPr>
-            <a:lvl2pPr>
-              <a:defRPr baseline="0"/>
-            </a:lvl2pPr>
-            <a:lvl3pPr>
-              <a:defRPr baseline="0"/>
-            </a:lvl3pPr>
-            <a:lvl4pPr>
-              <a:defRPr baseline="0"/>
-            </a:lvl4pPr>
-            <a:lvl5pPr>
-              <a:defRPr baseline="0"/>
-            </a:lvl5pPr>
-          </a:lstStyle>
-          <a:p>
-            <a:pPr lvl="0"/>
-            <a:r>
-              <a:rPr lang="en-US" smtClean="0"/>
-              <a:t>Click to edit Master text styles</a:t>
-            </a:r>
-          </a:p>
-          <a:p>
-            <a:pPr lvl="1"/>
-            <a:r>
-              <a:rPr lang="en-US" smtClean="0"/>
-              <a:t>Second level</a:t>
-            </a:r>
-          </a:p>
-          <a:p>
-            <a:pPr lvl="2"/>
-            <a:r>
-              <a:rPr lang="en-US" smtClean="0"/>
-              <a:t>Third level</a:t>
-            </a:r>
-          </a:p>
-          <a:p>
-            <a:pPr lvl="3"/>
-            <a:r>
-              <a:rPr lang="en-US" smtClean="0"/>
-              <a:t>Fourth level</a:t>
-            </a:r>
-          </a:p>
-          <a:p>
-            <a:pPr lvl="4"/>
-            <a:r>
-              <a:rPr lang="en-US" smtClean="0"/>
-              <a:t>Fifth level</a:t>
-            </a:r>
-            <a:endParaRPr lang="en-US" dirty="0"/>
-          </a:p>
-        </p:txBody>
-      </p:sp>
-      <p:sp>
-        <p:nvSpPr>
-          <p:cNvPr id="3" name="Rectangle 2"/>
-          <p:cNvSpPr/>
-          <p:nvPr userDrawn="1"/>
-        </p:nvSpPr>
-        <p:spPr bwMode="auto">
-          <a:xfrm>
-            <a:off x="9110416" y="0"/>
-            <a:ext cx="5519984" cy="8229600"/>
-          </a:xfrm>
-          <a:prstGeom prst="rect">
-            <a:avLst/>
-          </a:prstGeom>
-          <a:solidFill>
-            <a:srgbClr val="F28B21"/>
-          </a:solidFill>
-          <a:ln>
-            <a:noFill/>
-            <a:headEnd type="none" w="med" len="med"/>
-            <a:tailEnd type="none" w="med" len="med"/>
-          </a:ln>
-          <a:effectLst/>
-        </p:spPr>
-        <p:style>
-          <a:lnRef idx="1">
-            <a:schemeClr val="accent4"/>
-          </a:lnRef>
-          <a:fillRef idx="3">
-            <a:schemeClr val="accent4"/>
-          </a:fillRef>
-          <a:effectRef idx="2">
-            <a:schemeClr val="accent4"/>
-          </a:effectRef>
-          <a:fontRef idx="minor">
-            <a:schemeClr val="lt1"/>
-          </a:fontRef>
-        </p:style>
-        <p:txBody>
-          <a:bodyPr vert="horz" wrap="square" lIns="91436" tIns="45718" rIns="91436" bIns="45718" numCol="1" rtlCol="0" anchor="ctr" anchorCtr="0" compatLnSpc="1">
-            <a:prstTxWarp prst="textNoShape">
-              <a:avLst/>
-            </a:prstTxWarp>
-          </a:bodyPr>
-          <a:lstStyle/>
-          <a:p>
-            <a:pPr algn="ctr" defTabSz="914099"/>
-            <a:endParaRPr lang="en-US" sz="2400" dirty="0" smtClean="0">
-              <a:gradFill>
-                <a:gsLst>
-                  <a:gs pos="0">
-                    <a:srgbClr val="FFFFFF"/>
-                  </a:gs>
-                  <a:gs pos="100000">
-                    <a:srgbClr val="FFFFFF"/>
-                  </a:gs>
-                </a:gsLst>
-                <a:lin ang="5400000" scaled="0"/>
-              </a:gradFill>
-              <a:latin typeface="Gill Sans Light"/>
-              <a:cs typeface="Gill Sans Light"/>
-            </a:endParaRPr>
-          </a:p>
-        </p:txBody>
-      </p:sp>
-      <p:sp>
-        <p:nvSpPr>
-          <p:cNvPr id="7" name="Media Placeholder 6"/>
-          <p:cNvSpPr>
-            <a:spLocks noGrp="1"/>
-          </p:cNvSpPr>
-          <p:nvPr>
-            <p:ph type="media" sz="quarter" idx="11"/>
-          </p:nvPr>
-        </p:nvSpPr>
-        <p:spPr>
-          <a:xfrm>
-            <a:off x="10718800" y="548642"/>
-            <a:ext cx="2320375" cy="2165350"/>
-          </a:xfrm>
-        </p:spPr>
-        <p:txBody>
-          <a:bodyPr/>
-          <a:lstStyle/>
-          <a:p>
-            <a:endParaRPr lang="en-US"/>
-          </a:p>
-        </p:txBody>
-      </p:sp>
-      <p:sp>
-        <p:nvSpPr>
-          <p:cNvPr id="6" name="Text Placeholder 5"/>
-          <p:cNvSpPr>
-            <a:spLocks noGrp="1"/>
-          </p:cNvSpPr>
-          <p:nvPr>
-            <p:ph type="body" sz="quarter" idx="12"/>
-          </p:nvPr>
-        </p:nvSpPr>
-        <p:spPr>
-          <a:xfrm>
-            <a:off x="9321800" y="3069592"/>
-            <a:ext cx="5080000" cy="4495800"/>
-          </a:xfrm>
-        </p:spPr>
-        <p:txBody>
-          <a:bodyPr/>
-          <a:lstStyle>
-            <a:lvl1pPr marL="0" indent="0" algn="ctr">
-              <a:buFontTx/>
-              <a:buNone/>
-              <a:defRPr sz="4800">
-                <a:solidFill>
-                  <a:schemeClr val="bg1"/>
-                </a:solidFill>
-                <a:latin typeface=""/>
-              </a:defRPr>
-            </a:lvl1pPr>
-            <a:lvl2pPr marL="278048" indent="0" algn="ctr">
-              <a:buFontTx/>
-              <a:buNone/>
-              <a:defRPr sz="4800">
-                <a:solidFill>
-                  <a:schemeClr val="bg1"/>
-                </a:solidFill>
-                <a:latin typeface=""/>
-              </a:defRPr>
-            </a:lvl2pPr>
-            <a:lvl3pPr marL="548476" indent="0" algn="ctr">
-              <a:buFontTx/>
-              <a:buNone/>
-              <a:defRPr sz="4800">
-                <a:solidFill>
-                  <a:schemeClr val="bg1"/>
-                </a:solidFill>
-                <a:latin typeface=""/>
-              </a:defRPr>
-            </a:lvl3pPr>
-            <a:lvl4pPr marL="756061" indent="0" algn="ctr">
-              <a:buFontTx/>
-              <a:buNone/>
-              <a:defRPr sz="4800">
-                <a:solidFill>
-                  <a:schemeClr val="bg1"/>
-                </a:solidFill>
-                <a:latin typeface=""/>
-              </a:defRPr>
-            </a:lvl4pPr>
-            <a:lvl5pPr marL="961738" indent="0" algn="ctr">
-              <a:buFontTx/>
-              <a:buNone/>
-              <a:defRPr sz="4800">
-                <a:solidFill>
-                  <a:schemeClr val="bg1"/>
-                </a:solidFill>
-                <a:latin typeface=""/>
-              </a:defRPr>
-            </a:lvl5pPr>
-          </a:lstStyle>
-          <a:p>
-            <a:pPr lvl="0"/>
-            <a:r>
-              <a:rPr lang="en-US" dirty="0" smtClean="0"/>
-              <a:t>Click to edit Master text</a:t>
-            </a:r>
-            <a:endParaRPr lang="en-US" dirty="0"/>
-          </a:p>
-        </p:txBody>
-      </p:sp>
-    </p:spTree>
-    <p:extLst>
-      <p:ext uri="{BB962C8B-B14F-4D97-AF65-F5344CB8AC3E}">
-        <p14:creationId xmlns:p14="http://schemas.microsoft.com/office/powerpoint/2010/main" val="704413156"/>
-      </p:ext>
-    </p:extLst>
-  </p:cSld>
-  <p:clrMapOvr>
-    <a:masterClrMapping/>
-  </p:clrMapOvr>
-  <mc:AlternateContent xmlns:mc="http://schemas.openxmlformats.org/markup-compatibility/2006" xmlns:p14="http://schemas.microsoft.com/office/powerpoint/2010/main">
-    <mc:Choice Requires="p14">
-      <p:transition spd="med" p14:dur="700">
-        <p:fade/>
-      </p:transition>
-    </mc:Choice>
-    <mc:Fallback xmlns="">
-      <p:transition spd="med">
-        <p:fade/>
-      </p:transition>
-    </mc:Fallback>
-  </mc:AlternateContent>
-  <p:timing>
-    <p:tnLst>
-      <p:par>
-        <p:cTn xmlns:p14="http://schemas.microsoft.com/office/powerpoint/2010/main" id="1" dur="indefinite" restart="never" nodeType="tmRoot"/>
-      </p:par>
-    </p:tnLst>
-  </p:timing>
-</p:sldLayout>
-</file>
-
-<file path=ppt/slideLayouts/slideLayout47.xml><?xml version="1.0" encoding="utf-8"?>
-<p:sldLayout xmlns:a="http://schemas.openxmlformats.org/drawingml/2006/main" xmlns:r="http://schemas.openxmlformats.org/officeDocument/2006/relationships" xmlns:p="http://schemas.openxmlformats.org/presentationml/2006/main" preserve="1">
-  <p:cSld name="Code">
-    <p:spTree>
-      <p:nvGrpSpPr>
-        <p:cNvPr id="1" name=""/>
-        <p:cNvGrpSpPr/>
-        <p:nvPr/>
-      </p:nvGrpSpPr>
-      <p:grpSpPr>
-        <a:xfrm>
-          <a:off x="0" y="0"/>
-          <a:ext cx="0" cy="0"/>
-          <a:chOff x="0" y="0"/>
-          <a:chExt cx="0" cy="0"/>
-        </a:xfrm>
-      </p:grpSpPr>
-      <p:sp>
-        <p:nvSpPr>
-          <p:cNvPr id="2" name="Title 1"/>
-          <p:cNvSpPr>
-            <a:spLocks noGrp="1"/>
-          </p:cNvSpPr>
-          <p:nvPr>
-            <p:ph type="title"/>
-          </p:nvPr>
-        </p:nvSpPr>
-        <p:spPr/>
-        <p:txBody>
-          <a:bodyPr/>
-          <a:lstStyle/>
-          <a:p>
-            <a:r>
-              <a:rPr lang="en-US" smtClean="0"/>
-              <a:t>Click to edit Master title style</a:t>
-            </a:r>
-            <a:endParaRPr lang="en-US" dirty="0"/>
-          </a:p>
-        </p:txBody>
-      </p:sp>
-      <p:sp>
-        <p:nvSpPr>
-          <p:cNvPr id="5" name="Text Placeholder 4"/>
-          <p:cNvSpPr>
-            <a:spLocks noGrp="1"/>
-          </p:cNvSpPr>
-          <p:nvPr>
-            <p:ph type="body" sz="quarter" idx="10"/>
-          </p:nvPr>
-        </p:nvSpPr>
-        <p:spPr>
-          <a:xfrm>
-            <a:off x="609600" y="1670583"/>
-            <a:ext cx="13408762" cy="4811358"/>
-          </a:xfrm>
-        </p:spPr>
-        <p:txBody>
-          <a:bodyPr>
-            <a:noAutofit/>
-          </a:bodyPr>
-          <a:lstStyle>
-            <a:lvl1pPr marL="0" indent="0">
-              <a:buNone/>
-              <a:defRPr>
-                <a:latin typeface="Consolas" panose="020B0609020204030204" pitchFamily="49" charset="0"/>
-                <a:cs typeface="Consolas" panose="020B0609020204030204" pitchFamily="49" charset="0"/>
-              </a:defRPr>
-            </a:lvl1pPr>
-            <a:lvl2pPr marL="278046" indent="0">
-              <a:buNone/>
-              <a:defRPr>
-                <a:latin typeface="Consolas" panose="020B0609020204030204" pitchFamily="49" charset="0"/>
-                <a:cs typeface="Consolas" panose="020B0609020204030204" pitchFamily="49" charset="0"/>
-              </a:defRPr>
-            </a:lvl2pPr>
-            <a:lvl3pPr marL="548477" indent="0">
-              <a:buNone/>
-              <a:defRPr>
-                <a:latin typeface="Consolas" panose="020B0609020204030204" pitchFamily="49" charset="0"/>
-                <a:cs typeface="Consolas" panose="020B0609020204030204" pitchFamily="49" charset="0"/>
-              </a:defRPr>
-            </a:lvl3pPr>
-            <a:lvl4pPr marL="756058" indent="0">
-              <a:buNone/>
-              <a:defRPr>
-                <a:latin typeface="Consolas" panose="020B0609020204030204" pitchFamily="49" charset="0"/>
-                <a:cs typeface="Consolas" panose="020B0609020204030204" pitchFamily="49" charset="0"/>
-              </a:defRPr>
-            </a:lvl4pPr>
-            <a:lvl5pPr marL="961736" indent="0">
-              <a:buNone/>
-              <a:defRPr>
-                <a:latin typeface="Consolas" panose="020B0609020204030204" pitchFamily="49" charset="0"/>
-                <a:cs typeface="Consolas" panose="020B0609020204030204" pitchFamily="49" charset="0"/>
-              </a:defRPr>
-            </a:lvl5pPr>
-          </a:lstStyle>
-          <a:p>
-            <a:pPr lvl="0"/>
-            <a:r>
-              <a:rPr lang="en-US" smtClean="0"/>
-              <a:t>Click to edit Master text styles</a:t>
-            </a:r>
-          </a:p>
-        </p:txBody>
-      </p:sp>
-    </p:spTree>
-    <p:extLst>
-      <p:ext uri="{BB962C8B-B14F-4D97-AF65-F5344CB8AC3E}">
-        <p14:creationId xmlns:p14="http://schemas.microsoft.com/office/powerpoint/2010/main" val="544316297"/>
-      </p:ext>
-    </p:extLst>
-  </p:cSld>
-  <p:clrMapOvr>
-    <a:masterClrMapping/>
-  </p:clrMapOvr>
-  <mc:AlternateContent xmlns:mc="http://schemas.openxmlformats.org/markup-compatibility/2006" xmlns:p14="http://schemas.microsoft.com/office/powerpoint/2010/main">
-    <mc:Choice Requires="p14">
-      <p:transition spd="med" p14:dur="700">
-        <p:fade/>
-      </p:transition>
-    </mc:Choice>
-    <mc:Fallback xmlns="">
-      <p:transition spd="med">
-        <p:fade/>
-      </p:transition>
-    </mc:Fallback>
-  </mc:AlternateContent>
-  <p:timing>
-    <p:tnLst>
-      <p:par>
-        <p:cTn xmlns:p14="http://schemas.microsoft.com/office/powerpoint/2010/main" id="1" dur="indefinite" restart="never" nodeType="tmRoot"/>
-      </p:par>
-    </p:tnLst>
-  </p:timing>
-</p:sldLayout>
-</file>
-
-<file path=ppt/slideLayouts/slideLayout48.xml><?xml version="1.0" encoding="utf-8"?>
-<p:sldLayout xmlns:a="http://schemas.openxmlformats.org/drawingml/2006/main" xmlns:r="http://schemas.openxmlformats.org/officeDocument/2006/relationships" xmlns:p="http://schemas.openxmlformats.org/presentationml/2006/main" preserve="1">
-  <p:cSld name="1_Title Only">
-    <p:spTree>
-      <p:nvGrpSpPr>
-        <p:cNvPr id="1" name=""/>
-        <p:cNvGrpSpPr/>
-        <p:nvPr/>
-      </p:nvGrpSpPr>
-      <p:grpSpPr>
-        <a:xfrm>
-          <a:off x="0" y="0"/>
-          <a:ext cx="0" cy="0"/>
-          <a:chOff x="0" y="0"/>
-          <a:chExt cx="0" cy="0"/>
-        </a:xfrm>
-      </p:grpSpPr>
-      <p:sp>
-        <p:nvSpPr>
-          <p:cNvPr id="2" name="Title 1"/>
-          <p:cNvSpPr>
-            <a:spLocks noGrp="1"/>
-          </p:cNvSpPr>
-          <p:nvPr>
-            <p:ph type="title"/>
-          </p:nvPr>
-        </p:nvSpPr>
-        <p:spPr/>
-        <p:txBody>
-          <a:bodyPr/>
-          <a:lstStyle/>
-          <a:p>
-            <a:r>
-              <a:rPr lang="en-US" smtClean="0"/>
-              <a:t>Click to edit Master title style</a:t>
-            </a:r>
-            <a:endParaRPr lang="en-US"/>
-          </a:p>
-        </p:txBody>
-      </p:sp>
-    </p:spTree>
-    <p:extLst>
-      <p:ext uri="{BB962C8B-B14F-4D97-AF65-F5344CB8AC3E}">
-        <p14:creationId xmlns:p14="http://schemas.microsoft.com/office/powerpoint/2010/main" val="776256159"/>
-      </p:ext>
-    </p:extLst>
-  </p:cSld>
-  <p:clrMapOvr>
-    <a:masterClrMapping/>
-  </p:clrMapOvr>
-  <mc:AlternateContent xmlns:mc="http://schemas.openxmlformats.org/markup-compatibility/2006" xmlns:p14="http://schemas.microsoft.com/office/powerpoint/2010/main">
-    <mc:Choice Requires="p14">
-      <p:transition spd="med" p14:dur="700">
-        <p:fade/>
-      </p:transition>
-    </mc:Choice>
-    <mc:Fallback xmlns="">
-      <p:transition spd="med">
-        <p:fade/>
-      </p:transition>
-    </mc:Fallback>
-  </mc:AlternateContent>
-  <p:timing>
-    <p:tnLst>
-      <p:par>
-        <p:cTn xmlns:p14="http://schemas.microsoft.com/office/powerpoint/2010/main" id="1" dur="indefinite" restart="never" nodeType="tmRoot"/>
-      </p:par>
-    </p:tnLst>
-  </p:timing>
-</p:sldLayout>
-</file>
-
-<file path=ppt/slideLayouts/slideLayout49.xml><?xml version="1.0" encoding="utf-8"?>
-<p:sldLayout xmlns:a="http://schemas.openxmlformats.org/drawingml/2006/main" xmlns:r="http://schemas.openxmlformats.org/officeDocument/2006/relationships" xmlns:p="http://schemas.openxmlformats.org/presentationml/2006/main" preserve="1" userDrawn="1">
-  <p:cSld name="Title Only">
-    <p:spTree>
-      <p:nvGrpSpPr>
-        <p:cNvPr id="1" name=""/>
-        <p:cNvGrpSpPr/>
-        <p:nvPr/>
-      </p:nvGrpSpPr>
-      <p:grpSpPr>
-        <a:xfrm>
-          <a:off x="0" y="0"/>
-          <a:ext cx="0" cy="0"/>
-          <a:chOff x="0" y="0"/>
-          <a:chExt cx="0" cy="0"/>
-        </a:xfrm>
-      </p:grpSpPr>
-      <p:sp>
-        <p:nvSpPr>
-          <p:cNvPr id="2" name="Title 1"/>
-          <p:cNvSpPr>
-            <a:spLocks noGrp="1"/>
-          </p:cNvSpPr>
-          <p:nvPr>
-            <p:ph type="title"/>
-          </p:nvPr>
-        </p:nvSpPr>
-        <p:spPr/>
-        <p:txBody>
-          <a:bodyPr/>
-          <a:lstStyle/>
-          <a:p>
-            <a:r>
-              <a:rPr lang="en-US" smtClean="0"/>
-              <a:t>Click to edit Master title style</a:t>
-            </a:r>
-            <a:endParaRPr lang="en-US"/>
-          </a:p>
-        </p:txBody>
-      </p:sp>
-      <p:sp>
-        <p:nvSpPr>
-          <p:cNvPr id="3" name="Content Placeholder 3"/>
-          <p:cNvSpPr>
-            <a:spLocks noGrp="1"/>
-          </p:cNvSpPr>
-          <p:nvPr>
-            <p:ph sz="quarter" idx="11" hasCustomPrompt="1"/>
-          </p:nvPr>
-        </p:nvSpPr>
-        <p:spPr bwMode="white">
-          <a:xfrm>
-            <a:off x="1008994" y="2084367"/>
-            <a:ext cx="13009368" cy="5022432"/>
-          </a:xfrm>
-          <a:prstGeom prst="rect">
-            <a:avLst/>
-          </a:prstGeom>
-          <a:solidFill>
-            <a:srgbClr val="000000"/>
-          </a:solidFill>
-          <a:ln w="12700">
-            <a:solidFill>
-              <a:srgbClr val="000000"/>
-            </a:solidFill>
-            <a:prstDash val="dash"/>
-          </a:ln>
-        </p:spPr>
-        <p:txBody>
-          <a:bodyPr lIns="82296" tIns="41148" rIns="82296" bIns="41148">
-            <a:noAutofit/>
-          </a:bodyPr>
-          <a:lstStyle>
-            <a:lvl1pPr marL="0" marR="0" indent="0" algn="l" defTabSz="1097208" rtl="0" eaLnBrk="1" fontAlgn="auto" latinLnBrk="0" hangingPunct="1">
-              <a:lnSpc>
-                <a:spcPct val="100000"/>
-              </a:lnSpc>
-              <a:spcBef>
-                <a:spcPts val="720"/>
-              </a:spcBef>
-              <a:spcAft>
-                <a:spcPts val="0"/>
-              </a:spcAft>
-              <a:buClrTx/>
-              <a:buSzPct val="90000"/>
-              <a:buFont typeface="Arial" pitchFamily="34" charset="0"/>
-              <a:buNone/>
-              <a:tabLst/>
-              <a:defRPr sz="2500">
-                <a:solidFill>
-                  <a:srgbClr val="FFFFFF"/>
-                </a:solidFill>
-                <a:latin typeface="Consolas"/>
-                <a:cs typeface="Consolas"/>
-              </a:defRPr>
-            </a:lvl1pPr>
-            <a:lvl2pPr>
-              <a:defRPr>
-                <a:solidFill>
-                  <a:srgbClr val="FFFFFF"/>
-                </a:solidFill>
-              </a:defRPr>
-            </a:lvl2pPr>
-            <a:lvl3pPr>
-              <a:defRPr>
-                <a:solidFill>
-                  <a:srgbClr val="FFFFFF"/>
-                </a:solidFill>
-              </a:defRPr>
-            </a:lvl3pPr>
-            <a:lvl4pPr>
-              <a:defRPr>
-                <a:solidFill>
-                  <a:srgbClr val="FFFFFF"/>
-                </a:solidFill>
-              </a:defRPr>
-            </a:lvl4pPr>
-            <a:lvl5pPr>
-              <a:defRPr>
-                <a:solidFill>
-                  <a:srgbClr val="FFFFFF"/>
-                </a:solidFill>
-              </a:defRPr>
-            </a:lvl5pPr>
-          </a:lstStyle>
-          <a:p>
-            <a:pPr marL="0" marR="0" lvl="0" indent="0" algn="l" defTabSz="1097208" rtl="0" eaLnBrk="1" fontAlgn="auto" latinLnBrk="0" hangingPunct="1">
-              <a:lnSpc>
-                <a:spcPct val="100000"/>
-              </a:lnSpc>
-              <a:spcBef>
-                <a:spcPts val="720"/>
-              </a:spcBef>
-              <a:spcAft>
-                <a:spcPts val="0"/>
-              </a:spcAft>
-              <a:buClrTx/>
-              <a:buSzPct val="90000"/>
-              <a:buFont typeface="Arial" pitchFamily="34" charset="0"/>
-              <a:buNone/>
-              <a:tabLst/>
-              <a:defRPr/>
-            </a:pPr>
-            <a:r>
-              <a:rPr kumimoji="0" lang="en-US" sz="2500" b="0" i="0" u="none" strike="noStrike" kern="0" cap="none" spc="0" normalizeH="0" baseline="0" noProof="0" dirty="0" smtClean="0">
-                <a:ln>
-                  <a:noFill/>
-                </a:ln>
-                <a:solidFill>
-                  <a:srgbClr val="FFFFFF"/>
-                </a:solidFill>
-                <a:effectLst/>
-                <a:uLnTx/>
-                <a:uFillTx/>
-                <a:latin typeface="Consolas"/>
-                <a:cs typeface="Consolas"/>
-              </a:rPr>
-              <a:t>RESULT</a:t>
-            </a:r>
-          </a:p>
-        </p:txBody>
-      </p:sp>
-      <p:pic>
-        <p:nvPicPr>
-          <p:cNvPr id="4" name="Picture 3"/>
-          <p:cNvPicPr>
-            <a:picLocks noChangeAspect="1"/>
-          </p:cNvPicPr>
-          <p:nvPr userDrawn="1"/>
-        </p:nvPicPr>
-        <p:blipFill>
-          <a:blip r:embed="rId2">
-            <a:extLst>
-              <a:ext uri="{28A0092B-C50C-407E-A947-70E740481C1C}">
-                <a14:useLocalDpi xmlns:a14="http://schemas.microsoft.com/office/drawing/2010/main" val="0"/>
-              </a:ext>
-            </a:extLst>
-          </a:blip>
-          <a:srcRect/>
-          <a:stretch>
-            <a:fillRect/>
-          </a:stretch>
-        </p:blipFill>
-        <p:spPr bwMode="auto">
-          <a:xfrm>
-            <a:off x="221457" y="1412262"/>
-            <a:ext cx="632936" cy="484346"/>
-          </a:xfrm>
-          <a:prstGeom prst="rect">
-            <a:avLst/>
-          </a:prstGeom>
-          <a:noFill/>
-          <a:ln>
-            <a:noFill/>
-          </a:ln>
-          <a:extLst>
-            <a:ext uri="{909E8E84-426E-40dd-AFC4-6F175D3DCCD1}">
-              <a14:hiddenFill xmlns:a14="http://schemas.microsoft.com/office/drawing/2010/main">
-                <a:solidFill>
-                  <a:srgbClr val="FFFFFF"/>
-                </a:solidFill>
-              </a14:hiddenFill>
-            </a:ext>
-            <a:ext uri="{91240B29-F687-4f45-9708-019B960494DF}">
-              <a14:hiddenLine xmlns:a14="http://schemas.microsoft.com/office/drawing/2010/main" w="9525">
-                <a:solidFill>
-                  <a:srgbClr val="000000"/>
-                </a:solidFill>
-                <a:miter lim="800000"/>
-                <a:headEnd/>
-                <a:tailEnd/>
-              </a14:hiddenLine>
-            </a:ext>
-          </a:extLst>
-        </p:spPr>
-      </p:pic>
-      <p:sp>
-        <p:nvSpPr>
-          <p:cNvPr id="5" name="Rectangle 4"/>
-          <p:cNvSpPr/>
-          <p:nvPr userDrawn="1"/>
-        </p:nvSpPr>
-        <p:spPr bwMode="auto">
-          <a:xfrm>
-            <a:off x="1008994" y="1313051"/>
-            <a:ext cx="13009368" cy="672105"/>
-          </a:xfrm>
-          <a:prstGeom prst="rect">
-            <a:avLst/>
-          </a:prstGeom>
-          <a:solidFill>
-            <a:schemeClr val="tx1"/>
-          </a:solidFill>
-          <a:ln>
-            <a:noFill/>
-            <a:headEnd type="none" w="med" len="med"/>
-            <a:tailEnd type="none" w="med" len="med"/>
-          </a:ln>
-          <a:effectLst/>
-        </p:spPr>
-        <p:style>
-          <a:lnRef idx="1">
-            <a:schemeClr val="accent4"/>
-          </a:lnRef>
-          <a:fillRef idx="3">
-            <a:schemeClr val="accent4"/>
-          </a:fillRef>
-          <a:effectRef idx="2">
-            <a:schemeClr val="accent4"/>
-          </a:effectRef>
-          <a:fontRef idx="minor">
-            <a:schemeClr val="lt1"/>
-          </a:fontRef>
-        </p:style>
-        <p:txBody>
-          <a:bodyPr vert="horz" wrap="square" lIns="91436" tIns="45718" rIns="91436" bIns="45718" numCol="1" rtlCol="0" anchor="ctr" anchorCtr="0" compatLnSpc="1">
-            <a:prstTxWarp prst="textNoShape">
-              <a:avLst/>
-            </a:prstTxWarp>
-          </a:bodyPr>
-          <a:lstStyle/>
-          <a:p>
-            <a:pPr defTabSz="914099"/>
-            <a:r>
-              <a:rPr lang="en-US" sz="2500" b="1" dirty="0" smtClean="0">
-                <a:gradFill>
-                  <a:gsLst>
-                    <a:gs pos="0">
-                      <a:srgbClr val="FFFFFF"/>
-                    </a:gs>
-                    <a:gs pos="100000">
-                      <a:srgbClr val="FFFFFF"/>
-                    </a:gs>
-                  </a:gsLst>
-                  <a:lin ang="5400000" scaled="0"/>
-                </a:gradFill>
-                <a:latin typeface="Consolas"/>
-                <a:cs typeface="Consolas"/>
-              </a:rPr>
-              <a:t>$</a:t>
-            </a:r>
-          </a:p>
-        </p:txBody>
-      </p:sp>
-      <p:sp>
-        <p:nvSpPr>
-          <p:cNvPr id="6" name="Text Placeholder 10"/>
-          <p:cNvSpPr>
-            <a:spLocks noGrp="1"/>
-          </p:cNvSpPr>
-          <p:nvPr>
-            <p:ph type="body" sz="quarter" idx="12" hasCustomPrompt="1"/>
-          </p:nvPr>
-        </p:nvSpPr>
-        <p:spPr>
-          <a:xfrm>
-            <a:off x="1377950" y="1412875"/>
-            <a:ext cx="12538075" cy="484188"/>
-          </a:xfrm>
-        </p:spPr>
-        <p:txBody>
-          <a:bodyPr anchor="ctr" anchorCtr="0"/>
-          <a:lstStyle>
-            <a:lvl1pPr marL="0" indent="0">
-              <a:buFontTx/>
-              <a:buNone/>
-              <a:defRPr sz="2500">
-                <a:solidFill>
-                  <a:schemeClr val="bg1"/>
-                </a:solidFill>
-                <a:latin typeface="Consolas"/>
-              </a:defRPr>
-            </a:lvl1pPr>
-            <a:lvl2pPr marL="278048" indent="0">
-              <a:buFontTx/>
-              <a:buNone/>
-              <a:defRPr sz="2500">
-                <a:solidFill>
-                  <a:schemeClr val="bg1"/>
-                </a:solidFill>
-                <a:latin typeface="Consolas"/>
-              </a:defRPr>
-            </a:lvl2pPr>
-            <a:lvl3pPr marL="548476" indent="0">
-              <a:buFontTx/>
-              <a:buNone/>
-              <a:defRPr sz="2500">
-                <a:solidFill>
-                  <a:schemeClr val="bg1"/>
-                </a:solidFill>
-                <a:latin typeface="Consolas"/>
-              </a:defRPr>
-            </a:lvl3pPr>
-            <a:lvl4pPr marL="756061" indent="0">
-              <a:buFontTx/>
-              <a:buNone/>
-              <a:defRPr sz="2500">
-                <a:solidFill>
-                  <a:schemeClr val="bg1"/>
-                </a:solidFill>
-                <a:latin typeface="Consolas"/>
-              </a:defRPr>
-            </a:lvl4pPr>
-            <a:lvl5pPr marL="961738" indent="0">
-              <a:buFontTx/>
-              <a:buNone/>
-              <a:defRPr sz="2500">
-                <a:solidFill>
-                  <a:schemeClr val="bg1"/>
-                </a:solidFill>
-                <a:latin typeface="Consolas"/>
-              </a:defRPr>
-            </a:lvl5pPr>
-          </a:lstStyle>
-          <a:p>
-            <a:pPr lvl="0"/>
-            <a:r>
-              <a:rPr lang="en-US" dirty="0" smtClean="0"/>
-              <a:t>command</a:t>
-            </a:r>
-            <a:endParaRPr lang="en-US" dirty="0"/>
-          </a:p>
-        </p:txBody>
-      </p:sp>
-    </p:spTree>
-    <p:extLst>
-      <p:ext uri="{BB962C8B-B14F-4D97-AF65-F5344CB8AC3E}">
-        <p14:creationId xmlns:p14="http://schemas.microsoft.com/office/powerpoint/2010/main" val="1884263919"/>
       </p:ext>
     </p:extLst>
   </p:cSld>
@@ -10271,1712 +8131,6 @@
 </p:sldLayout>
 </file>
 
-<file path=ppt/slideLayouts/slideLayout50.xml><?xml version="1.0" encoding="utf-8"?>
-<p:sldLayout xmlns:a="http://schemas.openxmlformats.org/drawingml/2006/main" xmlns:r="http://schemas.openxmlformats.org/officeDocument/2006/relationships" xmlns:p="http://schemas.openxmlformats.org/presentationml/2006/main" preserve="1">
-  <p:cSld name="Logo Middle">
-    <p:spTree>
-      <p:nvGrpSpPr>
-        <p:cNvPr id="1" name=""/>
-        <p:cNvGrpSpPr/>
-        <p:nvPr/>
-      </p:nvGrpSpPr>
-      <p:grpSpPr>
-        <a:xfrm>
-          <a:off x="0" y="0"/>
-          <a:ext cx="0" cy="0"/>
-          <a:chOff x="0" y="0"/>
-          <a:chExt cx="0" cy="0"/>
-        </a:xfrm>
-      </p:grpSpPr>
-      <p:sp>
-        <p:nvSpPr>
-          <p:cNvPr id="3" name="Rectangle 2"/>
-          <p:cNvSpPr/>
-          <p:nvPr userDrawn="1"/>
-        </p:nvSpPr>
-        <p:spPr bwMode="auto">
-          <a:xfrm>
-            <a:off x="13624989" y="7228094"/>
-            <a:ext cx="815304" cy="783958"/>
-          </a:xfrm>
-          <a:prstGeom prst="rect">
-            <a:avLst/>
-          </a:prstGeom>
-          <a:solidFill>
-            <a:srgbClr val="FEFEFE"/>
-          </a:solidFill>
-          <a:ln>
-            <a:noFill/>
-            <a:headEnd type="none" w="med" len="med"/>
-            <a:tailEnd type="none" w="med" len="med"/>
-          </a:ln>
-          <a:effectLst/>
-        </p:spPr>
-        <p:style>
-          <a:lnRef idx="1">
-            <a:schemeClr val="accent4"/>
-          </a:lnRef>
-          <a:fillRef idx="3">
-            <a:schemeClr val="accent4"/>
-          </a:fillRef>
-          <a:effectRef idx="2">
-            <a:schemeClr val="accent4"/>
-          </a:effectRef>
-          <a:fontRef idx="minor">
-            <a:schemeClr val="lt1"/>
-          </a:fontRef>
-        </p:style>
-        <p:txBody>
-          <a:bodyPr vert="horz" wrap="square" lIns="91436" tIns="45718" rIns="91436" bIns="45718" numCol="1" rtlCol="0" anchor="ctr" anchorCtr="0" compatLnSpc="1">
-            <a:prstTxWarp prst="textNoShape">
-              <a:avLst/>
-            </a:prstTxWarp>
-          </a:bodyPr>
-          <a:lstStyle/>
-          <a:p>
-            <a:pPr algn="ctr" defTabSz="914099"/>
-            <a:r>
-              <a:rPr lang="en-US" sz="2400" dirty="0" smtClean="0">
-                <a:gradFill>
-                  <a:gsLst>
-                    <a:gs pos="0">
-                      <a:srgbClr val="FFFFFF"/>
-                    </a:gs>
-                    <a:gs pos="100000">
-                      <a:srgbClr val="FFFFFF"/>
-                    </a:gs>
-                  </a:gsLst>
-                  <a:lin ang="5400000" scaled="0"/>
-                </a:gradFill>
-                <a:latin typeface="Gill Sans Light"/>
-                <a:cs typeface="Gill Sans Light"/>
-              </a:rPr>
-              <a:t> </a:t>
-            </a:r>
-          </a:p>
-        </p:txBody>
-      </p:sp>
-      <p:pic>
-        <p:nvPicPr>
-          <p:cNvPr id="5" name="Picture 4"/>
-          <p:cNvPicPr>
-            <a:picLocks noChangeAspect="1"/>
-          </p:cNvPicPr>
-          <p:nvPr userDrawn="1"/>
-        </p:nvPicPr>
-        <p:blipFill>
-          <a:blip r:embed="rId2">
-            <a:extLst>
-              <a:ext uri="{28A0092B-C50C-407E-A947-70E740481C1C}">
-                <a14:useLocalDpi xmlns:a14="http://schemas.microsoft.com/office/drawing/2010/main" val="0"/>
-              </a:ext>
-            </a:extLst>
-          </a:blip>
-          <a:stretch>
-            <a:fillRect/>
-          </a:stretch>
-        </p:blipFill>
-        <p:spPr>
-          <a:xfrm>
-            <a:off x="2170149" y="2106198"/>
-            <a:ext cx="10557040" cy="2919620"/>
-          </a:xfrm>
-          <a:prstGeom prst="rect">
-            <a:avLst/>
-          </a:prstGeom>
-        </p:spPr>
-      </p:pic>
-      <p:sp>
-        <p:nvSpPr>
-          <p:cNvPr id="6" name="Rectangle 5"/>
-          <p:cNvSpPr/>
-          <p:nvPr userDrawn="1"/>
-        </p:nvSpPr>
-        <p:spPr bwMode="auto">
-          <a:xfrm>
-            <a:off x="152390" y="7228094"/>
-            <a:ext cx="1421254" cy="783958"/>
-          </a:xfrm>
-          <a:prstGeom prst="rect">
-            <a:avLst/>
-          </a:prstGeom>
-          <a:solidFill>
-            <a:srgbClr val="FEFEFE"/>
-          </a:solidFill>
-          <a:ln>
-            <a:noFill/>
-            <a:headEnd type="none" w="med" len="med"/>
-            <a:tailEnd type="none" w="med" len="med"/>
-          </a:ln>
-          <a:effectLst/>
-        </p:spPr>
-        <p:style>
-          <a:lnRef idx="1">
-            <a:schemeClr val="accent4"/>
-          </a:lnRef>
-          <a:fillRef idx="3">
-            <a:schemeClr val="accent4"/>
-          </a:fillRef>
-          <a:effectRef idx="2">
-            <a:schemeClr val="accent4"/>
-          </a:effectRef>
-          <a:fontRef idx="minor">
-            <a:schemeClr val="lt1"/>
-          </a:fontRef>
-        </p:style>
-        <p:txBody>
-          <a:bodyPr vert="horz" wrap="square" lIns="91436" tIns="45718" rIns="91436" bIns="45718" numCol="1" rtlCol="0" anchor="ctr" anchorCtr="0" compatLnSpc="1">
-            <a:prstTxWarp prst="textNoShape">
-              <a:avLst/>
-            </a:prstTxWarp>
-          </a:bodyPr>
-          <a:lstStyle/>
-          <a:p>
-            <a:pPr algn="ctr" defTabSz="914099"/>
-            <a:r>
-              <a:rPr lang="en-US" sz="2400" dirty="0" smtClean="0">
-                <a:gradFill>
-                  <a:gsLst>
-                    <a:gs pos="0">
-                      <a:srgbClr val="FFFFFF"/>
-                    </a:gs>
-                    <a:gs pos="100000">
-                      <a:srgbClr val="FFFFFF"/>
-                    </a:gs>
-                  </a:gsLst>
-                  <a:lin ang="5400000" scaled="0"/>
-                </a:gradFill>
-                <a:latin typeface="Gill Sans Light"/>
-                <a:cs typeface="Gill Sans Light"/>
-              </a:rPr>
-              <a:t> </a:t>
-            </a:r>
-          </a:p>
-        </p:txBody>
-      </p:sp>
-    </p:spTree>
-    <p:extLst>
-      <p:ext uri="{BB962C8B-B14F-4D97-AF65-F5344CB8AC3E}">
-        <p14:creationId xmlns:p14="http://schemas.microsoft.com/office/powerpoint/2010/main" val="1550142344"/>
-      </p:ext>
-    </p:extLst>
-  </p:cSld>
-  <p:clrMapOvr>
-    <a:masterClrMapping/>
-  </p:clrMapOvr>
-  <mc:AlternateContent xmlns:mc="http://schemas.openxmlformats.org/markup-compatibility/2006" xmlns:p14="http://schemas.microsoft.com/office/powerpoint/2010/main">
-    <mc:Choice Requires="p14">
-      <p:transition spd="med" p14:dur="700">
-        <p:fade/>
-      </p:transition>
-    </mc:Choice>
-    <mc:Fallback xmlns="">
-      <p:transition spd="med">
-        <p:fade/>
-      </p:transition>
-    </mc:Fallback>
-  </mc:AlternateContent>
-  <p:timing>
-    <p:tnLst>
-      <p:par>
-        <p:cTn xmlns:p14="http://schemas.microsoft.com/office/powerpoint/2010/main" id="1" dur="indefinite" restart="never" nodeType="tmRoot"/>
-      </p:par>
-    </p:tnLst>
-  </p:timing>
-</p:sldLayout>
-</file>
-
-<file path=ppt/slideLayouts/slideLayout51.xml><?xml version="1.0" encoding="utf-8"?>
-<p:sldLayout xmlns:a="http://schemas.openxmlformats.org/drawingml/2006/main" xmlns:r="http://schemas.openxmlformats.org/officeDocument/2006/relationships" xmlns:p="http://schemas.openxmlformats.org/presentationml/2006/main" preserve="1" userDrawn="1">
-  <p:cSld name="Blank">
-    <p:spTree>
-      <p:nvGrpSpPr>
-        <p:cNvPr id="1" name=""/>
-        <p:cNvGrpSpPr/>
-        <p:nvPr/>
-      </p:nvGrpSpPr>
-      <p:grpSpPr>
-        <a:xfrm>
-          <a:off x="0" y="0"/>
-          <a:ext cx="0" cy="0"/>
-          <a:chOff x="0" y="0"/>
-          <a:chExt cx="0" cy="0"/>
-        </a:xfrm>
-      </p:grpSpPr>
-    </p:spTree>
-    <p:extLst>
-      <p:ext uri="{BB962C8B-B14F-4D97-AF65-F5344CB8AC3E}">
-        <p14:creationId xmlns:p14="http://schemas.microsoft.com/office/powerpoint/2010/main" val="3979096400"/>
-      </p:ext>
-    </p:extLst>
-  </p:cSld>
-  <p:clrMapOvr>
-    <a:masterClrMapping/>
-  </p:clrMapOvr>
-  <mc:AlternateContent xmlns:mc="http://schemas.openxmlformats.org/markup-compatibility/2006" xmlns:p14="http://schemas.microsoft.com/office/powerpoint/2010/main">
-    <mc:Choice Requires="p14">
-      <p:transition spd="med" p14:dur="700">
-        <p:fade/>
-      </p:transition>
-    </mc:Choice>
-    <mc:Fallback xmlns="">
-      <p:transition spd="med">
-        <p:fade/>
-      </p:transition>
-    </mc:Fallback>
-  </mc:AlternateContent>
-</p:sldLayout>
-</file>
-
-<file path=ppt/slideLayouts/slideLayout52.xml><?xml version="1.0" encoding="utf-8"?>
-<p:sldLayout xmlns:a="http://schemas.openxmlformats.org/drawingml/2006/main" xmlns:r="http://schemas.openxmlformats.org/officeDocument/2006/relationships" xmlns:p="http://schemas.openxmlformats.org/presentationml/2006/main" preserve="1">
-  <p:cSld name="Divider Slide">
-    <p:spTree>
-      <p:nvGrpSpPr>
-        <p:cNvPr id="1" name=""/>
-        <p:cNvGrpSpPr/>
-        <p:nvPr/>
-      </p:nvGrpSpPr>
-      <p:grpSpPr>
-        <a:xfrm>
-          <a:off x="0" y="0"/>
-          <a:ext cx="0" cy="0"/>
-          <a:chOff x="0" y="0"/>
-          <a:chExt cx="0" cy="0"/>
-        </a:xfrm>
-      </p:grpSpPr>
-      <p:sp>
-        <p:nvSpPr>
-          <p:cNvPr id="4" name="Title 1"/>
-          <p:cNvSpPr>
-            <a:spLocks noGrp="1"/>
-          </p:cNvSpPr>
-          <p:nvPr>
-            <p:ph type="ctrTitle"/>
-          </p:nvPr>
-        </p:nvSpPr>
-        <p:spPr bwMode="white">
-          <a:xfrm>
-            <a:off x="2379738" y="2246695"/>
-            <a:ext cx="9875520" cy="1203795"/>
-          </a:xfrm>
-        </p:spPr>
-        <p:txBody>
-          <a:bodyPr wrap="square" lIns="82274" tIns="82274" rIns="82274" bIns="82274" anchor="ctr" anchorCtr="0">
-            <a:noAutofit/>
-          </a:bodyPr>
-          <a:lstStyle>
-            <a:lvl1pPr algn="ctr">
-              <a:lnSpc>
-                <a:spcPct val="90000"/>
-              </a:lnSpc>
-              <a:defRPr sz="4300" b="1" spc="0" baseline="0">
-                <a:solidFill>
-                  <a:srgbClr val="435464"/>
-                </a:solidFill>
-              </a:defRPr>
-            </a:lvl1pPr>
-          </a:lstStyle>
-          <a:p>
-            <a:r>
-              <a:rPr lang="en-US" smtClean="0"/>
-              <a:t>Click to edit Master title style</a:t>
-            </a:r>
-            <a:endParaRPr lang="en-US" dirty="0"/>
-          </a:p>
-        </p:txBody>
-      </p:sp>
-      <p:sp>
-        <p:nvSpPr>
-          <p:cNvPr id="5" name="Subtitle 2"/>
-          <p:cNvSpPr>
-            <a:spLocks noGrp="1"/>
-          </p:cNvSpPr>
-          <p:nvPr>
-            <p:ph type="subTitle" idx="1"/>
-          </p:nvPr>
-        </p:nvSpPr>
-        <p:spPr bwMode="white">
-          <a:xfrm>
-            <a:off x="2379738" y="3106028"/>
-            <a:ext cx="9875520" cy="504709"/>
-          </a:xfrm>
-        </p:spPr>
-        <p:txBody>
-          <a:bodyPr wrap="square" lIns="82274" tIns="82274" rIns="82274" bIns="82274">
-            <a:spAutoFit/>
-          </a:bodyPr>
-          <a:lstStyle>
-            <a:lvl1pPr marL="0" indent="0" algn="ctr">
-              <a:lnSpc>
-                <a:spcPct val="90000"/>
-              </a:lnSpc>
-              <a:spcBef>
-                <a:spcPts val="0"/>
-              </a:spcBef>
-              <a:buNone/>
-              <a:defRPr sz="2400">
-                <a:solidFill>
-                  <a:srgbClr val="435464"/>
-                </a:solidFill>
-              </a:defRPr>
-            </a:lvl1pPr>
-            <a:lvl2pPr marL="548453" indent="0" algn="ctr">
-              <a:buNone/>
-              <a:defRPr>
-                <a:solidFill>
-                  <a:schemeClr val="tx1">
-                    <a:tint val="75000"/>
-                  </a:schemeClr>
-                </a:solidFill>
-              </a:defRPr>
-            </a:lvl2pPr>
-            <a:lvl3pPr marL="1096907" indent="0" algn="ctr">
-              <a:buNone/>
-              <a:defRPr>
-                <a:solidFill>
-                  <a:schemeClr val="tx1">
-                    <a:tint val="75000"/>
-                  </a:schemeClr>
-                </a:solidFill>
-              </a:defRPr>
-            </a:lvl3pPr>
-            <a:lvl4pPr marL="1645362" indent="0" algn="ctr">
-              <a:buNone/>
-              <a:defRPr>
-                <a:solidFill>
-                  <a:schemeClr val="tx1">
-                    <a:tint val="75000"/>
-                  </a:schemeClr>
-                </a:solidFill>
-              </a:defRPr>
-            </a:lvl4pPr>
-            <a:lvl5pPr marL="2193816" indent="0" algn="ctr">
-              <a:buNone/>
-              <a:defRPr>
-                <a:solidFill>
-                  <a:schemeClr val="tx1">
-                    <a:tint val="75000"/>
-                  </a:schemeClr>
-                </a:solidFill>
-              </a:defRPr>
-            </a:lvl5pPr>
-            <a:lvl6pPr marL="2742267" indent="0" algn="ctr">
-              <a:buNone/>
-              <a:defRPr>
-                <a:solidFill>
-                  <a:schemeClr val="tx1">
-                    <a:tint val="75000"/>
-                  </a:schemeClr>
-                </a:solidFill>
-              </a:defRPr>
-            </a:lvl6pPr>
-            <a:lvl7pPr marL="3290722" indent="0" algn="ctr">
-              <a:buNone/>
-              <a:defRPr>
-                <a:solidFill>
-                  <a:schemeClr val="tx1">
-                    <a:tint val="75000"/>
-                  </a:schemeClr>
-                </a:solidFill>
-              </a:defRPr>
-            </a:lvl7pPr>
-            <a:lvl8pPr marL="3839178" indent="0" algn="ctr">
-              <a:buNone/>
-              <a:defRPr>
-                <a:solidFill>
-                  <a:schemeClr val="tx1">
-                    <a:tint val="75000"/>
-                  </a:schemeClr>
-                </a:solidFill>
-              </a:defRPr>
-            </a:lvl8pPr>
-            <a:lvl9pPr marL="4387630" indent="0" algn="ctr">
-              <a:buNone/>
-              <a:defRPr>
-                <a:solidFill>
-                  <a:schemeClr val="tx1">
-                    <a:tint val="75000"/>
-                  </a:schemeClr>
-                </a:solidFill>
-              </a:defRPr>
-            </a:lvl9pPr>
-          </a:lstStyle>
-          <a:p>
-            <a:r>
-              <a:rPr lang="en-US" smtClean="0"/>
-              <a:t>Click to edit Master subtitle style</a:t>
-            </a:r>
-            <a:endParaRPr lang="en-US" dirty="0"/>
-          </a:p>
-        </p:txBody>
-      </p:sp>
-    </p:spTree>
-    <p:extLst>
-      <p:ext uri="{BB962C8B-B14F-4D97-AF65-F5344CB8AC3E}">
-        <p14:creationId xmlns:p14="http://schemas.microsoft.com/office/powerpoint/2010/main" val="425699539"/>
-      </p:ext>
-    </p:extLst>
-  </p:cSld>
-  <p:clrMapOvr>
-    <a:masterClrMapping/>
-  </p:clrMapOvr>
-  <mc:AlternateContent xmlns:mc="http://schemas.openxmlformats.org/markup-compatibility/2006" xmlns:p14="http://schemas.microsoft.com/office/powerpoint/2010/main">
-    <mc:Choice Requires="p14">
-      <p:transition spd="med" p14:dur="700">
-        <p:fade/>
-      </p:transition>
-    </mc:Choice>
-    <mc:Fallback xmlns="">
-      <p:transition spd="med">
-        <p:fade/>
-      </p:transition>
-    </mc:Fallback>
-  </mc:AlternateContent>
-  <p:timing>
-    <p:tnLst>
-      <p:par>
-        <p:cTn xmlns:p14="http://schemas.microsoft.com/office/powerpoint/2010/main" id="1" dur="indefinite" restart="never" nodeType="tmRoot"/>
-      </p:par>
-    </p:tnLst>
-  </p:timing>
-</p:sldLayout>
-</file>
-
-<file path=ppt/slideLayouts/slideLayout53.xml><?xml version="1.0" encoding="utf-8"?>
-<p:sldLayout xmlns:a="http://schemas.openxmlformats.org/drawingml/2006/main" xmlns:r="http://schemas.openxmlformats.org/officeDocument/2006/relationships" xmlns:p="http://schemas.openxmlformats.org/presentationml/2006/main" preserve="1">
-  <p:cSld name="Thank You">
-    <p:spTree>
-      <p:nvGrpSpPr>
-        <p:cNvPr id="1" name=""/>
-        <p:cNvGrpSpPr/>
-        <p:nvPr/>
-      </p:nvGrpSpPr>
-      <p:grpSpPr>
-        <a:xfrm>
-          <a:off x="0" y="0"/>
-          <a:ext cx="0" cy="0"/>
-          <a:chOff x="0" y="0"/>
-          <a:chExt cx="0" cy="0"/>
-        </a:xfrm>
-      </p:grpSpPr>
-      <p:sp>
-        <p:nvSpPr>
-          <p:cNvPr id="4" name="Title 1"/>
-          <p:cNvSpPr>
-            <a:spLocks noGrp="1"/>
-          </p:cNvSpPr>
-          <p:nvPr>
-            <p:ph type="ctrTitle"/>
-          </p:nvPr>
-        </p:nvSpPr>
-        <p:spPr bwMode="white">
-          <a:xfrm>
-            <a:off x="2379738" y="2246695"/>
-            <a:ext cx="9875520" cy="1203795"/>
-          </a:xfrm>
-        </p:spPr>
-        <p:txBody>
-          <a:bodyPr wrap="square" lIns="82274" tIns="82274" rIns="82274" bIns="82274" anchor="ctr" anchorCtr="0">
-            <a:noAutofit/>
-          </a:bodyPr>
-          <a:lstStyle>
-            <a:lvl1pPr algn="ctr">
-              <a:lnSpc>
-                <a:spcPct val="90000"/>
-              </a:lnSpc>
-              <a:defRPr sz="4300" b="1" spc="0" baseline="0">
-                <a:solidFill>
-                  <a:srgbClr val="435464"/>
-                </a:solidFill>
-              </a:defRPr>
-            </a:lvl1pPr>
-          </a:lstStyle>
-          <a:p>
-            <a:r>
-              <a:rPr lang="en-US" smtClean="0"/>
-              <a:t>Click to edit Master title style</a:t>
-            </a:r>
-            <a:endParaRPr lang="en-US" dirty="0"/>
-          </a:p>
-        </p:txBody>
-      </p:sp>
-      <p:sp>
-        <p:nvSpPr>
-          <p:cNvPr id="5" name="Subtitle 2"/>
-          <p:cNvSpPr>
-            <a:spLocks noGrp="1"/>
-          </p:cNvSpPr>
-          <p:nvPr>
-            <p:ph type="subTitle" idx="1"/>
-          </p:nvPr>
-        </p:nvSpPr>
-        <p:spPr bwMode="white">
-          <a:xfrm>
-            <a:off x="2379738" y="3106028"/>
-            <a:ext cx="9875520" cy="504709"/>
-          </a:xfrm>
-        </p:spPr>
-        <p:txBody>
-          <a:bodyPr wrap="square" lIns="82274" tIns="82274" rIns="82274" bIns="82274">
-            <a:spAutoFit/>
-          </a:bodyPr>
-          <a:lstStyle>
-            <a:lvl1pPr marL="0" indent="0" algn="ctr">
-              <a:lnSpc>
-                <a:spcPct val="90000"/>
-              </a:lnSpc>
-              <a:spcBef>
-                <a:spcPts val="0"/>
-              </a:spcBef>
-              <a:buNone/>
-              <a:defRPr sz="2400">
-                <a:solidFill>
-                  <a:srgbClr val="435464"/>
-                </a:solidFill>
-              </a:defRPr>
-            </a:lvl1pPr>
-            <a:lvl2pPr marL="548453" indent="0" algn="ctr">
-              <a:buNone/>
-              <a:defRPr>
-                <a:solidFill>
-                  <a:schemeClr val="tx1">
-                    <a:tint val="75000"/>
-                  </a:schemeClr>
-                </a:solidFill>
-              </a:defRPr>
-            </a:lvl2pPr>
-            <a:lvl3pPr marL="1096907" indent="0" algn="ctr">
-              <a:buNone/>
-              <a:defRPr>
-                <a:solidFill>
-                  <a:schemeClr val="tx1">
-                    <a:tint val="75000"/>
-                  </a:schemeClr>
-                </a:solidFill>
-              </a:defRPr>
-            </a:lvl3pPr>
-            <a:lvl4pPr marL="1645362" indent="0" algn="ctr">
-              <a:buNone/>
-              <a:defRPr>
-                <a:solidFill>
-                  <a:schemeClr val="tx1">
-                    <a:tint val="75000"/>
-                  </a:schemeClr>
-                </a:solidFill>
-              </a:defRPr>
-            </a:lvl4pPr>
-            <a:lvl5pPr marL="2193816" indent="0" algn="ctr">
-              <a:buNone/>
-              <a:defRPr>
-                <a:solidFill>
-                  <a:schemeClr val="tx1">
-                    <a:tint val="75000"/>
-                  </a:schemeClr>
-                </a:solidFill>
-              </a:defRPr>
-            </a:lvl5pPr>
-            <a:lvl6pPr marL="2742267" indent="0" algn="ctr">
-              <a:buNone/>
-              <a:defRPr>
-                <a:solidFill>
-                  <a:schemeClr val="tx1">
-                    <a:tint val="75000"/>
-                  </a:schemeClr>
-                </a:solidFill>
-              </a:defRPr>
-            </a:lvl6pPr>
-            <a:lvl7pPr marL="3290722" indent="0" algn="ctr">
-              <a:buNone/>
-              <a:defRPr>
-                <a:solidFill>
-                  <a:schemeClr val="tx1">
-                    <a:tint val="75000"/>
-                  </a:schemeClr>
-                </a:solidFill>
-              </a:defRPr>
-            </a:lvl7pPr>
-            <a:lvl8pPr marL="3839178" indent="0" algn="ctr">
-              <a:buNone/>
-              <a:defRPr>
-                <a:solidFill>
-                  <a:schemeClr val="tx1">
-                    <a:tint val="75000"/>
-                  </a:schemeClr>
-                </a:solidFill>
-              </a:defRPr>
-            </a:lvl8pPr>
-            <a:lvl9pPr marL="4387630" indent="0" algn="ctr">
-              <a:buNone/>
-              <a:defRPr>
-                <a:solidFill>
-                  <a:schemeClr val="tx1">
-                    <a:tint val="75000"/>
-                  </a:schemeClr>
-                </a:solidFill>
-              </a:defRPr>
-            </a:lvl9pPr>
-          </a:lstStyle>
-          <a:p>
-            <a:r>
-              <a:rPr lang="en-US" smtClean="0"/>
-              <a:t>Click to edit Master subtitle style</a:t>
-            </a:r>
-            <a:endParaRPr lang="en-US" dirty="0"/>
-          </a:p>
-        </p:txBody>
-      </p:sp>
-    </p:spTree>
-    <p:extLst>
-      <p:ext uri="{BB962C8B-B14F-4D97-AF65-F5344CB8AC3E}">
-        <p14:creationId xmlns:p14="http://schemas.microsoft.com/office/powerpoint/2010/main" val="1582709826"/>
-      </p:ext>
-    </p:extLst>
-  </p:cSld>
-  <p:clrMapOvr>
-    <a:masterClrMapping/>
-  </p:clrMapOvr>
-  <mc:AlternateContent xmlns:mc="http://schemas.openxmlformats.org/markup-compatibility/2006" xmlns:p14="http://schemas.microsoft.com/office/powerpoint/2010/main">
-    <mc:Choice Requires="p14">
-      <p:transition spd="med" p14:dur="700">
-        <p:fade/>
-      </p:transition>
-    </mc:Choice>
-    <mc:Fallback xmlns="">
-      <p:transition spd="med">
-        <p:fade/>
-      </p:transition>
-    </mc:Fallback>
-  </mc:AlternateContent>
-  <p:timing>
-    <p:tnLst>
-      <p:par>
-        <p:cTn xmlns:p14="http://schemas.microsoft.com/office/powerpoint/2010/main" id="1" dur="indefinite" restart="never" nodeType="tmRoot"/>
-      </p:par>
-    </p:tnLst>
-  </p:timing>
-</p:sldLayout>
-</file>
-
-<file path=ppt/slideLayouts/slideLayout54.xml><?xml version="1.0" encoding="utf-8"?>
-<p:sldLayout xmlns:a="http://schemas.openxmlformats.org/drawingml/2006/main" xmlns:r="http://schemas.openxmlformats.org/officeDocument/2006/relationships" xmlns:p="http://schemas.openxmlformats.org/presentationml/2006/main" preserve="1" userDrawn="1">
-  <p:cSld name="Title Slide">
-    <p:spTree>
-      <p:nvGrpSpPr>
-        <p:cNvPr id="1" name=""/>
-        <p:cNvGrpSpPr/>
-        <p:nvPr/>
-      </p:nvGrpSpPr>
-      <p:grpSpPr>
-        <a:xfrm>
-          <a:off x="0" y="0"/>
-          <a:ext cx="0" cy="0"/>
-          <a:chOff x="0" y="0"/>
-          <a:chExt cx="0" cy="0"/>
-        </a:xfrm>
-      </p:grpSpPr>
-      <p:pic>
-        <p:nvPicPr>
-          <p:cNvPr id="3" name="Picture 2"/>
-          <p:cNvPicPr>
-            <a:picLocks noChangeAspect="1"/>
-          </p:cNvPicPr>
-          <p:nvPr userDrawn="1"/>
-        </p:nvPicPr>
-        <p:blipFill>
-          <a:blip r:embed="rId2">
-            <a:extLst>
-              <a:ext uri="{28A0092B-C50C-407E-A947-70E740481C1C}">
-                <a14:useLocalDpi xmlns:a14="http://schemas.microsoft.com/office/drawing/2010/main" val="0"/>
-              </a:ext>
-            </a:extLst>
-          </a:blip>
-          <a:stretch>
-            <a:fillRect/>
-          </a:stretch>
-        </p:blipFill>
-        <p:spPr>
-          <a:xfrm>
-            <a:off x="2426480" y="1773498"/>
-            <a:ext cx="9768298" cy="2701489"/>
-          </a:xfrm>
-          <a:prstGeom prst="rect">
-            <a:avLst/>
-          </a:prstGeom>
-        </p:spPr>
-      </p:pic>
-      <p:sp>
-        <p:nvSpPr>
-          <p:cNvPr id="4" name="Title 1"/>
-          <p:cNvSpPr>
-            <a:spLocks noGrp="1"/>
-          </p:cNvSpPr>
-          <p:nvPr>
-            <p:ph type="ctrTitle"/>
-          </p:nvPr>
-        </p:nvSpPr>
-        <p:spPr bwMode="white">
-          <a:xfrm>
-            <a:off x="2319257" y="6237720"/>
-            <a:ext cx="9875520" cy="1203795"/>
-          </a:xfrm>
-        </p:spPr>
-        <p:txBody>
-          <a:bodyPr wrap="square" lIns="82274" tIns="82274" rIns="82274" bIns="82274" anchor="ctr" anchorCtr="0">
-            <a:noAutofit/>
-          </a:bodyPr>
-          <a:lstStyle>
-            <a:lvl1pPr algn="ctr">
-              <a:lnSpc>
-                <a:spcPct val="90000"/>
-              </a:lnSpc>
-              <a:defRPr sz="4300" b="1" spc="0" baseline="0">
-                <a:solidFill>
-                  <a:srgbClr val="435464"/>
-                </a:solidFill>
-              </a:defRPr>
-            </a:lvl1pPr>
-          </a:lstStyle>
-          <a:p>
-            <a:r>
-              <a:rPr lang="en-US" smtClean="0"/>
-              <a:t>Click to edit Master title style</a:t>
-            </a:r>
-            <a:endParaRPr lang="en-US" dirty="0"/>
-          </a:p>
-        </p:txBody>
-      </p:sp>
-      <p:sp>
-        <p:nvSpPr>
-          <p:cNvPr id="5" name="Subtitle 2"/>
-          <p:cNvSpPr>
-            <a:spLocks noGrp="1"/>
-          </p:cNvSpPr>
-          <p:nvPr>
-            <p:ph type="subTitle" idx="1"/>
-          </p:nvPr>
-        </p:nvSpPr>
-        <p:spPr bwMode="white">
-          <a:xfrm>
-            <a:off x="2319257" y="7097053"/>
-            <a:ext cx="9875520" cy="504709"/>
-          </a:xfrm>
-        </p:spPr>
-        <p:txBody>
-          <a:bodyPr wrap="square" lIns="82274" tIns="82274" rIns="82274" bIns="82274">
-            <a:spAutoFit/>
-          </a:bodyPr>
-          <a:lstStyle>
-            <a:lvl1pPr marL="0" indent="0" algn="ctr">
-              <a:lnSpc>
-                <a:spcPct val="90000"/>
-              </a:lnSpc>
-              <a:spcBef>
-                <a:spcPts val="0"/>
-              </a:spcBef>
-              <a:buNone/>
-              <a:defRPr sz="2400" baseline="0">
-                <a:solidFill>
-                  <a:srgbClr val="435464"/>
-                </a:solidFill>
-              </a:defRPr>
-            </a:lvl1pPr>
-            <a:lvl2pPr marL="548453" indent="0" algn="ctr">
-              <a:buNone/>
-              <a:defRPr>
-                <a:solidFill>
-                  <a:schemeClr val="tx1">
-                    <a:tint val="75000"/>
-                  </a:schemeClr>
-                </a:solidFill>
-              </a:defRPr>
-            </a:lvl2pPr>
-            <a:lvl3pPr marL="1096907" indent="0" algn="ctr">
-              <a:buNone/>
-              <a:defRPr>
-                <a:solidFill>
-                  <a:schemeClr val="tx1">
-                    <a:tint val="75000"/>
-                  </a:schemeClr>
-                </a:solidFill>
-              </a:defRPr>
-            </a:lvl3pPr>
-            <a:lvl4pPr marL="1645362" indent="0" algn="ctr">
-              <a:buNone/>
-              <a:defRPr>
-                <a:solidFill>
-                  <a:schemeClr val="tx1">
-                    <a:tint val="75000"/>
-                  </a:schemeClr>
-                </a:solidFill>
-              </a:defRPr>
-            </a:lvl4pPr>
-            <a:lvl5pPr marL="2193816" indent="0" algn="ctr">
-              <a:buNone/>
-              <a:defRPr>
-                <a:solidFill>
-                  <a:schemeClr val="tx1">
-                    <a:tint val="75000"/>
-                  </a:schemeClr>
-                </a:solidFill>
-              </a:defRPr>
-            </a:lvl5pPr>
-            <a:lvl6pPr marL="2742267" indent="0" algn="ctr">
-              <a:buNone/>
-              <a:defRPr>
-                <a:solidFill>
-                  <a:schemeClr val="tx1">
-                    <a:tint val="75000"/>
-                  </a:schemeClr>
-                </a:solidFill>
-              </a:defRPr>
-            </a:lvl6pPr>
-            <a:lvl7pPr marL="3290722" indent="0" algn="ctr">
-              <a:buNone/>
-              <a:defRPr>
-                <a:solidFill>
-                  <a:schemeClr val="tx1">
-                    <a:tint val="75000"/>
-                  </a:schemeClr>
-                </a:solidFill>
-              </a:defRPr>
-            </a:lvl7pPr>
-            <a:lvl8pPr marL="3839178" indent="0" algn="ctr">
-              <a:buNone/>
-              <a:defRPr>
-                <a:solidFill>
-                  <a:schemeClr val="tx1">
-                    <a:tint val="75000"/>
-                  </a:schemeClr>
-                </a:solidFill>
-              </a:defRPr>
-            </a:lvl8pPr>
-            <a:lvl9pPr marL="4387630" indent="0" algn="ctr">
-              <a:buNone/>
-              <a:defRPr>
-                <a:solidFill>
-                  <a:schemeClr val="tx1">
-                    <a:tint val="75000"/>
-                  </a:schemeClr>
-                </a:solidFill>
-              </a:defRPr>
-            </a:lvl9pPr>
-          </a:lstStyle>
-          <a:p>
-            <a:r>
-              <a:rPr lang="en-US" smtClean="0"/>
-              <a:t>Click to edit Master subtitle style</a:t>
-            </a:r>
-            <a:endParaRPr lang="en-US" dirty="0"/>
-          </a:p>
-        </p:txBody>
-      </p:sp>
-      <p:sp>
-        <p:nvSpPr>
-          <p:cNvPr id="6" name="Rectangle 5"/>
-          <p:cNvSpPr/>
-          <p:nvPr userDrawn="1"/>
-        </p:nvSpPr>
-        <p:spPr bwMode="auto">
-          <a:xfrm>
-            <a:off x="152390" y="7228094"/>
-            <a:ext cx="1421254" cy="783958"/>
-          </a:xfrm>
-          <a:prstGeom prst="rect">
-            <a:avLst/>
-          </a:prstGeom>
-          <a:solidFill>
-            <a:srgbClr val="FEFEFE"/>
-          </a:solidFill>
-          <a:ln>
-            <a:noFill/>
-            <a:headEnd type="none" w="med" len="med"/>
-            <a:tailEnd type="none" w="med" len="med"/>
-          </a:ln>
-          <a:effectLst/>
-        </p:spPr>
-        <p:style>
-          <a:lnRef idx="1">
-            <a:schemeClr val="accent4"/>
-          </a:lnRef>
-          <a:fillRef idx="3">
-            <a:schemeClr val="accent4"/>
-          </a:fillRef>
-          <a:effectRef idx="2">
-            <a:schemeClr val="accent4"/>
-          </a:effectRef>
-          <a:fontRef idx="minor">
-            <a:schemeClr val="lt1"/>
-          </a:fontRef>
-        </p:style>
-        <p:txBody>
-          <a:bodyPr vert="horz" wrap="square" lIns="91436" tIns="45718" rIns="91436" bIns="45718" numCol="1" rtlCol="0" anchor="ctr" anchorCtr="0" compatLnSpc="1">
-            <a:prstTxWarp prst="textNoShape">
-              <a:avLst/>
-            </a:prstTxWarp>
-          </a:bodyPr>
-          <a:lstStyle/>
-          <a:p>
-            <a:pPr algn="ctr" defTabSz="914099"/>
-            <a:r>
-              <a:rPr lang="en-US" sz="2400" dirty="0" smtClean="0">
-                <a:gradFill>
-                  <a:gsLst>
-                    <a:gs pos="0">
-                      <a:srgbClr val="FFFFFF"/>
-                    </a:gs>
-                    <a:gs pos="100000">
-                      <a:srgbClr val="FFFFFF"/>
-                    </a:gs>
-                  </a:gsLst>
-                  <a:lin ang="5400000" scaled="0"/>
-                </a:gradFill>
-                <a:latin typeface="Gill Sans Light"/>
-                <a:cs typeface="Gill Sans Light"/>
-              </a:rPr>
-              <a:t> </a:t>
-            </a:r>
-          </a:p>
-        </p:txBody>
-      </p:sp>
-    </p:spTree>
-    <p:extLst>
-      <p:ext uri="{BB962C8B-B14F-4D97-AF65-F5344CB8AC3E}">
-        <p14:creationId xmlns:p14="http://schemas.microsoft.com/office/powerpoint/2010/main" val="3217700160"/>
-      </p:ext>
-    </p:extLst>
-  </p:cSld>
-  <p:clrMapOvr>
-    <a:masterClrMapping/>
-  </p:clrMapOvr>
-  <mc:AlternateContent xmlns:mc="http://schemas.openxmlformats.org/markup-compatibility/2006" xmlns:p14="http://schemas.microsoft.com/office/powerpoint/2010/main">
-    <mc:Choice Requires="p14">
-      <p:transition spd="med" p14:dur="700">
-        <p:fade/>
-      </p:transition>
-    </mc:Choice>
-    <mc:Fallback xmlns="">
-      <p:transition spd="med">
-        <p:fade/>
-      </p:transition>
-    </mc:Fallback>
-  </mc:AlternateContent>
-  <p:timing>
-    <p:tnLst>
-      <p:par>
-        <p:cTn xmlns:p14="http://schemas.microsoft.com/office/powerpoint/2010/main" id="1" dur="indefinite" restart="never" nodeType="tmRoot"/>
-      </p:par>
-    </p:tnLst>
-  </p:timing>
-</p:sldLayout>
-</file>
-
-<file path=ppt/slideLayouts/slideLayout55.xml><?xml version="1.0" encoding="utf-8"?>
-<p:sldLayout xmlns:a="http://schemas.openxmlformats.org/drawingml/2006/main" xmlns:r="http://schemas.openxmlformats.org/officeDocument/2006/relationships" xmlns:p="http://schemas.openxmlformats.org/presentationml/2006/main" preserve="1">
-  <p:cSld name="Bullets">
-    <p:spTree>
-      <p:nvGrpSpPr>
-        <p:cNvPr id="1" name=""/>
-        <p:cNvGrpSpPr/>
-        <p:nvPr/>
-      </p:nvGrpSpPr>
-      <p:grpSpPr>
-        <a:xfrm>
-          <a:off x="0" y="0"/>
-          <a:ext cx="0" cy="0"/>
-          <a:chOff x="0" y="0"/>
-          <a:chExt cx="0" cy="0"/>
-        </a:xfrm>
-      </p:grpSpPr>
-      <p:sp>
-        <p:nvSpPr>
-          <p:cNvPr id="2" name="Title 1"/>
-          <p:cNvSpPr>
-            <a:spLocks noGrp="1"/>
-          </p:cNvSpPr>
-          <p:nvPr>
-            <p:ph type="title"/>
-          </p:nvPr>
-        </p:nvSpPr>
-        <p:spPr/>
-        <p:txBody>
-          <a:bodyPr/>
-          <a:lstStyle>
-            <a:lvl1pPr>
-              <a:defRPr baseline="0"/>
-            </a:lvl1pPr>
-          </a:lstStyle>
-          <a:p>
-            <a:r>
-              <a:rPr lang="en-US" smtClean="0"/>
-              <a:t>Click to edit Master title style</a:t>
-            </a:r>
-            <a:endParaRPr lang="en-US" dirty="0"/>
-          </a:p>
-        </p:txBody>
-      </p:sp>
-      <p:sp>
-        <p:nvSpPr>
-          <p:cNvPr id="5" name="Text Placeholder 4"/>
-          <p:cNvSpPr>
-            <a:spLocks noGrp="1"/>
-          </p:cNvSpPr>
-          <p:nvPr>
-            <p:ph type="body" sz="quarter" idx="10"/>
-          </p:nvPr>
-        </p:nvSpPr>
-        <p:spPr>
-          <a:xfrm>
-            <a:off x="609600" y="1670583"/>
-            <a:ext cx="13408762" cy="4811358"/>
-          </a:xfrm>
-        </p:spPr>
-        <p:txBody>
-          <a:bodyPr>
-            <a:noAutofit/>
-          </a:bodyPr>
-          <a:lstStyle>
-            <a:lvl1pPr>
-              <a:defRPr baseline="0"/>
-            </a:lvl1pPr>
-            <a:lvl2pPr>
-              <a:defRPr baseline="0"/>
-            </a:lvl2pPr>
-            <a:lvl3pPr>
-              <a:defRPr baseline="0"/>
-            </a:lvl3pPr>
-            <a:lvl4pPr>
-              <a:defRPr baseline="0"/>
-            </a:lvl4pPr>
-            <a:lvl5pPr>
-              <a:defRPr baseline="0"/>
-            </a:lvl5pPr>
-          </a:lstStyle>
-          <a:p>
-            <a:pPr lvl="0"/>
-            <a:r>
-              <a:rPr lang="en-US" smtClean="0"/>
-              <a:t>Click to edit Master text styles</a:t>
-            </a:r>
-          </a:p>
-          <a:p>
-            <a:pPr lvl="1"/>
-            <a:r>
-              <a:rPr lang="en-US" smtClean="0"/>
-              <a:t>Second level</a:t>
-            </a:r>
-          </a:p>
-          <a:p>
-            <a:pPr lvl="2"/>
-            <a:r>
-              <a:rPr lang="en-US" smtClean="0"/>
-              <a:t>Third level</a:t>
-            </a:r>
-          </a:p>
-          <a:p>
-            <a:pPr lvl="3"/>
-            <a:r>
-              <a:rPr lang="en-US" smtClean="0"/>
-              <a:t>Fourth level</a:t>
-            </a:r>
-          </a:p>
-          <a:p>
-            <a:pPr lvl="4"/>
-            <a:r>
-              <a:rPr lang="en-US" smtClean="0"/>
-              <a:t>Fifth level</a:t>
-            </a:r>
-            <a:endParaRPr lang="en-US" dirty="0"/>
-          </a:p>
-        </p:txBody>
-      </p:sp>
-    </p:spTree>
-    <p:extLst>
-      <p:ext uri="{BB962C8B-B14F-4D97-AF65-F5344CB8AC3E}">
-        <p14:creationId xmlns:p14="http://schemas.microsoft.com/office/powerpoint/2010/main" val="3606297214"/>
-      </p:ext>
-    </p:extLst>
-  </p:cSld>
-  <p:clrMapOvr>
-    <a:masterClrMapping/>
-  </p:clrMapOvr>
-  <mc:AlternateContent xmlns:mc="http://schemas.openxmlformats.org/markup-compatibility/2006" xmlns:p14="http://schemas.microsoft.com/office/powerpoint/2010/main">
-    <mc:Choice Requires="p14">
-      <p:transition spd="med" p14:dur="700">
-        <p:fade/>
-      </p:transition>
-    </mc:Choice>
-    <mc:Fallback xmlns="">
-      <p:transition spd="med">
-        <p:fade/>
-      </p:transition>
-    </mc:Fallback>
-  </mc:AlternateContent>
-  <p:timing>
-    <p:tnLst>
-      <p:par>
-        <p:cTn xmlns:p14="http://schemas.microsoft.com/office/powerpoint/2010/main" id="1" dur="indefinite" restart="never" nodeType="tmRoot"/>
-      </p:par>
-    </p:tnLst>
-  </p:timing>
-</p:sldLayout>
-</file>
-
-<file path=ppt/slideLayouts/slideLayout56.xml><?xml version="1.0" encoding="utf-8"?>
-<p:sldLayout xmlns:a="http://schemas.openxmlformats.org/drawingml/2006/main" xmlns:r="http://schemas.openxmlformats.org/officeDocument/2006/relationships" xmlns:p="http://schemas.openxmlformats.org/presentationml/2006/main" preserve="1">
-  <p:cSld name="Definition">
-    <p:spTree>
-      <p:nvGrpSpPr>
-        <p:cNvPr id="1" name=""/>
-        <p:cNvGrpSpPr/>
-        <p:nvPr/>
-      </p:nvGrpSpPr>
-      <p:grpSpPr>
-        <a:xfrm>
-          <a:off x="0" y="0"/>
-          <a:ext cx="0" cy="0"/>
-          <a:chOff x="0" y="0"/>
-          <a:chExt cx="0" cy="0"/>
-        </a:xfrm>
-      </p:grpSpPr>
-      <p:sp>
-        <p:nvSpPr>
-          <p:cNvPr id="2" name="Title 1"/>
-          <p:cNvSpPr>
-            <a:spLocks noGrp="1"/>
-          </p:cNvSpPr>
-          <p:nvPr>
-            <p:ph type="title"/>
-          </p:nvPr>
-        </p:nvSpPr>
-        <p:spPr/>
-        <p:txBody>
-          <a:bodyPr/>
-          <a:lstStyle>
-            <a:lvl1pPr>
-              <a:defRPr baseline="0"/>
-            </a:lvl1pPr>
-          </a:lstStyle>
-          <a:p>
-            <a:r>
-              <a:rPr lang="en-US" dirty="0" smtClean="0"/>
-              <a:t>Click to edit Master title style</a:t>
-            </a:r>
-            <a:endParaRPr lang="en-US" dirty="0"/>
-          </a:p>
-        </p:txBody>
-      </p:sp>
-      <p:sp>
-        <p:nvSpPr>
-          <p:cNvPr id="5" name="Text Placeholder 4"/>
-          <p:cNvSpPr>
-            <a:spLocks noGrp="1"/>
-          </p:cNvSpPr>
-          <p:nvPr>
-            <p:ph type="body" sz="quarter" idx="10"/>
-          </p:nvPr>
-        </p:nvSpPr>
-        <p:spPr>
-          <a:xfrm>
-            <a:off x="609600" y="1670583"/>
-            <a:ext cx="13408762" cy="4811358"/>
-          </a:xfrm>
-        </p:spPr>
-        <p:txBody>
-          <a:bodyPr>
-            <a:noAutofit/>
-          </a:bodyPr>
-          <a:lstStyle>
-            <a:lvl1pPr marL="0" indent="0" algn="ctr">
-              <a:buFontTx/>
-              <a:buNone/>
-              <a:defRPr sz="4000" baseline="0"/>
-            </a:lvl1pPr>
-            <a:lvl2pPr marL="278048" indent="0">
-              <a:buFontTx/>
-              <a:buNone/>
-              <a:defRPr baseline="0"/>
-            </a:lvl2pPr>
-            <a:lvl3pPr marL="548476" indent="0">
-              <a:buFontTx/>
-              <a:buNone/>
-              <a:defRPr baseline="0"/>
-            </a:lvl3pPr>
-            <a:lvl4pPr marL="756061" indent="0">
-              <a:buFontTx/>
-              <a:buNone/>
-              <a:defRPr baseline="0"/>
-            </a:lvl4pPr>
-            <a:lvl5pPr marL="961738" indent="0">
-              <a:buFontTx/>
-              <a:buNone/>
-              <a:defRPr baseline="0"/>
-            </a:lvl5pPr>
-          </a:lstStyle>
-          <a:p>
-            <a:pPr lvl="0"/>
-            <a:r>
-              <a:rPr lang="en-US" dirty="0" smtClean="0"/>
-              <a:t>Click to edit Master text styles</a:t>
-            </a:r>
-          </a:p>
-        </p:txBody>
-      </p:sp>
-    </p:spTree>
-    <p:extLst>
-      <p:ext uri="{BB962C8B-B14F-4D97-AF65-F5344CB8AC3E}">
-        <p14:creationId xmlns:p14="http://schemas.microsoft.com/office/powerpoint/2010/main" val="297638837"/>
-      </p:ext>
-    </p:extLst>
-  </p:cSld>
-  <p:clrMapOvr>
-    <a:masterClrMapping/>
-  </p:clrMapOvr>
-  <mc:AlternateContent xmlns:mc="http://schemas.openxmlformats.org/markup-compatibility/2006" xmlns:p14="http://schemas.microsoft.com/office/powerpoint/2010/main">
-    <mc:Choice Requires="p14">
-      <p:transition spd="med" p14:dur="700">
-        <p:fade/>
-      </p:transition>
-    </mc:Choice>
-    <mc:Fallback xmlns="">
-      <p:transition spd="med">
-        <p:fade/>
-      </p:transition>
-    </mc:Fallback>
-  </mc:AlternateContent>
-  <p:timing>
-    <p:tnLst>
-      <p:par>
-        <p:cTn xmlns:p14="http://schemas.microsoft.com/office/powerpoint/2010/main" id="1" dur="indefinite" restart="never" nodeType="tmRoot"/>
-      </p:par>
-    </p:tnLst>
-  </p:timing>
-</p:sldLayout>
-</file>
-
-<file path=ppt/slideLayouts/slideLayout57.xml><?xml version="1.0" encoding="utf-8"?>
-<p:sldLayout xmlns:a="http://schemas.openxmlformats.org/drawingml/2006/main" xmlns:r="http://schemas.openxmlformats.org/officeDocument/2006/relationships" xmlns:p="http://schemas.openxmlformats.org/presentationml/2006/main" preserve="1" userDrawn="1">
-  <p:cSld name="Bullets and Pic">
-    <p:spTree>
-      <p:nvGrpSpPr>
-        <p:cNvPr id="1" name=""/>
-        <p:cNvGrpSpPr/>
-        <p:nvPr/>
-      </p:nvGrpSpPr>
-      <p:grpSpPr>
-        <a:xfrm>
-          <a:off x="0" y="0"/>
-          <a:ext cx="0" cy="0"/>
-          <a:chOff x="0" y="0"/>
-          <a:chExt cx="0" cy="0"/>
-        </a:xfrm>
-      </p:grpSpPr>
-      <p:sp>
-        <p:nvSpPr>
-          <p:cNvPr id="2" name="Title 1"/>
-          <p:cNvSpPr>
-            <a:spLocks noGrp="1"/>
-          </p:cNvSpPr>
-          <p:nvPr>
-            <p:ph type="title"/>
-          </p:nvPr>
-        </p:nvSpPr>
-        <p:spPr/>
-        <p:txBody>
-          <a:bodyPr/>
-          <a:lstStyle>
-            <a:lvl1pPr>
-              <a:defRPr baseline="0"/>
-            </a:lvl1pPr>
-          </a:lstStyle>
-          <a:p>
-            <a:r>
-              <a:rPr lang="en-US" smtClean="0"/>
-              <a:t>Click to edit Master title style</a:t>
-            </a:r>
-            <a:endParaRPr lang="en-US" dirty="0"/>
-          </a:p>
-        </p:txBody>
-      </p:sp>
-      <p:sp>
-        <p:nvSpPr>
-          <p:cNvPr id="4" name="Text Placeholder 4"/>
-          <p:cNvSpPr>
-            <a:spLocks noGrp="1"/>
-          </p:cNvSpPr>
-          <p:nvPr>
-            <p:ph type="body" sz="quarter" idx="11"/>
-          </p:nvPr>
-        </p:nvSpPr>
-        <p:spPr>
-          <a:xfrm>
-            <a:off x="609600" y="1670583"/>
-            <a:ext cx="7782147" cy="4811358"/>
-          </a:xfrm>
-        </p:spPr>
-        <p:txBody>
-          <a:bodyPr>
-            <a:noAutofit/>
-          </a:bodyPr>
-          <a:lstStyle>
-            <a:lvl1pPr>
-              <a:defRPr baseline="0"/>
-            </a:lvl1pPr>
-            <a:lvl2pPr>
-              <a:defRPr baseline="0"/>
-            </a:lvl2pPr>
-            <a:lvl3pPr>
-              <a:defRPr baseline="0"/>
-            </a:lvl3pPr>
-            <a:lvl4pPr>
-              <a:defRPr baseline="0"/>
-            </a:lvl4pPr>
-            <a:lvl5pPr>
-              <a:defRPr baseline="0"/>
-            </a:lvl5pPr>
-          </a:lstStyle>
-          <a:p>
-            <a:pPr lvl="0"/>
-            <a:r>
-              <a:rPr lang="en-US" smtClean="0"/>
-              <a:t>Click to edit Master text styles</a:t>
-            </a:r>
-          </a:p>
-          <a:p>
-            <a:pPr lvl="1"/>
-            <a:r>
-              <a:rPr lang="en-US" smtClean="0"/>
-              <a:t>Second level</a:t>
-            </a:r>
-          </a:p>
-          <a:p>
-            <a:pPr lvl="2"/>
-            <a:r>
-              <a:rPr lang="en-US" smtClean="0"/>
-              <a:t>Third level</a:t>
-            </a:r>
-          </a:p>
-          <a:p>
-            <a:pPr lvl="3"/>
-            <a:r>
-              <a:rPr lang="en-US" smtClean="0"/>
-              <a:t>Fourth level</a:t>
-            </a:r>
-          </a:p>
-          <a:p>
-            <a:pPr lvl="4"/>
-            <a:r>
-              <a:rPr lang="en-US" smtClean="0"/>
-              <a:t>Fifth level</a:t>
-            </a:r>
-            <a:endParaRPr lang="en-US" dirty="0"/>
-          </a:p>
-        </p:txBody>
-      </p:sp>
-      <p:sp>
-        <p:nvSpPr>
-          <p:cNvPr id="6" name="Media Placeholder 6"/>
-          <p:cNvSpPr>
-            <a:spLocks noGrp="1"/>
-          </p:cNvSpPr>
-          <p:nvPr>
-            <p:ph type="media" sz="quarter" idx="12"/>
-          </p:nvPr>
-        </p:nvSpPr>
-        <p:spPr>
-          <a:xfrm>
-            <a:off x="8864600" y="1670050"/>
-            <a:ext cx="5156200" cy="5594350"/>
-          </a:xfrm>
-        </p:spPr>
-        <p:txBody>
-          <a:bodyPr/>
-          <a:lstStyle/>
-          <a:p>
-            <a:endParaRPr lang="en-US"/>
-          </a:p>
-        </p:txBody>
-      </p:sp>
-    </p:spTree>
-    <p:extLst>
-      <p:ext uri="{BB962C8B-B14F-4D97-AF65-F5344CB8AC3E}">
-        <p14:creationId xmlns:p14="http://schemas.microsoft.com/office/powerpoint/2010/main" val="1124846924"/>
-      </p:ext>
-    </p:extLst>
-  </p:cSld>
-  <p:clrMapOvr>
-    <a:masterClrMapping/>
-  </p:clrMapOvr>
-  <mc:AlternateContent xmlns:mc="http://schemas.openxmlformats.org/markup-compatibility/2006" xmlns:p14="http://schemas.microsoft.com/office/powerpoint/2010/main">
-    <mc:Choice Requires="p14">
-      <p:transition spd="med" p14:dur="700">
-        <p:fade/>
-      </p:transition>
-    </mc:Choice>
-    <mc:Fallback xmlns="">
-      <p:transition spd="med">
-        <p:fade/>
-      </p:transition>
-    </mc:Fallback>
-  </mc:AlternateContent>
-  <p:timing>
-    <p:tnLst>
-      <p:par>
-        <p:cTn xmlns:p14="http://schemas.microsoft.com/office/powerpoint/2010/main" id="1" dur="indefinite" restart="never" nodeType="tmRoot"/>
-      </p:par>
-    </p:tnLst>
-  </p:timing>
-</p:sldLayout>
-</file>
-
-<file path=ppt/slideLayouts/slideLayout58.xml><?xml version="1.0" encoding="utf-8"?>
-<p:sldLayout xmlns:a="http://schemas.openxmlformats.org/drawingml/2006/main" xmlns:r="http://schemas.openxmlformats.org/officeDocument/2006/relationships" xmlns:p="http://schemas.openxmlformats.org/presentationml/2006/main" preserve="1" userDrawn="1">
-  <p:cSld name="Title &amp; Image">
-    <p:spTree>
-      <p:nvGrpSpPr>
-        <p:cNvPr id="1" name=""/>
-        <p:cNvGrpSpPr/>
-        <p:nvPr/>
-      </p:nvGrpSpPr>
-      <p:grpSpPr>
-        <a:xfrm>
-          <a:off x="0" y="0"/>
-          <a:ext cx="0" cy="0"/>
-          <a:chOff x="0" y="0"/>
-          <a:chExt cx="0" cy="0"/>
-        </a:xfrm>
-      </p:grpSpPr>
-      <p:sp>
-        <p:nvSpPr>
-          <p:cNvPr id="6" name="Media Placeholder 6"/>
-          <p:cNvSpPr>
-            <a:spLocks noGrp="1"/>
-          </p:cNvSpPr>
-          <p:nvPr>
-            <p:ph type="media" sz="quarter" idx="12"/>
-          </p:nvPr>
-        </p:nvSpPr>
-        <p:spPr>
-          <a:xfrm>
-            <a:off x="609600" y="1670050"/>
-            <a:ext cx="13411200" cy="5594350"/>
-          </a:xfrm>
-        </p:spPr>
-        <p:txBody>
-          <a:bodyPr/>
-          <a:lstStyle/>
-          <a:p>
-            <a:endParaRPr lang="en-US"/>
-          </a:p>
-        </p:txBody>
-      </p:sp>
-      <p:sp>
-        <p:nvSpPr>
-          <p:cNvPr id="2" name="Title 1"/>
-          <p:cNvSpPr>
-            <a:spLocks noGrp="1"/>
-          </p:cNvSpPr>
-          <p:nvPr>
-            <p:ph type="title"/>
-          </p:nvPr>
-        </p:nvSpPr>
-        <p:spPr/>
-        <p:txBody>
-          <a:bodyPr/>
-          <a:lstStyle>
-            <a:lvl1pPr>
-              <a:defRPr baseline="0"/>
-            </a:lvl1pPr>
-          </a:lstStyle>
-          <a:p>
-            <a:r>
-              <a:rPr lang="en-US" smtClean="0"/>
-              <a:t>Click to edit Master title style</a:t>
-            </a:r>
-            <a:endParaRPr lang="en-US" dirty="0"/>
-          </a:p>
-        </p:txBody>
-      </p:sp>
-    </p:spTree>
-    <p:extLst>
-      <p:ext uri="{BB962C8B-B14F-4D97-AF65-F5344CB8AC3E}">
-        <p14:creationId xmlns:p14="http://schemas.microsoft.com/office/powerpoint/2010/main" val="462255058"/>
-      </p:ext>
-    </p:extLst>
-  </p:cSld>
-  <p:clrMapOvr>
-    <a:masterClrMapping/>
-  </p:clrMapOvr>
-  <mc:AlternateContent xmlns:mc="http://schemas.openxmlformats.org/markup-compatibility/2006" xmlns:p14="http://schemas.microsoft.com/office/powerpoint/2010/main">
-    <mc:Choice Requires="p14">
-      <p:transition spd="med" p14:dur="700">
-        <p:fade/>
-      </p:transition>
-    </mc:Choice>
-    <mc:Fallback xmlns="">
-      <p:transition spd="med">
-        <p:fade/>
-      </p:transition>
-    </mc:Fallback>
-  </mc:AlternateContent>
-  <p:timing>
-    <p:tnLst>
-      <p:par>
-        <p:cTn xmlns:p14="http://schemas.microsoft.com/office/powerpoint/2010/main" id="1" dur="indefinite" restart="never" nodeType="tmRoot"/>
-      </p:par>
-    </p:tnLst>
-  </p:timing>
-</p:sldLayout>
-</file>
-
-<file path=ppt/slideLayouts/slideLayout59.xml><?xml version="1.0" encoding="utf-8"?>
-<p:sldLayout xmlns:a="http://schemas.openxmlformats.org/drawingml/2006/main" xmlns:r="http://schemas.openxmlformats.org/officeDocument/2006/relationships" xmlns:p="http://schemas.openxmlformats.org/presentationml/2006/main" preserve="1" userDrawn="1">
-  <p:cSld name="Code and Pic">
-    <p:spTree>
-      <p:nvGrpSpPr>
-        <p:cNvPr id="1" name=""/>
-        <p:cNvGrpSpPr/>
-        <p:nvPr/>
-      </p:nvGrpSpPr>
-      <p:grpSpPr>
-        <a:xfrm>
-          <a:off x="0" y="0"/>
-          <a:ext cx="0" cy="0"/>
-          <a:chOff x="0" y="0"/>
-          <a:chExt cx="0" cy="0"/>
-        </a:xfrm>
-      </p:grpSpPr>
-      <p:sp>
-        <p:nvSpPr>
-          <p:cNvPr id="2" name="Title 1"/>
-          <p:cNvSpPr>
-            <a:spLocks noGrp="1"/>
-          </p:cNvSpPr>
-          <p:nvPr>
-            <p:ph type="title"/>
-          </p:nvPr>
-        </p:nvSpPr>
-        <p:spPr/>
-        <p:txBody>
-          <a:bodyPr/>
-          <a:lstStyle>
-            <a:lvl1pPr>
-              <a:defRPr baseline="0"/>
-            </a:lvl1pPr>
-          </a:lstStyle>
-          <a:p>
-            <a:r>
-              <a:rPr lang="en-US" smtClean="0"/>
-              <a:t>Click to edit Master title style</a:t>
-            </a:r>
-            <a:endParaRPr lang="en-US" dirty="0"/>
-          </a:p>
-        </p:txBody>
-      </p:sp>
-      <p:sp>
-        <p:nvSpPr>
-          <p:cNvPr id="4" name="Text Placeholder 4"/>
-          <p:cNvSpPr>
-            <a:spLocks noGrp="1"/>
-          </p:cNvSpPr>
-          <p:nvPr>
-            <p:ph type="body" sz="quarter" idx="11" hasCustomPrompt="1"/>
-          </p:nvPr>
-        </p:nvSpPr>
-        <p:spPr>
-          <a:xfrm>
-            <a:off x="609600" y="1670583"/>
-            <a:ext cx="7782147" cy="4811358"/>
-          </a:xfrm>
-        </p:spPr>
-        <p:txBody>
-          <a:bodyPr>
-            <a:noAutofit/>
-          </a:bodyPr>
-          <a:lstStyle>
-            <a:lvl1pPr marL="0" indent="0">
-              <a:buFontTx/>
-              <a:buNone/>
-              <a:defRPr baseline="0"/>
-            </a:lvl1pPr>
-            <a:lvl2pPr>
-              <a:defRPr baseline="0"/>
-            </a:lvl2pPr>
-            <a:lvl3pPr>
-              <a:defRPr baseline="0"/>
-            </a:lvl3pPr>
-            <a:lvl4pPr>
-              <a:defRPr baseline="0"/>
-            </a:lvl4pPr>
-            <a:lvl5pPr>
-              <a:defRPr baseline="0"/>
-            </a:lvl5pPr>
-          </a:lstStyle>
-          <a:p>
-            <a:pPr lvl="0"/>
-            <a:r>
-              <a:rPr lang="en-US" dirty="0" smtClean="0"/>
-              <a:t>code</a:t>
-            </a:r>
-          </a:p>
-        </p:txBody>
-      </p:sp>
-      <p:sp>
-        <p:nvSpPr>
-          <p:cNvPr id="6" name="Media Placeholder 6"/>
-          <p:cNvSpPr>
-            <a:spLocks noGrp="1"/>
-          </p:cNvSpPr>
-          <p:nvPr>
-            <p:ph type="media" sz="quarter" idx="12"/>
-          </p:nvPr>
-        </p:nvSpPr>
-        <p:spPr>
-          <a:xfrm>
-            <a:off x="8864600" y="1670050"/>
-            <a:ext cx="5156200" cy="5594350"/>
-          </a:xfrm>
-        </p:spPr>
-        <p:txBody>
-          <a:bodyPr/>
-          <a:lstStyle/>
-          <a:p>
-            <a:endParaRPr lang="en-US"/>
-          </a:p>
-        </p:txBody>
-      </p:sp>
-    </p:spTree>
-    <p:extLst>
-      <p:ext uri="{BB962C8B-B14F-4D97-AF65-F5344CB8AC3E}">
-        <p14:creationId xmlns:p14="http://schemas.microsoft.com/office/powerpoint/2010/main" val="1621848663"/>
-      </p:ext>
-    </p:extLst>
-  </p:cSld>
-  <p:clrMapOvr>
-    <a:masterClrMapping/>
-  </p:clrMapOvr>
-  <mc:AlternateContent xmlns:mc="http://schemas.openxmlformats.org/markup-compatibility/2006" xmlns:p14="http://schemas.microsoft.com/office/powerpoint/2010/main">
-    <mc:Choice Requires="p14">
-      <p:transition spd="med" p14:dur="700">
-        <p:fade/>
-      </p:transition>
-    </mc:Choice>
-    <mc:Fallback xmlns="">
-      <p:transition spd="med">
-        <p:fade/>
-      </p:transition>
-    </mc:Fallback>
-  </mc:AlternateContent>
-  <p:timing>
-    <p:tnLst>
-      <p:par>
-        <p:cTn xmlns:p14="http://schemas.microsoft.com/office/powerpoint/2010/main" id="1" dur="indefinite" restart="never" nodeType="tmRoot"/>
-      </p:par>
-    </p:tnLst>
-  </p:timing>
-</p:sldLayout>
-</file>
-
 <file path=ppt/slideLayouts/slideLayout6.xml><?xml version="1.0" encoding="utf-8"?>
 <p:sldLayout xmlns:a="http://schemas.openxmlformats.org/drawingml/2006/main" xmlns:r="http://schemas.openxmlformats.org/officeDocument/2006/relationships" xmlns:p="http://schemas.openxmlformats.org/presentationml/2006/main" preserve="1" userDrawn="1">
   <p:cSld name="Blank">
@@ -12016,1993 +8170,6 @@
       </p:transition>
     </mc:Fallback>
   </mc:AlternateContent>
-</p:sldLayout>
-</file>
-
-<file path=ppt/slideLayouts/slideLayout60.xml><?xml version="1.0" encoding="utf-8"?>
-<p:sldLayout xmlns:a="http://schemas.openxmlformats.org/drawingml/2006/main" xmlns:r="http://schemas.openxmlformats.org/officeDocument/2006/relationships" xmlns:p="http://schemas.openxmlformats.org/presentationml/2006/main" preserve="1" userDrawn="1">
-  <p:cSld name="media and Pic">
-    <p:spTree>
-      <p:nvGrpSpPr>
-        <p:cNvPr id="1" name=""/>
-        <p:cNvGrpSpPr/>
-        <p:nvPr/>
-      </p:nvGrpSpPr>
-      <p:grpSpPr>
-        <a:xfrm>
-          <a:off x="0" y="0"/>
-          <a:ext cx="0" cy="0"/>
-          <a:chOff x="0" y="0"/>
-          <a:chExt cx="0" cy="0"/>
-        </a:xfrm>
-      </p:grpSpPr>
-      <p:sp>
-        <p:nvSpPr>
-          <p:cNvPr id="5" name="Media Placeholder 4"/>
-          <p:cNvSpPr>
-            <a:spLocks noGrp="1"/>
-          </p:cNvSpPr>
-          <p:nvPr>
-            <p:ph type="media" sz="quarter" idx="13"/>
-          </p:nvPr>
-        </p:nvSpPr>
-        <p:spPr>
-          <a:xfrm>
-            <a:off x="609600" y="1670050"/>
-            <a:ext cx="7781925" cy="5594350"/>
-          </a:xfrm>
-        </p:spPr>
-        <p:txBody>
-          <a:bodyPr/>
-          <a:lstStyle/>
-          <a:p>
-            <a:endParaRPr lang="en-US"/>
-          </a:p>
-        </p:txBody>
-      </p:sp>
-      <p:sp>
-        <p:nvSpPr>
-          <p:cNvPr id="2" name="Title 1"/>
-          <p:cNvSpPr>
-            <a:spLocks noGrp="1"/>
-          </p:cNvSpPr>
-          <p:nvPr>
-            <p:ph type="title"/>
-          </p:nvPr>
-        </p:nvSpPr>
-        <p:spPr/>
-        <p:txBody>
-          <a:bodyPr/>
-          <a:lstStyle>
-            <a:lvl1pPr>
-              <a:defRPr baseline="0"/>
-            </a:lvl1pPr>
-          </a:lstStyle>
-          <a:p>
-            <a:r>
-              <a:rPr lang="en-US" smtClean="0"/>
-              <a:t>Click to edit Master title style</a:t>
-            </a:r>
-            <a:endParaRPr lang="en-US" dirty="0"/>
-          </a:p>
-        </p:txBody>
-      </p:sp>
-      <p:sp>
-        <p:nvSpPr>
-          <p:cNvPr id="6" name="Media Placeholder 6"/>
-          <p:cNvSpPr>
-            <a:spLocks noGrp="1"/>
-          </p:cNvSpPr>
-          <p:nvPr>
-            <p:ph type="media" sz="quarter" idx="12"/>
-          </p:nvPr>
-        </p:nvSpPr>
-        <p:spPr>
-          <a:xfrm>
-            <a:off x="8864600" y="1670050"/>
-            <a:ext cx="5156200" cy="5594350"/>
-          </a:xfrm>
-        </p:spPr>
-        <p:txBody>
-          <a:bodyPr/>
-          <a:lstStyle/>
-          <a:p>
-            <a:endParaRPr lang="en-US"/>
-          </a:p>
-        </p:txBody>
-      </p:sp>
-    </p:spTree>
-    <p:extLst>
-      <p:ext uri="{BB962C8B-B14F-4D97-AF65-F5344CB8AC3E}">
-        <p14:creationId xmlns:p14="http://schemas.microsoft.com/office/powerpoint/2010/main" val="3418562543"/>
-      </p:ext>
-    </p:extLst>
-  </p:cSld>
-  <p:clrMapOvr>
-    <a:masterClrMapping/>
-  </p:clrMapOvr>
-  <mc:AlternateContent xmlns:mc="http://schemas.openxmlformats.org/markup-compatibility/2006" xmlns:p14="http://schemas.microsoft.com/office/powerpoint/2010/main">
-    <mc:Choice Requires="p14">
-      <p:transition spd="med" p14:dur="700">
-        <p:fade/>
-      </p:transition>
-    </mc:Choice>
-    <mc:Fallback xmlns="">
-      <p:transition spd="med">
-        <p:fade/>
-      </p:transition>
-    </mc:Fallback>
-  </mc:AlternateContent>
-  <p:timing>
-    <p:tnLst>
-      <p:par>
-        <p:cTn xmlns:p14="http://schemas.microsoft.com/office/powerpoint/2010/main" id="1" dur="indefinite" restart="never" nodeType="tmRoot"/>
-      </p:par>
-    </p:tnLst>
-  </p:timing>
-</p:sldLayout>
-</file>
-
-<file path=ppt/slideLayouts/slideLayout61.xml><?xml version="1.0" encoding="utf-8"?>
-<p:sldLayout xmlns:a="http://schemas.openxmlformats.org/drawingml/2006/main" xmlns:r="http://schemas.openxmlformats.org/officeDocument/2006/relationships" xmlns:p="http://schemas.openxmlformats.org/presentationml/2006/main" preserve="1" userDrawn="1">
-  <p:cSld name="Bullets Picture Right">
-    <p:spTree>
-      <p:nvGrpSpPr>
-        <p:cNvPr id="1" name=""/>
-        <p:cNvGrpSpPr/>
-        <p:nvPr/>
-      </p:nvGrpSpPr>
-      <p:grpSpPr>
-        <a:xfrm>
-          <a:off x="0" y="0"/>
-          <a:ext cx="0" cy="0"/>
-          <a:chOff x="0" y="0"/>
-          <a:chExt cx="0" cy="0"/>
-        </a:xfrm>
-      </p:grpSpPr>
-      <p:sp>
-        <p:nvSpPr>
-          <p:cNvPr id="2" name="Title 1"/>
-          <p:cNvSpPr>
-            <a:spLocks noGrp="1"/>
-          </p:cNvSpPr>
-          <p:nvPr>
-            <p:ph type="title"/>
-          </p:nvPr>
-        </p:nvSpPr>
-        <p:spPr>
-          <a:xfrm>
-            <a:off x="609602" y="548642"/>
-            <a:ext cx="7782145" cy="609397"/>
-          </a:xfrm>
-        </p:spPr>
-        <p:txBody>
-          <a:bodyPr/>
-          <a:lstStyle>
-            <a:lvl1pPr>
-              <a:defRPr baseline="0"/>
-            </a:lvl1pPr>
-          </a:lstStyle>
-          <a:p>
-            <a:r>
-              <a:rPr lang="en-US" smtClean="0"/>
-              <a:t>Click to edit Master title style</a:t>
-            </a:r>
-            <a:endParaRPr lang="en-US" dirty="0"/>
-          </a:p>
-        </p:txBody>
-      </p:sp>
-      <p:sp>
-        <p:nvSpPr>
-          <p:cNvPr id="5" name="Text Placeholder 4"/>
-          <p:cNvSpPr>
-            <a:spLocks noGrp="1"/>
-          </p:cNvSpPr>
-          <p:nvPr>
-            <p:ph type="body" sz="quarter" idx="10"/>
-          </p:nvPr>
-        </p:nvSpPr>
-        <p:spPr>
-          <a:xfrm>
-            <a:off x="609600" y="1670583"/>
-            <a:ext cx="7782147" cy="4811358"/>
-          </a:xfrm>
-        </p:spPr>
-        <p:txBody>
-          <a:bodyPr>
-            <a:noAutofit/>
-          </a:bodyPr>
-          <a:lstStyle>
-            <a:lvl1pPr>
-              <a:defRPr baseline="0"/>
-            </a:lvl1pPr>
-            <a:lvl2pPr>
-              <a:defRPr baseline="0"/>
-            </a:lvl2pPr>
-            <a:lvl3pPr>
-              <a:defRPr baseline="0"/>
-            </a:lvl3pPr>
-            <a:lvl4pPr>
-              <a:defRPr baseline="0"/>
-            </a:lvl4pPr>
-            <a:lvl5pPr>
-              <a:defRPr baseline="0"/>
-            </a:lvl5pPr>
-          </a:lstStyle>
-          <a:p>
-            <a:pPr lvl="0"/>
-            <a:r>
-              <a:rPr lang="en-US" smtClean="0"/>
-              <a:t>Click to edit Master text styles</a:t>
-            </a:r>
-          </a:p>
-          <a:p>
-            <a:pPr lvl="1"/>
-            <a:r>
-              <a:rPr lang="en-US" smtClean="0"/>
-              <a:t>Second level</a:t>
-            </a:r>
-          </a:p>
-          <a:p>
-            <a:pPr lvl="2"/>
-            <a:r>
-              <a:rPr lang="en-US" smtClean="0"/>
-              <a:t>Third level</a:t>
-            </a:r>
-          </a:p>
-          <a:p>
-            <a:pPr lvl="3"/>
-            <a:r>
-              <a:rPr lang="en-US" smtClean="0"/>
-              <a:t>Fourth level</a:t>
-            </a:r>
-          </a:p>
-          <a:p>
-            <a:pPr lvl="4"/>
-            <a:r>
-              <a:rPr lang="en-US" smtClean="0"/>
-              <a:t>Fifth level</a:t>
-            </a:r>
-            <a:endParaRPr lang="en-US" dirty="0"/>
-          </a:p>
-        </p:txBody>
-      </p:sp>
-      <p:sp>
-        <p:nvSpPr>
-          <p:cNvPr id="3" name="Rectangle 2"/>
-          <p:cNvSpPr/>
-          <p:nvPr userDrawn="1"/>
-        </p:nvSpPr>
-        <p:spPr bwMode="auto">
-          <a:xfrm>
-            <a:off x="9110416" y="0"/>
-            <a:ext cx="5519984" cy="8229600"/>
-          </a:xfrm>
-          <a:prstGeom prst="rect">
-            <a:avLst/>
-          </a:prstGeom>
-          <a:solidFill>
-            <a:srgbClr val="3486A7"/>
-          </a:solidFill>
-          <a:ln>
-            <a:noFill/>
-            <a:headEnd type="none" w="med" len="med"/>
-            <a:tailEnd type="none" w="med" len="med"/>
-          </a:ln>
-          <a:effectLst/>
-        </p:spPr>
-        <p:style>
-          <a:lnRef idx="1">
-            <a:schemeClr val="accent4"/>
-          </a:lnRef>
-          <a:fillRef idx="3">
-            <a:schemeClr val="accent4"/>
-          </a:fillRef>
-          <a:effectRef idx="2">
-            <a:schemeClr val="accent4"/>
-          </a:effectRef>
-          <a:fontRef idx="minor">
-            <a:schemeClr val="lt1"/>
-          </a:fontRef>
-        </p:style>
-        <p:txBody>
-          <a:bodyPr vert="horz" wrap="square" lIns="91436" tIns="45718" rIns="91436" bIns="45718" numCol="1" rtlCol="0" anchor="ctr" anchorCtr="0" compatLnSpc="1">
-            <a:prstTxWarp prst="textNoShape">
-              <a:avLst/>
-            </a:prstTxWarp>
-          </a:bodyPr>
-          <a:lstStyle/>
-          <a:p>
-            <a:pPr algn="ctr" defTabSz="914099"/>
-            <a:endParaRPr lang="en-US" sz="2400" dirty="0" smtClean="0">
-              <a:gradFill>
-                <a:gsLst>
-                  <a:gs pos="0">
-                    <a:srgbClr val="FFFFFF"/>
-                  </a:gs>
-                  <a:gs pos="100000">
-                    <a:srgbClr val="FFFFFF"/>
-                  </a:gs>
-                </a:gsLst>
-                <a:lin ang="5400000" scaled="0"/>
-              </a:gradFill>
-              <a:latin typeface="Gill Sans Light"/>
-              <a:cs typeface="Gill Sans Light"/>
-            </a:endParaRPr>
-          </a:p>
-        </p:txBody>
-      </p:sp>
-      <p:sp>
-        <p:nvSpPr>
-          <p:cNvPr id="7" name="Media Placeholder 6"/>
-          <p:cNvSpPr>
-            <a:spLocks noGrp="1"/>
-          </p:cNvSpPr>
-          <p:nvPr>
-            <p:ph type="media" sz="quarter" idx="11"/>
-          </p:nvPr>
-        </p:nvSpPr>
-        <p:spPr>
-          <a:xfrm>
-            <a:off x="9296400" y="1670050"/>
-            <a:ext cx="5156200" cy="4811713"/>
-          </a:xfrm>
-        </p:spPr>
-        <p:txBody>
-          <a:bodyPr/>
-          <a:lstStyle/>
-          <a:p>
-            <a:endParaRPr lang="en-US"/>
-          </a:p>
-        </p:txBody>
-      </p:sp>
-    </p:spTree>
-    <p:extLst>
-      <p:ext uri="{BB962C8B-B14F-4D97-AF65-F5344CB8AC3E}">
-        <p14:creationId xmlns:p14="http://schemas.microsoft.com/office/powerpoint/2010/main" val="3389174949"/>
-      </p:ext>
-    </p:extLst>
-  </p:cSld>
-  <p:clrMapOvr>
-    <a:masterClrMapping/>
-  </p:clrMapOvr>
-  <mc:AlternateContent xmlns:mc="http://schemas.openxmlformats.org/markup-compatibility/2006" xmlns:p14="http://schemas.microsoft.com/office/powerpoint/2010/main">
-    <mc:Choice Requires="p14">
-      <p:transition spd="med" p14:dur="700">
-        <p:fade/>
-      </p:transition>
-    </mc:Choice>
-    <mc:Fallback xmlns="">
-      <p:transition spd="med">
-        <p:fade/>
-      </p:transition>
-    </mc:Fallback>
-  </mc:AlternateContent>
-  <p:timing>
-    <p:tnLst>
-      <p:par>
-        <p:cTn xmlns:p14="http://schemas.microsoft.com/office/powerpoint/2010/main" id="1" dur="indefinite" restart="never" nodeType="tmRoot"/>
-      </p:par>
-    </p:tnLst>
-  </p:timing>
-</p:sldLayout>
-</file>
-
-<file path=ppt/slideLayouts/slideLayout62.xml><?xml version="1.0" encoding="utf-8"?>
-<p:sldLayout xmlns:a="http://schemas.openxmlformats.org/drawingml/2006/main" xmlns:r="http://schemas.openxmlformats.org/officeDocument/2006/relationships" xmlns:p="http://schemas.openxmlformats.org/presentationml/2006/main" preserve="1" userDrawn="1">
-  <p:cSld name="Bullets Words Right - Orange">
-    <p:spTree>
-      <p:nvGrpSpPr>
-        <p:cNvPr id="1" name=""/>
-        <p:cNvGrpSpPr/>
-        <p:nvPr/>
-      </p:nvGrpSpPr>
-      <p:grpSpPr>
-        <a:xfrm>
-          <a:off x="0" y="0"/>
-          <a:ext cx="0" cy="0"/>
-          <a:chOff x="0" y="0"/>
-          <a:chExt cx="0" cy="0"/>
-        </a:xfrm>
-      </p:grpSpPr>
-      <p:sp>
-        <p:nvSpPr>
-          <p:cNvPr id="2" name="Title 1"/>
-          <p:cNvSpPr>
-            <a:spLocks noGrp="1"/>
-          </p:cNvSpPr>
-          <p:nvPr>
-            <p:ph type="title"/>
-          </p:nvPr>
-        </p:nvSpPr>
-        <p:spPr>
-          <a:xfrm>
-            <a:off x="609602" y="548642"/>
-            <a:ext cx="7782145" cy="609397"/>
-          </a:xfrm>
-        </p:spPr>
-        <p:txBody>
-          <a:bodyPr/>
-          <a:lstStyle>
-            <a:lvl1pPr>
-              <a:defRPr baseline="0"/>
-            </a:lvl1pPr>
-          </a:lstStyle>
-          <a:p>
-            <a:r>
-              <a:rPr lang="en-US" smtClean="0"/>
-              <a:t>Click to edit Master title style</a:t>
-            </a:r>
-            <a:endParaRPr lang="en-US" dirty="0"/>
-          </a:p>
-        </p:txBody>
-      </p:sp>
-      <p:sp>
-        <p:nvSpPr>
-          <p:cNvPr id="5" name="Text Placeholder 4"/>
-          <p:cNvSpPr>
-            <a:spLocks noGrp="1"/>
-          </p:cNvSpPr>
-          <p:nvPr>
-            <p:ph type="body" sz="quarter" idx="10"/>
-          </p:nvPr>
-        </p:nvSpPr>
-        <p:spPr>
-          <a:xfrm>
-            <a:off x="609600" y="1670583"/>
-            <a:ext cx="7782147" cy="4811358"/>
-          </a:xfrm>
-        </p:spPr>
-        <p:txBody>
-          <a:bodyPr>
-            <a:noAutofit/>
-          </a:bodyPr>
-          <a:lstStyle>
-            <a:lvl1pPr>
-              <a:defRPr baseline="0"/>
-            </a:lvl1pPr>
-            <a:lvl2pPr>
-              <a:defRPr baseline="0"/>
-            </a:lvl2pPr>
-            <a:lvl3pPr>
-              <a:defRPr baseline="0"/>
-            </a:lvl3pPr>
-            <a:lvl4pPr>
-              <a:defRPr baseline="0"/>
-            </a:lvl4pPr>
-            <a:lvl5pPr>
-              <a:defRPr baseline="0"/>
-            </a:lvl5pPr>
-          </a:lstStyle>
-          <a:p>
-            <a:pPr lvl="0"/>
-            <a:r>
-              <a:rPr lang="en-US" smtClean="0"/>
-              <a:t>Click to edit Master text styles</a:t>
-            </a:r>
-          </a:p>
-          <a:p>
-            <a:pPr lvl="1"/>
-            <a:r>
-              <a:rPr lang="en-US" smtClean="0"/>
-              <a:t>Second level</a:t>
-            </a:r>
-          </a:p>
-          <a:p>
-            <a:pPr lvl="2"/>
-            <a:r>
-              <a:rPr lang="en-US" smtClean="0"/>
-              <a:t>Third level</a:t>
-            </a:r>
-          </a:p>
-          <a:p>
-            <a:pPr lvl="3"/>
-            <a:r>
-              <a:rPr lang="en-US" smtClean="0"/>
-              <a:t>Fourth level</a:t>
-            </a:r>
-          </a:p>
-          <a:p>
-            <a:pPr lvl="4"/>
-            <a:r>
-              <a:rPr lang="en-US" smtClean="0"/>
-              <a:t>Fifth level</a:t>
-            </a:r>
-            <a:endParaRPr lang="en-US" dirty="0"/>
-          </a:p>
-        </p:txBody>
-      </p:sp>
-      <p:sp>
-        <p:nvSpPr>
-          <p:cNvPr id="3" name="Rectangle 2"/>
-          <p:cNvSpPr/>
-          <p:nvPr userDrawn="1"/>
-        </p:nvSpPr>
-        <p:spPr bwMode="auto">
-          <a:xfrm>
-            <a:off x="9110416" y="0"/>
-            <a:ext cx="5519984" cy="8229600"/>
-          </a:xfrm>
-          <a:prstGeom prst="rect">
-            <a:avLst/>
-          </a:prstGeom>
-          <a:solidFill>
-            <a:srgbClr val="F28B21"/>
-          </a:solidFill>
-          <a:ln>
-            <a:noFill/>
-            <a:headEnd type="none" w="med" len="med"/>
-            <a:tailEnd type="none" w="med" len="med"/>
-          </a:ln>
-          <a:effectLst/>
-        </p:spPr>
-        <p:style>
-          <a:lnRef idx="1">
-            <a:schemeClr val="accent4"/>
-          </a:lnRef>
-          <a:fillRef idx="3">
-            <a:schemeClr val="accent4"/>
-          </a:fillRef>
-          <a:effectRef idx="2">
-            <a:schemeClr val="accent4"/>
-          </a:effectRef>
-          <a:fontRef idx="minor">
-            <a:schemeClr val="lt1"/>
-          </a:fontRef>
-        </p:style>
-        <p:txBody>
-          <a:bodyPr vert="horz" wrap="square" lIns="91436" tIns="45718" rIns="91436" bIns="45718" numCol="1" rtlCol="0" anchor="ctr" anchorCtr="0" compatLnSpc="1">
-            <a:prstTxWarp prst="textNoShape">
-              <a:avLst/>
-            </a:prstTxWarp>
-          </a:bodyPr>
-          <a:lstStyle/>
-          <a:p>
-            <a:pPr algn="ctr" defTabSz="914099"/>
-            <a:endParaRPr lang="en-US" sz="2400" dirty="0" smtClean="0">
-              <a:gradFill>
-                <a:gsLst>
-                  <a:gs pos="0">
-                    <a:srgbClr val="FFFFFF"/>
-                  </a:gs>
-                  <a:gs pos="100000">
-                    <a:srgbClr val="FFFFFF"/>
-                  </a:gs>
-                </a:gsLst>
-                <a:lin ang="5400000" scaled="0"/>
-              </a:gradFill>
-              <a:latin typeface="Gill Sans Light"/>
-              <a:cs typeface="Gill Sans Light"/>
-            </a:endParaRPr>
-          </a:p>
-        </p:txBody>
-      </p:sp>
-      <p:sp>
-        <p:nvSpPr>
-          <p:cNvPr id="7" name="Media Placeholder 6"/>
-          <p:cNvSpPr>
-            <a:spLocks noGrp="1"/>
-          </p:cNvSpPr>
-          <p:nvPr>
-            <p:ph type="media" sz="quarter" idx="11"/>
-          </p:nvPr>
-        </p:nvSpPr>
-        <p:spPr>
-          <a:xfrm>
-            <a:off x="10718800" y="548642"/>
-            <a:ext cx="2320375" cy="2165350"/>
-          </a:xfrm>
-        </p:spPr>
-        <p:txBody>
-          <a:bodyPr/>
-          <a:lstStyle/>
-          <a:p>
-            <a:endParaRPr lang="en-US"/>
-          </a:p>
-        </p:txBody>
-      </p:sp>
-      <p:sp>
-        <p:nvSpPr>
-          <p:cNvPr id="6" name="Text Placeholder 5"/>
-          <p:cNvSpPr>
-            <a:spLocks noGrp="1"/>
-          </p:cNvSpPr>
-          <p:nvPr>
-            <p:ph type="body" sz="quarter" idx="12"/>
-          </p:nvPr>
-        </p:nvSpPr>
-        <p:spPr>
-          <a:xfrm>
-            <a:off x="9321800" y="3069592"/>
-            <a:ext cx="5080000" cy="4495800"/>
-          </a:xfrm>
-        </p:spPr>
-        <p:txBody>
-          <a:bodyPr/>
-          <a:lstStyle>
-            <a:lvl1pPr marL="0" indent="0" algn="ctr">
-              <a:buFontTx/>
-              <a:buNone/>
-              <a:defRPr sz="4800">
-                <a:solidFill>
-                  <a:schemeClr val="bg1"/>
-                </a:solidFill>
-                <a:latin typeface=""/>
-              </a:defRPr>
-            </a:lvl1pPr>
-            <a:lvl2pPr marL="278048" indent="0" algn="ctr">
-              <a:buFontTx/>
-              <a:buNone/>
-              <a:defRPr sz="4800">
-                <a:solidFill>
-                  <a:schemeClr val="bg1"/>
-                </a:solidFill>
-                <a:latin typeface=""/>
-              </a:defRPr>
-            </a:lvl2pPr>
-            <a:lvl3pPr marL="548476" indent="0" algn="ctr">
-              <a:buFontTx/>
-              <a:buNone/>
-              <a:defRPr sz="4800">
-                <a:solidFill>
-                  <a:schemeClr val="bg1"/>
-                </a:solidFill>
-                <a:latin typeface=""/>
-              </a:defRPr>
-            </a:lvl3pPr>
-            <a:lvl4pPr marL="756061" indent="0" algn="ctr">
-              <a:buFontTx/>
-              <a:buNone/>
-              <a:defRPr sz="4800">
-                <a:solidFill>
-                  <a:schemeClr val="bg1"/>
-                </a:solidFill>
-                <a:latin typeface=""/>
-              </a:defRPr>
-            </a:lvl4pPr>
-            <a:lvl5pPr marL="961738" indent="0" algn="ctr">
-              <a:buFontTx/>
-              <a:buNone/>
-              <a:defRPr sz="4800">
-                <a:solidFill>
-                  <a:schemeClr val="bg1"/>
-                </a:solidFill>
-                <a:latin typeface=""/>
-              </a:defRPr>
-            </a:lvl5pPr>
-          </a:lstStyle>
-          <a:p>
-            <a:pPr lvl="0"/>
-            <a:r>
-              <a:rPr lang="en-US" dirty="0" smtClean="0"/>
-              <a:t>Click to edit Master text</a:t>
-            </a:r>
-            <a:endParaRPr lang="en-US" dirty="0"/>
-          </a:p>
-        </p:txBody>
-      </p:sp>
-    </p:spTree>
-    <p:extLst>
-      <p:ext uri="{BB962C8B-B14F-4D97-AF65-F5344CB8AC3E}">
-        <p14:creationId xmlns:p14="http://schemas.microsoft.com/office/powerpoint/2010/main" val="1316341534"/>
-      </p:ext>
-    </p:extLst>
-  </p:cSld>
-  <p:clrMapOvr>
-    <a:masterClrMapping/>
-  </p:clrMapOvr>
-  <mc:AlternateContent xmlns:mc="http://schemas.openxmlformats.org/markup-compatibility/2006" xmlns:p14="http://schemas.microsoft.com/office/powerpoint/2010/main">
-    <mc:Choice Requires="p14">
-      <p:transition spd="med" p14:dur="700">
-        <p:fade/>
-      </p:transition>
-    </mc:Choice>
-    <mc:Fallback xmlns="">
-      <p:transition spd="med">
-        <p:fade/>
-      </p:transition>
-    </mc:Fallback>
-  </mc:AlternateContent>
-  <p:timing>
-    <p:tnLst>
-      <p:par>
-        <p:cTn xmlns:p14="http://schemas.microsoft.com/office/powerpoint/2010/main" id="1" dur="indefinite" restart="never" nodeType="tmRoot"/>
-      </p:par>
-    </p:tnLst>
-  </p:timing>
-</p:sldLayout>
-</file>
-
-<file path=ppt/slideLayouts/slideLayout63.xml><?xml version="1.0" encoding="utf-8"?>
-<p:sldLayout xmlns:a="http://schemas.openxmlformats.org/drawingml/2006/main" xmlns:r="http://schemas.openxmlformats.org/officeDocument/2006/relationships" xmlns:p="http://schemas.openxmlformats.org/presentationml/2006/main" preserve="1">
-  <p:cSld name="Code">
-    <p:spTree>
-      <p:nvGrpSpPr>
-        <p:cNvPr id="1" name=""/>
-        <p:cNvGrpSpPr/>
-        <p:nvPr/>
-      </p:nvGrpSpPr>
-      <p:grpSpPr>
-        <a:xfrm>
-          <a:off x="0" y="0"/>
-          <a:ext cx="0" cy="0"/>
-          <a:chOff x="0" y="0"/>
-          <a:chExt cx="0" cy="0"/>
-        </a:xfrm>
-      </p:grpSpPr>
-      <p:sp>
-        <p:nvSpPr>
-          <p:cNvPr id="2" name="Title 1"/>
-          <p:cNvSpPr>
-            <a:spLocks noGrp="1"/>
-          </p:cNvSpPr>
-          <p:nvPr>
-            <p:ph type="title"/>
-          </p:nvPr>
-        </p:nvSpPr>
-        <p:spPr/>
-        <p:txBody>
-          <a:bodyPr/>
-          <a:lstStyle/>
-          <a:p>
-            <a:r>
-              <a:rPr lang="en-US" smtClean="0"/>
-              <a:t>Click to edit Master title style</a:t>
-            </a:r>
-            <a:endParaRPr lang="en-US" dirty="0"/>
-          </a:p>
-        </p:txBody>
-      </p:sp>
-      <p:sp>
-        <p:nvSpPr>
-          <p:cNvPr id="5" name="Text Placeholder 4"/>
-          <p:cNvSpPr>
-            <a:spLocks noGrp="1"/>
-          </p:cNvSpPr>
-          <p:nvPr>
-            <p:ph type="body" sz="quarter" idx="10"/>
-          </p:nvPr>
-        </p:nvSpPr>
-        <p:spPr>
-          <a:xfrm>
-            <a:off x="609600" y="1670583"/>
-            <a:ext cx="13408762" cy="4811358"/>
-          </a:xfrm>
-        </p:spPr>
-        <p:txBody>
-          <a:bodyPr>
-            <a:noAutofit/>
-          </a:bodyPr>
-          <a:lstStyle>
-            <a:lvl1pPr marL="0" indent="0">
-              <a:buNone/>
-              <a:defRPr>
-                <a:latin typeface="Consolas" panose="020B0609020204030204" pitchFamily="49" charset="0"/>
-                <a:cs typeface="Consolas" panose="020B0609020204030204" pitchFamily="49" charset="0"/>
-              </a:defRPr>
-            </a:lvl1pPr>
-            <a:lvl2pPr marL="278046" indent="0">
-              <a:buNone/>
-              <a:defRPr>
-                <a:latin typeface="Consolas" panose="020B0609020204030204" pitchFamily="49" charset="0"/>
-                <a:cs typeface="Consolas" panose="020B0609020204030204" pitchFamily="49" charset="0"/>
-              </a:defRPr>
-            </a:lvl2pPr>
-            <a:lvl3pPr marL="548477" indent="0">
-              <a:buNone/>
-              <a:defRPr>
-                <a:latin typeface="Consolas" panose="020B0609020204030204" pitchFamily="49" charset="0"/>
-                <a:cs typeface="Consolas" panose="020B0609020204030204" pitchFamily="49" charset="0"/>
-              </a:defRPr>
-            </a:lvl3pPr>
-            <a:lvl4pPr marL="756058" indent="0">
-              <a:buNone/>
-              <a:defRPr>
-                <a:latin typeface="Consolas" panose="020B0609020204030204" pitchFamily="49" charset="0"/>
-                <a:cs typeface="Consolas" panose="020B0609020204030204" pitchFamily="49" charset="0"/>
-              </a:defRPr>
-            </a:lvl4pPr>
-            <a:lvl5pPr marL="961736" indent="0">
-              <a:buNone/>
-              <a:defRPr>
-                <a:latin typeface="Consolas" panose="020B0609020204030204" pitchFamily="49" charset="0"/>
-                <a:cs typeface="Consolas" panose="020B0609020204030204" pitchFamily="49" charset="0"/>
-              </a:defRPr>
-            </a:lvl5pPr>
-          </a:lstStyle>
-          <a:p>
-            <a:pPr lvl="0"/>
-            <a:r>
-              <a:rPr lang="en-US" smtClean="0"/>
-              <a:t>Click to edit Master text styles</a:t>
-            </a:r>
-          </a:p>
-        </p:txBody>
-      </p:sp>
-    </p:spTree>
-    <p:extLst>
-      <p:ext uri="{BB962C8B-B14F-4D97-AF65-F5344CB8AC3E}">
-        <p14:creationId xmlns:p14="http://schemas.microsoft.com/office/powerpoint/2010/main" val="180609293"/>
-      </p:ext>
-    </p:extLst>
-  </p:cSld>
-  <p:clrMapOvr>
-    <a:masterClrMapping/>
-  </p:clrMapOvr>
-  <mc:AlternateContent xmlns:mc="http://schemas.openxmlformats.org/markup-compatibility/2006" xmlns:p14="http://schemas.microsoft.com/office/powerpoint/2010/main">
-    <mc:Choice Requires="p14">
-      <p:transition spd="med" p14:dur="700">
-        <p:fade/>
-      </p:transition>
-    </mc:Choice>
-    <mc:Fallback xmlns="">
-      <p:transition spd="med">
-        <p:fade/>
-      </p:transition>
-    </mc:Fallback>
-  </mc:AlternateContent>
-  <p:timing>
-    <p:tnLst>
-      <p:par>
-        <p:cTn xmlns:p14="http://schemas.microsoft.com/office/powerpoint/2010/main" id="1" dur="indefinite" restart="never" nodeType="tmRoot"/>
-      </p:par>
-    </p:tnLst>
-  </p:timing>
-</p:sldLayout>
-</file>
-
-<file path=ppt/slideLayouts/slideLayout64.xml><?xml version="1.0" encoding="utf-8"?>
-<p:sldLayout xmlns:a="http://schemas.openxmlformats.org/drawingml/2006/main" xmlns:r="http://schemas.openxmlformats.org/officeDocument/2006/relationships" xmlns:p="http://schemas.openxmlformats.org/presentationml/2006/main" preserve="1">
-  <p:cSld name="1_Title Only">
-    <p:spTree>
-      <p:nvGrpSpPr>
-        <p:cNvPr id="1" name=""/>
-        <p:cNvGrpSpPr/>
-        <p:nvPr/>
-      </p:nvGrpSpPr>
-      <p:grpSpPr>
-        <a:xfrm>
-          <a:off x="0" y="0"/>
-          <a:ext cx="0" cy="0"/>
-          <a:chOff x="0" y="0"/>
-          <a:chExt cx="0" cy="0"/>
-        </a:xfrm>
-      </p:grpSpPr>
-      <p:sp>
-        <p:nvSpPr>
-          <p:cNvPr id="2" name="Title 1"/>
-          <p:cNvSpPr>
-            <a:spLocks noGrp="1"/>
-          </p:cNvSpPr>
-          <p:nvPr>
-            <p:ph type="title"/>
-          </p:nvPr>
-        </p:nvSpPr>
-        <p:spPr/>
-        <p:txBody>
-          <a:bodyPr/>
-          <a:lstStyle/>
-          <a:p>
-            <a:r>
-              <a:rPr lang="en-US" smtClean="0"/>
-              <a:t>Click to edit Master title style</a:t>
-            </a:r>
-            <a:endParaRPr lang="en-US"/>
-          </a:p>
-        </p:txBody>
-      </p:sp>
-    </p:spTree>
-    <p:extLst>
-      <p:ext uri="{BB962C8B-B14F-4D97-AF65-F5344CB8AC3E}">
-        <p14:creationId xmlns:p14="http://schemas.microsoft.com/office/powerpoint/2010/main" val="1450103842"/>
-      </p:ext>
-    </p:extLst>
-  </p:cSld>
-  <p:clrMapOvr>
-    <a:masterClrMapping/>
-  </p:clrMapOvr>
-  <mc:AlternateContent xmlns:mc="http://schemas.openxmlformats.org/markup-compatibility/2006" xmlns:p14="http://schemas.microsoft.com/office/powerpoint/2010/main">
-    <mc:Choice Requires="p14">
-      <p:transition spd="med" p14:dur="700">
-        <p:fade/>
-      </p:transition>
-    </mc:Choice>
-    <mc:Fallback xmlns="">
-      <p:transition spd="med">
-        <p:fade/>
-      </p:transition>
-    </mc:Fallback>
-  </mc:AlternateContent>
-  <p:timing>
-    <p:tnLst>
-      <p:par>
-        <p:cTn xmlns:p14="http://schemas.microsoft.com/office/powerpoint/2010/main" id="1" dur="indefinite" restart="never" nodeType="tmRoot"/>
-      </p:par>
-    </p:tnLst>
-  </p:timing>
-</p:sldLayout>
-</file>
-
-<file path=ppt/slideLayouts/slideLayout65.xml><?xml version="1.0" encoding="utf-8"?>
-<p:sldLayout xmlns:a="http://schemas.openxmlformats.org/drawingml/2006/main" xmlns:r="http://schemas.openxmlformats.org/officeDocument/2006/relationships" xmlns:p="http://schemas.openxmlformats.org/presentationml/2006/main" preserve="1" userDrawn="1">
-  <p:cSld name="Shell Command">
-    <p:spTree>
-      <p:nvGrpSpPr>
-        <p:cNvPr id="1" name=""/>
-        <p:cNvGrpSpPr/>
-        <p:nvPr/>
-      </p:nvGrpSpPr>
-      <p:grpSpPr>
-        <a:xfrm>
-          <a:off x="0" y="0"/>
-          <a:ext cx="0" cy="0"/>
-          <a:chOff x="0" y="0"/>
-          <a:chExt cx="0" cy="0"/>
-        </a:xfrm>
-      </p:grpSpPr>
-      <p:sp>
-        <p:nvSpPr>
-          <p:cNvPr id="2" name="Title 1"/>
-          <p:cNvSpPr>
-            <a:spLocks noGrp="1"/>
-          </p:cNvSpPr>
-          <p:nvPr>
-            <p:ph type="title"/>
-          </p:nvPr>
-        </p:nvSpPr>
-        <p:spPr/>
-        <p:txBody>
-          <a:bodyPr/>
-          <a:lstStyle/>
-          <a:p>
-            <a:r>
-              <a:rPr lang="en-US" smtClean="0"/>
-              <a:t>Click to edit Master title style</a:t>
-            </a:r>
-            <a:endParaRPr lang="en-US"/>
-          </a:p>
-        </p:txBody>
-      </p:sp>
-      <p:sp>
-        <p:nvSpPr>
-          <p:cNvPr id="3" name="Content Placeholder 3"/>
-          <p:cNvSpPr>
-            <a:spLocks noGrp="1"/>
-          </p:cNvSpPr>
-          <p:nvPr>
-            <p:ph sz="quarter" idx="11" hasCustomPrompt="1"/>
-          </p:nvPr>
-        </p:nvSpPr>
-        <p:spPr bwMode="white">
-          <a:xfrm>
-            <a:off x="1008994" y="2084367"/>
-            <a:ext cx="13009368" cy="5022432"/>
-          </a:xfrm>
-          <a:prstGeom prst="rect">
-            <a:avLst/>
-          </a:prstGeom>
-          <a:solidFill>
-            <a:srgbClr val="000000"/>
-          </a:solidFill>
-          <a:ln w="12700">
-            <a:solidFill>
-              <a:srgbClr val="000000"/>
-            </a:solidFill>
-            <a:prstDash val="dash"/>
-          </a:ln>
-        </p:spPr>
-        <p:txBody>
-          <a:bodyPr lIns="82296" tIns="41148" rIns="82296" bIns="41148">
-            <a:noAutofit/>
-          </a:bodyPr>
-          <a:lstStyle>
-            <a:lvl1pPr marL="0" marR="0" indent="0" algn="l" defTabSz="1097208" rtl="0" eaLnBrk="1" fontAlgn="auto" latinLnBrk="0" hangingPunct="1">
-              <a:lnSpc>
-                <a:spcPct val="100000"/>
-              </a:lnSpc>
-              <a:spcBef>
-                <a:spcPts val="720"/>
-              </a:spcBef>
-              <a:spcAft>
-                <a:spcPts val="0"/>
-              </a:spcAft>
-              <a:buClrTx/>
-              <a:buSzPct val="90000"/>
-              <a:buFont typeface="Arial" pitchFamily="34" charset="0"/>
-              <a:buNone/>
-              <a:tabLst/>
-              <a:defRPr sz="2500">
-                <a:solidFill>
-                  <a:srgbClr val="FFFFFF"/>
-                </a:solidFill>
-                <a:latin typeface="Consolas"/>
-                <a:cs typeface="Consolas"/>
-              </a:defRPr>
-            </a:lvl1pPr>
-            <a:lvl2pPr>
-              <a:defRPr>
-                <a:solidFill>
-                  <a:srgbClr val="FFFFFF"/>
-                </a:solidFill>
-              </a:defRPr>
-            </a:lvl2pPr>
-            <a:lvl3pPr>
-              <a:defRPr>
-                <a:solidFill>
-                  <a:srgbClr val="FFFFFF"/>
-                </a:solidFill>
-              </a:defRPr>
-            </a:lvl3pPr>
-            <a:lvl4pPr>
-              <a:defRPr>
-                <a:solidFill>
-                  <a:srgbClr val="FFFFFF"/>
-                </a:solidFill>
-              </a:defRPr>
-            </a:lvl4pPr>
-            <a:lvl5pPr>
-              <a:defRPr>
-                <a:solidFill>
-                  <a:srgbClr val="FFFFFF"/>
-                </a:solidFill>
-              </a:defRPr>
-            </a:lvl5pPr>
-          </a:lstStyle>
-          <a:p>
-            <a:pPr marL="0" marR="0" lvl="0" indent="0" algn="l" defTabSz="1097208" rtl="0" eaLnBrk="1" fontAlgn="auto" latinLnBrk="0" hangingPunct="1">
-              <a:lnSpc>
-                <a:spcPct val="100000"/>
-              </a:lnSpc>
-              <a:spcBef>
-                <a:spcPts val="720"/>
-              </a:spcBef>
-              <a:spcAft>
-                <a:spcPts val="0"/>
-              </a:spcAft>
-              <a:buClrTx/>
-              <a:buSzPct val="90000"/>
-              <a:buFont typeface="Arial" pitchFamily="34" charset="0"/>
-              <a:buNone/>
-              <a:tabLst/>
-              <a:defRPr/>
-            </a:pPr>
-            <a:r>
-              <a:rPr kumimoji="0" lang="en-US" sz="2500" b="0" i="0" u="none" strike="noStrike" kern="0" cap="none" spc="0" normalizeH="0" baseline="0" noProof="0" dirty="0" smtClean="0">
-                <a:ln>
-                  <a:noFill/>
-                </a:ln>
-                <a:solidFill>
-                  <a:srgbClr val="FFFFFF"/>
-                </a:solidFill>
-                <a:effectLst/>
-                <a:uLnTx/>
-                <a:uFillTx/>
-                <a:latin typeface="Consolas"/>
-                <a:cs typeface="Consolas"/>
-              </a:rPr>
-              <a:t>RESULT</a:t>
-            </a:r>
-          </a:p>
-        </p:txBody>
-      </p:sp>
-      <p:pic>
-        <p:nvPicPr>
-          <p:cNvPr id="4" name="Picture 3"/>
-          <p:cNvPicPr>
-            <a:picLocks noChangeAspect="1"/>
-          </p:cNvPicPr>
-          <p:nvPr userDrawn="1"/>
-        </p:nvPicPr>
-        <p:blipFill>
-          <a:blip r:embed="rId2">
-            <a:extLst>
-              <a:ext uri="{28A0092B-C50C-407E-A947-70E740481C1C}">
-                <a14:useLocalDpi xmlns:a14="http://schemas.microsoft.com/office/drawing/2010/main" val="0"/>
-              </a:ext>
-            </a:extLst>
-          </a:blip>
-          <a:srcRect/>
-          <a:stretch>
-            <a:fillRect/>
-          </a:stretch>
-        </p:blipFill>
-        <p:spPr bwMode="auto">
-          <a:xfrm>
-            <a:off x="221457" y="1412262"/>
-            <a:ext cx="632936" cy="484346"/>
-          </a:xfrm>
-          <a:prstGeom prst="rect">
-            <a:avLst/>
-          </a:prstGeom>
-          <a:noFill/>
-          <a:ln>
-            <a:noFill/>
-          </a:ln>
-          <a:extLst>
-            <a:ext uri="{909E8E84-426E-40dd-AFC4-6F175D3DCCD1}">
-              <a14:hiddenFill xmlns:a14="http://schemas.microsoft.com/office/drawing/2010/main">
-                <a:solidFill>
-                  <a:srgbClr val="FFFFFF"/>
-                </a:solidFill>
-              </a14:hiddenFill>
-            </a:ext>
-            <a:ext uri="{91240B29-F687-4f45-9708-019B960494DF}">
-              <a14:hiddenLine xmlns:a14="http://schemas.microsoft.com/office/drawing/2010/main" w="9525">
-                <a:solidFill>
-                  <a:srgbClr val="000000"/>
-                </a:solidFill>
-                <a:miter lim="800000"/>
-                <a:headEnd/>
-                <a:tailEnd/>
-              </a14:hiddenLine>
-            </a:ext>
-          </a:extLst>
-        </p:spPr>
-      </p:pic>
-      <p:sp>
-        <p:nvSpPr>
-          <p:cNvPr id="5" name="Rectangle 4"/>
-          <p:cNvSpPr/>
-          <p:nvPr userDrawn="1"/>
-        </p:nvSpPr>
-        <p:spPr bwMode="auto">
-          <a:xfrm>
-            <a:off x="1008994" y="1313051"/>
-            <a:ext cx="13009368" cy="672105"/>
-          </a:xfrm>
-          <a:prstGeom prst="rect">
-            <a:avLst/>
-          </a:prstGeom>
-          <a:solidFill>
-            <a:schemeClr val="tx1"/>
-          </a:solidFill>
-          <a:ln>
-            <a:noFill/>
-            <a:headEnd type="none" w="med" len="med"/>
-            <a:tailEnd type="none" w="med" len="med"/>
-          </a:ln>
-          <a:effectLst/>
-        </p:spPr>
-        <p:style>
-          <a:lnRef idx="1">
-            <a:schemeClr val="accent4"/>
-          </a:lnRef>
-          <a:fillRef idx="3">
-            <a:schemeClr val="accent4"/>
-          </a:fillRef>
-          <a:effectRef idx="2">
-            <a:schemeClr val="accent4"/>
-          </a:effectRef>
-          <a:fontRef idx="minor">
-            <a:schemeClr val="lt1"/>
-          </a:fontRef>
-        </p:style>
-        <p:txBody>
-          <a:bodyPr vert="horz" wrap="square" lIns="91436" tIns="45718" rIns="91436" bIns="45718" numCol="1" rtlCol="0" anchor="ctr" anchorCtr="0" compatLnSpc="1">
-            <a:prstTxWarp prst="textNoShape">
-              <a:avLst/>
-            </a:prstTxWarp>
-          </a:bodyPr>
-          <a:lstStyle/>
-          <a:p>
-            <a:pPr defTabSz="914099"/>
-            <a:r>
-              <a:rPr lang="en-US" sz="2500" b="1" dirty="0" smtClean="0">
-                <a:gradFill>
-                  <a:gsLst>
-                    <a:gs pos="0">
-                      <a:srgbClr val="FFFFFF"/>
-                    </a:gs>
-                    <a:gs pos="100000">
-                      <a:srgbClr val="FFFFFF"/>
-                    </a:gs>
-                  </a:gsLst>
-                  <a:lin ang="5400000" scaled="0"/>
-                </a:gradFill>
-                <a:latin typeface="Consolas"/>
-                <a:cs typeface="Consolas"/>
-              </a:rPr>
-              <a:t>$</a:t>
-            </a:r>
-          </a:p>
-        </p:txBody>
-      </p:sp>
-      <p:sp>
-        <p:nvSpPr>
-          <p:cNvPr id="6" name="Text Placeholder 10"/>
-          <p:cNvSpPr>
-            <a:spLocks noGrp="1"/>
-          </p:cNvSpPr>
-          <p:nvPr>
-            <p:ph type="body" sz="quarter" idx="12" hasCustomPrompt="1"/>
-          </p:nvPr>
-        </p:nvSpPr>
-        <p:spPr>
-          <a:xfrm>
-            <a:off x="1377950" y="1412875"/>
-            <a:ext cx="12538075" cy="484188"/>
-          </a:xfrm>
-        </p:spPr>
-        <p:txBody>
-          <a:bodyPr anchor="ctr" anchorCtr="0"/>
-          <a:lstStyle>
-            <a:lvl1pPr marL="0" indent="0">
-              <a:buFontTx/>
-              <a:buNone/>
-              <a:defRPr sz="2500">
-                <a:solidFill>
-                  <a:schemeClr val="bg1"/>
-                </a:solidFill>
-                <a:latin typeface="Consolas"/>
-              </a:defRPr>
-            </a:lvl1pPr>
-            <a:lvl2pPr marL="278048" indent="0">
-              <a:buFontTx/>
-              <a:buNone/>
-              <a:defRPr sz="2500">
-                <a:solidFill>
-                  <a:schemeClr val="bg1"/>
-                </a:solidFill>
-                <a:latin typeface="Consolas"/>
-              </a:defRPr>
-            </a:lvl2pPr>
-            <a:lvl3pPr marL="548476" indent="0">
-              <a:buFontTx/>
-              <a:buNone/>
-              <a:defRPr sz="2500">
-                <a:solidFill>
-                  <a:schemeClr val="bg1"/>
-                </a:solidFill>
-                <a:latin typeface="Consolas"/>
-              </a:defRPr>
-            </a:lvl3pPr>
-            <a:lvl4pPr marL="756061" indent="0">
-              <a:buFontTx/>
-              <a:buNone/>
-              <a:defRPr sz="2500">
-                <a:solidFill>
-                  <a:schemeClr val="bg1"/>
-                </a:solidFill>
-                <a:latin typeface="Consolas"/>
-              </a:defRPr>
-            </a:lvl4pPr>
-            <a:lvl5pPr marL="961738" indent="0">
-              <a:buFontTx/>
-              <a:buNone/>
-              <a:defRPr sz="2500">
-                <a:solidFill>
-                  <a:schemeClr val="bg1"/>
-                </a:solidFill>
-                <a:latin typeface="Consolas"/>
-              </a:defRPr>
-            </a:lvl5pPr>
-          </a:lstStyle>
-          <a:p>
-            <a:pPr lvl="0"/>
-            <a:r>
-              <a:rPr lang="en-US" dirty="0" smtClean="0"/>
-              <a:t>command</a:t>
-            </a:r>
-            <a:endParaRPr lang="en-US" dirty="0"/>
-          </a:p>
-        </p:txBody>
-      </p:sp>
-    </p:spTree>
-    <p:extLst>
-      <p:ext uri="{BB962C8B-B14F-4D97-AF65-F5344CB8AC3E}">
-        <p14:creationId xmlns:p14="http://schemas.microsoft.com/office/powerpoint/2010/main" val="3548860127"/>
-      </p:ext>
-    </p:extLst>
-  </p:cSld>
-  <p:clrMapOvr>
-    <a:masterClrMapping/>
-  </p:clrMapOvr>
-  <mc:AlternateContent xmlns:mc="http://schemas.openxmlformats.org/markup-compatibility/2006" xmlns:p14="http://schemas.microsoft.com/office/powerpoint/2010/main">
-    <mc:Choice Requires="p14">
-      <p:transition spd="med" p14:dur="700">
-        <p:fade/>
-      </p:transition>
-    </mc:Choice>
-    <mc:Fallback xmlns="">
-      <p:transition spd="med">
-        <p:fade/>
-      </p:transition>
-    </mc:Fallback>
-  </mc:AlternateContent>
-  <p:timing>
-    <p:tnLst>
-      <p:par>
-        <p:cTn xmlns:p14="http://schemas.microsoft.com/office/powerpoint/2010/main" id="1" dur="indefinite" restart="never" nodeType="tmRoot"/>
-      </p:par>
-    </p:tnLst>
-  </p:timing>
-</p:sldLayout>
-</file>
-
-<file path=ppt/slideLayouts/slideLayout66.xml><?xml version="1.0" encoding="utf-8"?>
-<p:sldLayout xmlns:a="http://schemas.openxmlformats.org/drawingml/2006/main" xmlns:r="http://schemas.openxmlformats.org/officeDocument/2006/relationships" xmlns:p="http://schemas.openxmlformats.org/presentationml/2006/main" preserve="1">
-  <p:cSld name="Logo Middle">
-    <p:spTree>
-      <p:nvGrpSpPr>
-        <p:cNvPr id="1" name=""/>
-        <p:cNvGrpSpPr/>
-        <p:nvPr/>
-      </p:nvGrpSpPr>
-      <p:grpSpPr>
-        <a:xfrm>
-          <a:off x="0" y="0"/>
-          <a:ext cx="0" cy="0"/>
-          <a:chOff x="0" y="0"/>
-          <a:chExt cx="0" cy="0"/>
-        </a:xfrm>
-      </p:grpSpPr>
-      <p:sp>
-        <p:nvSpPr>
-          <p:cNvPr id="3" name="Rectangle 2"/>
-          <p:cNvSpPr/>
-          <p:nvPr userDrawn="1"/>
-        </p:nvSpPr>
-        <p:spPr bwMode="auto">
-          <a:xfrm>
-            <a:off x="13624989" y="7228094"/>
-            <a:ext cx="815304" cy="783958"/>
-          </a:xfrm>
-          <a:prstGeom prst="rect">
-            <a:avLst/>
-          </a:prstGeom>
-          <a:solidFill>
-            <a:srgbClr val="FEFEFE"/>
-          </a:solidFill>
-          <a:ln>
-            <a:noFill/>
-            <a:headEnd type="none" w="med" len="med"/>
-            <a:tailEnd type="none" w="med" len="med"/>
-          </a:ln>
-          <a:effectLst/>
-        </p:spPr>
-        <p:style>
-          <a:lnRef idx="1">
-            <a:schemeClr val="accent4"/>
-          </a:lnRef>
-          <a:fillRef idx="3">
-            <a:schemeClr val="accent4"/>
-          </a:fillRef>
-          <a:effectRef idx="2">
-            <a:schemeClr val="accent4"/>
-          </a:effectRef>
-          <a:fontRef idx="minor">
-            <a:schemeClr val="lt1"/>
-          </a:fontRef>
-        </p:style>
-        <p:txBody>
-          <a:bodyPr vert="horz" wrap="square" lIns="91436" tIns="45718" rIns="91436" bIns="45718" numCol="1" rtlCol="0" anchor="ctr" anchorCtr="0" compatLnSpc="1">
-            <a:prstTxWarp prst="textNoShape">
-              <a:avLst/>
-            </a:prstTxWarp>
-          </a:bodyPr>
-          <a:lstStyle/>
-          <a:p>
-            <a:pPr algn="ctr" defTabSz="914099"/>
-            <a:r>
-              <a:rPr lang="en-US" sz="2400" dirty="0" smtClean="0">
-                <a:gradFill>
-                  <a:gsLst>
-                    <a:gs pos="0">
-                      <a:srgbClr val="FFFFFF"/>
-                    </a:gs>
-                    <a:gs pos="100000">
-                      <a:srgbClr val="FFFFFF"/>
-                    </a:gs>
-                  </a:gsLst>
-                  <a:lin ang="5400000" scaled="0"/>
-                </a:gradFill>
-                <a:latin typeface="Gill Sans Light"/>
-                <a:cs typeface="Gill Sans Light"/>
-              </a:rPr>
-              <a:t> </a:t>
-            </a:r>
-          </a:p>
-        </p:txBody>
-      </p:sp>
-      <p:pic>
-        <p:nvPicPr>
-          <p:cNvPr id="5" name="Picture 4"/>
-          <p:cNvPicPr>
-            <a:picLocks noChangeAspect="1"/>
-          </p:cNvPicPr>
-          <p:nvPr userDrawn="1"/>
-        </p:nvPicPr>
-        <p:blipFill>
-          <a:blip r:embed="rId2">
-            <a:extLst>
-              <a:ext uri="{28A0092B-C50C-407E-A947-70E740481C1C}">
-                <a14:useLocalDpi xmlns:a14="http://schemas.microsoft.com/office/drawing/2010/main" val="0"/>
-              </a:ext>
-            </a:extLst>
-          </a:blip>
-          <a:stretch>
-            <a:fillRect/>
-          </a:stretch>
-        </p:blipFill>
-        <p:spPr>
-          <a:xfrm>
-            <a:off x="2170149" y="2106198"/>
-            <a:ext cx="10557040" cy="2919620"/>
-          </a:xfrm>
-          <a:prstGeom prst="rect">
-            <a:avLst/>
-          </a:prstGeom>
-        </p:spPr>
-      </p:pic>
-      <p:sp>
-        <p:nvSpPr>
-          <p:cNvPr id="6" name="Rectangle 5"/>
-          <p:cNvSpPr/>
-          <p:nvPr userDrawn="1"/>
-        </p:nvSpPr>
-        <p:spPr bwMode="auto">
-          <a:xfrm>
-            <a:off x="152390" y="7228094"/>
-            <a:ext cx="1421254" cy="783958"/>
-          </a:xfrm>
-          <a:prstGeom prst="rect">
-            <a:avLst/>
-          </a:prstGeom>
-          <a:solidFill>
-            <a:srgbClr val="FEFEFE"/>
-          </a:solidFill>
-          <a:ln>
-            <a:noFill/>
-            <a:headEnd type="none" w="med" len="med"/>
-            <a:tailEnd type="none" w="med" len="med"/>
-          </a:ln>
-          <a:effectLst/>
-        </p:spPr>
-        <p:style>
-          <a:lnRef idx="1">
-            <a:schemeClr val="accent4"/>
-          </a:lnRef>
-          <a:fillRef idx="3">
-            <a:schemeClr val="accent4"/>
-          </a:fillRef>
-          <a:effectRef idx="2">
-            <a:schemeClr val="accent4"/>
-          </a:effectRef>
-          <a:fontRef idx="minor">
-            <a:schemeClr val="lt1"/>
-          </a:fontRef>
-        </p:style>
-        <p:txBody>
-          <a:bodyPr vert="horz" wrap="square" lIns="91436" tIns="45718" rIns="91436" bIns="45718" numCol="1" rtlCol="0" anchor="ctr" anchorCtr="0" compatLnSpc="1">
-            <a:prstTxWarp prst="textNoShape">
-              <a:avLst/>
-            </a:prstTxWarp>
-          </a:bodyPr>
-          <a:lstStyle/>
-          <a:p>
-            <a:pPr algn="ctr" defTabSz="914099"/>
-            <a:r>
-              <a:rPr lang="en-US" sz="2400" dirty="0" smtClean="0">
-                <a:gradFill>
-                  <a:gsLst>
-                    <a:gs pos="0">
-                      <a:srgbClr val="FFFFFF"/>
-                    </a:gs>
-                    <a:gs pos="100000">
-                      <a:srgbClr val="FFFFFF"/>
-                    </a:gs>
-                  </a:gsLst>
-                  <a:lin ang="5400000" scaled="0"/>
-                </a:gradFill>
-                <a:latin typeface="Gill Sans Light"/>
-                <a:cs typeface="Gill Sans Light"/>
-              </a:rPr>
-              <a:t> </a:t>
-            </a:r>
-          </a:p>
-        </p:txBody>
-      </p:sp>
-    </p:spTree>
-    <p:extLst>
-      <p:ext uri="{BB962C8B-B14F-4D97-AF65-F5344CB8AC3E}">
-        <p14:creationId xmlns:p14="http://schemas.microsoft.com/office/powerpoint/2010/main" val="4180231256"/>
-      </p:ext>
-    </p:extLst>
-  </p:cSld>
-  <p:clrMapOvr>
-    <a:masterClrMapping/>
-  </p:clrMapOvr>
-  <mc:AlternateContent xmlns:mc="http://schemas.openxmlformats.org/markup-compatibility/2006" xmlns:p14="http://schemas.microsoft.com/office/powerpoint/2010/main">
-    <mc:Choice Requires="p14">
-      <p:transition spd="med" p14:dur="700">
-        <p:fade/>
-      </p:transition>
-    </mc:Choice>
-    <mc:Fallback xmlns="">
-      <p:transition spd="med">
-        <p:fade/>
-      </p:transition>
-    </mc:Fallback>
-  </mc:AlternateContent>
-  <p:timing>
-    <p:tnLst>
-      <p:par>
-        <p:cTn xmlns:p14="http://schemas.microsoft.com/office/powerpoint/2010/main" id="1" dur="indefinite" restart="never" nodeType="tmRoot"/>
-      </p:par>
-    </p:tnLst>
-  </p:timing>
-</p:sldLayout>
-</file>
-
-<file path=ppt/slideLayouts/slideLayout67.xml><?xml version="1.0" encoding="utf-8"?>
-<p:sldLayout xmlns:a="http://schemas.openxmlformats.org/drawingml/2006/main" xmlns:r="http://schemas.openxmlformats.org/officeDocument/2006/relationships" xmlns:p="http://schemas.openxmlformats.org/presentationml/2006/main" preserve="1" userDrawn="1">
-  <p:cSld name="Blank">
-    <p:spTree>
-      <p:nvGrpSpPr>
-        <p:cNvPr id="1" name=""/>
-        <p:cNvGrpSpPr/>
-        <p:nvPr/>
-      </p:nvGrpSpPr>
-      <p:grpSpPr>
-        <a:xfrm>
-          <a:off x="0" y="0"/>
-          <a:ext cx="0" cy="0"/>
-          <a:chOff x="0" y="0"/>
-          <a:chExt cx="0" cy="0"/>
-        </a:xfrm>
-      </p:grpSpPr>
-    </p:spTree>
-    <p:extLst>
-      <p:ext uri="{BB962C8B-B14F-4D97-AF65-F5344CB8AC3E}">
-        <p14:creationId xmlns:p14="http://schemas.microsoft.com/office/powerpoint/2010/main" val="1931251797"/>
-      </p:ext>
-    </p:extLst>
-  </p:cSld>
-  <p:clrMapOvr>
-    <a:masterClrMapping/>
-  </p:clrMapOvr>
-  <mc:AlternateContent xmlns:mc="http://schemas.openxmlformats.org/markup-compatibility/2006" xmlns:p14="http://schemas.microsoft.com/office/powerpoint/2010/main">
-    <mc:Choice Requires="p14">
-      <p:transition spd="med" p14:dur="700">
-        <p:fade/>
-      </p:transition>
-    </mc:Choice>
-    <mc:Fallback xmlns="">
-      <p:transition spd="med">
-        <p:fade/>
-      </p:transition>
-    </mc:Fallback>
-  </mc:AlternateContent>
-</p:sldLayout>
-</file>
-
-<file path=ppt/slideLayouts/slideLayout68.xml><?xml version="1.0" encoding="utf-8"?>
-<p:sldLayout xmlns:a="http://schemas.openxmlformats.org/drawingml/2006/main" xmlns:r="http://schemas.openxmlformats.org/officeDocument/2006/relationships" xmlns:p="http://schemas.openxmlformats.org/presentationml/2006/main" preserve="1">
-  <p:cSld name="Divider Slide">
-    <p:spTree>
-      <p:nvGrpSpPr>
-        <p:cNvPr id="1" name=""/>
-        <p:cNvGrpSpPr/>
-        <p:nvPr/>
-      </p:nvGrpSpPr>
-      <p:grpSpPr>
-        <a:xfrm>
-          <a:off x="0" y="0"/>
-          <a:ext cx="0" cy="0"/>
-          <a:chOff x="0" y="0"/>
-          <a:chExt cx="0" cy="0"/>
-        </a:xfrm>
-      </p:grpSpPr>
-      <p:sp>
-        <p:nvSpPr>
-          <p:cNvPr id="4" name="Title 1"/>
-          <p:cNvSpPr>
-            <a:spLocks noGrp="1"/>
-          </p:cNvSpPr>
-          <p:nvPr>
-            <p:ph type="ctrTitle"/>
-          </p:nvPr>
-        </p:nvSpPr>
-        <p:spPr bwMode="white">
-          <a:xfrm>
-            <a:off x="2379738" y="2246695"/>
-            <a:ext cx="9875520" cy="1203795"/>
-          </a:xfrm>
-        </p:spPr>
-        <p:txBody>
-          <a:bodyPr wrap="square" lIns="82274" tIns="82274" rIns="82274" bIns="82274" anchor="ctr" anchorCtr="0">
-            <a:noAutofit/>
-          </a:bodyPr>
-          <a:lstStyle>
-            <a:lvl1pPr algn="ctr">
-              <a:lnSpc>
-                <a:spcPct val="90000"/>
-              </a:lnSpc>
-              <a:defRPr sz="4300" b="1" spc="0" baseline="0">
-                <a:solidFill>
-                  <a:srgbClr val="435464"/>
-                </a:solidFill>
-              </a:defRPr>
-            </a:lvl1pPr>
-          </a:lstStyle>
-          <a:p>
-            <a:r>
-              <a:rPr lang="en-US" smtClean="0"/>
-              <a:t>Click to edit Master title style</a:t>
-            </a:r>
-            <a:endParaRPr lang="en-US" dirty="0"/>
-          </a:p>
-        </p:txBody>
-      </p:sp>
-      <p:sp>
-        <p:nvSpPr>
-          <p:cNvPr id="5" name="Subtitle 2"/>
-          <p:cNvSpPr>
-            <a:spLocks noGrp="1"/>
-          </p:cNvSpPr>
-          <p:nvPr>
-            <p:ph type="subTitle" idx="1"/>
-          </p:nvPr>
-        </p:nvSpPr>
-        <p:spPr bwMode="white">
-          <a:xfrm>
-            <a:off x="2379738" y="3106028"/>
-            <a:ext cx="9875520" cy="504709"/>
-          </a:xfrm>
-        </p:spPr>
-        <p:txBody>
-          <a:bodyPr wrap="square" lIns="82274" tIns="82274" rIns="82274" bIns="82274">
-            <a:spAutoFit/>
-          </a:bodyPr>
-          <a:lstStyle>
-            <a:lvl1pPr marL="0" indent="0" algn="ctr">
-              <a:lnSpc>
-                <a:spcPct val="90000"/>
-              </a:lnSpc>
-              <a:spcBef>
-                <a:spcPts val="0"/>
-              </a:spcBef>
-              <a:buNone/>
-              <a:defRPr sz="2400">
-                <a:solidFill>
-                  <a:srgbClr val="435464"/>
-                </a:solidFill>
-              </a:defRPr>
-            </a:lvl1pPr>
-            <a:lvl2pPr marL="548453" indent="0" algn="ctr">
-              <a:buNone/>
-              <a:defRPr>
-                <a:solidFill>
-                  <a:schemeClr val="tx1">
-                    <a:tint val="75000"/>
-                  </a:schemeClr>
-                </a:solidFill>
-              </a:defRPr>
-            </a:lvl2pPr>
-            <a:lvl3pPr marL="1096907" indent="0" algn="ctr">
-              <a:buNone/>
-              <a:defRPr>
-                <a:solidFill>
-                  <a:schemeClr val="tx1">
-                    <a:tint val="75000"/>
-                  </a:schemeClr>
-                </a:solidFill>
-              </a:defRPr>
-            </a:lvl3pPr>
-            <a:lvl4pPr marL="1645362" indent="0" algn="ctr">
-              <a:buNone/>
-              <a:defRPr>
-                <a:solidFill>
-                  <a:schemeClr val="tx1">
-                    <a:tint val="75000"/>
-                  </a:schemeClr>
-                </a:solidFill>
-              </a:defRPr>
-            </a:lvl4pPr>
-            <a:lvl5pPr marL="2193816" indent="0" algn="ctr">
-              <a:buNone/>
-              <a:defRPr>
-                <a:solidFill>
-                  <a:schemeClr val="tx1">
-                    <a:tint val="75000"/>
-                  </a:schemeClr>
-                </a:solidFill>
-              </a:defRPr>
-            </a:lvl5pPr>
-            <a:lvl6pPr marL="2742267" indent="0" algn="ctr">
-              <a:buNone/>
-              <a:defRPr>
-                <a:solidFill>
-                  <a:schemeClr val="tx1">
-                    <a:tint val="75000"/>
-                  </a:schemeClr>
-                </a:solidFill>
-              </a:defRPr>
-            </a:lvl6pPr>
-            <a:lvl7pPr marL="3290722" indent="0" algn="ctr">
-              <a:buNone/>
-              <a:defRPr>
-                <a:solidFill>
-                  <a:schemeClr val="tx1">
-                    <a:tint val="75000"/>
-                  </a:schemeClr>
-                </a:solidFill>
-              </a:defRPr>
-            </a:lvl7pPr>
-            <a:lvl8pPr marL="3839178" indent="0" algn="ctr">
-              <a:buNone/>
-              <a:defRPr>
-                <a:solidFill>
-                  <a:schemeClr val="tx1">
-                    <a:tint val="75000"/>
-                  </a:schemeClr>
-                </a:solidFill>
-              </a:defRPr>
-            </a:lvl8pPr>
-            <a:lvl9pPr marL="4387630" indent="0" algn="ctr">
-              <a:buNone/>
-              <a:defRPr>
-                <a:solidFill>
-                  <a:schemeClr val="tx1">
-                    <a:tint val="75000"/>
-                  </a:schemeClr>
-                </a:solidFill>
-              </a:defRPr>
-            </a:lvl9pPr>
-          </a:lstStyle>
-          <a:p>
-            <a:r>
-              <a:rPr lang="en-US" smtClean="0"/>
-              <a:t>Click to edit Master subtitle style</a:t>
-            </a:r>
-            <a:endParaRPr lang="en-US" dirty="0"/>
-          </a:p>
-        </p:txBody>
-      </p:sp>
-    </p:spTree>
-    <p:extLst>
-      <p:ext uri="{BB962C8B-B14F-4D97-AF65-F5344CB8AC3E}">
-        <p14:creationId xmlns:p14="http://schemas.microsoft.com/office/powerpoint/2010/main" val="1713250791"/>
-      </p:ext>
-    </p:extLst>
-  </p:cSld>
-  <p:clrMapOvr>
-    <a:masterClrMapping/>
-  </p:clrMapOvr>
-  <mc:AlternateContent xmlns:mc="http://schemas.openxmlformats.org/markup-compatibility/2006" xmlns:p14="http://schemas.microsoft.com/office/powerpoint/2010/main">
-    <mc:Choice Requires="p14">
-      <p:transition spd="med" p14:dur="700">
-        <p:fade/>
-      </p:transition>
-    </mc:Choice>
-    <mc:Fallback xmlns="">
-      <p:transition spd="med">
-        <p:fade/>
-      </p:transition>
-    </mc:Fallback>
-  </mc:AlternateContent>
-  <p:timing>
-    <p:tnLst>
-      <p:par>
-        <p:cTn xmlns:p14="http://schemas.microsoft.com/office/powerpoint/2010/main" id="1" dur="indefinite" restart="never" nodeType="tmRoot"/>
-      </p:par>
-    </p:tnLst>
-  </p:timing>
-</p:sldLayout>
-</file>
-
-<file path=ppt/slideLayouts/slideLayout69.xml><?xml version="1.0" encoding="utf-8"?>
-<p:sldLayout xmlns:a="http://schemas.openxmlformats.org/drawingml/2006/main" xmlns:r="http://schemas.openxmlformats.org/officeDocument/2006/relationships" xmlns:p="http://schemas.openxmlformats.org/presentationml/2006/main" preserve="1">
-  <p:cSld name="Thank You">
-    <p:spTree>
-      <p:nvGrpSpPr>
-        <p:cNvPr id="1" name=""/>
-        <p:cNvGrpSpPr/>
-        <p:nvPr/>
-      </p:nvGrpSpPr>
-      <p:grpSpPr>
-        <a:xfrm>
-          <a:off x="0" y="0"/>
-          <a:ext cx="0" cy="0"/>
-          <a:chOff x="0" y="0"/>
-          <a:chExt cx="0" cy="0"/>
-        </a:xfrm>
-      </p:grpSpPr>
-      <p:sp>
-        <p:nvSpPr>
-          <p:cNvPr id="4" name="Title 1"/>
-          <p:cNvSpPr>
-            <a:spLocks noGrp="1"/>
-          </p:cNvSpPr>
-          <p:nvPr>
-            <p:ph type="ctrTitle"/>
-          </p:nvPr>
-        </p:nvSpPr>
-        <p:spPr bwMode="white">
-          <a:xfrm>
-            <a:off x="2379738" y="2246695"/>
-            <a:ext cx="9875520" cy="1203795"/>
-          </a:xfrm>
-        </p:spPr>
-        <p:txBody>
-          <a:bodyPr wrap="square" lIns="82274" tIns="82274" rIns="82274" bIns="82274" anchor="ctr" anchorCtr="0">
-            <a:noAutofit/>
-          </a:bodyPr>
-          <a:lstStyle>
-            <a:lvl1pPr algn="ctr">
-              <a:lnSpc>
-                <a:spcPct val="90000"/>
-              </a:lnSpc>
-              <a:defRPr sz="4300" b="1" spc="0" baseline="0">
-                <a:solidFill>
-                  <a:srgbClr val="435464"/>
-                </a:solidFill>
-              </a:defRPr>
-            </a:lvl1pPr>
-          </a:lstStyle>
-          <a:p>
-            <a:r>
-              <a:rPr lang="en-US" smtClean="0"/>
-              <a:t>Click to edit Master title style</a:t>
-            </a:r>
-            <a:endParaRPr lang="en-US" dirty="0"/>
-          </a:p>
-        </p:txBody>
-      </p:sp>
-      <p:sp>
-        <p:nvSpPr>
-          <p:cNvPr id="5" name="Subtitle 2"/>
-          <p:cNvSpPr>
-            <a:spLocks noGrp="1"/>
-          </p:cNvSpPr>
-          <p:nvPr>
-            <p:ph type="subTitle" idx="1"/>
-          </p:nvPr>
-        </p:nvSpPr>
-        <p:spPr bwMode="white">
-          <a:xfrm>
-            <a:off x="2379738" y="3106028"/>
-            <a:ext cx="9875520" cy="504709"/>
-          </a:xfrm>
-        </p:spPr>
-        <p:txBody>
-          <a:bodyPr wrap="square" lIns="82274" tIns="82274" rIns="82274" bIns="82274">
-            <a:spAutoFit/>
-          </a:bodyPr>
-          <a:lstStyle>
-            <a:lvl1pPr marL="0" indent="0" algn="ctr">
-              <a:lnSpc>
-                <a:spcPct val="90000"/>
-              </a:lnSpc>
-              <a:spcBef>
-                <a:spcPts val="0"/>
-              </a:spcBef>
-              <a:buNone/>
-              <a:defRPr sz="2400">
-                <a:solidFill>
-                  <a:srgbClr val="435464"/>
-                </a:solidFill>
-              </a:defRPr>
-            </a:lvl1pPr>
-            <a:lvl2pPr marL="548453" indent="0" algn="ctr">
-              <a:buNone/>
-              <a:defRPr>
-                <a:solidFill>
-                  <a:schemeClr val="tx1">
-                    <a:tint val="75000"/>
-                  </a:schemeClr>
-                </a:solidFill>
-              </a:defRPr>
-            </a:lvl2pPr>
-            <a:lvl3pPr marL="1096907" indent="0" algn="ctr">
-              <a:buNone/>
-              <a:defRPr>
-                <a:solidFill>
-                  <a:schemeClr val="tx1">
-                    <a:tint val="75000"/>
-                  </a:schemeClr>
-                </a:solidFill>
-              </a:defRPr>
-            </a:lvl3pPr>
-            <a:lvl4pPr marL="1645362" indent="0" algn="ctr">
-              <a:buNone/>
-              <a:defRPr>
-                <a:solidFill>
-                  <a:schemeClr val="tx1">
-                    <a:tint val="75000"/>
-                  </a:schemeClr>
-                </a:solidFill>
-              </a:defRPr>
-            </a:lvl4pPr>
-            <a:lvl5pPr marL="2193816" indent="0" algn="ctr">
-              <a:buNone/>
-              <a:defRPr>
-                <a:solidFill>
-                  <a:schemeClr val="tx1">
-                    <a:tint val="75000"/>
-                  </a:schemeClr>
-                </a:solidFill>
-              </a:defRPr>
-            </a:lvl5pPr>
-            <a:lvl6pPr marL="2742267" indent="0" algn="ctr">
-              <a:buNone/>
-              <a:defRPr>
-                <a:solidFill>
-                  <a:schemeClr val="tx1">
-                    <a:tint val="75000"/>
-                  </a:schemeClr>
-                </a:solidFill>
-              </a:defRPr>
-            </a:lvl6pPr>
-            <a:lvl7pPr marL="3290722" indent="0" algn="ctr">
-              <a:buNone/>
-              <a:defRPr>
-                <a:solidFill>
-                  <a:schemeClr val="tx1">
-                    <a:tint val="75000"/>
-                  </a:schemeClr>
-                </a:solidFill>
-              </a:defRPr>
-            </a:lvl7pPr>
-            <a:lvl8pPr marL="3839178" indent="0" algn="ctr">
-              <a:buNone/>
-              <a:defRPr>
-                <a:solidFill>
-                  <a:schemeClr val="tx1">
-                    <a:tint val="75000"/>
-                  </a:schemeClr>
-                </a:solidFill>
-              </a:defRPr>
-            </a:lvl8pPr>
-            <a:lvl9pPr marL="4387630" indent="0" algn="ctr">
-              <a:buNone/>
-              <a:defRPr>
-                <a:solidFill>
-                  <a:schemeClr val="tx1">
-                    <a:tint val="75000"/>
-                  </a:schemeClr>
-                </a:solidFill>
-              </a:defRPr>
-            </a:lvl9pPr>
-          </a:lstStyle>
-          <a:p>
-            <a:r>
-              <a:rPr lang="en-US" smtClean="0"/>
-              <a:t>Click to edit Master subtitle style</a:t>
-            </a:r>
-            <a:endParaRPr lang="en-US" dirty="0"/>
-          </a:p>
-        </p:txBody>
-      </p:sp>
-    </p:spTree>
-    <p:extLst>
-      <p:ext uri="{BB962C8B-B14F-4D97-AF65-F5344CB8AC3E}">
-        <p14:creationId xmlns:p14="http://schemas.microsoft.com/office/powerpoint/2010/main" val="1370652449"/>
-      </p:ext>
-    </p:extLst>
-  </p:cSld>
-  <p:clrMapOvr>
-    <a:masterClrMapping/>
-  </p:clrMapOvr>
-  <mc:AlternateContent xmlns:mc="http://schemas.openxmlformats.org/markup-compatibility/2006" xmlns:p14="http://schemas.microsoft.com/office/powerpoint/2010/main">
-    <mc:Choice Requires="p14">
-      <p:transition spd="med" p14:dur="700">
-        <p:fade/>
-      </p:transition>
-    </mc:Choice>
-    <mc:Fallback xmlns="">
-      <p:transition spd="med">
-        <p:fade/>
-      </p:transition>
-    </mc:Fallback>
-  </mc:AlternateContent>
-  <p:timing>
-    <p:tnLst>
-      <p:par>
-        <p:cTn xmlns:p14="http://schemas.microsoft.com/office/powerpoint/2010/main" id="1" dur="indefinite" restart="never" nodeType="tmRoot"/>
-      </p:par>
-    </p:tnLst>
-  </p:timing>
 </p:sldLayout>
 </file>
 
@@ -15686,974 +9853,6 @@
     <p:bg bwMode="auto">
       <p:bgPr>
         <a:blipFill dpi="0" rotWithShape="1">
-          <a:blip r:embed="rId17"/>
-          <a:srcRect/>
-          <a:stretch>
-            <a:fillRect/>
-          </a:stretch>
-        </a:blipFill>
-        <a:effectLst/>
-      </p:bgPr>
-    </p:bg>
-    <p:spTree>
-      <p:nvGrpSpPr>
-        <p:cNvPr id="1" name=""/>
-        <p:cNvGrpSpPr/>
-        <p:nvPr/>
-      </p:nvGrpSpPr>
-      <p:grpSpPr>
-        <a:xfrm>
-          <a:off x="0" y="0"/>
-          <a:ext cx="0" cy="0"/>
-          <a:chOff x="0" y="0"/>
-          <a:chExt cx="0" cy="0"/>
-        </a:xfrm>
-      </p:grpSpPr>
-      <p:sp>
-        <p:nvSpPr>
-          <p:cNvPr id="2" name="Title Placeholder 1"/>
-          <p:cNvSpPr>
-            <a:spLocks noGrp="1"/>
-          </p:cNvSpPr>
-          <p:nvPr>
-            <p:ph type="title"/>
-          </p:nvPr>
-        </p:nvSpPr>
-        <p:spPr bwMode="white">
-          <a:xfrm>
-            <a:off x="609602" y="548642"/>
-            <a:ext cx="13411200" cy="609397"/>
-          </a:xfrm>
-          <a:prstGeom prst="rect">
-            <a:avLst/>
-          </a:prstGeom>
-        </p:spPr>
-        <p:txBody>
-          <a:bodyPr vert="horz" wrap="square" lIns="0" tIns="0" rIns="0" bIns="0" rtlCol="0" anchor="t" anchorCtr="0">
-            <a:spAutoFit/>
-          </a:bodyPr>
-          <a:lstStyle/>
-          <a:p>
-            <a:r>
-              <a:rPr lang="en-US" smtClean="0"/>
-              <a:t>Click to edit Master title style</a:t>
-            </a:r>
-            <a:endParaRPr lang="en-US" dirty="0"/>
-          </a:p>
-        </p:txBody>
-      </p:sp>
-      <p:sp>
-        <p:nvSpPr>
-          <p:cNvPr id="3" name="Text Placeholder 2"/>
-          <p:cNvSpPr>
-            <a:spLocks noGrp="1"/>
-          </p:cNvSpPr>
-          <p:nvPr>
-            <p:ph type="body" idx="1"/>
-          </p:nvPr>
-        </p:nvSpPr>
-        <p:spPr bwMode="white">
-          <a:xfrm>
-            <a:off x="609602" y="1670580"/>
-            <a:ext cx="13411200" cy="5166360"/>
-          </a:xfrm>
-          <a:prstGeom prst="rect">
-            <a:avLst/>
-          </a:prstGeom>
-        </p:spPr>
-        <p:txBody>
-          <a:bodyPr vert="horz" wrap="square" lIns="0" tIns="0" rIns="0" bIns="0" rtlCol="0">
-            <a:noAutofit/>
-          </a:bodyPr>
-          <a:lstStyle/>
-          <a:p>
-            <a:pPr lvl="0"/>
-            <a:r>
-              <a:rPr lang="en-US" smtClean="0"/>
-              <a:t>Click to edit Master text styles</a:t>
-            </a:r>
-          </a:p>
-          <a:p>
-            <a:pPr lvl="1"/>
-            <a:r>
-              <a:rPr lang="en-US" smtClean="0"/>
-              <a:t>Second level</a:t>
-            </a:r>
-          </a:p>
-          <a:p>
-            <a:pPr lvl="2"/>
-            <a:r>
-              <a:rPr lang="en-US" smtClean="0"/>
-              <a:t>Third level</a:t>
-            </a:r>
-          </a:p>
-          <a:p>
-            <a:pPr lvl="3"/>
-            <a:r>
-              <a:rPr lang="en-US" smtClean="0"/>
-              <a:t>Fourth level</a:t>
-            </a:r>
-          </a:p>
-          <a:p>
-            <a:pPr lvl="4"/>
-            <a:r>
-              <a:rPr lang="en-US" smtClean="0"/>
-              <a:t>Fifth level</a:t>
-            </a:r>
-            <a:endParaRPr lang="en-US" dirty="0"/>
-          </a:p>
-        </p:txBody>
-      </p:sp>
-      <p:pic>
-        <p:nvPicPr>
-          <p:cNvPr id="4" name="Picture 3"/>
-          <p:cNvPicPr>
-            <a:picLocks noChangeAspect="1"/>
-          </p:cNvPicPr>
-          <p:nvPr/>
-        </p:nvPicPr>
-        <p:blipFill>
-          <a:blip r:embed="rId18">
-            <a:extLst>
-              <a:ext uri="{28A0092B-C50C-407E-A947-70E740481C1C}">
-                <a14:useLocalDpi xmlns:a14="http://schemas.microsoft.com/office/drawing/2010/main" val="0"/>
-              </a:ext>
-            </a:extLst>
-          </a:blip>
-          <a:stretch>
-            <a:fillRect/>
-          </a:stretch>
-        </p:blipFill>
-        <p:spPr>
-          <a:xfrm>
-            <a:off x="297259" y="7606895"/>
-            <a:ext cx="1207366" cy="295997"/>
-          </a:xfrm>
-          <a:prstGeom prst="rect">
-            <a:avLst/>
-          </a:prstGeom>
-        </p:spPr>
-      </p:pic>
-    </p:spTree>
-    <p:extLst>
-      <p:ext uri="{BB962C8B-B14F-4D97-AF65-F5344CB8AC3E}">
-        <p14:creationId xmlns:p14="http://schemas.microsoft.com/office/powerpoint/2010/main" val="2881952736"/>
-      </p:ext>
-    </p:extLst>
-  </p:cSld>
-  <p:clrMap bg1="lt1" tx1="dk1" bg2="lt2" tx2="dk2" accent1="accent1" accent2="accent2" accent3="accent3" accent4="accent4" accent5="accent5" accent6="accent6" hlink="hlink" folHlink="folHlink"/>
-  <p:sldLayoutIdLst>
-    <p:sldLayoutId id="2147483961" r:id="rId1"/>
-    <p:sldLayoutId id="2147483962" r:id="rId2"/>
-    <p:sldLayoutId id="2147483976" r:id="rId3"/>
-    <p:sldLayoutId id="2147483977" r:id="rId4"/>
-    <p:sldLayoutId id="2147483978" r:id="rId5"/>
-    <p:sldLayoutId id="2147483979" r:id="rId6"/>
-    <p:sldLayoutId id="2147483980" r:id="rId7"/>
-    <p:sldLayoutId id="2147483963" r:id="rId8"/>
-    <p:sldLayoutId id="2147483982" r:id="rId9"/>
-    <p:sldLayoutId id="2147483981" r:id="rId10"/>
-    <p:sldLayoutId id="2147483964" r:id="rId11"/>
-    <p:sldLayoutId id="2147483965" r:id="rId12"/>
-    <p:sldLayoutId id="2147483966" r:id="rId13"/>
-    <p:sldLayoutId id="2147483967" r:id="rId14"/>
-    <p:sldLayoutId id="2147483968" r:id="rId15"/>
-  </p:sldLayoutIdLst>
-  <mc:AlternateContent xmlns:mc="http://schemas.openxmlformats.org/markup-compatibility/2006" xmlns:p14="http://schemas.microsoft.com/office/powerpoint/2010/main">
-    <mc:Choice Requires="p14">
-      <p:transition spd="med" p14:dur="700">
-        <p:fade/>
-      </p:transition>
-    </mc:Choice>
-    <mc:Fallback xmlns="">
-      <p:transition spd="med">
-        <p:fade/>
-      </p:transition>
-    </mc:Fallback>
-  </mc:AlternateContent>
-  <p:timing>
-    <p:tnLst>
-      <p:par>
-        <p:cTn xmlns:p14="http://schemas.microsoft.com/office/powerpoint/2010/main" id="1" dur="indefinite" restart="never" nodeType="tmRoot"/>
-      </p:par>
-    </p:tnLst>
-  </p:timing>
-  <p:hf sldNum="0" hdr="0" ftr="0" dt="0"/>
-  <p:txStyles>
-    <p:titleStyle>
-      <a:lvl1pPr algn="l" defTabSz="1096907" rtl="0" eaLnBrk="1" latinLnBrk="0" hangingPunct="1">
-        <a:lnSpc>
-          <a:spcPct val="90000"/>
-        </a:lnSpc>
-        <a:spcBef>
-          <a:spcPct val="0"/>
-        </a:spcBef>
-        <a:buNone/>
-        <a:defRPr lang="en-US" sz="4300" b="0" i="0" kern="1200" cap="none" spc="0" baseline="0" dirty="0" smtClean="0">
-          <a:ln w="3175">
-            <a:noFill/>
-          </a:ln>
-          <a:solidFill>
-            <a:srgbClr val="435464"/>
-          </a:solidFill>
-          <a:effectLst/>
-          <a:latin typeface="Gill Sans Light"/>
-          <a:ea typeface="+mn-ea"/>
-          <a:cs typeface="Gill Sans Light"/>
-        </a:defRPr>
-      </a:lvl1pPr>
-    </p:titleStyle>
-    <p:bodyStyle>
-      <a:lvl1pPr marL="278046" indent="-278046" algn="l" defTabSz="1096907" rtl="0" eaLnBrk="1" latinLnBrk="0" hangingPunct="1">
-        <a:lnSpc>
-          <a:spcPct val="100000"/>
-        </a:lnSpc>
-        <a:spcBef>
-          <a:spcPts val="720"/>
-        </a:spcBef>
-        <a:buSzPct val="90000"/>
-        <a:buFont typeface="Arial" pitchFamily="34" charset="0"/>
-        <a:buChar char="•"/>
-        <a:defRPr sz="2900" b="0" i="0" kern="1200" baseline="0">
-          <a:solidFill>
-            <a:srgbClr val="435464"/>
-          </a:solidFill>
-          <a:latin typeface="Gill Sans Light"/>
-          <a:ea typeface="+mn-ea"/>
-          <a:cs typeface="Gill Sans Light"/>
-        </a:defRPr>
-      </a:lvl1pPr>
-      <a:lvl2pPr marL="620948" indent="-342900" algn="l" defTabSz="1096907" rtl="0" eaLnBrk="1" latinLnBrk="0" hangingPunct="1">
-        <a:lnSpc>
-          <a:spcPct val="100000"/>
-        </a:lnSpc>
-        <a:spcBef>
-          <a:spcPts val="720"/>
-        </a:spcBef>
-        <a:buSzPct val="25000"/>
-        <a:buFont typeface="Lucida Grande"/>
-        <a:buChar char=" "/>
-        <a:defRPr sz="2400" b="0" i="0" kern="1200" baseline="0">
-          <a:solidFill>
-            <a:srgbClr val="435464"/>
-          </a:solidFill>
-          <a:latin typeface="Gill Sans Light"/>
-          <a:ea typeface="+mn-ea"/>
-          <a:cs typeface="Gill Sans Light"/>
-        </a:defRPr>
-      </a:lvl2pPr>
-      <a:lvl3pPr marL="891376" indent="-342900" algn="l" defTabSz="1096907" rtl="0" eaLnBrk="1" latinLnBrk="0" hangingPunct="1">
-        <a:lnSpc>
-          <a:spcPct val="100000"/>
-        </a:lnSpc>
-        <a:spcBef>
-          <a:spcPts val="720"/>
-        </a:spcBef>
-        <a:buSzPct val="25000"/>
-        <a:buFont typeface="Lucida Grande"/>
-        <a:buChar char=" "/>
-        <a:defRPr sz="2100" b="0" i="0" kern="1200" baseline="0">
-          <a:solidFill>
-            <a:srgbClr val="435464"/>
-          </a:solidFill>
-          <a:latin typeface="Gill Sans Light"/>
-          <a:ea typeface="+mn-ea"/>
-          <a:cs typeface="Gill Sans Light"/>
-        </a:defRPr>
-      </a:lvl3pPr>
-      <a:lvl4pPr marL="1098961" indent="-342900" algn="l" defTabSz="1096907" rtl="0" eaLnBrk="1" latinLnBrk="0" hangingPunct="1">
-        <a:lnSpc>
-          <a:spcPct val="100000"/>
-        </a:lnSpc>
-        <a:spcBef>
-          <a:spcPts val="720"/>
-        </a:spcBef>
-        <a:buSzPct val="25000"/>
-        <a:buFont typeface="Lucida Grande"/>
-        <a:buChar char=" "/>
-        <a:defRPr sz="1900" b="0" i="0" kern="1200" baseline="0">
-          <a:solidFill>
-            <a:srgbClr val="435464"/>
-          </a:solidFill>
-          <a:latin typeface="Gill Sans Light"/>
-          <a:ea typeface="+mn-ea"/>
-          <a:cs typeface="Gill Sans Light"/>
-        </a:defRPr>
-      </a:lvl4pPr>
-      <a:lvl5pPr marL="1304638" indent="-342900" algn="l" defTabSz="1096907" rtl="0" eaLnBrk="1" latinLnBrk="0" hangingPunct="1">
-        <a:lnSpc>
-          <a:spcPct val="100000"/>
-        </a:lnSpc>
-        <a:spcBef>
-          <a:spcPts val="720"/>
-        </a:spcBef>
-        <a:buSzPct val="25000"/>
-        <a:buFont typeface="Lucida Grande"/>
-        <a:buChar char=" "/>
-        <a:defRPr sz="1900" b="0" i="0" kern="1200" baseline="0">
-          <a:solidFill>
-            <a:srgbClr val="435464"/>
-          </a:solidFill>
-          <a:latin typeface="Gill Sans Light"/>
-          <a:ea typeface="+mn-ea"/>
-          <a:cs typeface="Gill Sans Light"/>
-        </a:defRPr>
-      </a:lvl5pPr>
-      <a:lvl6pPr marL="3016494" indent="-274227" algn="l" defTabSz="1096907" rtl="0" eaLnBrk="1" latinLnBrk="0" hangingPunct="1">
-        <a:spcBef>
-          <a:spcPct val="20000"/>
-        </a:spcBef>
-        <a:buFont typeface="Arial" pitchFamily="34" charset="0"/>
-        <a:buChar char="•"/>
-        <a:defRPr sz="2400" kern="1200">
-          <a:solidFill>
-            <a:schemeClr val="tx1"/>
-          </a:solidFill>
-          <a:latin typeface="+mn-lt"/>
-          <a:ea typeface="+mn-ea"/>
-          <a:cs typeface="+mn-cs"/>
-        </a:defRPr>
-      </a:lvl6pPr>
-      <a:lvl7pPr marL="3564949" indent="-274227" algn="l" defTabSz="1096907" rtl="0" eaLnBrk="1" latinLnBrk="0" hangingPunct="1">
-        <a:spcBef>
-          <a:spcPct val="20000"/>
-        </a:spcBef>
-        <a:buFont typeface="Arial" pitchFamily="34" charset="0"/>
-        <a:buChar char="•"/>
-        <a:defRPr sz="2400" kern="1200">
-          <a:solidFill>
-            <a:schemeClr val="tx1"/>
-          </a:solidFill>
-          <a:latin typeface="+mn-lt"/>
-          <a:ea typeface="+mn-ea"/>
-          <a:cs typeface="+mn-cs"/>
-        </a:defRPr>
-      </a:lvl7pPr>
-      <a:lvl8pPr marL="4113403" indent="-274227" algn="l" defTabSz="1096907" rtl="0" eaLnBrk="1" latinLnBrk="0" hangingPunct="1">
-        <a:spcBef>
-          <a:spcPct val="20000"/>
-        </a:spcBef>
-        <a:buFont typeface="Arial" pitchFamily="34" charset="0"/>
-        <a:buChar char="•"/>
-        <a:defRPr sz="2400" kern="1200">
-          <a:solidFill>
-            <a:schemeClr val="tx1"/>
-          </a:solidFill>
-          <a:latin typeface="+mn-lt"/>
-          <a:ea typeface="+mn-ea"/>
-          <a:cs typeface="+mn-cs"/>
-        </a:defRPr>
-      </a:lvl8pPr>
-      <a:lvl9pPr marL="4661858" indent="-274227" algn="l" defTabSz="1096907" rtl="0" eaLnBrk="1" latinLnBrk="0" hangingPunct="1">
-        <a:spcBef>
-          <a:spcPct val="20000"/>
-        </a:spcBef>
-        <a:buFont typeface="Arial" pitchFamily="34" charset="0"/>
-        <a:buChar char="•"/>
-        <a:defRPr sz="2400" kern="1200">
-          <a:solidFill>
-            <a:schemeClr val="tx1"/>
-          </a:solidFill>
-          <a:latin typeface="+mn-lt"/>
-          <a:ea typeface="+mn-ea"/>
-          <a:cs typeface="+mn-cs"/>
-        </a:defRPr>
-      </a:lvl9pPr>
-    </p:bodyStyle>
-    <p:otherStyle>
-      <a:defPPr>
-        <a:defRPr lang="en-US"/>
-      </a:defPPr>
-      <a:lvl1pPr marL="0" algn="l" defTabSz="1096907" rtl="0" eaLnBrk="1" latinLnBrk="0" hangingPunct="1">
-        <a:defRPr sz="2100" kern="1200">
-          <a:solidFill>
-            <a:schemeClr val="tx1"/>
-          </a:solidFill>
-          <a:latin typeface="+mn-lt"/>
-          <a:ea typeface="+mn-ea"/>
-          <a:cs typeface="+mn-cs"/>
-        </a:defRPr>
-      </a:lvl1pPr>
-      <a:lvl2pPr marL="548453" algn="l" defTabSz="1096907" rtl="0" eaLnBrk="1" latinLnBrk="0" hangingPunct="1">
-        <a:defRPr sz="2100" kern="1200">
-          <a:solidFill>
-            <a:schemeClr val="tx1"/>
-          </a:solidFill>
-          <a:latin typeface="+mn-lt"/>
-          <a:ea typeface="+mn-ea"/>
-          <a:cs typeface="+mn-cs"/>
-        </a:defRPr>
-      </a:lvl2pPr>
-      <a:lvl3pPr marL="1096907" algn="l" defTabSz="1096907" rtl="0" eaLnBrk="1" latinLnBrk="0" hangingPunct="1">
-        <a:defRPr sz="2100" kern="1200">
-          <a:solidFill>
-            <a:schemeClr val="tx1"/>
-          </a:solidFill>
-          <a:latin typeface="+mn-lt"/>
-          <a:ea typeface="+mn-ea"/>
-          <a:cs typeface="+mn-cs"/>
-        </a:defRPr>
-      </a:lvl3pPr>
-      <a:lvl4pPr marL="1645362" algn="l" defTabSz="1096907" rtl="0" eaLnBrk="1" latinLnBrk="0" hangingPunct="1">
-        <a:defRPr sz="2100" kern="1200">
-          <a:solidFill>
-            <a:schemeClr val="tx1"/>
-          </a:solidFill>
-          <a:latin typeface="+mn-lt"/>
-          <a:ea typeface="+mn-ea"/>
-          <a:cs typeface="+mn-cs"/>
-        </a:defRPr>
-      </a:lvl4pPr>
-      <a:lvl5pPr marL="2193816" algn="l" defTabSz="1096907" rtl="0" eaLnBrk="1" latinLnBrk="0" hangingPunct="1">
-        <a:defRPr sz="2100" kern="1200">
-          <a:solidFill>
-            <a:schemeClr val="tx1"/>
-          </a:solidFill>
-          <a:latin typeface="+mn-lt"/>
-          <a:ea typeface="+mn-ea"/>
-          <a:cs typeface="+mn-cs"/>
-        </a:defRPr>
-      </a:lvl5pPr>
-      <a:lvl6pPr marL="2742267" algn="l" defTabSz="1096907" rtl="0" eaLnBrk="1" latinLnBrk="0" hangingPunct="1">
-        <a:defRPr sz="2100" kern="1200">
-          <a:solidFill>
-            <a:schemeClr val="tx1"/>
-          </a:solidFill>
-          <a:latin typeface="+mn-lt"/>
-          <a:ea typeface="+mn-ea"/>
-          <a:cs typeface="+mn-cs"/>
-        </a:defRPr>
-      </a:lvl6pPr>
-      <a:lvl7pPr marL="3290722" algn="l" defTabSz="1096907" rtl="0" eaLnBrk="1" latinLnBrk="0" hangingPunct="1">
-        <a:defRPr sz="2100" kern="1200">
-          <a:solidFill>
-            <a:schemeClr val="tx1"/>
-          </a:solidFill>
-          <a:latin typeface="+mn-lt"/>
-          <a:ea typeface="+mn-ea"/>
-          <a:cs typeface="+mn-cs"/>
-        </a:defRPr>
-      </a:lvl7pPr>
-      <a:lvl8pPr marL="3839178" algn="l" defTabSz="1096907" rtl="0" eaLnBrk="1" latinLnBrk="0" hangingPunct="1">
-        <a:defRPr sz="2100" kern="1200">
-          <a:solidFill>
-            <a:schemeClr val="tx1"/>
-          </a:solidFill>
-          <a:latin typeface="+mn-lt"/>
-          <a:ea typeface="+mn-ea"/>
-          <a:cs typeface="+mn-cs"/>
-        </a:defRPr>
-      </a:lvl8pPr>
-      <a:lvl9pPr marL="4387630" algn="l" defTabSz="1096907" rtl="0" eaLnBrk="1" latinLnBrk="0" hangingPunct="1">
-        <a:defRPr sz="2100" kern="1200">
-          <a:solidFill>
-            <a:schemeClr val="tx1"/>
-          </a:solidFill>
-          <a:latin typeface="+mn-lt"/>
-          <a:ea typeface="+mn-ea"/>
-          <a:cs typeface="+mn-cs"/>
-        </a:defRPr>
-      </a:lvl9pPr>
-    </p:otherStyle>
-  </p:txStyles>
-  <p:extLst mod="1">
-    <p:ext uri="{27BBF7A9-308A-43DC-89C8-2F10F3537804}">
-      <p15:sldGuideLst xmlns="" xmlns:p15="http://schemas.microsoft.com/office/powerpoint/2012/main"/>
-    </p:ext>
-  </p:extLst>
-</p:sldMaster>
-</file>
-
-<file path=ppt/slideMasters/slideMaster4.xml><?xml version="1.0" encoding="utf-8"?>
-<p:sldMaster xmlns:a="http://schemas.openxmlformats.org/drawingml/2006/main" xmlns:r="http://schemas.openxmlformats.org/officeDocument/2006/relationships" xmlns:p="http://schemas.openxmlformats.org/presentationml/2006/main" preserve="1">
-  <p:cSld>
-    <p:bg bwMode="auto">
-      <p:bgPr>
-        <a:blipFill dpi="0" rotWithShape="1">
-          <a:blip r:embed="rId17"/>
-          <a:srcRect/>
-          <a:stretch>
-            <a:fillRect/>
-          </a:stretch>
-        </a:blipFill>
-        <a:effectLst/>
-      </p:bgPr>
-    </p:bg>
-    <p:spTree>
-      <p:nvGrpSpPr>
-        <p:cNvPr id="1" name=""/>
-        <p:cNvGrpSpPr/>
-        <p:nvPr/>
-      </p:nvGrpSpPr>
-      <p:grpSpPr>
-        <a:xfrm>
-          <a:off x="0" y="0"/>
-          <a:ext cx="0" cy="0"/>
-          <a:chOff x="0" y="0"/>
-          <a:chExt cx="0" cy="0"/>
-        </a:xfrm>
-      </p:grpSpPr>
-      <p:sp>
-        <p:nvSpPr>
-          <p:cNvPr id="2" name="Title Placeholder 1"/>
-          <p:cNvSpPr>
-            <a:spLocks noGrp="1"/>
-          </p:cNvSpPr>
-          <p:nvPr>
-            <p:ph type="title"/>
-          </p:nvPr>
-        </p:nvSpPr>
-        <p:spPr bwMode="white">
-          <a:xfrm>
-            <a:off x="609602" y="548642"/>
-            <a:ext cx="13411200" cy="609397"/>
-          </a:xfrm>
-          <a:prstGeom prst="rect">
-            <a:avLst/>
-          </a:prstGeom>
-        </p:spPr>
-        <p:txBody>
-          <a:bodyPr vert="horz" wrap="square" lIns="0" tIns="0" rIns="0" bIns="0" rtlCol="0" anchor="t" anchorCtr="0">
-            <a:spAutoFit/>
-          </a:bodyPr>
-          <a:lstStyle/>
-          <a:p>
-            <a:r>
-              <a:rPr lang="en-US" smtClean="0"/>
-              <a:t>Click to edit Master title style</a:t>
-            </a:r>
-            <a:endParaRPr lang="en-US" dirty="0"/>
-          </a:p>
-        </p:txBody>
-      </p:sp>
-      <p:sp>
-        <p:nvSpPr>
-          <p:cNvPr id="3" name="Text Placeholder 2"/>
-          <p:cNvSpPr>
-            <a:spLocks noGrp="1"/>
-          </p:cNvSpPr>
-          <p:nvPr>
-            <p:ph type="body" idx="1"/>
-          </p:nvPr>
-        </p:nvSpPr>
-        <p:spPr bwMode="white">
-          <a:xfrm>
-            <a:off x="609602" y="1670580"/>
-            <a:ext cx="13411200" cy="5166360"/>
-          </a:xfrm>
-          <a:prstGeom prst="rect">
-            <a:avLst/>
-          </a:prstGeom>
-        </p:spPr>
-        <p:txBody>
-          <a:bodyPr vert="horz" wrap="square" lIns="0" tIns="0" rIns="0" bIns="0" rtlCol="0">
-            <a:noAutofit/>
-          </a:bodyPr>
-          <a:lstStyle/>
-          <a:p>
-            <a:pPr lvl="0"/>
-            <a:r>
-              <a:rPr lang="en-US" smtClean="0"/>
-              <a:t>Click to edit Master text styles</a:t>
-            </a:r>
-          </a:p>
-          <a:p>
-            <a:pPr lvl="1"/>
-            <a:r>
-              <a:rPr lang="en-US" smtClean="0"/>
-              <a:t>Second level</a:t>
-            </a:r>
-          </a:p>
-          <a:p>
-            <a:pPr lvl="2"/>
-            <a:r>
-              <a:rPr lang="en-US" smtClean="0"/>
-              <a:t>Third level</a:t>
-            </a:r>
-          </a:p>
-          <a:p>
-            <a:pPr lvl="3"/>
-            <a:r>
-              <a:rPr lang="en-US" smtClean="0"/>
-              <a:t>Fourth level</a:t>
-            </a:r>
-          </a:p>
-          <a:p>
-            <a:pPr lvl="4"/>
-            <a:r>
-              <a:rPr lang="en-US" smtClean="0"/>
-              <a:t>Fifth level</a:t>
-            </a:r>
-            <a:endParaRPr lang="en-US" dirty="0"/>
-          </a:p>
-        </p:txBody>
-      </p:sp>
-      <p:pic>
-        <p:nvPicPr>
-          <p:cNvPr id="4" name="Picture 3"/>
-          <p:cNvPicPr>
-            <a:picLocks noChangeAspect="1"/>
-          </p:cNvPicPr>
-          <p:nvPr/>
-        </p:nvPicPr>
-        <p:blipFill>
-          <a:blip r:embed="rId18">
-            <a:extLst>
-              <a:ext uri="{28A0092B-C50C-407E-A947-70E740481C1C}">
-                <a14:useLocalDpi xmlns:a14="http://schemas.microsoft.com/office/drawing/2010/main" val="0"/>
-              </a:ext>
-            </a:extLst>
-          </a:blip>
-          <a:stretch>
-            <a:fillRect/>
-          </a:stretch>
-        </p:blipFill>
-        <p:spPr>
-          <a:xfrm>
-            <a:off x="297259" y="7606895"/>
-            <a:ext cx="1207366" cy="295997"/>
-          </a:xfrm>
-          <a:prstGeom prst="rect">
-            <a:avLst/>
-          </a:prstGeom>
-        </p:spPr>
-      </p:pic>
-    </p:spTree>
-    <p:extLst>
-      <p:ext uri="{BB962C8B-B14F-4D97-AF65-F5344CB8AC3E}">
-        <p14:creationId xmlns:p14="http://schemas.microsoft.com/office/powerpoint/2010/main" val="3405989805"/>
-      </p:ext>
-    </p:extLst>
-  </p:cSld>
-  <p:clrMap bg1="lt1" tx1="dk1" bg2="lt2" tx2="dk2" accent1="accent1" accent2="accent2" accent3="accent3" accent4="accent4" accent5="accent5" accent6="accent6" hlink="hlink" folHlink="folHlink"/>
-  <p:sldLayoutIdLst>
-    <p:sldLayoutId id="2147483984" r:id="rId1"/>
-    <p:sldLayoutId id="2147483985" r:id="rId2"/>
-    <p:sldLayoutId id="2147483986" r:id="rId3"/>
-    <p:sldLayoutId id="2147483987" r:id="rId4"/>
-    <p:sldLayoutId id="2147483988" r:id="rId5"/>
-    <p:sldLayoutId id="2147483989" r:id="rId6"/>
-    <p:sldLayoutId id="2147483990" r:id="rId7"/>
-    <p:sldLayoutId id="2147483991" r:id="rId8"/>
-    <p:sldLayoutId id="2147483992" r:id="rId9"/>
-    <p:sldLayoutId id="2147483993" r:id="rId10"/>
-    <p:sldLayoutId id="2147483994" r:id="rId11"/>
-    <p:sldLayoutId id="2147483995" r:id="rId12"/>
-    <p:sldLayoutId id="2147483996" r:id="rId13"/>
-    <p:sldLayoutId id="2147483997" r:id="rId14"/>
-    <p:sldLayoutId id="2147483998" r:id="rId15"/>
-  </p:sldLayoutIdLst>
-  <mc:AlternateContent xmlns:mc="http://schemas.openxmlformats.org/markup-compatibility/2006" xmlns:p14="http://schemas.microsoft.com/office/powerpoint/2010/main">
-    <mc:Choice Requires="p14">
-      <p:transition spd="med" p14:dur="700">
-        <p:fade/>
-      </p:transition>
-    </mc:Choice>
-    <mc:Fallback xmlns="">
-      <p:transition spd="med">
-        <p:fade/>
-      </p:transition>
-    </mc:Fallback>
-  </mc:AlternateContent>
-  <p:timing>
-    <p:tnLst>
-      <p:par>
-        <p:cTn xmlns:p14="http://schemas.microsoft.com/office/powerpoint/2010/main" id="1" dur="indefinite" restart="never" nodeType="tmRoot"/>
-      </p:par>
-    </p:tnLst>
-  </p:timing>
-  <p:hf sldNum="0" hdr="0" ftr="0" dt="0"/>
-  <p:txStyles>
-    <p:titleStyle>
-      <a:lvl1pPr algn="l" defTabSz="1096907" rtl="0" eaLnBrk="1" latinLnBrk="0" hangingPunct="1">
-        <a:lnSpc>
-          <a:spcPct val="90000"/>
-        </a:lnSpc>
-        <a:spcBef>
-          <a:spcPct val="0"/>
-        </a:spcBef>
-        <a:buNone/>
-        <a:defRPr lang="en-US" sz="4300" b="0" i="0" kern="1200" cap="none" spc="0" baseline="0" dirty="0" smtClean="0">
-          <a:ln w="3175">
-            <a:noFill/>
-          </a:ln>
-          <a:solidFill>
-            <a:srgbClr val="435464"/>
-          </a:solidFill>
-          <a:effectLst/>
-          <a:latin typeface="Gill Sans Light"/>
-          <a:ea typeface="+mn-ea"/>
-          <a:cs typeface="Gill Sans Light"/>
-        </a:defRPr>
-      </a:lvl1pPr>
-    </p:titleStyle>
-    <p:bodyStyle>
-      <a:lvl1pPr marL="278046" indent="-278046" algn="l" defTabSz="1096907" rtl="0" eaLnBrk="1" latinLnBrk="0" hangingPunct="1">
-        <a:lnSpc>
-          <a:spcPct val="100000"/>
-        </a:lnSpc>
-        <a:spcBef>
-          <a:spcPts val="720"/>
-        </a:spcBef>
-        <a:buSzPct val="90000"/>
-        <a:buFont typeface="Arial" pitchFamily="34" charset="0"/>
-        <a:buChar char="•"/>
-        <a:defRPr sz="2900" b="0" i="0" kern="1200" baseline="0">
-          <a:solidFill>
-            <a:srgbClr val="435464"/>
-          </a:solidFill>
-          <a:latin typeface="Gill Sans Light"/>
-          <a:ea typeface="+mn-ea"/>
-          <a:cs typeface="Gill Sans Light"/>
-        </a:defRPr>
-      </a:lvl1pPr>
-      <a:lvl2pPr marL="620948" indent="-342900" algn="l" defTabSz="1096907" rtl="0" eaLnBrk="1" latinLnBrk="0" hangingPunct="1">
-        <a:lnSpc>
-          <a:spcPct val="100000"/>
-        </a:lnSpc>
-        <a:spcBef>
-          <a:spcPts val="720"/>
-        </a:spcBef>
-        <a:buSzPct val="25000"/>
-        <a:buFont typeface="Lucida Grande"/>
-        <a:buChar char=" "/>
-        <a:defRPr sz="2400" b="0" i="0" kern="1200" baseline="0">
-          <a:solidFill>
-            <a:srgbClr val="435464"/>
-          </a:solidFill>
-          <a:latin typeface="Gill Sans Light"/>
-          <a:ea typeface="+mn-ea"/>
-          <a:cs typeface="Gill Sans Light"/>
-        </a:defRPr>
-      </a:lvl2pPr>
-      <a:lvl3pPr marL="891376" indent="-342900" algn="l" defTabSz="1096907" rtl="0" eaLnBrk="1" latinLnBrk="0" hangingPunct="1">
-        <a:lnSpc>
-          <a:spcPct val="100000"/>
-        </a:lnSpc>
-        <a:spcBef>
-          <a:spcPts val="720"/>
-        </a:spcBef>
-        <a:buSzPct val="25000"/>
-        <a:buFont typeface="Lucida Grande"/>
-        <a:buChar char=" "/>
-        <a:defRPr sz="2100" b="0" i="0" kern="1200" baseline="0">
-          <a:solidFill>
-            <a:srgbClr val="435464"/>
-          </a:solidFill>
-          <a:latin typeface="Gill Sans Light"/>
-          <a:ea typeface="+mn-ea"/>
-          <a:cs typeface="Gill Sans Light"/>
-        </a:defRPr>
-      </a:lvl3pPr>
-      <a:lvl4pPr marL="1098961" indent="-342900" algn="l" defTabSz="1096907" rtl="0" eaLnBrk="1" latinLnBrk="0" hangingPunct="1">
-        <a:lnSpc>
-          <a:spcPct val="100000"/>
-        </a:lnSpc>
-        <a:spcBef>
-          <a:spcPts val="720"/>
-        </a:spcBef>
-        <a:buSzPct val="25000"/>
-        <a:buFont typeface="Lucida Grande"/>
-        <a:buChar char=" "/>
-        <a:defRPr sz="1900" b="0" i="0" kern="1200" baseline="0">
-          <a:solidFill>
-            <a:srgbClr val="435464"/>
-          </a:solidFill>
-          <a:latin typeface="Gill Sans Light"/>
-          <a:ea typeface="+mn-ea"/>
-          <a:cs typeface="Gill Sans Light"/>
-        </a:defRPr>
-      </a:lvl4pPr>
-      <a:lvl5pPr marL="1304638" indent="-342900" algn="l" defTabSz="1096907" rtl="0" eaLnBrk="1" latinLnBrk="0" hangingPunct="1">
-        <a:lnSpc>
-          <a:spcPct val="100000"/>
-        </a:lnSpc>
-        <a:spcBef>
-          <a:spcPts val="720"/>
-        </a:spcBef>
-        <a:buSzPct val="25000"/>
-        <a:buFont typeface="Lucida Grande"/>
-        <a:buChar char=" "/>
-        <a:defRPr sz="1900" b="0" i="0" kern="1200" baseline="0">
-          <a:solidFill>
-            <a:srgbClr val="435464"/>
-          </a:solidFill>
-          <a:latin typeface="Gill Sans Light"/>
-          <a:ea typeface="+mn-ea"/>
-          <a:cs typeface="Gill Sans Light"/>
-        </a:defRPr>
-      </a:lvl5pPr>
-      <a:lvl6pPr marL="3016494" indent="-274227" algn="l" defTabSz="1096907" rtl="0" eaLnBrk="1" latinLnBrk="0" hangingPunct="1">
-        <a:spcBef>
-          <a:spcPct val="20000"/>
-        </a:spcBef>
-        <a:buFont typeface="Arial" pitchFamily="34" charset="0"/>
-        <a:buChar char="•"/>
-        <a:defRPr sz="2400" kern="1200">
-          <a:solidFill>
-            <a:schemeClr val="tx1"/>
-          </a:solidFill>
-          <a:latin typeface="+mn-lt"/>
-          <a:ea typeface="+mn-ea"/>
-          <a:cs typeface="+mn-cs"/>
-        </a:defRPr>
-      </a:lvl6pPr>
-      <a:lvl7pPr marL="3564949" indent="-274227" algn="l" defTabSz="1096907" rtl="0" eaLnBrk="1" latinLnBrk="0" hangingPunct="1">
-        <a:spcBef>
-          <a:spcPct val="20000"/>
-        </a:spcBef>
-        <a:buFont typeface="Arial" pitchFamily="34" charset="0"/>
-        <a:buChar char="•"/>
-        <a:defRPr sz="2400" kern="1200">
-          <a:solidFill>
-            <a:schemeClr val="tx1"/>
-          </a:solidFill>
-          <a:latin typeface="+mn-lt"/>
-          <a:ea typeface="+mn-ea"/>
-          <a:cs typeface="+mn-cs"/>
-        </a:defRPr>
-      </a:lvl7pPr>
-      <a:lvl8pPr marL="4113403" indent="-274227" algn="l" defTabSz="1096907" rtl="0" eaLnBrk="1" latinLnBrk="0" hangingPunct="1">
-        <a:spcBef>
-          <a:spcPct val="20000"/>
-        </a:spcBef>
-        <a:buFont typeface="Arial" pitchFamily="34" charset="0"/>
-        <a:buChar char="•"/>
-        <a:defRPr sz="2400" kern="1200">
-          <a:solidFill>
-            <a:schemeClr val="tx1"/>
-          </a:solidFill>
-          <a:latin typeface="+mn-lt"/>
-          <a:ea typeface="+mn-ea"/>
-          <a:cs typeface="+mn-cs"/>
-        </a:defRPr>
-      </a:lvl8pPr>
-      <a:lvl9pPr marL="4661858" indent="-274227" algn="l" defTabSz="1096907" rtl="0" eaLnBrk="1" latinLnBrk="0" hangingPunct="1">
-        <a:spcBef>
-          <a:spcPct val="20000"/>
-        </a:spcBef>
-        <a:buFont typeface="Arial" pitchFamily="34" charset="0"/>
-        <a:buChar char="•"/>
-        <a:defRPr sz="2400" kern="1200">
-          <a:solidFill>
-            <a:schemeClr val="tx1"/>
-          </a:solidFill>
-          <a:latin typeface="+mn-lt"/>
-          <a:ea typeface="+mn-ea"/>
-          <a:cs typeface="+mn-cs"/>
-        </a:defRPr>
-      </a:lvl9pPr>
-    </p:bodyStyle>
-    <p:otherStyle>
-      <a:defPPr>
-        <a:defRPr lang="en-US"/>
-      </a:defPPr>
-      <a:lvl1pPr marL="0" algn="l" defTabSz="1096907" rtl="0" eaLnBrk="1" latinLnBrk="0" hangingPunct="1">
-        <a:defRPr sz="2100" kern="1200">
-          <a:solidFill>
-            <a:schemeClr val="tx1"/>
-          </a:solidFill>
-          <a:latin typeface="+mn-lt"/>
-          <a:ea typeface="+mn-ea"/>
-          <a:cs typeface="+mn-cs"/>
-        </a:defRPr>
-      </a:lvl1pPr>
-      <a:lvl2pPr marL="548453" algn="l" defTabSz="1096907" rtl="0" eaLnBrk="1" latinLnBrk="0" hangingPunct="1">
-        <a:defRPr sz="2100" kern="1200">
-          <a:solidFill>
-            <a:schemeClr val="tx1"/>
-          </a:solidFill>
-          <a:latin typeface="+mn-lt"/>
-          <a:ea typeface="+mn-ea"/>
-          <a:cs typeface="+mn-cs"/>
-        </a:defRPr>
-      </a:lvl2pPr>
-      <a:lvl3pPr marL="1096907" algn="l" defTabSz="1096907" rtl="0" eaLnBrk="1" latinLnBrk="0" hangingPunct="1">
-        <a:defRPr sz="2100" kern="1200">
-          <a:solidFill>
-            <a:schemeClr val="tx1"/>
-          </a:solidFill>
-          <a:latin typeface="+mn-lt"/>
-          <a:ea typeface="+mn-ea"/>
-          <a:cs typeface="+mn-cs"/>
-        </a:defRPr>
-      </a:lvl3pPr>
-      <a:lvl4pPr marL="1645362" algn="l" defTabSz="1096907" rtl="0" eaLnBrk="1" latinLnBrk="0" hangingPunct="1">
-        <a:defRPr sz="2100" kern="1200">
-          <a:solidFill>
-            <a:schemeClr val="tx1"/>
-          </a:solidFill>
-          <a:latin typeface="+mn-lt"/>
-          <a:ea typeface="+mn-ea"/>
-          <a:cs typeface="+mn-cs"/>
-        </a:defRPr>
-      </a:lvl4pPr>
-      <a:lvl5pPr marL="2193816" algn="l" defTabSz="1096907" rtl="0" eaLnBrk="1" latinLnBrk="0" hangingPunct="1">
-        <a:defRPr sz="2100" kern="1200">
-          <a:solidFill>
-            <a:schemeClr val="tx1"/>
-          </a:solidFill>
-          <a:latin typeface="+mn-lt"/>
-          <a:ea typeface="+mn-ea"/>
-          <a:cs typeface="+mn-cs"/>
-        </a:defRPr>
-      </a:lvl5pPr>
-      <a:lvl6pPr marL="2742267" algn="l" defTabSz="1096907" rtl="0" eaLnBrk="1" latinLnBrk="0" hangingPunct="1">
-        <a:defRPr sz="2100" kern="1200">
-          <a:solidFill>
-            <a:schemeClr val="tx1"/>
-          </a:solidFill>
-          <a:latin typeface="+mn-lt"/>
-          <a:ea typeface="+mn-ea"/>
-          <a:cs typeface="+mn-cs"/>
-        </a:defRPr>
-      </a:lvl6pPr>
-      <a:lvl7pPr marL="3290722" algn="l" defTabSz="1096907" rtl="0" eaLnBrk="1" latinLnBrk="0" hangingPunct="1">
-        <a:defRPr sz="2100" kern="1200">
-          <a:solidFill>
-            <a:schemeClr val="tx1"/>
-          </a:solidFill>
-          <a:latin typeface="+mn-lt"/>
-          <a:ea typeface="+mn-ea"/>
-          <a:cs typeface="+mn-cs"/>
-        </a:defRPr>
-      </a:lvl7pPr>
-      <a:lvl8pPr marL="3839178" algn="l" defTabSz="1096907" rtl="0" eaLnBrk="1" latinLnBrk="0" hangingPunct="1">
-        <a:defRPr sz="2100" kern="1200">
-          <a:solidFill>
-            <a:schemeClr val="tx1"/>
-          </a:solidFill>
-          <a:latin typeface="+mn-lt"/>
-          <a:ea typeface="+mn-ea"/>
-          <a:cs typeface="+mn-cs"/>
-        </a:defRPr>
-      </a:lvl8pPr>
-      <a:lvl9pPr marL="4387630" algn="l" defTabSz="1096907" rtl="0" eaLnBrk="1" latinLnBrk="0" hangingPunct="1">
-        <a:defRPr sz="2100" kern="1200">
-          <a:solidFill>
-            <a:schemeClr val="tx1"/>
-          </a:solidFill>
-          <a:latin typeface="+mn-lt"/>
-          <a:ea typeface="+mn-ea"/>
-          <a:cs typeface="+mn-cs"/>
-        </a:defRPr>
-      </a:lvl9pPr>
-    </p:otherStyle>
-  </p:txStyles>
-  <p:extLst mod="1">
-    <p:ext uri="{27BBF7A9-308A-43DC-89C8-2F10F3537804}">
-      <p15:sldGuideLst xmlns="" xmlns:p15="http://schemas.microsoft.com/office/powerpoint/2012/main"/>
-    </p:ext>
-  </p:extLst>
-</p:sldMaster>
-</file>
-
-<file path=ppt/slideMasters/slideMaster5.xml><?xml version="1.0" encoding="utf-8"?>
-<p:sldMaster xmlns:a="http://schemas.openxmlformats.org/drawingml/2006/main" xmlns:r="http://schemas.openxmlformats.org/officeDocument/2006/relationships" xmlns:p="http://schemas.openxmlformats.org/presentationml/2006/main" preserve="1">
-  <p:cSld>
-    <p:bg bwMode="auto">
-      <p:bgPr>
-        <a:blipFill dpi="0" rotWithShape="1">
           <a:blip r:embed="rId18"/>
           <a:srcRect/>
           <a:stretch>
@@ -16805,28 +10004,28 @@
     </p:spTree>
     <p:extLst>
       <p:ext uri="{BB962C8B-B14F-4D97-AF65-F5344CB8AC3E}">
-        <p14:creationId xmlns:p14="http://schemas.microsoft.com/office/powerpoint/2010/main" val="1831191788"/>
+        <p14:creationId xmlns:p14="http://schemas.microsoft.com/office/powerpoint/2010/main" val="2881952736"/>
       </p:ext>
     </p:extLst>
   </p:cSld>
   <p:clrMap bg1="lt1" tx1="dk1" bg2="lt2" tx2="dk2" accent1="accent1" accent2="accent2" accent3="accent3" accent4="accent4" accent5="accent5" accent6="accent6" hlink="hlink" folHlink="folHlink"/>
   <p:sldLayoutIdLst>
-    <p:sldLayoutId id="2147484000" r:id="rId1"/>
-    <p:sldLayoutId id="2147484001" r:id="rId2"/>
-    <p:sldLayoutId id="2147484002" r:id="rId3"/>
-    <p:sldLayoutId id="2147484003" r:id="rId4"/>
-    <p:sldLayoutId id="2147484004" r:id="rId5"/>
-    <p:sldLayoutId id="2147484005" r:id="rId6"/>
-    <p:sldLayoutId id="2147484006" r:id="rId7"/>
-    <p:sldLayoutId id="2147484007" r:id="rId8"/>
-    <p:sldLayoutId id="2147484008" r:id="rId9"/>
-    <p:sldLayoutId id="2147484009" r:id="rId10"/>
-    <p:sldLayoutId id="2147484010" r:id="rId11"/>
-    <p:sldLayoutId id="2147484011" r:id="rId12"/>
-    <p:sldLayoutId id="2147484012" r:id="rId13"/>
-    <p:sldLayoutId id="2147484013" r:id="rId14"/>
-    <p:sldLayoutId id="2147484014" r:id="rId15"/>
-    <p:sldLayoutId id="2147484015" r:id="rId16"/>
+    <p:sldLayoutId id="2147483961" r:id="rId1"/>
+    <p:sldLayoutId id="2147483962" r:id="rId2"/>
+    <p:sldLayoutId id="2147483976" r:id="rId3"/>
+    <p:sldLayoutId id="2147483977" r:id="rId4"/>
+    <p:sldLayoutId id="2147483978" r:id="rId5"/>
+    <p:sldLayoutId id="2147483979" r:id="rId6"/>
+    <p:sldLayoutId id="2147483980" r:id="rId7"/>
+    <p:sldLayoutId id="2147483963" r:id="rId8"/>
+    <p:sldLayoutId id="2147483982" r:id="rId9"/>
+    <p:sldLayoutId id="2147483981" r:id="rId10"/>
+    <p:sldLayoutId id="2147483964" r:id="rId11"/>
+    <p:sldLayoutId id="2147484005" r:id="rId12"/>
+    <p:sldLayoutId id="2147483965" r:id="rId13"/>
+    <p:sldLayoutId id="2147483966" r:id="rId14"/>
+    <p:sldLayoutId id="2147483967" r:id="rId15"/>
+    <p:sldLayoutId id="2147483968" r:id="rId16"/>
   </p:sldLayoutIdLst>
   <mc:AlternateContent xmlns:mc="http://schemas.openxmlformats.org/markup-compatibility/2006" xmlns:p14="http://schemas.microsoft.com/office/powerpoint/2010/main">
     <mc:Choice Requires="p14">
@@ -17657,11 +10856,7 @@
           <a:p>
             <a:r>
               <a:rPr lang="en-US" dirty="0" smtClean="0"/>
-              <a:t>Test Kitchen </a:t>
-            </a:r>
-            <a:r>
-              <a:rPr lang="en-US" dirty="0" smtClean="0"/>
-              <a:t>Configuration (1 of 3)</a:t>
+              <a:t>Test Kitchen Configuration (1 of 3)</a:t>
             </a:r>
             <a:endParaRPr lang="en-US" dirty="0"/>
           </a:p>
@@ -18050,11 +11245,7 @@
           <a:p>
             <a:r>
               <a:rPr lang="en-US" dirty="0" smtClean="0"/>
-              <a:t>Test Kitchen </a:t>
-            </a:r>
-            <a:r>
-              <a:rPr lang="en-US" dirty="0" smtClean="0"/>
-              <a:t>Configuration (2 of 3)</a:t>
+              <a:t>Test Kitchen Configuration (2 of 3)</a:t>
             </a:r>
             <a:endParaRPr lang="en-US" dirty="0"/>
           </a:p>
@@ -18563,11 +11754,7 @@
           <a:p>
             <a:r>
               <a:rPr lang="en-US" dirty="0" smtClean="0"/>
-              <a:t>Test Kitchen </a:t>
-            </a:r>
-            <a:r>
-              <a:rPr lang="en-US" dirty="0" smtClean="0"/>
-              <a:t>Configuration (3 of 3)</a:t>
+              <a:t>Test Kitchen Configuration (3 of 3)</a:t>
             </a:r>
             <a:endParaRPr lang="en-US" dirty="0"/>
           </a:p>
@@ -18949,15 +12136,7 @@
           <a:p>
             <a:r>
               <a:rPr lang="en-US" dirty="0" smtClean="0"/>
-              <a:t>Move to the </a:t>
-            </a:r>
-            <a:r>
-              <a:rPr lang="en-US" dirty="0" smtClean="0"/>
-              <a:t>cookbook’s </a:t>
-            </a:r>
-            <a:r>
-              <a:rPr lang="en-US" dirty="0" smtClean="0"/>
-              <a:t>directory</a:t>
+              <a:t>Move to the cookbook’s directory</a:t>
             </a:r>
             <a:endParaRPr lang="en-US" dirty="0"/>
           </a:p>
@@ -18965,7 +12144,7 @@
       </p:sp>
       <p:sp>
         <p:nvSpPr>
-          <p:cNvPr id="3" name="Content Placeholder 2"/>
+          <p:cNvPr id="5" name="Content Placeholder 4"/>
           <p:cNvSpPr>
             <a:spLocks noGrp="1"/>
           </p:cNvSpPr>
@@ -18999,11 +12178,7 @@
           <a:p>
             <a:r>
               <a:rPr lang="en-US" dirty="0" smtClean="0"/>
-              <a:t>cd ~/</a:t>
-            </a:r>
-            <a:r>
-              <a:rPr lang="en-US" dirty="0" smtClean="0"/>
-              <a:t>cookbooks/</a:t>
+              <a:t>cd ~/cookbooks/</a:t>
             </a:r>
             <a:r>
               <a:rPr lang="en-US" dirty="0" err="1" smtClean="0"/>
@@ -20323,7 +13498,7 @@
       </p:sp>
       <p:sp>
         <p:nvSpPr>
-          <p:cNvPr id="3" name="Content Placeholder 2"/>
+          <p:cNvPr id="5" name="Content Placeholder 4"/>
           <p:cNvSpPr>
             <a:spLocks noGrp="1"/>
           </p:cNvSpPr>
@@ -20336,7 +13511,7 @@
           <a:bodyPr/>
           <a:lstStyle/>
           <a:p>
-            <a:endParaRPr lang="en-US" dirty="0"/>
+            <a:endParaRPr lang="en-US"/>
           </a:p>
         </p:txBody>
       </p:sp>
@@ -24478,7 +17653,7 @@
       </p:sp>
       <p:sp>
         <p:nvSpPr>
-          <p:cNvPr id="3" name="Content Placeholder 2"/>
+          <p:cNvPr id="5" name="Content Placeholder 4"/>
           <p:cNvSpPr>
             <a:spLocks noGrp="1"/>
           </p:cNvSpPr>
@@ -24768,36 +17943,6 @@
           <a:chExt cx="0" cy="0"/>
         </a:xfrm>
       </p:grpSpPr>
-      <p:sp>
-        <p:nvSpPr>
-          <p:cNvPr id="3" name="Title 2"/>
-          <p:cNvSpPr>
-            <a:spLocks noGrp="1"/>
-          </p:cNvSpPr>
-          <p:nvPr>
-            <p:ph type="title"/>
-          </p:nvPr>
-        </p:nvSpPr>
-        <p:spPr/>
-        <p:txBody>
-          <a:bodyPr/>
-          <a:lstStyle/>
-          <a:p>
-            <a:r>
-              <a:rPr lang="en-US" dirty="0"/>
-              <a:t>Verify </a:t>
-            </a:r>
-            <a:r>
-              <a:rPr lang="en-US" dirty="0" smtClean="0"/>
-              <a:t>Compliance Status </a:t>
-            </a:r>
-            <a:r>
-              <a:rPr lang="en-US" dirty="0"/>
-              <a:t>in Automate</a:t>
-            </a:r>
-          </a:p>
-        </p:txBody>
-      </p:sp>
       <p:pic>
         <p:nvPicPr>
           <p:cNvPr id="5" name="Media Placeholder 4" descr="Chef_Automate.png"/>
@@ -24823,6 +17968,36 @@
         </p:blipFill>
         <p:spPr/>
       </p:pic>
+      <p:sp>
+        <p:nvSpPr>
+          <p:cNvPr id="3" name="Title 2"/>
+          <p:cNvSpPr>
+            <a:spLocks noGrp="1"/>
+          </p:cNvSpPr>
+          <p:nvPr>
+            <p:ph type="title"/>
+          </p:nvPr>
+        </p:nvSpPr>
+        <p:spPr/>
+        <p:txBody>
+          <a:bodyPr/>
+          <a:lstStyle/>
+          <a:p>
+            <a:r>
+              <a:rPr lang="en-US" dirty="0"/>
+              <a:t>Verify </a:t>
+            </a:r>
+            <a:r>
+              <a:rPr lang="en-US" dirty="0" smtClean="0"/>
+              <a:t>Compliance Status </a:t>
+            </a:r>
+            <a:r>
+              <a:rPr lang="en-US" dirty="0"/>
+              <a:t>in Automate</a:t>
+            </a:r>
+          </a:p>
+        </p:txBody>
+      </p:sp>
     </p:spTree>
     <p:extLst>
       <p:ext uri="{BB962C8B-B14F-4D97-AF65-F5344CB8AC3E}">
@@ -26545,7 +19720,7 @@
             <a:spLocks noGrp="1"/>
           </p:cNvSpPr>
           <p:nvPr>
-            <p:ph type="body" sz="quarter" idx="11"/>
+            <p:ph type="body" sz="quarter" idx="10"/>
           </p:nvPr>
         </p:nvSpPr>
         <p:spPr/>
@@ -26587,7 +19762,6 @@
               <a:rPr lang="en-US" dirty="0"/>
               <a:t>Lowered chance of production failure</a:t>
             </a:r>
-            <a:endParaRPr lang="en-US" dirty="0"/>
           </a:p>
         </p:txBody>
       </p:sp>
@@ -28589,798 +21763,6 @@
 </file>
 
 <file path=ppt/theme/theme4.xml><?xml version="1.0" encoding="utf-8"?>
-<a:theme xmlns:a="http://schemas.openxmlformats.org/drawingml/2006/main" name="3_Chef2015v2">
-  <a:themeElements>
-    <a:clrScheme name="InSpec">
-      <a:dk1>
-        <a:sysClr val="windowText" lastClr="000000"/>
-      </a:dk1>
-      <a:lt1>
-        <a:sysClr val="window" lastClr="FFFFFF"/>
-      </a:lt1>
-      <a:dk2>
-        <a:srgbClr val="2F3336"/>
-      </a:dk2>
-      <a:lt2>
-        <a:srgbClr val="FFFFFF"/>
-      </a:lt2>
-      <a:accent1>
-        <a:srgbClr val="4197B5"/>
-      </a:accent1>
-      <a:accent2>
-        <a:srgbClr val="63CE99"/>
-      </a:accent2>
-      <a:accent3>
-        <a:srgbClr val="5C6670"/>
-      </a:accent3>
-      <a:accent4>
-        <a:srgbClr val="C3C6C8"/>
-      </a:accent4>
-      <a:accent5>
-        <a:srgbClr val="F18B21"/>
-      </a:accent5>
-      <a:accent6>
-        <a:srgbClr val="87B09A"/>
-      </a:accent6>
-      <a:hlink>
-        <a:srgbClr val="0000FF"/>
-      </a:hlink>
-      <a:folHlink>
-        <a:srgbClr val="800080"/>
-      </a:folHlink>
-    </a:clrScheme>
-    <a:fontScheme name="Solstice">
-      <a:majorFont>
-        <a:latin typeface="Gill Sans MT"/>
-        <a:ea typeface=""/>
-        <a:cs typeface=""/>
-        <a:font script="Grek" typeface="Corbel"/>
-        <a:font script="Cyrl" typeface="Corbel"/>
-        <a:font script="Jpan" typeface="ＭＳ ゴシック"/>
-        <a:font script="Hang" typeface="휴먼매직체"/>
-        <a:font script="Hans" typeface="华文中宋"/>
-        <a:font script="Hant" typeface="微軟正黑體"/>
-        <a:font script="Arab" typeface="Majalla UI"/>
-        <a:font script="Hebr" typeface="Arial"/>
-        <a:font script="Thai" typeface="Cordia New"/>
-        <a:font script="Ethi" typeface="Nyala"/>
-        <a:font script="Beng" typeface="Vrinda"/>
-        <a:font script="Gujr" typeface="Shruti"/>
-        <a:font script="Khmr" typeface="DaunPenh"/>
-        <a:font script="Knda" typeface="Tunga"/>
-        <a:font script="Guru" typeface="Raavi"/>
-        <a:font script="Cans" typeface="Euphemia"/>
-        <a:font script="Cher" typeface="Plantagenet Cherokee"/>
-        <a:font script="Yiii" typeface="Microsoft Yi Baiti"/>
-        <a:font script="Tibt" typeface="Microsoft Himalaya"/>
-        <a:font script="Thaa" typeface="MV Boli"/>
-        <a:font script="Deva" typeface="Mangal"/>
-        <a:font script="Telu" typeface="Gautami"/>
-        <a:font script="Taml" typeface="Latha"/>
-        <a:font script="Syrc" typeface="Estrangelo Edessa"/>
-        <a:font script="Orya" typeface="Kalinga"/>
-        <a:font script="Mlym" typeface="Kartika"/>
-        <a:font script="Laoo" typeface="DokChampa"/>
-        <a:font script="Sinh" typeface="Iskoola Pota"/>
-        <a:font script="Mong" typeface="Mongolian Baiti"/>
-        <a:font script="Viet" typeface="Tahoma"/>
-        <a:font script="Uigh" typeface="Microsoft Uighur"/>
-      </a:majorFont>
-      <a:minorFont>
-        <a:latin typeface="Gill Sans MT"/>
-        <a:ea typeface=""/>
-        <a:cs typeface=""/>
-        <a:font script="Grek" typeface="Corbel"/>
-        <a:font script="Cyrl" typeface="Corbel"/>
-        <a:font script="Jpan" typeface="ＭＳ ゴシック"/>
-        <a:font script="Hang" typeface="HY엽서L"/>
-        <a:font script="Hans" typeface="华文中宋"/>
-        <a:font script="Hant" typeface="微軟正黑體"/>
-        <a:font script="Arab" typeface="Majalla UI"/>
-        <a:font script="Hebr" typeface="Arial"/>
-        <a:font script="Thai" typeface="Cordia New"/>
-        <a:font script="Ethi" typeface="Nyala"/>
-        <a:font script="Beng" typeface="Vrinda"/>
-        <a:font script="Gujr" typeface="Shruti"/>
-        <a:font script="Khmr" typeface="DaunPenh"/>
-        <a:font script="Knda" typeface="Tunga"/>
-        <a:font script="Guru" typeface="Raavi"/>
-        <a:font script="Cans" typeface="Euphemia"/>
-        <a:font script="Cher" typeface="Plantagenet Cherokee"/>
-        <a:font script="Yiii" typeface="Microsoft Yi Baiti"/>
-        <a:font script="Tibt" typeface="Microsoft Himalaya"/>
-        <a:font script="Thaa" typeface="MV Boli"/>
-        <a:font script="Deva" typeface="Mangal"/>
-        <a:font script="Telu" typeface="Gautami"/>
-        <a:font script="Taml" typeface="Latha"/>
-        <a:font script="Syrc" typeface="Estrangelo Edessa"/>
-        <a:font script="Orya" typeface="Kalinga"/>
-        <a:font script="Mlym" typeface="Kartika"/>
-        <a:font script="Laoo" typeface="DokChampa"/>
-        <a:font script="Sinh" typeface="Iskoola Pota"/>
-        <a:font script="Mong" typeface="Mongolian Baiti"/>
-        <a:font script="Viet" typeface="Tahoma"/>
-        <a:font script="Uigh" typeface="Microsoft Uighur"/>
-      </a:minorFont>
-    </a:fontScheme>
-    <a:fmtScheme name="Angles">
-      <a:fillStyleLst>
-        <a:solidFill>
-          <a:schemeClr val="phClr"/>
-        </a:solidFill>
-        <a:gradFill rotWithShape="1">
-          <a:gsLst>
-            <a:gs pos="0">
-              <a:schemeClr val="phClr">
-                <a:tint val="50000"/>
-                <a:satMod val="300000"/>
-              </a:schemeClr>
-            </a:gs>
-            <a:gs pos="35000">
-              <a:schemeClr val="phClr">
-                <a:tint val="37000"/>
-                <a:satMod val="300000"/>
-              </a:schemeClr>
-            </a:gs>
-            <a:gs pos="100000">
-              <a:schemeClr val="phClr">
-                <a:tint val="15000"/>
-                <a:satMod val="350000"/>
-              </a:schemeClr>
-            </a:gs>
-          </a:gsLst>
-          <a:lin ang="16200000" scaled="1"/>
-        </a:gradFill>
-        <a:gradFill rotWithShape="1">
-          <a:gsLst>
-            <a:gs pos="0">
-              <a:schemeClr val="phClr">
-                <a:shade val="51000"/>
-                <a:satMod val="130000"/>
-              </a:schemeClr>
-            </a:gs>
-            <a:gs pos="80000">
-              <a:schemeClr val="phClr">
-                <a:shade val="93000"/>
-                <a:satMod val="130000"/>
-              </a:schemeClr>
-            </a:gs>
-            <a:gs pos="100000">
-              <a:schemeClr val="phClr">
-                <a:shade val="94000"/>
-                <a:satMod val="135000"/>
-              </a:schemeClr>
-            </a:gs>
-          </a:gsLst>
-          <a:lin ang="16200000" scaled="0"/>
-        </a:gradFill>
-      </a:fillStyleLst>
-      <a:lnStyleLst>
-        <a:ln w="9525" cap="flat" cmpd="sng" algn="ctr">
-          <a:solidFill>
-            <a:schemeClr val="phClr">
-              <a:shade val="95000"/>
-              <a:satMod val="105000"/>
-            </a:schemeClr>
-          </a:solidFill>
-          <a:prstDash val="solid"/>
-        </a:ln>
-        <a:ln w="25400" cap="flat" cmpd="sng" algn="ctr">
-          <a:solidFill>
-            <a:schemeClr val="phClr"/>
-          </a:solidFill>
-          <a:prstDash val="solid"/>
-        </a:ln>
-        <a:ln w="38100" cap="flat" cmpd="sng" algn="ctr">
-          <a:solidFill>
-            <a:schemeClr val="phClr"/>
-          </a:solidFill>
-          <a:prstDash val="solid"/>
-        </a:ln>
-      </a:lnStyleLst>
-      <a:effectStyleLst>
-        <a:effectStyle>
-          <a:effectLst>
-            <a:outerShdw blurRad="40000" dist="20000" dir="5400000" rotWithShape="0">
-              <a:srgbClr val="000000">
-                <a:alpha val="38000"/>
-              </a:srgbClr>
-            </a:outerShdw>
-          </a:effectLst>
-        </a:effectStyle>
-        <a:effectStyle>
-          <a:effectLst>
-            <a:outerShdw blurRad="40000" dist="23000" dir="5400000" rotWithShape="0">
-              <a:srgbClr val="000000">
-                <a:alpha val="35000"/>
-              </a:srgbClr>
-            </a:outerShdw>
-          </a:effectLst>
-        </a:effectStyle>
-        <a:effectStyle>
-          <a:effectLst>
-            <a:outerShdw blurRad="40000" dist="23000" dir="5400000" rotWithShape="0">
-              <a:srgbClr val="000000">
-                <a:alpha val="35000"/>
-              </a:srgbClr>
-            </a:outerShdw>
-          </a:effectLst>
-          <a:scene3d>
-            <a:camera prst="orthographicFront">
-              <a:rot lat="0" lon="0" rev="0"/>
-            </a:camera>
-            <a:lightRig rig="threePt" dir="t">
-              <a:rot lat="0" lon="0" rev="20400000"/>
-            </a:lightRig>
-          </a:scene3d>
-          <a:sp3d contourW="6350">
-            <a:bevelT w="41275" h="19050" prst="angle"/>
-            <a:contourClr>
-              <a:schemeClr val="phClr">
-                <a:shade val="25000"/>
-                <a:satMod val="150000"/>
-              </a:schemeClr>
-            </a:contourClr>
-          </a:sp3d>
-        </a:effectStyle>
-      </a:effectStyleLst>
-      <a:bgFillStyleLst>
-        <a:solidFill>
-          <a:schemeClr val="phClr"/>
-        </a:solidFill>
-        <a:gradFill rotWithShape="1">
-          <a:gsLst>
-            <a:gs pos="0">
-              <a:schemeClr val="phClr">
-                <a:tint val="40000"/>
-                <a:satMod val="350000"/>
-              </a:schemeClr>
-            </a:gs>
-            <a:gs pos="40000">
-              <a:schemeClr val="phClr">
-                <a:tint val="45000"/>
-                <a:shade val="99000"/>
-                <a:satMod val="350000"/>
-              </a:schemeClr>
-            </a:gs>
-            <a:gs pos="100000">
-              <a:schemeClr val="phClr">
-                <a:shade val="20000"/>
-                <a:satMod val="255000"/>
-              </a:schemeClr>
-            </a:gs>
-          </a:gsLst>
-          <a:path path="circle">
-            <a:fillToRect l="50000" t="-80000" r="50000" b="180000"/>
-          </a:path>
-        </a:gradFill>
-        <a:gradFill rotWithShape="1">
-          <a:gsLst>
-            <a:gs pos="0">
-              <a:schemeClr val="phClr">
-                <a:tint val="80000"/>
-                <a:satMod val="300000"/>
-              </a:schemeClr>
-            </a:gs>
-            <a:gs pos="100000">
-              <a:schemeClr val="phClr">
-                <a:shade val="30000"/>
-                <a:satMod val="200000"/>
-              </a:schemeClr>
-            </a:gs>
-          </a:gsLst>
-          <a:path path="circle">
-            <a:fillToRect l="50000" t="50000" r="50000" b="50000"/>
-          </a:path>
-        </a:gradFill>
-      </a:bgFillStyleLst>
-    </a:fmtScheme>
-  </a:themeElements>
-  <a:objectDefaults>
-    <a:spDef>
-      <a:spPr bwMode="auto">
-        <a:solidFill>
-          <a:schemeClr val="accent1"/>
-        </a:solidFill>
-        <a:ln>
-          <a:noFill/>
-          <a:headEnd type="none" w="med" len="med"/>
-          <a:tailEnd type="none" w="med" len="med"/>
-        </a:ln>
-        <a:effectLst/>
-      </a:spPr>
-      <a:bodyPr vert="horz" wrap="square" lIns="91436" tIns="45718" rIns="91436" bIns="45718" numCol="1" rtlCol="0" anchor="ctr" anchorCtr="0" compatLnSpc="1">
-        <a:prstTxWarp prst="textNoShape">
-          <a:avLst/>
-        </a:prstTxWarp>
-      </a:bodyPr>
-      <a:lstStyle>
-        <a:defPPr algn="ctr" defTabSz="914099">
-          <a:defRPr sz="2400" dirty="0" smtClean="0">
-            <a:gradFill>
-              <a:gsLst>
-                <a:gs pos="0">
-                  <a:srgbClr val="FFFFFF"/>
-                </a:gs>
-                <a:gs pos="100000">
-                  <a:srgbClr val="FFFFFF"/>
-                </a:gs>
-              </a:gsLst>
-              <a:lin ang="5400000" scaled="0"/>
-            </a:gradFill>
-            <a:latin typeface="Gill Sans Light"/>
-            <a:cs typeface="Gill Sans Light"/>
-          </a:defRPr>
-        </a:defPPr>
-      </a:lstStyle>
-      <a:style>
-        <a:lnRef idx="1">
-          <a:schemeClr val="accent4"/>
-        </a:lnRef>
-        <a:fillRef idx="3">
-          <a:schemeClr val="accent4"/>
-        </a:fillRef>
-        <a:effectRef idx="2">
-          <a:schemeClr val="accent4"/>
-        </a:effectRef>
-        <a:fontRef idx="minor">
-          <a:schemeClr val="lt1"/>
-        </a:fontRef>
-      </a:style>
-    </a:spDef>
-    <a:lnDef>
-      <a:spPr>
-        <a:ln w="38100" cmpd="sng">
-          <a:solidFill>
-            <a:schemeClr val="accent1"/>
-          </a:solidFill>
-          <a:prstDash val="lgDash"/>
-        </a:ln>
-        <a:effectLst/>
-      </a:spPr>
-      <a:bodyPr/>
-      <a:lstStyle/>
-      <a:style>
-        <a:lnRef idx="2">
-          <a:schemeClr val="accent1"/>
-        </a:lnRef>
-        <a:fillRef idx="0">
-          <a:schemeClr val="accent1"/>
-        </a:fillRef>
-        <a:effectRef idx="1">
-          <a:schemeClr val="accent1"/>
-        </a:effectRef>
-        <a:fontRef idx="minor">
-          <a:schemeClr val="tx1"/>
-        </a:fontRef>
-      </a:style>
-    </a:lnDef>
-    <a:txDef>
-      <a:spPr>
-        <a:noFill/>
-      </a:spPr>
-      <a:bodyPr wrap="none" lIns="0" tIns="0" rIns="0" bIns="0" rtlCol="0">
-        <a:spAutoFit/>
-      </a:bodyPr>
-      <a:lstStyle>
-        <a:defPPr>
-          <a:defRPr sz="2400" dirty="0" smtClean="0">
-            <a:solidFill>
-              <a:schemeClr val="accent2"/>
-            </a:solidFill>
-            <a:latin typeface="Gill Sans Light"/>
-            <a:cs typeface="Gill Sans Light"/>
-          </a:defRPr>
-        </a:defPPr>
-      </a:lstStyle>
-    </a:txDef>
-  </a:objectDefaults>
-  <a:extraClrSchemeLst/>
-  <a:extLst>
-    <a:ext uri="{05A4C25C-085E-4340-85A3-A5531E510DB2}">
-      <thm15:themeFamily xmlns="" xmlns:thm15="http://schemas.microsoft.com/office/thememl/2012/main" name="Chef-Template-16x9-Blue.potx" id="{AEDCA41E-F161-4EBB-B511-A8687687A8DC}" vid="{64ECDA82-38C2-4FAD-B0A3-D276970F43D1}"/>
-    </a:ext>
-  </a:extLst>
-</a:theme>
-</file>
-
-<file path=ppt/theme/theme5.xml><?xml version="1.0" encoding="utf-8"?>
-<a:theme xmlns:a="http://schemas.openxmlformats.org/drawingml/2006/main" name="4_Chef2015v2">
-  <a:themeElements>
-    <a:clrScheme name="InSpec">
-      <a:dk1>
-        <a:sysClr val="windowText" lastClr="000000"/>
-      </a:dk1>
-      <a:lt1>
-        <a:sysClr val="window" lastClr="FFFFFF"/>
-      </a:lt1>
-      <a:dk2>
-        <a:srgbClr val="2F3336"/>
-      </a:dk2>
-      <a:lt2>
-        <a:srgbClr val="FFFFFF"/>
-      </a:lt2>
-      <a:accent1>
-        <a:srgbClr val="4197B5"/>
-      </a:accent1>
-      <a:accent2>
-        <a:srgbClr val="63CE99"/>
-      </a:accent2>
-      <a:accent3>
-        <a:srgbClr val="5C6670"/>
-      </a:accent3>
-      <a:accent4>
-        <a:srgbClr val="C3C6C8"/>
-      </a:accent4>
-      <a:accent5>
-        <a:srgbClr val="F18B21"/>
-      </a:accent5>
-      <a:accent6>
-        <a:srgbClr val="87B09A"/>
-      </a:accent6>
-      <a:hlink>
-        <a:srgbClr val="0000FF"/>
-      </a:hlink>
-      <a:folHlink>
-        <a:srgbClr val="800080"/>
-      </a:folHlink>
-    </a:clrScheme>
-    <a:fontScheme name="Solstice">
-      <a:majorFont>
-        <a:latin typeface="Gill Sans MT"/>
-        <a:ea typeface=""/>
-        <a:cs typeface=""/>
-        <a:font script="Grek" typeface="Corbel"/>
-        <a:font script="Cyrl" typeface="Corbel"/>
-        <a:font script="Jpan" typeface="ＭＳ ゴシック"/>
-        <a:font script="Hang" typeface="휴먼매직체"/>
-        <a:font script="Hans" typeface="华文中宋"/>
-        <a:font script="Hant" typeface="微軟正黑體"/>
-        <a:font script="Arab" typeface="Majalla UI"/>
-        <a:font script="Hebr" typeface="Arial"/>
-        <a:font script="Thai" typeface="Cordia New"/>
-        <a:font script="Ethi" typeface="Nyala"/>
-        <a:font script="Beng" typeface="Vrinda"/>
-        <a:font script="Gujr" typeface="Shruti"/>
-        <a:font script="Khmr" typeface="DaunPenh"/>
-        <a:font script="Knda" typeface="Tunga"/>
-        <a:font script="Guru" typeface="Raavi"/>
-        <a:font script="Cans" typeface="Euphemia"/>
-        <a:font script="Cher" typeface="Plantagenet Cherokee"/>
-        <a:font script="Yiii" typeface="Microsoft Yi Baiti"/>
-        <a:font script="Tibt" typeface="Microsoft Himalaya"/>
-        <a:font script="Thaa" typeface="MV Boli"/>
-        <a:font script="Deva" typeface="Mangal"/>
-        <a:font script="Telu" typeface="Gautami"/>
-        <a:font script="Taml" typeface="Latha"/>
-        <a:font script="Syrc" typeface="Estrangelo Edessa"/>
-        <a:font script="Orya" typeface="Kalinga"/>
-        <a:font script="Mlym" typeface="Kartika"/>
-        <a:font script="Laoo" typeface="DokChampa"/>
-        <a:font script="Sinh" typeface="Iskoola Pota"/>
-        <a:font script="Mong" typeface="Mongolian Baiti"/>
-        <a:font script="Viet" typeface="Tahoma"/>
-        <a:font script="Uigh" typeface="Microsoft Uighur"/>
-      </a:majorFont>
-      <a:minorFont>
-        <a:latin typeface="Gill Sans MT"/>
-        <a:ea typeface=""/>
-        <a:cs typeface=""/>
-        <a:font script="Grek" typeface="Corbel"/>
-        <a:font script="Cyrl" typeface="Corbel"/>
-        <a:font script="Jpan" typeface="ＭＳ ゴシック"/>
-        <a:font script="Hang" typeface="HY엽서L"/>
-        <a:font script="Hans" typeface="华文中宋"/>
-        <a:font script="Hant" typeface="微軟正黑體"/>
-        <a:font script="Arab" typeface="Majalla UI"/>
-        <a:font script="Hebr" typeface="Arial"/>
-        <a:font script="Thai" typeface="Cordia New"/>
-        <a:font script="Ethi" typeface="Nyala"/>
-        <a:font script="Beng" typeface="Vrinda"/>
-        <a:font script="Gujr" typeface="Shruti"/>
-        <a:font script="Khmr" typeface="DaunPenh"/>
-        <a:font script="Knda" typeface="Tunga"/>
-        <a:font script="Guru" typeface="Raavi"/>
-        <a:font script="Cans" typeface="Euphemia"/>
-        <a:font script="Cher" typeface="Plantagenet Cherokee"/>
-        <a:font script="Yiii" typeface="Microsoft Yi Baiti"/>
-        <a:font script="Tibt" typeface="Microsoft Himalaya"/>
-        <a:font script="Thaa" typeface="MV Boli"/>
-        <a:font script="Deva" typeface="Mangal"/>
-        <a:font script="Telu" typeface="Gautami"/>
-        <a:font script="Taml" typeface="Latha"/>
-        <a:font script="Syrc" typeface="Estrangelo Edessa"/>
-        <a:font script="Orya" typeface="Kalinga"/>
-        <a:font script="Mlym" typeface="Kartika"/>
-        <a:font script="Laoo" typeface="DokChampa"/>
-        <a:font script="Sinh" typeface="Iskoola Pota"/>
-        <a:font script="Mong" typeface="Mongolian Baiti"/>
-        <a:font script="Viet" typeface="Tahoma"/>
-        <a:font script="Uigh" typeface="Microsoft Uighur"/>
-      </a:minorFont>
-    </a:fontScheme>
-    <a:fmtScheme name="Angles">
-      <a:fillStyleLst>
-        <a:solidFill>
-          <a:schemeClr val="phClr"/>
-        </a:solidFill>
-        <a:gradFill rotWithShape="1">
-          <a:gsLst>
-            <a:gs pos="0">
-              <a:schemeClr val="phClr">
-                <a:tint val="50000"/>
-                <a:satMod val="300000"/>
-              </a:schemeClr>
-            </a:gs>
-            <a:gs pos="35000">
-              <a:schemeClr val="phClr">
-                <a:tint val="37000"/>
-                <a:satMod val="300000"/>
-              </a:schemeClr>
-            </a:gs>
-            <a:gs pos="100000">
-              <a:schemeClr val="phClr">
-                <a:tint val="15000"/>
-                <a:satMod val="350000"/>
-              </a:schemeClr>
-            </a:gs>
-          </a:gsLst>
-          <a:lin ang="16200000" scaled="1"/>
-        </a:gradFill>
-        <a:gradFill rotWithShape="1">
-          <a:gsLst>
-            <a:gs pos="0">
-              <a:schemeClr val="phClr">
-                <a:shade val="51000"/>
-                <a:satMod val="130000"/>
-              </a:schemeClr>
-            </a:gs>
-            <a:gs pos="80000">
-              <a:schemeClr val="phClr">
-                <a:shade val="93000"/>
-                <a:satMod val="130000"/>
-              </a:schemeClr>
-            </a:gs>
-            <a:gs pos="100000">
-              <a:schemeClr val="phClr">
-                <a:shade val="94000"/>
-                <a:satMod val="135000"/>
-              </a:schemeClr>
-            </a:gs>
-          </a:gsLst>
-          <a:lin ang="16200000" scaled="0"/>
-        </a:gradFill>
-      </a:fillStyleLst>
-      <a:lnStyleLst>
-        <a:ln w="9525" cap="flat" cmpd="sng" algn="ctr">
-          <a:solidFill>
-            <a:schemeClr val="phClr">
-              <a:shade val="95000"/>
-              <a:satMod val="105000"/>
-            </a:schemeClr>
-          </a:solidFill>
-          <a:prstDash val="solid"/>
-        </a:ln>
-        <a:ln w="25400" cap="flat" cmpd="sng" algn="ctr">
-          <a:solidFill>
-            <a:schemeClr val="phClr"/>
-          </a:solidFill>
-          <a:prstDash val="solid"/>
-        </a:ln>
-        <a:ln w="38100" cap="flat" cmpd="sng" algn="ctr">
-          <a:solidFill>
-            <a:schemeClr val="phClr"/>
-          </a:solidFill>
-          <a:prstDash val="solid"/>
-        </a:ln>
-      </a:lnStyleLst>
-      <a:effectStyleLst>
-        <a:effectStyle>
-          <a:effectLst>
-            <a:outerShdw blurRad="40000" dist="20000" dir="5400000" rotWithShape="0">
-              <a:srgbClr val="000000">
-                <a:alpha val="38000"/>
-              </a:srgbClr>
-            </a:outerShdw>
-          </a:effectLst>
-        </a:effectStyle>
-        <a:effectStyle>
-          <a:effectLst>
-            <a:outerShdw blurRad="40000" dist="23000" dir="5400000" rotWithShape="0">
-              <a:srgbClr val="000000">
-                <a:alpha val="35000"/>
-              </a:srgbClr>
-            </a:outerShdw>
-          </a:effectLst>
-        </a:effectStyle>
-        <a:effectStyle>
-          <a:effectLst>
-            <a:outerShdw blurRad="40000" dist="23000" dir="5400000" rotWithShape="0">
-              <a:srgbClr val="000000">
-                <a:alpha val="35000"/>
-              </a:srgbClr>
-            </a:outerShdw>
-          </a:effectLst>
-          <a:scene3d>
-            <a:camera prst="orthographicFront">
-              <a:rot lat="0" lon="0" rev="0"/>
-            </a:camera>
-            <a:lightRig rig="threePt" dir="t">
-              <a:rot lat="0" lon="0" rev="20400000"/>
-            </a:lightRig>
-          </a:scene3d>
-          <a:sp3d contourW="6350">
-            <a:bevelT w="41275" h="19050" prst="angle"/>
-            <a:contourClr>
-              <a:schemeClr val="phClr">
-                <a:shade val="25000"/>
-                <a:satMod val="150000"/>
-              </a:schemeClr>
-            </a:contourClr>
-          </a:sp3d>
-        </a:effectStyle>
-      </a:effectStyleLst>
-      <a:bgFillStyleLst>
-        <a:solidFill>
-          <a:schemeClr val="phClr"/>
-        </a:solidFill>
-        <a:gradFill rotWithShape="1">
-          <a:gsLst>
-            <a:gs pos="0">
-              <a:schemeClr val="phClr">
-                <a:tint val="40000"/>
-                <a:satMod val="350000"/>
-              </a:schemeClr>
-            </a:gs>
-            <a:gs pos="40000">
-              <a:schemeClr val="phClr">
-                <a:tint val="45000"/>
-                <a:shade val="99000"/>
-                <a:satMod val="350000"/>
-              </a:schemeClr>
-            </a:gs>
-            <a:gs pos="100000">
-              <a:schemeClr val="phClr">
-                <a:shade val="20000"/>
-                <a:satMod val="255000"/>
-              </a:schemeClr>
-            </a:gs>
-          </a:gsLst>
-          <a:path path="circle">
-            <a:fillToRect l="50000" t="-80000" r="50000" b="180000"/>
-          </a:path>
-        </a:gradFill>
-        <a:gradFill rotWithShape="1">
-          <a:gsLst>
-            <a:gs pos="0">
-              <a:schemeClr val="phClr">
-                <a:tint val="80000"/>
-                <a:satMod val="300000"/>
-              </a:schemeClr>
-            </a:gs>
-            <a:gs pos="100000">
-              <a:schemeClr val="phClr">
-                <a:shade val="30000"/>
-                <a:satMod val="200000"/>
-              </a:schemeClr>
-            </a:gs>
-          </a:gsLst>
-          <a:path path="circle">
-            <a:fillToRect l="50000" t="50000" r="50000" b="50000"/>
-          </a:path>
-        </a:gradFill>
-      </a:bgFillStyleLst>
-    </a:fmtScheme>
-  </a:themeElements>
-  <a:objectDefaults>
-    <a:spDef>
-      <a:spPr bwMode="auto">
-        <a:solidFill>
-          <a:schemeClr val="accent1"/>
-        </a:solidFill>
-        <a:ln>
-          <a:noFill/>
-          <a:headEnd type="none" w="med" len="med"/>
-          <a:tailEnd type="none" w="med" len="med"/>
-        </a:ln>
-        <a:effectLst/>
-      </a:spPr>
-      <a:bodyPr vert="horz" wrap="square" lIns="91436" tIns="45718" rIns="91436" bIns="45718" numCol="1" rtlCol="0" anchor="ctr" anchorCtr="0" compatLnSpc="1">
-        <a:prstTxWarp prst="textNoShape">
-          <a:avLst/>
-        </a:prstTxWarp>
-      </a:bodyPr>
-      <a:lstStyle>
-        <a:defPPr algn="ctr" defTabSz="914099">
-          <a:defRPr sz="2400" dirty="0" smtClean="0">
-            <a:gradFill>
-              <a:gsLst>
-                <a:gs pos="0">
-                  <a:srgbClr val="FFFFFF"/>
-                </a:gs>
-                <a:gs pos="100000">
-                  <a:srgbClr val="FFFFFF"/>
-                </a:gs>
-              </a:gsLst>
-              <a:lin ang="5400000" scaled="0"/>
-            </a:gradFill>
-            <a:latin typeface="Gill Sans Light"/>
-            <a:cs typeface="Gill Sans Light"/>
-          </a:defRPr>
-        </a:defPPr>
-      </a:lstStyle>
-      <a:style>
-        <a:lnRef idx="1">
-          <a:schemeClr val="accent4"/>
-        </a:lnRef>
-        <a:fillRef idx="3">
-          <a:schemeClr val="accent4"/>
-        </a:fillRef>
-        <a:effectRef idx="2">
-          <a:schemeClr val="accent4"/>
-        </a:effectRef>
-        <a:fontRef idx="minor">
-          <a:schemeClr val="lt1"/>
-        </a:fontRef>
-      </a:style>
-    </a:spDef>
-    <a:lnDef>
-      <a:spPr>
-        <a:ln w="38100" cmpd="sng">
-          <a:solidFill>
-            <a:schemeClr val="accent1"/>
-          </a:solidFill>
-          <a:prstDash val="lgDash"/>
-        </a:ln>
-        <a:effectLst/>
-      </a:spPr>
-      <a:bodyPr/>
-      <a:lstStyle/>
-      <a:style>
-        <a:lnRef idx="2">
-          <a:schemeClr val="accent1"/>
-        </a:lnRef>
-        <a:fillRef idx="0">
-          <a:schemeClr val="accent1"/>
-        </a:fillRef>
-        <a:effectRef idx="1">
-          <a:schemeClr val="accent1"/>
-        </a:effectRef>
-        <a:fontRef idx="minor">
-          <a:schemeClr val="tx1"/>
-        </a:fontRef>
-      </a:style>
-    </a:lnDef>
-    <a:txDef>
-      <a:spPr>
-        <a:noFill/>
-      </a:spPr>
-      <a:bodyPr wrap="none" lIns="0" tIns="0" rIns="0" bIns="0" rtlCol="0">
-        <a:spAutoFit/>
-      </a:bodyPr>
-      <a:lstStyle>
-        <a:defPPr>
-          <a:defRPr sz="2400" dirty="0" smtClean="0">
-            <a:solidFill>
-              <a:schemeClr val="accent2"/>
-            </a:solidFill>
-            <a:latin typeface="Gill Sans Light"/>
-            <a:cs typeface="Gill Sans Light"/>
-          </a:defRPr>
-        </a:defPPr>
-      </a:lstStyle>
-    </a:txDef>
-  </a:objectDefaults>
-  <a:extraClrSchemeLst/>
-  <a:extLst>
-    <a:ext uri="{05A4C25C-085E-4340-85A3-A5531E510DB2}">
-      <thm15:themeFamily xmlns="" xmlns:thm15="http://schemas.microsoft.com/office/thememl/2012/main" name="Chef-Template-16x9-Blue.potx" id="{AEDCA41E-F161-4EBB-B511-A8687687A8DC}" vid="{64ECDA82-38C2-4FAD-B0A3-D276970F43D1}"/>
-    </a:ext>
-  </a:extLst>
-</a:theme>
-</file>
-
-<file path=ppt/theme/theme6.xml><?xml version="1.0" encoding="utf-8"?>
 <a:theme xmlns:a="http://schemas.openxmlformats.org/drawingml/2006/main" name="Office Theme">
   <a:themeElements>
     <a:clrScheme name="Office">

--- a/powerpoint/Remediate-SSH-Control.pptx
+++ b/powerpoint/Remediate-SSH-Control.pptx
@@ -5,29 +5,29 @@
     <p:sldMasterId id="2147483940" r:id="rId1"/>
     <p:sldMasterId id="2147483951" r:id="rId2"/>
     <p:sldMasterId id="2147483960" r:id="rId3"/>
+    <p:sldMasterId id="2147484006" r:id="rId4"/>
   </p:sldMasterIdLst>
   <p:notesMasterIdLst>
     <p:notesMasterId r:id="rId36"/>
   </p:notesMasterIdLst>
   <p:sldIdLst>
-    <p:sldId id="256" r:id="rId4"/>
-    <p:sldId id="257" r:id="rId5"/>
-    <p:sldId id="258" r:id="rId6"/>
-    <p:sldId id="259" r:id="rId7"/>
-    <p:sldId id="260" r:id="rId8"/>
-    <p:sldId id="261" r:id="rId9"/>
-    <p:sldId id="262" r:id="rId10"/>
-    <p:sldId id="263" r:id="rId11"/>
-    <p:sldId id="264" r:id="rId12"/>
-    <p:sldId id="265" r:id="rId13"/>
-    <p:sldId id="266" r:id="rId14"/>
-    <p:sldId id="267" r:id="rId15"/>
-    <p:sldId id="268" r:id="rId16"/>
-    <p:sldId id="269" r:id="rId17"/>
-    <p:sldId id="270" r:id="rId18"/>
-    <p:sldId id="271" r:id="rId19"/>
-    <p:sldId id="272" r:id="rId20"/>
-    <p:sldId id="273" r:id="rId21"/>
+    <p:sldId id="256" r:id="rId5"/>
+    <p:sldId id="257" r:id="rId6"/>
+    <p:sldId id="258" r:id="rId7"/>
+    <p:sldId id="259" r:id="rId8"/>
+    <p:sldId id="260" r:id="rId9"/>
+    <p:sldId id="261" r:id="rId10"/>
+    <p:sldId id="262" r:id="rId11"/>
+    <p:sldId id="263" r:id="rId12"/>
+    <p:sldId id="264" r:id="rId13"/>
+    <p:sldId id="265" r:id="rId14"/>
+    <p:sldId id="266" r:id="rId15"/>
+    <p:sldId id="267" r:id="rId16"/>
+    <p:sldId id="268" r:id="rId17"/>
+    <p:sldId id="269" r:id="rId18"/>
+    <p:sldId id="270" r:id="rId19"/>
+    <p:sldId id="271" r:id="rId20"/>
+    <p:sldId id="272" r:id="rId21"/>
     <p:sldId id="274" r:id="rId22"/>
     <p:sldId id="275" r:id="rId23"/>
     <p:sldId id="276" r:id="rId24"/>
@@ -40,7 +40,7 @@
     <p:sldId id="283" r:id="rId31"/>
     <p:sldId id="284" r:id="rId32"/>
     <p:sldId id="285" r:id="rId33"/>
-    <p:sldId id="286" r:id="rId34"/>
+    <p:sldId id="288" r:id="rId34"/>
     <p:sldId id="287" r:id="rId35"/>
   </p:sldIdLst>
   <p:sldSz cx="14630400" cy="8229600"/>
@@ -276,7 +276,7 @@
           <a:p>
             <a:fld id="{30AF7211-D5D8-E543-B64B-420B2DDC73AD}" type="datetimeFigureOut">
               <a:rPr lang="en-US" smtClean="0"/>
-              <a:t>3/12/17</a:t>
+              <a:t>3/20/17</a:t>
             </a:fld>
             <a:endParaRPr lang="en-US"/>
           </a:p>
@@ -1065,7 +1065,7 @@
                 <a:latin typeface="Calibri"/>
               </a:rPr>
               <a:pPr/>
-              <a:t>20</a:t>
+              <a:t>19</a:t>
             </a:fld>
             <a:endParaRPr lang="en-US">
               <a:solidFill>
@@ -1177,7 +1177,7 @@
                 <a:latin typeface="Calibri"/>
               </a:rPr>
               <a:pPr/>
-              <a:t>22</a:t>
+              <a:t>21</a:t>
             </a:fld>
             <a:endParaRPr lang="en-US">
               <a:solidFill>
@@ -1276,7 +1276,7 @@
                 <a:latin typeface="Calibri"/>
               </a:rPr>
               <a:pPr/>
-              <a:t>25</a:t>
+              <a:t>24</a:t>
             </a:fld>
             <a:endParaRPr lang="en-US">
               <a:solidFill>
@@ -1291,6 +1291,133 @@
     <p:extLst>
       <p:ext uri="{BB962C8B-B14F-4D97-AF65-F5344CB8AC3E}">
         <p14:creationId xmlns:p14="http://schemas.microsoft.com/office/powerpoint/2010/main" val="2733254314"/>
+      </p:ext>
+    </p:extLst>
+  </p:cSld>
+  <p:clrMapOvr>
+    <a:masterClrMapping/>
+  </p:clrMapOvr>
+</p:notes>
+</file>
+
+<file path=ppt/notesSlides/notesSlide8.xml><?xml version="1.0" encoding="utf-8"?>
+<p:notes xmlns:a="http://schemas.openxmlformats.org/drawingml/2006/main" xmlns:r="http://schemas.openxmlformats.org/officeDocument/2006/relationships" xmlns:p="http://schemas.openxmlformats.org/presentationml/2006/main">
+  <p:cSld>
+    <p:spTree>
+      <p:nvGrpSpPr>
+        <p:cNvPr id="1" name=""/>
+        <p:cNvGrpSpPr/>
+        <p:nvPr/>
+      </p:nvGrpSpPr>
+      <p:grpSpPr>
+        <a:xfrm>
+          <a:off x="0" y="0"/>
+          <a:ext cx="0" cy="0"/>
+          <a:chOff x="0" y="0"/>
+          <a:chExt cx="0" cy="0"/>
+        </a:xfrm>
+      </p:grpSpPr>
+      <p:sp>
+        <p:nvSpPr>
+          <p:cNvPr id="2" name="Slide Image Placeholder 1"/>
+          <p:cNvSpPr>
+            <a:spLocks noGrp="1" noRot="1" noChangeAspect="1"/>
+          </p:cNvSpPr>
+          <p:nvPr>
+            <p:ph type="sldImg"/>
+          </p:nvPr>
+        </p:nvSpPr>
+        <p:spPr/>
+      </p:sp>
+      <p:sp>
+        <p:nvSpPr>
+          <p:cNvPr id="3" name="Notes Placeholder 2"/>
+          <p:cNvSpPr>
+            <a:spLocks noGrp="1"/>
+          </p:cNvSpPr>
+          <p:nvPr>
+            <p:ph type="body" idx="1"/>
+          </p:nvPr>
+        </p:nvSpPr>
+        <p:spPr/>
+        <p:txBody>
+          <a:bodyPr/>
+          <a:lstStyle/>
+          <a:p>
+            <a:pPr marL="0" marR="0" indent="0" algn="l" defTabSz="457200" rtl="0" eaLnBrk="1" fontAlgn="auto" latinLnBrk="0" hangingPunct="1">
+              <a:lnSpc>
+                <a:spcPct val="100000"/>
+              </a:lnSpc>
+              <a:spcBef>
+                <a:spcPts val="0"/>
+              </a:spcBef>
+              <a:spcAft>
+                <a:spcPts val="0"/>
+              </a:spcAft>
+              <a:buClrTx/>
+              <a:buSzTx/>
+              <a:buFontTx/>
+              <a:buNone/>
+              <a:tabLst/>
+              <a:defRPr/>
+            </a:pPr>
+            <a:r>
+              <a:rPr lang="en-US" dirty="0" err="1" smtClean="0"/>
+              <a:t>sudo</a:t>
+            </a:r>
+            <a:r>
+              <a:rPr lang="en-US" dirty="0" smtClean="0"/>
+              <a:t> chef-client --local-mode -j </a:t>
+            </a:r>
+            <a:r>
+              <a:rPr lang="en-US" dirty="0" err="1" smtClean="0"/>
+              <a:t>config.json</a:t>
+            </a:r>
+            <a:r>
+              <a:rPr lang="en-US" dirty="0" smtClean="0"/>
+              <a:t> -r "recipe[</a:t>
+            </a:r>
+            <a:r>
+              <a:rPr lang="en-US" dirty="0" err="1" smtClean="0"/>
+              <a:t>ssh</a:t>
+            </a:r>
+            <a:r>
+              <a:rPr lang="en-US" dirty="0" smtClean="0"/>
+              <a:t>::server],recipe[audit::default]"</a:t>
+            </a:r>
+          </a:p>
+          <a:p>
+            <a:endParaRPr lang="en-US" dirty="0"/>
+          </a:p>
+        </p:txBody>
+      </p:sp>
+      <p:sp>
+        <p:nvSpPr>
+          <p:cNvPr id="4" name="Slide Number Placeholder 3"/>
+          <p:cNvSpPr>
+            <a:spLocks noGrp="1"/>
+          </p:cNvSpPr>
+          <p:nvPr>
+            <p:ph type="sldNum" sz="quarter" idx="10"/>
+          </p:nvPr>
+        </p:nvSpPr>
+        <p:spPr/>
+        <p:txBody>
+          <a:bodyPr/>
+          <a:lstStyle/>
+          <a:p>
+            <a:fld id="{34763C2F-A4F0-EC4C-BC46-C7D9EAEB9BE9}" type="slidenum">
+              <a:rPr lang="en-US" smtClean="0"/>
+              <a:t>28</a:t>
+            </a:fld>
+            <a:endParaRPr lang="en-US"/>
+          </a:p>
+        </p:txBody>
+      </p:sp>
+    </p:spTree>
+    <p:extLst>
+      <p:ext uri="{BB962C8B-B14F-4D97-AF65-F5344CB8AC3E}">
+        <p14:creationId xmlns:p14="http://schemas.microsoft.com/office/powerpoint/2010/main" val="1785345600"/>
       </p:ext>
     </p:extLst>
   </p:cSld>
@@ -7984,6 +8111,1819 @@
 </p:sldLayout>
 </file>
 
+<file path=ppt/slideLayouts/slideLayout40.xml><?xml version="1.0" encoding="utf-8"?>
+<p:sldLayout xmlns:a="http://schemas.openxmlformats.org/drawingml/2006/main" xmlns:r="http://schemas.openxmlformats.org/officeDocument/2006/relationships" xmlns:p="http://schemas.openxmlformats.org/presentationml/2006/main" preserve="1" userDrawn="1">
+  <p:cSld name="Title Slide">
+    <p:spTree>
+      <p:nvGrpSpPr>
+        <p:cNvPr id="1" name=""/>
+        <p:cNvGrpSpPr/>
+        <p:nvPr/>
+      </p:nvGrpSpPr>
+      <p:grpSpPr>
+        <a:xfrm>
+          <a:off x="0" y="0"/>
+          <a:ext cx="0" cy="0"/>
+          <a:chOff x="0" y="0"/>
+          <a:chExt cx="0" cy="0"/>
+        </a:xfrm>
+      </p:grpSpPr>
+      <p:pic>
+        <p:nvPicPr>
+          <p:cNvPr id="3" name="Picture 2"/>
+          <p:cNvPicPr>
+            <a:picLocks noChangeAspect="1"/>
+          </p:cNvPicPr>
+          <p:nvPr userDrawn="1"/>
+        </p:nvPicPr>
+        <p:blipFill>
+          <a:blip r:embed="rId2">
+            <a:extLst>
+              <a:ext uri="{28A0092B-C50C-407E-A947-70E740481C1C}">
+                <a14:useLocalDpi xmlns:a14="http://schemas.microsoft.com/office/drawing/2010/main" val="0"/>
+              </a:ext>
+            </a:extLst>
+          </a:blip>
+          <a:stretch>
+            <a:fillRect/>
+          </a:stretch>
+        </p:blipFill>
+        <p:spPr>
+          <a:xfrm>
+            <a:off x="2426480" y="1773498"/>
+            <a:ext cx="9768298" cy="2701489"/>
+          </a:xfrm>
+          <a:prstGeom prst="rect">
+            <a:avLst/>
+          </a:prstGeom>
+        </p:spPr>
+      </p:pic>
+      <p:sp>
+        <p:nvSpPr>
+          <p:cNvPr id="4" name="Title 1"/>
+          <p:cNvSpPr>
+            <a:spLocks noGrp="1"/>
+          </p:cNvSpPr>
+          <p:nvPr>
+            <p:ph type="ctrTitle"/>
+          </p:nvPr>
+        </p:nvSpPr>
+        <p:spPr bwMode="white">
+          <a:xfrm>
+            <a:off x="2319257" y="6237720"/>
+            <a:ext cx="9875520" cy="1203795"/>
+          </a:xfrm>
+        </p:spPr>
+        <p:txBody>
+          <a:bodyPr wrap="square" lIns="82274" tIns="82274" rIns="82274" bIns="82274" anchor="ctr" anchorCtr="0">
+            <a:noAutofit/>
+          </a:bodyPr>
+          <a:lstStyle>
+            <a:lvl1pPr algn="ctr">
+              <a:lnSpc>
+                <a:spcPct val="90000"/>
+              </a:lnSpc>
+              <a:defRPr sz="4300" b="1" spc="0" baseline="0">
+                <a:solidFill>
+                  <a:srgbClr val="435464"/>
+                </a:solidFill>
+              </a:defRPr>
+            </a:lvl1pPr>
+          </a:lstStyle>
+          <a:p>
+            <a:r>
+              <a:rPr lang="en-US" smtClean="0"/>
+              <a:t>Click to edit Master title style</a:t>
+            </a:r>
+            <a:endParaRPr lang="en-US" dirty="0"/>
+          </a:p>
+        </p:txBody>
+      </p:sp>
+      <p:sp>
+        <p:nvSpPr>
+          <p:cNvPr id="5" name="Subtitle 2"/>
+          <p:cNvSpPr>
+            <a:spLocks noGrp="1"/>
+          </p:cNvSpPr>
+          <p:nvPr>
+            <p:ph type="subTitle" idx="1"/>
+          </p:nvPr>
+        </p:nvSpPr>
+        <p:spPr bwMode="white">
+          <a:xfrm>
+            <a:off x="2319257" y="7097053"/>
+            <a:ext cx="9875520" cy="504709"/>
+          </a:xfrm>
+        </p:spPr>
+        <p:txBody>
+          <a:bodyPr wrap="square" lIns="82274" tIns="82274" rIns="82274" bIns="82274">
+            <a:spAutoFit/>
+          </a:bodyPr>
+          <a:lstStyle>
+            <a:lvl1pPr marL="0" indent="0" algn="ctr">
+              <a:lnSpc>
+                <a:spcPct val="90000"/>
+              </a:lnSpc>
+              <a:spcBef>
+                <a:spcPts val="0"/>
+              </a:spcBef>
+              <a:buNone/>
+              <a:defRPr sz="2400" baseline="0">
+                <a:solidFill>
+                  <a:srgbClr val="435464"/>
+                </a:solidFill>
+              </a:defRPr>
+            </a:lvl1pPr>
+            <a:lvl2pPr marL="548453" indent="0" algn="ctr">
+              <a:buNone/>
+              <a:defRPr>
+                <a:solidFill>
+                  <a:schemeClr val="tx1">
+                    <a:tint val="75000"/>
+                  </a:schemeClr>
+                </a:solidFill>
+              </a:defRPr>
+            </a:lvl2pPr>
+            <a:lvl3pPr marL="1096907" indent="0" algn="ctr">
+              <a:buNone/>
+              <a:defRPr>
+                <a:solidFill>
+                  <a:schemeClr val="tx1">
+                    <a:tint val="75000"/>
+                  </a:schemeClr>
+                </a:solidFill>
+              </a:defRPr>
+            </a:lvl3pPr>
+            <a:lvl4pPr marL="1645362" indent="0" algn="ctr">
+              <a:buNone/>
+              <a:defRPr>
+                <a:solidFill>
+                  <a:schemeClr val="tx1">
+                    <a:tint val="75000"/>
+                  </a:schemeClr>
+                </a:solidFill>
+              </a:defRPr>
+            </a:lvl4pPr>
+            <a:lvl5pPr marL="2193816" indent="0" algn="ctr">
+              <a:buNone/>
+              <a:defRPr>
+                <a:solidFill>
+                  <a:schemeClr val="tx1">
+                    <a:tint val="75000"/>
+                  </a:schemeClr>
+                </a:solidFill>
+              </a:defRPr>
+            </a:lvl5pPr>
+            <a:lvl6pPr marL="2742267" indent="0" algn="ctr">
+              <a:buNone/>
+              <a:defRPr>
+                <a:solidFill>
+                  <a:schemeClr val="tx1">
+                    <a:tint val="75000"/>
+                  </a:schemeClr>
+                </a:solidFill>
+              </a:defRPr>
+            </a:lvl6pPr>
+            <a:lvl7pPr marL="3290722" indent="0" algn="ctr">
+              <a:buNone/>
+              <a:defRPr>
+                <a:solidFill>
+                  <a:schemeClr val="tx1">
+                    <a:tint val="75000"/>
+                  </a:schemeClr>
+                </a:solidFill>
+              </a:defRPr>
+            </a:lvl7pPr>
+            <a:lvl8pPr marL="3839178" indent="0" algn="ctr">
+              <a:buNone/>
+              <a:defRPr>
+                <a:solidFill>
+                  <a:schemeClr val="tx1">
+                    <a:tint val="75000"/>
+                  </a:schemeClr>
+                </a:solidFill>
+              </a:defRPr>
+            </a:lvl8pPr>
+            <a:lvl9pPr marL="4387630" indent="0" algn="ctr">
+              <a:buNone/>
+              <a:defRPr>
+                <a:solidFill>
+                  <a:schemeClr val="tx1">
+                    <a:tint val="75000"/>
+                  </a:schemeClr>
+                </a:solidFill>
+              </a:defRPr>
+            </a:lvl9pPr>
+          </a:lstStyle>
+          <a:p>
+            <a:r>
+              <a:rPr lang="en-US" smtClean="0"/>
+              <a:t>Click to edit Master subtitle style</a:t>
+            </a:r>
+            <a:endParaRPr lang="en-US" dirty="0"/>
+          </a:p>
+        </p:txBody>
+      </p:sp>
+      <p:sp>
+        <p:nvSpPr>
+          <p:cNvPr id="6" name="Rectangle 5"/>
+          <p:cNvSpPr/>
+          <p:nvPr userDrawn="1"/>
+        </p:nvSpPr>
+        <p:spPr bwMode="auto">
+          <a:xfrm>
+            <a:off x="152390" y="7228094"/>
+            <a:ext cx="1421254" cy="783958"/>
+          </a:xfrm>
+          <a:prstGeom prst="rect">
+            <a:avLst/>
+          </a:prstGeom>
+          <a:solidFill>
+            <a:srgbClr val="FEFEFE"/>
+          </a:solidFill>
+          <a:ln>
+            <a:noFill/>
+            <a:headEnd type="none" w="med" len="med"/>
+            <a:tailEnd type="none" w="med" len="med"/>
+          </a:ln>
+          <a:effectLst/>
+        </p:spPr>
+        <p:style>
+          <a:lnRef idx="1">
+            <a:schemeClr val="accent4"/>
+          </a:lnRef>
+          <a:fillRef idx="3">
+            <a:schemeClr val="accent4"/>
+          </a:fillRef>
+          <a:effectRef idx="2">
+            <a:schemeClr val="accent4"/>
+          </a:effectRef>
+          <a:fontRef idx="minor">
+            <a:schemeClr val="lt1"/>
+          </a:fontRef>
+        </p:style>
+        <p:txBody>
+          <a:bodyPr vert="horz" wrap="square" lIns="91436" tIns="45718" rIns="91436" bIns="45718" numCol="1" rtlCol="0" anchor="ctr" anchorCtr="0" compatLnSpc="1">
+            <a:prstTxWarp prst="textNoShape">
+              <a:avLst/>
+            </a:prstTxWarp>
+          </a:bodyPr>
+          <a:lstStyle/>
+          <a:p>
+            <a:pPr algn="ctr" defTabSz="914099"/>
+            <a:r>
+              <a:rPr lang="en-US" sz="2400" dirty="0" smtClean="0">
+                <a:gradFill>
+                  <a:gsLst>
+                    <a:gs pos="0">
+                      <a:srgbClr val="FFFFFF"/>
+                    </a:gs>
+                    <a:gs pos="100000">
+                      <a:srgbClr val="FFFFFF"/>
+                    </a:gs>
+                  </a:gsLst>
+                  <a:lin ang="5400000" scaled="0"/>
+                </a:gradFill>
+                <a:latin typeface="Gill Sans Light"/>
+                <a:cs typeface="Gill Sans Light"/>
+              </a:rPr>
+              <a:t> </a:t>
+            </a:r>
+          </a:p>
+        </p:txBody>
+      </p:sp>
+    </p:spTree>
+    <p:extLst>
+      <p:ext uri="{BB962C8B-B14F-4D97-AF65-F5344CB8AC3E}">
+        <p14:creationId xmlns:p14="http://schemas.microsoft.com/office/powerpoint/2010/main" val="932439579"/>
+      </p:ext>
+    </p:extLst>
+  </p:cSld>
+  <p:clrMapOvr>
+    <a:masterClrMapping/>
+  </p:clrMapOvr>
+  <mc:AlternateContent xmlns:mc="http://schemas.openxmlformats.org/markup-compatibility/2006" xmlns:p14="http://schemas.microsoft.com/office/powerpoint/2010/main">
+    <mc:Choice Requires="p14">
+      <p:transition spd="med" p14:dur="700">
+        <p:fade/>
+      </p:transition>
+    </mc:Choice>
+    <mc:Fallback xmlns="">
+      <p:transition spd="med">
+        <p:fade/>
+      </p:transition>
+    </mc:Fallback>
+  </mc:AlternateContent>
+  <p:timing>
+    <p:tnLst>
+      <p:par>
+        <p:cTn xmlns:p14="http://schemas.microsoft.com/office/powerpoint/2010/main" id="1" dur="indefinite" restart="never" nodeType="tmRoot"/>
+      </p:par>
+    </p:tnLst>
+  </p:timing>
+</p:sldLayout>
+</file>
+
+<file path=ppt/slideLayouts/slideLayout41.xml><?xml version="1.0" encoding="utf-8"?>
+<p:sldLayout xmlns:a="http://schemas.openxmlformats.org/drawingml/2006/main" xmlns:r="http://schemas.openxmlformats.org/officeDocument/2006/relationships" xmlns:p="http://schemas.openxmlformats.org/presentationml/2006/main" preserve="1">
+  <p:cSld name="Bullets">
+    <p:spTree>
+      <p:nvGrpSpPr>
+        <p:cNvPr id="1" name=""/>
+        <p:cNvGrpSpPr/>
+        <p:nvPr/>
+      </p:nvGrpSpPr>
+      <p:grpSpPr>
+        <a:xfrm>
+          <a:off x="0" y="0"/>
+          <a:ext cx="0" cy="0"/>
+          <a:chOff x="0" y="0"/>
+          <a:chExt cx="0" cy="0"/>
+        </a:xfrm>
+      </p:grpSpPr>
+      <p:sp>
+        <p:nvSpPr>
+          <p:cNvPr id="2" name="Title 1"/>
+          <p:cNvSpPr>
+            <a:spLocks noGrp="1"/>
+          </p:cNvSpPr>
+          <p:nvPr>
+            <p:ph type="title"/>
+          </p:nvPr>
+        </p:nvSpPr>
+        <p:spPr/>
+        <p:txBody>
+          <a:bodyPr/>
+          <a:lstStyle>
+            <a:lvl1pPr>
+              <a:defRPr baseline="0"/>
+            </a:lvl1pPr>
+          </a:lstStyle>
+          <a:p>
+            <a:r>
+              <a:rPr lang="en-US" smtClean="0"/>
+              <a:t>Click to edit Master title style</a:t>
+            </a:r>
+            <a:endParaRPr lang="en-US" dirty="0"/>
+          </a:p>
+        </p:txBody>
+      </p:sp>
+      <p:sp>
+        <p:nvSpPr>
+          <p:cNvPr id="5" name="Text Placeholder 4"/>
+          <p:cNvSpPr>
+            <a:spLocks noGrp="1"/>
+          </p:cNvSpPr>
+          <p:nvPr>
+            <p:ph type="body" sz="quarter" idx="10"/>
+          </p:nvPr>
+        </p:nvSpPr>
+        <p:spPr>
+          <a:xfrm>
+            <a:off x="609600" y="1670583"/>
+            <a:ext cx="13408762" cy="4811358"/>
+          </a:xfrm>
+        </p:spPr>
+        <p:txBody>
+          <a:bodyPr>
+            <a:noAutofit/>
+          </a:bodyPr>
+          <a:lstStyle>
+            <a:lvl1pPr>
+              <a:defRPr baseline="0"/>
+            </a:lvl1pPr>
+            <a:lvl2pPr>
+              <a:defRPr baseline="0"/>
+            </a:lvl2pPr>
+            <a:lvl3pPr>
+              <a:defRPr baseline="0"/>
+            </a:lvl3pPr>
+            <a:lvl4pPr>
+              <a:defRPr baseline="0"/>
+            </a:lvl4pPr>
+            <a:lvl5pPr>
+              <a:defRPr baseline="0"/>
+            </a:lvl5pPr>
+          </a:lstStyle>
+          <a:p>
+            <a:pPr lvl="0"/>
+            <a:r>
+              <a:rPr lang="en-US" smtClean="0"/>
+              <a:t>Click to edit Master text styles</a:t>
+            </a:r>
+          </a:p>
+          <a:p>
+            <a:pPr lvl="1"/>
+            <a:r>
+              <a:rPr lang="en-US" smtClean="0"/>
+              <a:t>Second level</a:t>
+            </a:r>
+          </a:p>
+          <a:p>
+            <a:pPr lvl="2"/>
+            <a:r>
+              <a:rPr lang="en-US" smtClean="0"/>
+              <a:t>Third level</a:t>
+            </a:r>
+          </a:p>
+          <a:p>
+            <a:pPr lvl="3"/>
+            <a:r>
+              <a:rPr lang="en-US" smtClean="0"/>
+              <a:t>Fourth level</a:t>
+            </a:r>
+          </a:p>
+          <a:p>
+            <a:pPr lvl="4"/>
+            <a:r>
+              <a:rPr lang="en-US" smtClean="0"/>
+              <a:t>Fifth level</a:t>
+            </a:r>
+            <a:endParaRPr lang="en-US" dirty="0"/>
+          </a:p>
+        </p:txBody>
+      </p:sp>
+    </p:spTree>
+    <p:extLst>
+      <p:ext uri="{BB962C8B-B14F-4D97-AF65-F5344CB8AC3E}">
+        <p14:creationId xmlns:p14="http://schemas.microsoft.com/office/powerpoint/2010/main" val="4270232018"/>
+      </p:ext>
+    </p:extLst>
+  </p:cSld>
+  <p:clrMapOvr>
+    <a:masterClrMapping/>
+  </p:clrMapOvr>
+  <mc:AlternateContent xmlns:mc="http://schemas.openxmlformats.org/markup-compatibility/2006" xmlns:p14="http://schemas.microsoft.com/office/powerpoint/2010/main">
+    <mc:Choice Requires="p14">
+      <p:transition spd="med" p14:dur="700">
+        <p:fade/>
+      </p:transition>
+    </mc:Choice>
+    <mc:Fallback xmlns="">
+      <p:transition spd="med">
+        <p:fade/>
+      </p:transition>
+    </mc:Fallback>
+  </mc:AlternateContent>
+  <p:timing>
+    <p:tnLst>
+      <p:par>
+        <p:cTn xmlns:p14="http://schemas.microsoft.com/office/powerpoint/2010/main" id="1" dur="indefinite" restart="never" nodeType="tmRoot"/>
+      </p:par>
+    </p:tnLst>
+  </p:timing>
+</p:sldLayout>
+</file>
+
+<file path=ppt/slideLayouts/slideLayout42.xml><?xml version="1.0" encoding="utf-8"?>
+<p:sldLayout xmlns:a="http://schemas.openxmlformats.org/drawingml/2006/main" xmlns:r="http://schemas.openxmlformats.org/officeDocument/2006/relationships" xmlns:p="http://schemas.openxmlformats.org/presentationml/2006/main" preserve="1">
+  <p:cSld name="Definition">
+    <p:spTree>
+      <p:nvGrpSpPr>
+        <p:cNvPr id="1" name=""/>
+        <p:cNvGrpSpPr/>
+        <p:nvPr/>
+      </p:nvGrpSpPr>
+      <p:grpSpPr>
+        <a:xfrm>
+          <a:off x="0" y="0"/>
+          <a:ext cx="0" cy="0"/>
+          <a:chOff x="0" y="0"/>
+          <a:chExt cx="0" cy="0"/>
+        </a:xfrm>
+      </p:grpSpPr>
+      <p:sp>
+        <p:nvSpPr>
+          <p:cNvPr id="2" name="Title 1"/>
+          <p:cNvSpPr>
+            <a:spLocks noGrp="1"/>
+          </p:cNvSpPr>
+          <p:nvPr>
+            <p:ph type="title"/>
+          </p:nvPr>
+        </p:nvSpPr>
+        <p:spPr/>
+        <p:txBody>
+          <a:bodyPr/>
+          <a:lstStyle>
+            <a:lvl1pPr>
+              <a:defRPr baseline="0"/>
+            </a:lvl1pPr>
+          </a:lstStyle>
+          <a:p>
+            <a:r>
+              <a:rPr lang="en-US" dirty="0" smtClean="0"/>
+              <a:t>Click to edit Master title style</a:t>
+            </a:r>
+            <a:endParaRPr lang="en-US" dirty="0"/>
+          </a:p>
+        </p:txBody>
+      </p:sp>
+      <p:sp>
+        <p:nvSpPr>
+          <p:cNvPr id="5" name="Text Placeholder 4"/>
+          <p:cNvSpPr>
+            <a:spLocks noGrp="1"/>
+          </p:cNvSpPr>
+          <p:nvPr>
+            <p:ph type="body" sz="quarter" idx="10"/>
+          </p:nvPr>
+        </p:nvSpPr>
+        <p:spPr>
+          <a:xfrm>
+            <a:off x="609600" y="1670583"/>
+            <a:ext cx="13408762" cy="4811358"/>
+          </a:xfrm>
+        </p:spPr>
+        <p:txBody>
+          <a:bodyPr>
+            <a:noAutofit/>
+          </a:bodyPr>
+          <a:lstStyle>
+            <a:lvl1pPr marL="0" indent="0" algn="ctr">
+              <a:buFontTx/>
+              <a:buNone/>
+              <a:defRPr sz="4000" baseline="0"/>
+            </a:lvl1pPr>
+            <a:lvl2pPr marL="278048" indent="0">
+              <a:buFontTx/>
+              <a:buNone/>
+              <a:defRPr baseline="0"/>
+            </a:lvl2pPr>
+            <a:lvl3pPr marL="548476" indent="0">
+              <a:buFontTx/>
+              <a:buNone/>
+              <a:defRPr baseline="0"/>
+            </a:lvl3pPr>
+            <a:lvl4pPr marL="756061" indent="0">
+              <a:buFontTx/>
+              <a:buNone/>
+              <a:defRPr baseline="0"/>
+            </a:lvl4pPr>
+            <a:lvl5pPr marL="961738" indent="0">
+              <a:buFontTx/>
+              <a:buNone/>
+              <a:defRPr baseline="0"/>
+            </a:lvl5pPr>
+          </a:lstStyle>
+          <a:p>
+            <a:pPr lvl="0"/>
+            <a:r>
+              <a:rPr lang="en-US" dirty="0" smtClean="0"/>
+              <a:t>Click to edit Master text styles</a:t>
+            </a:r>
+          </a:p>
+        </p:txBody>
+      </p:sp>
+    </p:spTree>
+    <p:extLst>
+      <p:ext uri="{BB962C8B-B14F-4D97-AF65-F5344CB8AC3E}">
+        <p14:creationId xmlns:p14="http://schemas.microsoft.com/office/powerpoint/2010/main" val="915131752"/>
+      </p:ext>
+    </p:extLst>
+  </p:cSld>
+  <p:clrMapOvr>
+    <a:masterClrMapping/>
+  </p:clrMapOvr>
+  <mc:AlternateContent xmlns:mc="http://schemas.openxmlformats.org/markup-compatibility/2006" xmlns:p14="http://schemas.microsoft.com/office/powerpoint/2010/main">
+    <mc:Choice Requires="p14">
+      <p:transition spd="med" p14:dur="700">
+        <p:fade/>
+      </p:transition>
+    </mc:Choice>
+    <mc:Fallback xmlns="">
+      <p:transition spd="med">
+        <p:fade/>
+      </p:transition>
+    </mc:Fallback>
+  </mc:AlternateContent>
+  <p:timing>
+    <p:tnLst>
+      <p:par>
+        <p:cTn xmlns:p14="http://schemas.microsoft.com/office/powerpoint/2010/main" id="1" dur="indefinite" restart="never" nodeType="tmRoot"/>
+      </p:par>
+    </p:tnLst>
+  </p:timing>
+</p:sldLayout>
+</file>
+
+<file path=ppt/slideLayouts/slideLayout43.xml><?xml version="1.0" encoding="utf-8"?>
+<p:sldLayout xmlns:a="http://schemas.openxmlformats.org/drawingml/2006/main" xmlns:r="http://schemas.openxmlformats.org/officeDocument/2006/relationships" xmlns:p="http://schemas.openxmlformats.org/presentationml/2006/main" preserve="1" userDrawn="1">
+  <p:cSld name="Bullets and Pic">
+    <p:spTree>
+      <p:nvGrpSpPr>
+        <p:cNvPr id="1" name=""/>
+        <p:cNvGrpSpPr/>
+        <p:nvPr/>
+      </p:nvGrpSpPr>
+      <p:grpSpPr>
+        <a:xfrm>
+          <a:off x="0" y="0"/>
+          <a:ext cx="0" cy="0"/>
+          <a:chOff x="0" y="0"/>
+          <a:chExt cx="0" cy="0"/>
+        </a:xfrm>
+      </p:grpSpPr>
+      <p:sp>
+        <p:nvSpPr>
+          <p:cNvPr id="2" name="Title 1"/>
+          <p:cNvSpPr>
+            <a:spLocks noGrp="1"/>
+          </p:cNvSpPr>
+          <p:nvPr>
+            <p:ph type="title"/>
+          </p:nvPr>
+        </p:nvSpPr>
+        <p:spPr/>
+        <p:txBody>
+          <a:bodyPr/>
+          <a:lstStyle>
+            <a:lvl1pPr>
+              <a:defRPr baseline="0"/>
+            </a:lvl1pPr>
+          </a:lstStyle>
+          <a:p>
+            <a:r>
+              <a:rPr lang="en-US" smtClean="0"/>
+              <a:t>Click to edit Master title style</a:t>
+            </a:r>
+            <a:endParaRPr lang="en-US" dirty="0"/>
+          </a:p>
+        </p:txBody>
+      </p:sp>
+      <p:sp>
+        <p:nvSpPr>
+          <p:cNvPr id="4" name="Text Placeholder 4"/>
+          <p:cNvSpPr>
+            <a:spLocks noGrp="1"/>
+          </p:cNvSpPr>
+          <p:nvPr>
+            <p:ph type="body" sz="quarter" idx="11"/>
+          </p:nvPr>
+        </p:nvSpPr>
+        <p:spPr>
+          <a:xfrm>
+            <a:off x="609600" y="1670583"/>
+            <a:ext cx="7782147" cy="4811358"/>
+          </a:xfrm>
+        </p:spPr>
+        <p:txBody>
+          <a:bodyPr>
+            <a:noAutofit/>
+          </a:bodyPr>
+          <a:lstStyle>
+            <a:lvl1pPr>
+              <a:defRPr baseline="0"/>
+            </a:lvl1pPr>
+            <a:lvl2pPr>
+              <a:defRPr baseline="0"/>
+            </a:lvl2pPr>
+            <a:lvl3pPr>
+              <a:defRPr baseline="0"/>
+            </a:lvl3pPr>
+            <a:lvl4pPr>
+              <a:defRPr baseline="0"/>
+            </a:lvl4pPr>
+            <a:lvl5pPr>
+              <a:defRPr baseline="0"/>
+            </a:lvl5pPr>
+          </a:lstStyle>
+          <a:p>
+            <a:pPr lvl="0"/>
+            <a:r>
+              <a:rPr lang="en-US" smtClean="0"/>
+              <a:t>Click to edit Master text styles</a:t>
+            </a:r>
+          </a:p>
+          <a:p>
+            <a:pPr lvl="1"/>
+            <a:r>
+              <a:rPr lang="en-US" smtClean="0"/>
+              <a:t>Second level</a:t>
+            </a:r>
+          </a:p>
+          <a:p>
+            <a:pPr lvl="2"/>
+            <a:r>
+              <a:rPr lang="en-US" smtClean="0"/>
+              <a:t>Third level</a:t>
+            </a:r>
+          </a:p>
+          <a:p>
+            <a:pPr lvl="3"/>
+            <a:r>
+              <a:rPr lang="en-US" smtClean="0"/>
+              <a:t>Fourth level</a:t>
+            </a:r>
+          </a:p>
+          <a:p>
+            <a:pPr lvl="4"/>
+            <a:r>
+              <a:rPr lang="en-US" smtClean="0"/>
+              <a:t>Fifth level</a:t>
+            </a:r>
+            <a:endParaRPr lang="en-US" dirty="0"/>
+          </a:p>
+        </p:txBody>
+      </p:sp>
+      <p:sp>
+        <p:nvSpPr>
+          <p:cNvPr id="6" name="Media Placeholder 6"/>
+          <p:cNvSpPr>
+            <a:spLocks noGrp="1"/>
+          </p:cNvSpPr>
+          <p:nvPr>
+            <p:ph type="media" sz="quarter" idx="12"/>
+          </p:nvPr>
+        </p:nvSpPr>
+        <p:spPr>
+          <a:xfrm>
+            <a:off x="8864600" y="1670050"/>
+            <a:ext cx="5156200" cy="5594350"/>
+          </a:xfrm>
+        </p:spPr>
+        <p:txBody>
+          <a:bodyPr/>
+          <a:lstStyle/>
+          <a:p>
+            <a:endParaRPr lang="en-US"/>
+          </a:p>
+        </p:txBody>
+      </p:sp>
+    </p:spTree>
+    <p:extLst>
+      <p:ext uri="{BB962C8B-B14F-4D97-AF65-F5344CB8AC3E}">
+        <p14:creationId xmlns:p14="http://schemas.microsoft.com/office/powerpoint/2010/main" val="379665137"/>
+      </p:ext>
+    </p:extLst>
+  </p:cSld>
+  <p:clrMapOvr>
+    <a:masterClrMapping/>
+  </p:clrMapOvr>
+  <mc:AlternateContent xmlns:mc="http://schemas.openxmlformats.org/markup-compatibility/2006" xmlns:p14="http://schemas.microsoft.com/office/powerpoint/2010/main">
+    <mc:Choice Requires="p14">
+      <p:transition spd="med" p14:dur="700">
+        <p:fade/>
+      </p:transition>
+    </mc:Choice>
+    <mc:Fallback xmlns="">
+      <p:transition spd="med">
+        <p:fade/>
+      </p:transition>
+    </mc:Fallback>
+  </mc:AlternateContent>
+  <p:timing>
+    <p:tnLst>
+      <p:par>
+        <p:cTn xmlns:p14="http://schemas.microsoft.com/office/powerpoint/2010/main" id="1" dur="indefinite" restart="never" nodeType="tmRoot"/>
+      </p:par>
+    </p:tnLst>
+  </p:timing>
+</p:sldLayout>
+</file>
+
+<file path=ppt/slideLayouts/slideLayout44.xml><?xml version="1.0" encoding="utf-8"?>
+<p:sldLayout xmlns:a="http://schemas.openxmlformats.org/drawingml/2006/main" xmlns:r="http://schemas.openxmlformats.org/officeDocument/2006/relationships" xmlns:p="http://schemas.openxmlformats.org/presentationml/2006/main" preserve="1" userDrawn="1">
+  <p:cSld name="Title &amp; Media">
+    <p:spTree>
+      <p:nvGrpSpPr>
+        <p:cNvPr id="1" name=""/>
+        <p:cNvGrpSpPr/>
+        <p:nvPr/>
+      </p:nvGrpSpPr>
+      <p:grpSpPr>
+        <a:xfrm>
+          <a:off x="0" y="0"/>
+          <a:ext cx="0" cy="0"/>
+          <a:chOff x="0" y="0"/>
+          <a:chExt cx="0" cy="0"/>
+        </a:xfrm>
+      </p:grpSpPr>
+      <p:sp>
+        <p:nvSpPr>
+          <p:cNvPr id="6" name="Media Placeholder 6"/>
+          <p:cNvSpPr>
+            <a:spLocks noGrp="1"/>
+          </p:cNvSpPr>
+          <p:nvPr>
+            <p:ph type="media" sz="quarter" idx="12"/>
+          </p:nvPr>
+        </p:nvSpPr>
+        <p:spPr>
+          <a:xfrm>
+            <a:off x="609600" y="1670050"/>
+            <a:ext cx="13411200" cy="5594350"/>
+          </a:xfrm>
+        </p:spPr>
+        <p:txBody>
+          <a:bodyPr/>
+          <a:lstStyle/>
+          <a:p>
+            <a:endParaRPr lang="en-US"/>
+          </a:p>
+        </p:txBody>
+      </p:sp>
+      <p:sp>
+        <p:nvSpPr>
+          <p:cNvPr id="2" name="Title 1"/>
+          <p:cNvSpPr>
+            <a:spLocks noGrp="1"/>
+          </p:cNvSpPr>
+          <p:nvPr>
+            <p:ph type="title"/>
+          </p:nvPr>
+        </p:nvSpPr>
+        <p:spPr/>
+        <p:txBody>
+          <a:bodyPr/>
+          <a:lstStyle>
+            <a:lvl1pPr>
+              <a:defRPr baseline="0"/>
+            </a:lvl1pPr>
+          </a:lstStyle>
+          <a:p>
+            <a:r>
+              <a:rPr lang="en-US" smtClean="0"/>
+              <a:t>Click to edit Master title style</a:t>
+            </a:r>
+            <a:endParaRPr lang="en-US" dirty="0"/>
+          </a:p>
+        </p:txBody>
+      </p:sp>
+    </p:spTree>
+    <p:extLst>
+      <p:ext uri="{BB962C8B-B14F-4D97-AF65-F5344CB8AC3E}">
+        <p14:creationId xmlns:p14="http://schemas.microsoft.com/office/powerpoint/2010/main" val="2778464207"/>
+      </p:ext>
+    </p:extLst>
+  </p:cSld>
+  <p:clrMapOvr>
+    <a:masterClrMapping/>
+  </p:clrMapOvr>
+  <mc:AlternateContent xmlns:mc="http://schemas.openxmlformats.org/markup-compatibility/2006" xmlns:p14="http://schemas.microsoft.com/office/powerpoint/2010/main">
+    <mc:Choice Requires="p14">
+      <p:transition spd="med" p14:dur="700">
+        <p:fade/>
+      </p:transition>
+    </mc:Choice>
+    <mc:Fallback xmlns="">
+      <p:transition spd="med">
+        <p:fade/>
+      </p:transition>
+    </mc:Fallback>
+  </mc:AlternateContent>
+  <p:timing>
+    <p:tnLst>
+      <p:par>
+        <p:cTn xmlns:p14="http://schemas.microsoft.com/office/powerpoint/2010/main" id="1" dur="indefinite" restart="never" nodeType="tmRoot"/>
+      </p:par>
+    </p:tnLst>
+  </p:timing>
+</p:sldLayout>
+</file>
+
+<file path=ppt/slideLayouts/slideLayout45.xml><?xml version="1.0" encoding="utf-8"?>
+<p:sldLayout xmlns:a="http://schemas.openxmlformats.org/drawingml/2006/main" xmlns:r="http://schemas.openxmlformats.org/officeDocument/2006/relationships" xmlns:p="http://schemas.openxmlformats.org/presentationml/2006/main" preserve="1" userDrawn="1">
+  <p:cSld name="Title &amp; Image">
+    <p:spTree>
+      <p:nvGrpSpPr>
+        <p:cNvPr id="1" name=""/>
+        <p:cNvGrpSpPr/>
+        <p:nvPr/>
+      </p:nvGrpSpPr>
+      <p:grpSpPr>
+        <a:xfrm>
+          <a:off x="0" y="0"/>
+          <a:ext cx="0" cy="0"/>
+          <a:chOff x="0" y="0"/>
+          <a:chExt cx="0" cy="0"/>
+        </a:xfrm>
+      </p:grpSpPr>
+      <p:sp>
+        <p:nvSpPr>
+          <p:cNvPr id="4" name="Picture Placeholder 3"/>
+          <p:cNvSpPr>
+            <a:spLocks noGrp="1"/>
+          </p:cNvSpPr>
+          <p:nvPr>
+            <p:ph type="pic" sz="quarter" idx="13"/>
+          </p:nvPr>
+        </p:nvSpPr>
+        <p:spPr>
+          <a:xfrm>
+            <a:off x="609600" y="1670050"/>
+            <a:ext cx="13411200" cy="5594350"/>
+          </a:xfrm>
+        </p:spPr>
+        <p:txBody>
+          <a:bodyPr/>
+          <a:lstStyle/>
+          <a:p>
+            <a:endParaRPr lang="en-US"/>
+          </a:p>
+        </p:txBody>
+      </p:sp>
+      <p:sp>
+        <p:nvSpPr>
+          <p:cNvPr id="2" name="Title 1"/>
+          <p:cNvSpPr>
+            <a:spLocks noGrp="1"/>
+          </p:cNvSpPr>
+          <p:nvPr>
+            <p:ph type="title"/>
+          </p:nvPr>
+        </p:nvSpPr>
+        <p:spPr/>
+        <p:txBody>
+          <a:bodyPr/>
+          <a:lstStyle>
+            <a:lvl1pPr>
+              <a:defRPr baseline="0"/>
+            </a:lvl1pPr>
+          </a:lstStyle>
+          <a:p>
+            <a:r>
+              <a:rPr lang="en-US" smtClean="0"/>
+              <a:t>Click to edit Master title style</a:t>
+            </a:r>
+            <a:endParaRPr lang="en-US" dirty="0"/>
+          </a:p>
+        </p:txBody>
+      </p:sp>
+    </p:spTree>
+    <p:extLst>
+      <p:ext uri="{BB962C8B-B14F-4D97-AF65-F5344CB8AC3E}">
+        <p14:creationId xmlns:p14="http://schemas.microsoft.com/office/powerpoint/2010/main" val="2842785687"/>
+      </p:ext>
+    </p:extLst>
+  </p:cSld>
+  <p:clrMapOvr>
+    <a:masterClrMapping/>
+  </p:clrMapOvr>
+  <mc:AlternateContent xmlns:mc="http://schemas.openxmlformats.org/markup-compatibility/2006" xmlns:p14="http://schemas.microsoft.com/office/powerpoint/2010/main">
+    <mc:Choice Requires="p14">
+      <p:transition spd="med" p14:dur="700">
+        <p:fade/>
+      </p:transition>
+    </mc:Choice>
+    <mc:Fallback xmlns="">
+      <p:transition spd="med">
+        <p:fade/>
+      </p:transition>
+    </mc:Fallback>
+  </mc:AlternateContent>
+  <p:timing>
+    <p:tnLst>
+      <p:par>
+        <p:cTn xmlns:p14="http://schemas.microsoft.com/office/powerpoint/2010/main" id="1" dur="indefinite" restart="never" nodeType="tmRoot"/>
+      </p:par>
+    </p:tnLst>
+  </p:timing>
+</p:sldLayout>
+</file>
+
+<file path=ppt/slideLayouts/slideLayout46.xml><?xml version="1.0" encoding="utf-8"?>
+<p:sldLayout xmlns:a="http://schemas.openxmlformats.org/drawingml/2006/main" xmlns:r="http://schemas.openxmlformats.org/officeDocument/2006/relationships" xmlns:p="http://schemas.openxmlformats.org/presentationml/2006/main" preserve="1" userDrawn="1">
+  <p:cSld name="Code and Pic">
+    <p:spTree>
+      <p:nvGrpSpPr>
+        <p:cNvPr id="1" name=""/>
+        <p:cNvGrpSpPr/>
+        <p:nvPr/>
+      </p:nvGrpSpPr>
+      <p:grpSpPr>
+        <a:xfrm>
+          <a:off x="0" y="0"/>
+          <a:ext cx="0" cy="0"/>
+          <a:chOff x="0" y="0"/>
+          <a:chExt cx="0" cy="0"/>
+        </a:xfrm>
+      </p:grpSpPr>
+      <p:sp>
+        <p:nvSpPr>
+          <p:cNvPr id="2" name="Title 1"/>
+          <p:cNvSpPr>
+            <a:spLocks noGrp="1"/>
+          </p:cNvSpPr>
+          <p:nvPr>
+            <p:ph type="title"/>
+          </p:nvPr>
+        </p:nvSpPr>
+        <p:spPr/>
+        <p:txBody>
+          <a:bodyPr/>
+          <a:lstStyle>
+            <a:lvl1pPr>
+              <a:defRPr baseline="0"/>
+            </a:lvl1pPr>
+          </a:lstStyle>
+          <a:p>
+            <a:r>
+              <a:rPr lang="en-US" smtClean="0"/>
+              <a:t>Click to edit Master title style</a:t>
+            </a:r>
+            <a:endParaRPr lang="en-US" dirty="0"/>
+          </a:p>
+        </p:txBody>
+      </p:sp>
+      <p:sp>
+        <p:nvSpPr>
+          <p:cNvPr id="4" name="Text Placeholder 4"/>
+          <p:cNvSpPr>
+            <a:spLocks noGrp="1"/>
+          </p:cNvSpPr>
+          <p:nvPr>
+            <p:ph type="body" sz="quarter" idx="11" hasCustomPrompt="1"/>
+          </p:nvPr>
+        </p:nvSpPr>
+        <p:spPr>
+          <a:xfrm>
+            <a:off x="609600" y="1670583"/>
+            <a:ext cx="7782147" cy="4811358"/>
+          </a:xfrm>
+        </p:spPr>
+        <p:txBody>
+          <a:bodyPr>
+            <a:noAutofit/>
+          </a:bodyPr>
+          <a:lstStyle>
+            <a:lvl1pPr marL="0" indent="0">
+              <a:buFontTx/>
+              <a:buNone/>
+              <a:defRPr baseline="0"/>
+            </a:lvl1pPr>
+            <a:lvl2pPr>
+              <a:defRPr baseline="0"/>
+            </a:lvl2pPr>
+            <a:lvl3pPr>
+              <a:defRPr baseline="0"/>
+            </a:lvl3pPr>
+            <a:lvl4pPr>
+              <a:defRPr baseline="0"/>
+            </a:lvl4pPr>
+            <a:lvl5pPr>
+              <a:defRPr baseline="0"/>
+            </a:lvl5pPr>
+          </a:lstStyle>
+          <a:p>
+            <a:pPr lvl="0"/>
+            <a:r>
+              <a:rPr lang="en-US" dirty="0" smtClean="0"/>
+              <a:t>code</a:t>
+            </a:r>
+          </a:p>
+        </p:txBody>
+      </p:sp>
+      <p:sp>
+        <p:nvSpPr>
+          <p:cNvPr id="6" name="Media Placeholder 6"/>
+          <p:cNvSpPr>
+            <a:spLocks noGrp="1"/>
+          </p:cNvSpPr>
+          <p:nvPr>
+            <p:ph type="media" sz="quarter" idx="12"/>
+          </p:nvPr>
+        </p:nvSpPr>
+        <p:spPr>
+          <a:xfrm>
+            <a:off x="8864600" y="1670050"/>
+            <a:ext cx="5156200" cy="5594350"/>
+          </a:xfrm>
+        </p:spPr>
+        <p:txBody>
+          <a:bodyPr/>
+          <a:lstStyle/>
+          <a:p>
+            <a:endParaRPr lang="en-US"/>
+          </a:p>
+        </p:txBody>
+      </p:sp>
+    </p:spTree>
+    <p:extLst>
+      <p:ext uri="{BB962C8B-B14F-4D97-AF65-F5344CB8AC3E}">
+        <p14:creationId xmlns:p14="http://schemas.microsoft.com/office/powerpoint/2010/main" val="225094799"/>
+      </p:ext>
+    </p:extLst>
+  </p:cSld>
+  <p:clrMapOvr>
+    <a:masterClrMapping/>
+  </p:clrMapOvr>
+  <mc:AlternateContent xmlns:mc="http://schemas.openxmlformats.org/markup-compatibility/2006" xmlns:p14="http://schemas.microsoft.com/office/powerpoint/2010/main">
+    <mc:Choice Requires="p14">
+      <p:transition spd="med" p14:dur="700">
+        <p:fade/>
+      </p:transition>
+    </mc:Choice>
+    <mc:Fallback xmlns="">
+      <p:transition spd="med">
+        <p:fade/>
+      </p:transition>
+    </mc:Fallback>
+  </mc:AlternateContent>
+  <p:timing>
+    <p:tnLst>
+      <p:par>
+        <p:cTn xmlns:p14="http://schemas.microsoft.com/office/powerpoint/2010/main" id="1" dur="indefinite" restart="never" nodeType="tmRoot"/>
+      </p:par>
+    </p:tnLst>
+  </p:timing>
+</p:sldLayout>
+</file>
+
+<file path=ppt/slideLayouts/slideLayout47.xml><?xml version="1.0" encoding="utf-8"?>
+<p:sldLayout xmlns:a="http://schemas.openxmlformats.org/drawingml/2006/main" xmlns:r="http://schemas.openxmlformats.org/officeDocument/2006/relationships" xmlns:p="http://schemas.openxmlformats.org/presentationml/2006/main" preserve="1" userDrawn="1">
+  <p:cSld name="media and Pic">
+    <p:spTree>
+      <p:nvGrpSpPr>
+        <p:cNvPr id="1" name=""/>
+        <p:cNvGrpSpPr/>
+        <p:nvPr/>
+      </p:nvGrpSpPr>
+      <p:grpSpPr>
+        <a:xfrm>
+          <a:off x="0" y="0"/>
+          <a:ext cx="0" cy="0"/>
+          <a:chOff x="0" y="0"/>
+          <a:chExt cx="0" cy="0"/>
+        </a:xfrm>
+      </p:grpSpPr>
+      <p:sp>
+        <p:nvSpPr>
+          <p:cNvPr id="5" name="Media Placeholder 4"/>
+          <p:cNvSpPr>
+            <a:spLocks noGrp="1"/>
+          </p:cNvSpPr>
+          <p:nvPr>
+            <p:ph type="media" sz="quarter" idx="13"/>
+          </p:nvPr>
+        </p:nvSpPr>
+        <p:spPr>
+          <a:xfrm>
+            <a:off x="609600" y="1670050"/>
+            <a:ext cx="7781925" cy="5594350"/>
+          </a:xfrm>
+        </p:spPr>
+        <p:txBody>
+          <a:bodyPr/>
+          <a:lstStyle/>
+          <a:p>
+            <a:endParaRPr lang="en-US"/>
+          </a:p>
+        </p:txBody>
+      </p:sp>
+      <p:sp>
+        <p:nvSpPr>
+          <p:cNvPr id="2" name="Title 1"/>
+          <p:cNvSpPr>
+            <a:spLocks noGrp="1"/>
+          </p:cNvSpPr>
+          <p:nvPr>
+            <p:ph type="title"/>
+          </p:nvPr>
+        </p:nvSpPr>
+        <p:spPr/>
+        <p:txBody>
+          <a:bodyPr/>
+          <a:lstStyle>
+            <a:lvl1pPr>
+              <a:defRPr baseline="0"/>
+            </a:lvl1pPr>
+          </a:lstStyle>
+          <a:p>
+            <a:r>
+              <a:rPr lang="en-US" smtClean="0"/>
+              <a:t>Click to edit Master title style</a:t>
+            </a:r>
+            <a:endParaRPr lang="en-US" dirty="0"/>
+          </a:p>
+        </p:txBody>
+      </p:sp>
+      <p:sp>
+        <p:nvSpPr>
+          <p:cNvPr id="6" name="Media Placeholder 6"/>
+          <p:cNvSpPr>
+            <a:spLocks noGrp="1"/>
+          </p:cNvSpPr>
+          <p:nvPr>
+            <p:ph type="media" sz="quarter" idx="12"/>
+          </p:nvPr>
+        </p:nvSpPr>
+        <p:spPr>
+          <a:xfrm>
+            <a:off x="8864600" y="1670050"/>
+            <a:ext cx="5156200" cy="5594350"/>
+          </a:xfrm>
+        </p:spPr>
+        <p:txBody>
+          <a:bodyPr/>
+          <a:lstStyle/>
+          <a:p>
+            <a:endParaRPr lang="en-US"/>
+          </a:p>
+        </p:txBody>
+      </p:sp>
+    </p:spTree>
+    <p:extLst>
+      <p:ext uri="{BB962C8B-B14F-4D97-AF65-F5344CB8AC3E}">
+        <p14:creationId xmlns:p14="http://schemas.microsoft.com/office/powerpoint/2010/main" val="776553428"/>
+      </p:ext>
+    </p:extLst>
+  </p:cSld>
+  <p:clrMapOvr>
+    <a:masterClrMapping/>
+  </p:clrMapOvr>
+  <mc:AlternateContent xmlns:mc="http://schemas.openxmlformats.org/markup-compatibility/2006" xmlns:p14="http://schemas.microsoft.com/office/powerpoint/2010/main">
+    <mc:Choice Requires="p14">
+      <p:transition spd="med" p14:dur="700">
+        <p:fade/>
+      </p:transition>
+    </mc:Choice>
+    <mc:Fallback xmlns="">
+      <p:transition spd="med">
+        <p:fade/>
+      </p:transition>
+    </mc:Fallback>
+  </mc:AlternateContent>
+  <p:timing>
+    <p:tnLst>
+      <p:par>
+        <p:cTn xmlns:p14="http://schemas.microsoft.com/office/powerpoint/2010/main" id="1" dur="indefinite" restart="never" nodeType="tmRoot"/>
+      </p:par>
+    </p:tnLst>
+  </p:timing>
+</p:sldLayout>
+</file>
+
+<file path=ppt/slideLayouts/slideLayout48.xml><?xml version="1.0" encoding="utf-8"?>
+<p:sldLayout xmlns:a="http://schemas.openxmlformats.org/drawingml/2006/main" xmlns:r="http://schemas.openxmlformats.org/officeDocument/2006/relationships" xmlns:p="http://schemas.openxmlformats.org/presentationml/2006/main" preserve="1" userDrawn="1">
+  <p:cSld name="Bullets Picture Right">
+    <p:spTree>
+      <p:nvGrpSpPr>
+        <p:cNvPr id="1" name=""/>
+        <p:cNvGrpSpPr/>
+        <p:nvPr/>
+      </p:nvGrpSpPr>
+      <p:grpSpPr>
+        <a:xfrm>
+          <a:off x="0" y="0"/>
+          <a:ext cx="0" cy="0"/>
+          <a:chOff x="0" y="0"/>
+          <a:chExt cx="0" cy="0"/>
+        </a:xfrm>
+      </p:grpSpPr>
+      <p:sp>
+        <p:nvSpPr>
+          <p:cNvPr id="2" name="Title 1"/>
+          <p:cNvSpPr>
+            <a:spLocks noGrp="1"/>
+          </p:cNvSpPr>
+          <p:nvPr>
+            <p:ph type="title"/>
+          </p:nvPr>
+        </p:nvSpPr>
+        <p:spPr>
+          <a:xfrm>
+            <a:off x="609602" y="548642"/>
+            <a:ext cx="7782145" cy="609397"/>
+          </a:xfrm>
+        </p:spPr>
+        <p:txBody>
+          <a:bodyPr/>
+          <a:lstStyle>
+            <a:lvl1pPr>
+              <a:defRPr baseline="0"/>
+            </a:lvl1pPr>
+          </a:lstStyle>
+          <a:p>
+            <a:r>
+              <a:rPr lang="en-US" smtClean="0"/>
+              <a:t>Click to edit Master title style</a:t>
+            </a:r>
+            <a:endParaRPr lang="en-US" dirty="0"/>
+          </a:p>
+        </p:txBody>
+      </p:sp>
+      <p:sp>
+        <p:nvSpPr>
+          <p:cNvPr id="5" name="Text Placeholder 4"/>
+          <p:cNvSpPr>
+            <a:spLocks noGrp="1"/>
+          </p:cNvSpPr>
+          <p:nvPr>
+            <p:ph type="body" sz="quarter" idx="10"/>
+          </p:nvPr>
+        </p:nvSpPr>
+        <p:spPr>
+          <a:xfrm>
+            <a:off x="609600" y="1670583"/>
+            <a:ext cx="7782147" cy="4811358"/>
+          </a:xfrm>
+        </p:spPr>
+        <p:txBody>
+          <a:bodyPr>
+            <a:noAutofit/>
+          </a:bodyPr>
+          <a:lstStyle>
+            <a:lvl1pPr>
+              <a:defRPr baseline="0"/>
+            </a:lvl1pPr>
+            <a:lvl2pPr>
+              <a:defRPr baseline="0"/>
+            </a:lvl2pPr>
+            <a:lvl3pPr>
+              <a:defRPr baseline="0"/>
+            </a:lvl3pPr>
+            <a:lvl4pPr>
+              <a:defRPr baseline="0"/>
+            </a:lvl4pPr>
+            <a:lvl5pPr>
+              <a:defRPr baseline="0"/>
+            </a:lvl5pPr>
+          </a:lstStyle>
+          <a:p>
+            <a:pPr lvl="0"/>
+            <a:r>
+              <a:rPr lang="en-US" smtClean="0"/>
+              <a:t>Click to edit Master text styles</a:t>
+            </a:r>
+          </a:p>
+          <a:p>
+            <a:pPr lvl="1"/>
+            <a:r>
+              <a:rPr lang="en-US" smtClean="0"/>
+              <a:t>Second level</a:t>
+            </a:r>
+          </a:p>
+          <a:p>
+            <a:pPr lvl="2"/>
+            <a:r>
+              <a:rPr lang="en-US" smtClean="0"/>
+              <a:t>Third level</a:t>
+            </a:r>
+          </a:p>
+          <a:p>
+            <a:pPr lvl="3"/>
+            <a:r>
+              <a:rPr lang="en-US" smtClean="0"/>
+              <a:t>Fourth level</a:t>
+            </a:r>
+          </a:p>
+          <a:p>
+            <a:pPr lvl="4"/>
+            <a:r>
+              <a:rPr lang="en-US" smtClean="0"/>
+              <a:t>Fifth level</a:t>
+            </a:r>
+            <a:endParaRPr lang="en-US" dirty="0"/>
+          </a:p>
+        </p:txBody>
+      </p:sp>
+      <p:sp>
+        <p:nvSpPr>
+          <p:cNvPr id="3" name="Rectangle 2"/>
+          <p:cNvSpPr/>
+          <p:nvPr userDrawn="1"/>
+        </p:nvSpPr>
+        <p:spPr bwMode="auto">
+          <a:xfrm>
+            <a:off x="9110416" y="0"/>
+            <a:ext cx="5519984" cy="8229600"/>
+          </a:xfrm>
+          <a:prstGeom prst="rect">
+            <a:avLst/>
+          </a:prstGeom>
+          <a:solidFill>
+            <a:srgbClr val="3486A7"/>
+          </a:solidFill>
+          <a:ln>
+            <a:noFill/>
+            <a:headEnd type="none" w="med" len="med"/>
+            <a:tailEnd type="none" w="med" len="med"/>
+          </a:ln>
+          <a:effectLst/>
+        </p:spPr>
+        <p:style>
+          <a:lnRef idx="1">
+            <a:schemeClr val="accent4"/>
+          </a:lnRef>
+          <a:fillRef idx="3">
+            <a:schemeClr val="accent4"/>
+          </a:fillRef>
+          <a:effectRef idx="2">
+            <a:schemeClr val="accent4"/>
+          </a:effectRef>
+          <a:fontRef idx="minor">
+            <a:schemeClr val="lt1"/>
+          </a:fontRef>
+        </p:style>
+        <p:txBody>
+          <a:bodyPr vert="horz" wrap="square" lIns="91436" tIns="45718" rIns="91436" bIns="45718" numCol="1" rtlCol="0" anchor="ctr" anchorCtr="0" compatLnSpc="1">
+            <a:prstTxWarp prst="textNoShape">
+              <a:avLst/>
+            </a:prstTxWarp>
+          </a:bodyPr>
+          <a:lstStyle/>
+          <a:p>
+            <a:pPr algn="ctr" defTabSz="914099"/>
+            <a:endParaRPr lang="en-US" sz="2400" dirty="0" smtClean="0">
+              <a:gradFill>
+                <a:gsLst>
+                  <a:gs pos="0">
+                    <a:srgbClr val="FFFFFF"/>
+                  </a:gs>
+                  <a:gs pos="100000">
+                    <a:srgbClr val="FFFFFF"/>
+                  </a:gs>
+                </a:gsLst>
+                <a:lin ang="5400000" scaled="0"/>
+              </a:gradFill>
+              <a:latin typeface="Gill Sans Light"/>
+              <a:cs typeface="Gill Sans Light"/>
+            </a:endParaRPr>
+          </a:p>
+        </p:txBody>
+      </p:sp>
+      <p:sp>
+        <p:nvSpPr>
+          <p:cNvPr id="7" name="Media Placeholder 6"/>
+          <p:cNvSpPr>
+            <a:spLocks noGrp="1"/>
+          </p:cNvSpPr>
+          <p:nvPr>
+            <p:ph type="media" sz="quarter" idx="11"/>
+          </p:nvPr>
+        </p:nvSpPr>
+        <p:spPr>
+          <a:xfrm>
+            <a:off x="9296400" y="1670050"/>
+            <a:ext cx="5156200" cy="4811713"/>
+          </a:xfrm>
+        </p:spPr>
+        <p:txBody>
+          <a:bodyPr/>
+          <a:lstStyle/>
+          <a:p>
+            <a:endParaRPr lang="en-US"/>
+          </a:p>
+        </p:txBody>
+      </p:sp>
+    </p:spTree>
+    <p:extLst>
+      <p:ext uri="{BB962C8B-B14F-4D97-AF65-F5344CB8AC3E}">
+        <p14:creationId xmlns:p14="http://schemas.microsoft.com/office/powerpoint/2010/main" val="245317817"/>
+      </p:ext>
+    </p:extLst>
+  </p:cSld>
+  <p:clrMapOvr>
+    <a:masterClrMapping/>
+  </p:clrMapOvr>
+  <mc:AlternateContent xmlns:mc="http://schemas.openxmlformats.org/markup-compatibility/2006" xmlns:p14="http://schemas.microsoft.com/office/powerpoint/2010/main">
+    <mc:Choice Requires="p14">
+      <p:transition spd="med" p14:dur="700">
+        <p:fade/>
+      </p:transition>
+    </mc:Choice>
+    <mc:Fallback xmlns="">
+      <p:transition spd="med">
+        <p:fade/>
+      </p:transition>
+    </mc:Fallback>
+  </mc:AlternateContent>
+  <p:timing>
+    <p:tnLst>
+      <p:par>
+        <p:cTn xmlns:p14="http://schemas.microsoft.com/office/powerpoint/2010/main" id="1" dur="indefinite" restart="never" nodeType="tmRoot"/>
+      </p:par>
+    </p:tnLst>
+  </p:timing>
+</p:sldLayout>
+</file>
+
+<file path=ppt/slideLayouts/slideLayout49.xml><?xml version="1.0" encoding="utf-8"?>
+<p:sldLayout xmlns:a="http://schemas.openxmlformats.org/drawingml/2006/main" xmlns:r="http://schemas.openxmlformats.org/officeDocument/2006/relationships" xmlns:p="http://schemas.openxmlformats.org/presentationml/2006/main" preserve="1" userDrawn="1">
+  <p:cSld name="Bullets Words Right - Orange">
+    <p:spTree>
+      <p:nvGrpSpPr>
+        <p:cNvPr id="1" name=""/>
+        <p:cNvGrpSpPr/>
+        <p:nvPr/>
+      </p:nvGrpSpPr>
+      <p:grpSpPr>
+        <a:xfrm>
+          <a:off x="0" y="0"/>
+          <a:ext cx="0" cy="0"/>
+          <a:chOff x="0" y="0"/>
+          <a:chExt cx="0" cy="0"/>
+        </a:xfrm>
+      </p:grpSpPr>
+      <p:sp>
+        <p:nvSpPr>
+          <p:cNvPr id="2" name="Title 1"/>
+          <p:cNvSpPr>
+            <a:spLocks noGrp="1"/>
+          </p:cNvSpPr>
+          <p:nvPr>
+            <p:ph type="title"/>
+          </p:nvPr>
+        </p:nvSpPr>
+        <p:spPr>
+          <a:xfrm>
+            <a:off x="609602" y="548642"/>
+            <a:ext cx="7782145" cy="609397"/>
+          </a:xfrm>
+        </p:spPr>
+        <p:txBody>
+          <a:bodyPr/>
+          <a:lstStyle>
+            <a:lvl1pPr>
+              <a:defRPr baseline="0"/>
+            </a:lvl1pPr>
+          </a:lstStyle>
+          <a:p>
+            <a:r>
+              <a:rPr lang="en-US" smtClean="0"/>
+              <a:t>Click to edit Master title style</a:t>
+            </a:r>
+            <a:endParaRPr lang="en-US" dirty="0"/>
+          </a:p>
+        </p:txBody>
+      </p:sp>
+      <p:sp>
+        <p:nvSpPr>
+          <p:cNvPr id="5" name="Text Placeholder 4"/>
+          <p:cNvSpPr>
+            <a:spLocks noGrp="1"/>
+          </p:cNvSpPr>
+          <p:nvPr>
+            <p:ph type="body" sz="quarter" idx="10"/>
+          </p:nvPr>
+        </p:nvSpPr>
+        <p:spPr>
+          <a:xfrm>
+            <a:off x="609600" y="1670583"/>
+            <a:ext cx="7782147" cy="4811358"/>
+          </a:xfrm>
+        </p:spPr>
+        <p:txBody>
+          <a:bodyPr>
+            <a:noAutofit/>
+          </a:bodyPr>
+          <a:lstStyle>
+            <a:lvl1pPr>
+              <a:defRPr baseline="0"/>
+            </a:lvl1pPr>
+            <a:lvl2pPr>
+              <a:defRPr baseline="0"/>
+            </a:lvl2pPr>
+            <a:lvl3pPr>
+              <a:defRPr baseline="0"/>
+            </a:lvl3pPr>
+            <a:lvl4pPr>
+              <a:defRPr baseline="0"/>
+            </a:lvl4pPr>
+            <a:lvl5pPr>
+              <a:defRPr baseline="0"/>
+            </a:lvl5pPr>
+          </a:lstStyle>
+          <a:p>
+            <a:pPr lvl="0"/>
+            <a:r>
+              <a:rPr lang="en-US" smtClean="0"/>
+              <a:t>Click to edit Master text styles</a:t>
+            </a:r>
+          </a:p>
+          <a:p>
+            <a:pPr lvl="1"/>
+            <a:r>
+              <a:rPr lang="en-US" smtClean="0"/>
+              <a:t>Second level</a:t>
+            </a:r>
+          </a:p>
+          <a:p>
+            <a:pPr lvl="2"/>
+            <a:r>
+              <a:rPr lang="en-US" smtClean="0"/>
+              <a:t>Third level</a:t>
+            </a:r>
+          </a:p>
+          <a:p>
+            <a:pPr lvl="3"/>
+            <a:r>
+              <a:rPr lang="en-US" smtClean="0"/>
+              <a:t>Fourth level</a:t>
+            </a:r>
+          </a:p>
+          <a:p>
+            <a:pPr lvl="4"/>
+            <a:r>
+              <a:rPr lang="en-US" smtClean="0"/>
+              <a:t>Fifth level</a:t>
+            </a:r>
+            <a:endParaRPr lang="en-US" dirty="0"/>
+          </a:p>
+        </p:txBody>
+      </p:sp>
+      <p:sp>
+        <p:nvSpPr>
+          <p:cNvPr id="3" name="Rectangle 2"/>
+          <p:cNvSpPr/>
+          <p:nvPr userDrawn="1"/>
+        </p:nvSpPr>
+        <p:spPr bwMode="auto">
+          <a:xfrm>
+            <a:off x="9110416" y="0"/>
+            <a:ext cx="5519984" cy="8229600"/>
+          </a:xfrm>
+          <a:prstGeom prst="rect">
+            <a:avLst/>
+          </a:prstGeom>
+          <a:solidFill>
+            <a:srgbClr val="F28B21"/>
+          </a:solidFill>
+          <a:ln>
+            <a:noFill/>
+            <a:headEnd type="none" w="med" len="med"/>
+            <a:tailEnd type="none" w="med" len="med"/>
+          </a:ln>
+          <a:effectLst/>
+        </p:spPr>
+        <p:style>
+          <a:lnRef idx="1">
+            <a:schemeClr val="accent4"/>
+          </a:lnRef>
+          <a:fillRef idx="3">
+            <a:schemeClr val="accent4"/>
+          </a:fillRef>
+          <a:effectRef idx="2">
+            <a:schemeClr val="accent4"/>
+          </a:effectRef>
+          <a:fontRef idx="minor">
+            <a:schemeClr val="lt1"/>
+          </a:fontRef>
+        </p:style>
+        <p:txBody>
+          <a:bodyPr vert="horz" wrap="square" lIns="91436" tIns="45718" rIns="91436" bIns="45718" numCol="1" rtlCol="0" anchor="ctr" anchorCtr="0" compatLnSpc="1">
+            <a:prstTxWarp prst="textNoShape">
+              <a:avLst/>
+            </a:prstTxWarp>
+          </a:bodyPr>
+          <a:lstStyle/>
+          <a:p>
+            <a:pPr algn="ctr" defTabSz="914099"/>
+            <a:endParaRPr lang="en-US" sz="2400" dirty="0" smtClean="0">
+              <a:gradFill>
+                <a:gsLst>
+                  <a:gs pos="0">
+                    <a:srgbClr val="FFFFFF"/>
+                  </a:gs>
+                  <a:gs pos="100000">
+                    <a:srgbClr val="FFFFFF"/>
+                  </a:gs>
+                </a:gsLst>
+                <a:lin ang="5400000" scaled="0"/>
+              </a:gradFill>
+              <a:latin typeface="Gill Sans Light"/>
+              <a:cs typeface="Gill Sans Light"/>
+            </a:endParaRPr>
+          </a:p>
+        </p:txBody>
+      </p:sp>
+      <p:sp>
+        <p:nvSpPr>
+          <p:cNvPr id="7" name="Media Placeholder 6"/>
+          <p:cNvSpPr>
+            <a:spLocks noGrp="1"/>
+          </p:cNvSpPr>
+          <p:nvPr>
+            <p:ph type="media" sz="quarter" idx="11"/>
+          </p:nvPr>
+        </p:nvSpPr>
+        <p:spPr>
+          <a:xfrm>
+            <a:off x="10718800" y="548642"/>
+            <a:ext cx="2320375" cy="2165350"/>
+          </a:xfrm>
+        </p:spPr>
+        <p:txBody>
+          <a:bodyPr/>
+          <a:lstStyle/>
+          <a:p>
+            <a:endParaRPr lang="en-US"/>
+          </a:p>
+        </p:txBody>
+      </p:sp>
+      <p:sp>
+        <p:nvSpPr>
+          <p:cNvPr id="6" name="Text Placeholder 5"/>
+          <p:cNvSpPr>
+            <a:spLocks noGrp="1"/>
+          </p:cNvSpPr>
+          <p:nvPr>
+            <p:ph type="body" sz="quarter" idx="12"/>
+          </p:nvPr>
+        </p:nvSpPr>
+        <p:spPr>
+          <a:xfrm>
+            <a:off x="9321800" y="3069592"/>
+            <a:ext cx="5080000" cy="4495800"/>
+          </a:xfrm>
+        </p:spPr>
+        <p:txBody>
+          <a:bodyPr/>
+          <a:lstStyle>
+            <a:lvl1pPr marL="0" indent="0" algn="ctr">
+              <a:buFontTx/>
+              <a:buNone/>
+              <a:defRPr sz="4800">
+                <a:solidFill>
+                  <a:schemeClr val="bg1"/>
+                </a:solidFill>
+                <a:latin typeface=""/>
+              </a:defRPr>
+            </a:lvl1pPr>
+            <a:lvl2pPr marL="278048" indent="0" algn="ctr">
+              <a:buFontTx/>
+              <a:buNone/>
+              <a:defRPr sz="4800">
+                <a:solidFill>
+                  <a:schemeClr val="bg1"/>
+                </a:solidFill>
+                <a:latin typeface=""/>
+              </a:defRPr>
+            </a:lvl2pPr>
+            <a:lvl3pPr marL="548476" indent="0" algn="ctr">
+              <a:buFontTx/>
+              <a:buNone/>
+              <a:defRPr sz="4800">
+                <a:solidFill>
+                  <a:schemeClr val="bg1"/>
+                </a:solidFill>
+                <a:latin typeface=""/>
+              </a:defRPr>
+            </a:lvl3pPr>
+            <a:lvl4pPr marL="756061" indent="0" algn="ctr">
+              <a:buFontTx/>
+              <a:buNone/>
+              <a:defRPr sz="4800">
+                <a:solidFill>
+                  <a:schemeClr val="bg1"/>
+                </a:solidFill>
+                <a:latin typeface=""/>
+              </a:defRPr>
+            </a:lvl4pPr>
+            <a:lvl5pPr marL="961738" indent="0" algn="ctr">
+              <a:buFontTx/>
+              <a:buNone/>
+              <a:defRPr sz="4800">
+                <a:solidFill>
+                  <a:schemeClr val="bg1"/>
+                </a:solidFill>
+                <a:latin typeface=""/>
+              </a:defRPr>
+            </a:lvl5pPr>
+          </a:lstStyle>
+          <a:p>
+            <a:pPr lvl="0"/>
+            <a:r>
+              <a:rPr lang="en-US" dirty="0" smtClean="0"/>
+              <a:t>Click to edit Master text</a:t>
+            </a:r>
+            <a:endParaRPr lang="en-US" dirty="0"/>
+          </a:p>
+        </p:txBody>
+      </p:sp>
+    </p:spTree>
+    <p:extLst>
+      <p:ext uri="{BB962C8B-B14F-4D97-AF65-F5344CB8AC3E}">
+        <p14:creationId xmlns:p14="http://schemas.microsoft.com/office/powerpoint/2010/main" val="3497185026"/>
+      </p:ext>
+    </p:extLst>
+  </p:cSld>
+  <p:clrMapOvr>
+    <a:masterClrMapping/>
+  </p:clrMapOvr>
+  <mc:AlternateContent xmlns:mc="http://schemas.openxmlformats.org/markup-compatibility/2006" xmlns:p14="http://schemas.microsoft.com/office/powerpoint/2010/main">
+    <mc:Choice Requires="p14">
+      <p:transition spd="med" p14:dur="700">
+        <p:fade/>
+      </p:transition>
+    </mc:Choice>
+    <mc:Fallback xmlns="">
+      <p:transition spd="med">
+        <p:fade/>
+      </p:transition>
+    </mc:Fallback>
+  </mc:AlternateContent>
+  <p:timing>
+    <p:tnLst>
+      <p:par>
+        <p:cTn xmlns:p14="http://schemas.microsoft.com/office/powerpoint/2010/main" id="1" dur="indefinite" restart="never" nodeType="tmRoot"/>
+      </p:par>
+    </p:tnLst>
+  </p:timing>
+</p:sldLayout>
+</file>
+
 <file path=ppt/slideLayouts/slideLayout5.xml><?xml version="1.0" encoding="utf-8"?>
 <p:sldLayout xmlns:a="http://schemas.openxmlformats.org/drawingml/2006/main" xmlns:r="http://schemas.openxmlformats.org/officeDocument/2006/relationships" xmlns:p="http://schemas.openxmlformats.org/presentationml/2006/main" preserve="1">
   <p:cSld name="Logo Middle">
@@ -8103,6 +10043,1299 @@
     <p:extLst>
       <p:ext uri="{BB962C8B-B14F-4D97-AF65-F5344CB8AC3E}">
         <p14:creationId xmlns:p14="http://schemas.microsoft.com/office/powerpoint/2010/main" val="114130675"/>
+      </p:ext>
+    </p:extLst>
+  </p:cSld>
+  <p:clrMapOvr>
+    <a:masterClrMapping/>
+  </p:clrMapOvr>
+  <mc:AlternateContent xmlns:mc="http://schemas.openxmlformats.org/markup-compatibility/2006" xmlns:p14="http://schemas.microsoft.com/office/powerpoint/2010/main">
+    <mc:Choice Requires="p14">
+      <p:transition spd="med" p14:dur="700">
+        <p:fade/>
+      </p:transition>
+    </mc:Choice>
+    <mc:Fallback xmlns="">
+      <p:transition spd="med">
+        <p:fade/>
+      </p:transition>
+    </mc:Fallback>
+  </mc:AlternateContent>
+  <p:timing>
+    <p:tnLst>
+      <p:par>
+        <p:cTn xmlns:p14="http://schemas.microsoft.com/office/powerpoint/2010/main" id="1" dur="indefinite" restart="never" nodeType="tmRoot"/>
+      </p:par>
+    </p:tnLst>
+  </p:timing>
+</p:sldLayout>
+</file>
+
+<file path=ppt/slideLayouts/slideLayout50.xml><?xml version="1.0" encoding="utf-8"?>
+<p:sldLayout xmlns:a="http://schemas.openxmlformats.org/drawingml/2006/main" xmlns:r="http://schemas.openxmlformats.org/officeDocument/2006/relationships" xmlns:p="http://schemas.openxmlformats.org/presentationml/2006/main" preserve="1">
+  <p:cSld name="Code">
+    <p:spTree>
+      <p:nvGrpSpPr>
+        <p:cNvPr id="1" name=""/>
+        <p:cNvGrpSpPr/>
+        <p:nvPr/>
+      </p:nvGrpSpPr>
+      <p:grpSpPr>
+        <a:xfrm>
+          <a:off x="0" y="0"/>
+          <a:ext cx="0" cy="0"/>
+          <a:chOff x="0" y="0"/>
+          <a:chExt cx="0" cy="0"/>
+        </a:xfrm>
+      </p:grpSpPr>
+      <p:sp>
+        <p:nvSpPr>
+          <p:cNvPr id="2" name="Title 1"/>
+          <p:cNvSpPr>
+            <a:spLocks noGrp="1"/>
+          </p:cNvSpPr>
+          <p:nvPr>
+            <p:ph type="title"/>
+          </p:nvPr>
+        </p:nvSpPr>
+        <p:spPr/>
+        <p:txBody>
+          <a:bodyPr/>
+          <a:lstStyle/>
+          <a:p>
+            <a:r>
+              <a:rPr lang="en-US" smtClean="0"/>
+              <a:t>Click to edit Master title style</a:t>
+            </a:r>
+            <a:endParaRPr lang="en-US" dirty="0"/>
+          </a:p>
+        </p:txBody>
+      </p:sp>
+      <p:sp>
+        <p:nvSpPr>
+          <p:cNvPr id="5" name="Text Placeholder 4"/>
+          <p:cNvSpPr>
+            <a:spLocks noGrp="1"/>
+          </p:cNvSpPr>
+          <p:nvPr>
+            <p:ph type="body" sz="quarter" idx="10"/>
+          </p:nvPr>
+        </p:nvSpPr>
+        <p:spPr>
+          <a:xfrm>
+            <a:off x="609600" y="1670583"/>
+            <a:ext cx="13408762" cy="4811358"/>
+          </a:xfrm>
+        </p:spPr>
+        <p:txBody>
+          <a:bodyPr>
+            <a:noAutofit/>
+          </a:bodyPr>
+          <a:lstStyle>
+            <a:lvl1pPr marL="0" indent="0">
+              <a:buNone/>
+              <a:defRPr>
+                <a:latin typeface="Consolas" panose="020B0609020204030204" pitchFamily="49" charset="0"/>
+                <a:cs typeface="Consolas" panose="020B0609020204030204" pitchFamily="49" charset="0"/>
+              </a:defRPr>
+            </a:lvl1pPr>
+            <a:lvl2pPr marL="278046" indent="0">
+              <a:buNone/>
+              <a:defRPr>
+                <a:latin typeface="Consolas" panose="020B0609020204030204" pitchFamily="49" charset="0"/>
+                <a:cs typeface="Consolas" panose="020B0609020204030204" pitchFamily="49" charset="0"/>
+              </a:defRPr>
+            </a:lvl2pPr>
+            <a:lvl3pPr marL="548477" indent="0">
+              <a:buNone/>
+              <a:defRPr>
+                <a:latin typeface="Consolas" panose="020B0609020204030204" pitchFamily="49" charset="0"/>
+                <a:cs typeface="Consolas" panose="020B0609020204030204" pitchFamily="49" charset="0"/>
+              </a:defRPr>
+            </a:lvl3pPr>
+            <a:lvl4pPr marL="756058" indent="0">
+              <a:buNone/>
+              <a:defRPr>
+                <a:latin typeface="Consolas" panose="020B0609020204030204" pitchFamily="49" charset="0"/>
+                <a:cs typeface="Consolas" panose="020B0609020204030204" pitchFamily="49" charset="0"/>
+              </a:defRPr>
+            </a:lvl4pPr>
+            <a:lvl5pPr marL="961736" indent="0">
+              <a:buNone/>
+              <a:defRPr>
+                <a:latin typeface="Consolas" panose="020B0609020204030204" pitchFamily="49" charset="0"/>
+                <a:cs typeface="Consolas" panose="020B0609020204030204" pitchFamily="49" charset="0"/>
+              </a:defRPr>
+            </a:lvl5pPr>
+          </a:lstStyle>
+          <a:p>
+            <a:pPr lvl="0"/>
+            <a:r>
+              <a:rPr lang="en-US" smtClean="0"/>
+              <a:t>Click to edit Master text styles</a:t>
+            </a:r>
+          </a:p>
+        </p:txBody>
+      </p:sp>
+    </p:spTree>
+    <p:extLst>
+      <p:ext uri="{BB962C8B-B14F-4D97-AF65-F5344CB8AC3E}">
+        <p14:creationId xmlns:p14="http://schemas.microsoft.com/office/powerpoint/2010/main" val="4049512309"/>
+      </p:ext>
+    </p:extLst>
+  </p:cSld>
+  <p:clrMapOvr>
+    <a:masterClrMapping/>
+  </p:clrMapOvr>
+  <mc:AlternateContent xmlns:mc="http://schemas.openxmlformats.org/markup-compatibility/2006" xmlns:p14="http://schemas.microsoft.com/office/powerpoint/2010/main">
+    <mc:Choice Requires="p14">
+      <p:transition spd="med" p14:dur="700">
+        <p:fade/>
+      </p:transition>
+    </mc:Choice>
+    <mc:Fallback xmlns="">
+      <p:transition spd="med">
+        <p:fade/>
+      </p:transition>
+    </mc:Fallback>
+  </mc:AlternateContent>
+  <p:timing>
+    <p:tnLst>
+      <p:par>
+        <p:cTn xmlns:p14="http://schemas.microsoft.com/office/powerpoint/2010/main" id="1" dur="indefinite" restart="never" nodeType="tmRoot"/>
+      </p:par>
+    </p:tnLst>
+  </p:timing>
+</p:sldLayout>
+</file>
+
+<file path=ppt/slideLayouts/slideLayout51.xml><?xml version="1.0" encoding="utf-8"?>
+<p:sldLayout xmlns:a="http://schemas.openxmlformats.org/drawingml/2006/main" xmlns:r="http://schemas.openxmlformats.org/officeDocument/2006/relationships" xmlns:p="http://schemas.openxmlformats.org/presentationml/2006/main" preserve="1">
+  <p:cSld name="1_Title Only">
+    <p:spTree>
+      <p:nvGrpSpPr>
+        <p:cNvPr id="1" name=""/>
+        <p:cNvGrpSpPr/>
+        <p:nvPr/>
+      </p:nvGrpSpPr>
+      <p:grpSpPr>
+        <a:xfrm>
+          <a:off x="0" y="0"/>
+          <a:ext cx="0" cy="0"/>
+          <a:chOff x="0" y="0"/>
+          <a:chExt cx="0" cy="0"/>
+        </a:xfrm>
+      </p:grpSpPr>
+      <p:sp>
+        <p:nvSpPr>
+          <p:cNvPr id="2" name="Title 1"/>
+          <p:cNvSpPr>
+            <a:spLocks noGrp="1"/>
+          </p:cNvSpPr>
+          <p:nvPr>
+            <p:ph type="title"/>
+          </p:nvPr>
+        </p:nvSpPr>
+        <p:spPr/>
+        <p:txBody>
+          <a:bodyPr/>
+          <a:lstStyle/>
+          <a:p>
+            <a:r>
+              <a:rPr lang="en-US" smtClean="0"/>
+              <a:t>Click to edit Master title style</a:t>
+            </a:r>
+            <a:endParaRPr lang="en-US"/>
+          </a:p>
+        </p:txBody>
+      </p:sp>
+    </p:spTree>
+    <p:extLst>
+      <p:ext uri="{BB962C8B-B14F-4D97-AF65-F5344CB8AC3E}">
+        <p14:creationId xmlns:p14="http://schemas.microsoft.com/office/powerpoint/2010/main" val="1285849775"/>
+      </p:ext>
+    </p:extLst>
+  </p:cSld>
+  <p:clrMapOvr>
+    <a:masterClrMapping/>
+  </p:clrMapOvr>
+  <mc:AlternateContent xmlns:mc="http://schemas.openxmlformats.org/markup-compatibility/2006" xmlns:p14="http://schemas.microsoft.com/office/powerpoint/2010/main">
+    <mc:Choice Requires="p14">
+      <p:transition spd="med" p14:dur="700">
+        <p:fade/>
+      </p:transition>
+    </mc:Choice>
+    <mc:Fallback xmlns="">
+      <p:transition spd="med">
+        <p:fade/>
+      </p:transition>
+    </mc:Fallback>
+  </mc:AlternateContent>
+  <p:timing>
+    <p:tnLst>
+      <p:par>
+        <p:cTn xmlns:p14="http://schemas.microsoft.com/office/powerpoint/2010/main" id="1" dur="indefinite" restart="never" nodeType="tmRoot"/>
+      </p:par>
+    </p:tnLst>
+  </p:timing>
+</p:sldLayout>
+</file>
+
+<file path=ppt/slideLayouts/slideLayout52.xml><?xml version="1.0" encoding="utf-8"?>
+<p:sldLayout xmlns:a="http://schemas.openxmlformats.org/drawingml/2006/main" xmlns:r="http://schemas.openxmlformats.org/officeDocument/2006/relationships" xmlns:p="http://schemas.openxmlformats.org/presentationml/2006/main" preserve="1" userDrawn="1">
+  <p:cSld name="Shell Command">
+    <p:spTree>
+      <p:nvGrpSpPr>
+        <p:cNvPr id="1" name=""/>
+        <p:cNvGrpSpPr/>
+        <p:nvPr/>
+      </p:nvGrpSpPr>
+      <p:grpSpPr>
+        <a:xfrm>
+          <a:off x="0" y="0"/>
+          <a:ext cx="0" cy="0"/>
+          <a:chOff x="0" y="0"/>
+          <a:chExt cx="0" cy="0"/>
+        </a:xfrm>
+      </p:grpSpPr>
+      <p:sp>
+        <p:nvSpPr>
+          <p:cNvPr id="2" name="Title 1"/>
+          <p:cNvSpPr>
+            <a:spLocks noGrp="1"/>
+          </p:cNvSpPr>
+          <p:nvPr>
+            <p:ph type="title"/>
+          </p:nvPr>
+        </p:nvSpPr>
+        <p:spPr/>
+        <p:txBody>
+          <a:bodyPr/>
+          <a:lstStyle/>
+          <a:p>
+            <a:r>
+              <a:rPr lang="en-US" smtClean="0"/>
+              <a:t>Click to edit Master title style</a:t>
+            </a:r>
+            <a:endParaRPr lang="en-US"/>
+          </a:p>
+        </p:txBody>
+      </p:sp>
+      <p:sp>
+        <p:nvSpPr>
+          <p:cNvPr id="3" name="Content Placeholder 3"/>
+          <p:cNvSpPr>
+            <a:spLocks noGrp="1"/>
+          </p:cNvSpPr>
+          <p:nvPr>
+            <p:ph sz="quarter" idx="11" hasCustomPrompt="1"/>
+          </p:nvPr>
+        </p:nvSpPr>
+        <p:spPr bwMode="white">
+          <a:xfrm>
+            <a:off x="1008994" y="2084367"/>
+            <a:ext cx="13009368" cy="5022432"/>
+          </a:xfrm>
+          <a:prstGeom prst="rect">
+            <a:avLst/>
+          </a:prstGeom>
+          <a:solidFill>
+            <a:srgbClr val="000000"/>
+          </a:solidFill>
+          <a:ln w="12700">
+            <a:solidFill>
+              <a:srgbClr val="000000"/>
+            </a:solidFill>
+            <a:prstDash val="dash"/>
+          </a:ln>
+        </p:spPr>
+        <p:txBody>
+          <a:bodyPr lIns="82296" tIns="41148" rIns="82296" bIns="41148">
+            <a:noAutofit/>
+          </a:bodyPr>
+          <a:lstStyle>
+            <a:lvl1pPr marL="0" marR="0" indent="0" algn="l" defTabSz="1097208" rtl="0" eaLnBrk="1" fontAlgn="auto" latinLnBrk="0" hangingPunct="1">
+              <a:lnSpc>
+                <a:spcPct val="100000"/>
+              </a:lnSpc>
+              <a:spcBef>
+                <a:spcPts val="720"/>
+              </a:spcBef>
+              <a:spcAft>
+                <a:spcPts val="0"/>
+              </a:spcAft>
+              <a:buClrTx/>
+              <a:buSzPct val="90000"/>
+              <a:buFont typeface="Arial" pitchFamily="34" charset="0"/>
+              <a:buNone/>
+              <a:tabLst/>
+              <a:defRPr sz="2500">
+                <a:solidFill>
+                  <a:srgbClr val="FFFFFF"/>
+                </a:solidFill>
+                <a:latin typeface="Consolas"/>
+                <a:cs typeface="Consolas"/>
+              </a:defRPr>
+            </a:lvl1pPr>
+            <a:lvl2pPr>
+              <a:defRPr>
+                <a:solidFill>
+                  <a:srgbClr val="FFFFFF"/>
+                </a:solidFill>
+              </a:defRPr>
+            </a:lvl2pPr>
+            <a:lvl3pPr>
+              <a:defRPr>
+                <a:solidFill>
+                  <a:srgbClr val="FFFFFF"/>
+                </a:solidFill>
+              </a:defRPr>
+            </a:lvl3pPr>
+            <a:lvl4pPr>
+              <a:defRPr>
+                <a:solidFill>
+                  <a:srgbClr val="FFFFFF"/>
+                </a:solidFill>
+              </a:defRPr>
+            </a:lvl4pPr>
+            <a:lvl5pPr>
+              <a:defRPr>
+                <a:solidFill>
+                  <a:srgbClr val="FFFFFF"/>
+                </a:solidFill>
+              </a:defRPr>
+            </a:lvl5pPr>
+          </a:lstStyle>
+          <a:p>
+            <a:pPr marL="0" marR="0" lvl="0" indent="0" algn="l" defTabSz="1097208" rtl="0" eaLnBrk="1" fontAlgn="auto" latinLnBrk="0" hangingPunct="1">
+              <a:lnSpc>
+                <a:spcPct val="100000"/>
+              </a:lnSpc>
+              <a:spcBef>
+                <a:spcPts val="720"/>
+              </a:spcBef>
+              <a:spcAft>
+                <a:spcPts val="0"/>
+              </a:spcAft>
+              <a:buClrTx/>
+              <a:buSzPct val="90000"/>
+              <a:buFont typeface="Arial" pitchFamily="34" charset="0"/>
+              <a:buNone/>
+              <a:tabLst/>
+              <a:defRPr/>
+            </a:pPr>
+            <a:r>
+              <a:rPr kumimoji="0" lang="en-US" sz="2500" b="0" i="0" u="none" strike="noStrike" kern="0" cap="none" spc="0" normalizeH="0" baseline="0" noProof="0" dirty="0" smtClean="0">
+                <a:ln>
+                  <a:noFill/>
+                </a:ln>
+                <a:solidFill>
+                  <a:srgbClr val="FFFFFF"/>
+                </a:solidFill>
+                <a:effectLst/>
+                <a:uLnTx/>
+                <a:uFillTx/>
+                <a:latin typeface="Consolas"/>
+                <a:cs typeface="Consolas"/>
+              </a:rPr>
+              <a:t>RESULT</a:t>
+            </a:r>
+          </a:p>
+        </p:txBody>
+      </p:sp>
+      <p:pic>
+        <p:nvPicPr>
+          <p:cNvPr id="4" name="Picture 3"/>
+          <p:cNvPicPr>
+            <a:picLocks noChangeAspect="1"/>
+          </p:cNvPicPr>
+          <p:nvPr userDrawn="1"/>
+        </p:nvPicPr>
+        <p:blipFill>
+          <a:blip r:embed="rId2">
+            <a:extLst>
+              <a:ext uri="{28A0092B-C50C-407E-A947-70E740481C1C}">
+                <a14:useLocalDpi xmlns:a14="http://schemas.microsoft.com/office/drawing/2010/main" val="0"/>
+              </a:ext>
+            </a:extLst>
+          </a:blip>
+          <a:srcRect/>
+          <a:stretch>
+            <a:fillRect/>
+          </a:stretch>
+        </p:blipFill>
+        <p:spPr bwMode="auto">
+          <a:xfrm>
+            <a:off x="221457" y="1412262"/>
+            <a:ext cx="632936" cy="484346"/>
+          </a:xfrm>
+          <a:prstGeom prst="rect">
+            <a:avLst/>
+          </a:prstGeom>
+          <a:noFill/>
+          <a:ln>
+            <a:noFill/>
+          </a:ln>
+          <a:extLst>
+            <a:ext uri="{909E8E84-426E-40dd-AFC4-6F175D3DCCD1}">
+              <a14:hiddenFill xmlns:a14="http://schemas.microsoft.com/office/drawing/2010/main">
+                <a:solidFill>
+                  <a:srgbClr val="FFFFFF"/>
+                </a:solidFill>
+              </a14:hiddenFill>
+            </a:ext>
+            <a:ext uri="{91240B29-F687-4f45-9708-019B960494DF}">
+              <a14:hiddenLine xmlns:a14="http://schemas.microsoft.com/office/drawing/2010/main" w="9525">
+                <a:solidFill>
+                  <a:srgbClr val="000000"/>
+                </a:solidFill>
+                <a:miter lim="800000"/>
+                <a:headEnd/>
+                <a:tailEnd/>
+              </a14:hiddenLine>
+            </a:ext>
+          </a:extLst>
+        </p:spPr>
+      </p:pic>
+      <p:sp>
+        <p:nvSpPr>
+          <p:cNvPr id="5" name="Rectangle 4"/>
+          <p:cNvSpPr/>
+          <p:nvPr userDrawn="1"/>
+        </p:nvSpPr>
+        <p:spPr bwMode="auto">
+          <a:xfrm>
+            <a:off x="1008994" y="1313051"/>
+            <a:ext cx="13009368" cy="672105"/>
+          </a:xfrm>
+          <a:prstGeom prst="rect">
+            <a:avLst/>
+          </a:prstGeom>
+          <a:solidFill>
+            <a:schemeClr val="tx1"/>
+          </a:solidFill>
+          <a:ln>
+            <a:noFill/>
+            <a:headEnd type="none" w="med" len="med"/>
+            <a:tailEnd type="none" w="med" len="med"/>
+          </a:ln>
+          <a:effectLst/>
+        </p:spPr>
+        <p:style>
+          <a:lnRef idx="1">
+            <a:schemeClr val="accent4"/>
+          </a:lnRef>
+          <a:fillRef idx="3">
+            <a:schemeClr val="accent4"/>
+          </a:fillRef>
+          <a:effectRef idx="2">
+            <a:schemeClr val="accent4"/>
+          </a:effectRef>
+          <a:fontRef idx="minor">
+            <a:schemeClr val="lt1"/>
+          </a:fontRef>
+        </p:style>
+        <p:txBody>
+          <a:bodyPr vert="horz" wrap="square" lIns="91436" tIns="45718" rIns="91436" bIns="45718" numCol="1" rtlCol="0" anchor="ctr" anchorCtr="0" compatLnSpc="1">
+            <a:prstTxWarp prst="textNoShape">
+              <a:avLst/>
+            </a:prstTxWarp>
+          </a:bodyPr>
+          <a:lstStyle/>
+          <a:p>
+            <a:pPr defTabSz="914099"/>
+            <a:r>
+              <a:rPr lang="en-US" sz="2500" b="1" dirty="0" smtClean="0">
+                <a:gradFill>
+                  <a:gsLst>
+                    <a:gs pos="0">
+                      <a:srgbClr val="FFFFFF"/>
+                    </a:gs>
+                    <a:gs pos="100000">
+                      <a:srgbClr val="FFFFFF"/>
+                    </a:gs>
+                  </a:gsLst>
+                  <a:lin ang="5400000" scaled="0"/>
+                </a:gradFill>
+                <a:latin typeface="Consolas"/>
+                <a:cs typeface="Consolas"/>
+              </a:rPr>
+              <a:t>$</a:t>
+            </a:r>
+          </a:p>
+        </p:txBody>
+      </p:sp>
+      <p:sp>
+        <p:nvSpPr>
+          <p:cNvPr id="6" name="Text Placeholder 10"/>
+          <p:cNvSpPr>
+            <a:spLocks noGrp="1"/>
+          </p:cNvSpPr>
+          <p:nvPr>
+            <p:ph type="body" sz="quarter" idx="12" hasCustomPrompt="1"/>
+          </p:nvPr>
+        </p:nvSpPr>
+        <p:spPr>
+          <a:xfrm>
+            <a:off x="1377950" y="1412875"/>
+            <a:ext cx="12538075" cy="484188"/>
+          </a:xfrm>
+        </p:spPr>
+        <p:txBody>
+          <a:bodyPr anchor="ctr" anchorCtr="0"/>
+          <a:lstStyle>
+            <a:lvl1pPr marL="0" indent="0">
+              <a:buFontTx/>
+              <a:buNone/>
+              <a:defRPr sz="2500">
+                <a:solidFill>
+                  <a:schemeClr val="bg1"/>
+                </a:solidFill>
+                <a:latin typeface="Consolas"/>
+              </a:defRPr>
+            </a:lvl1pPr>
+            <a:lvl2pPr marL="278048" indent="0">
+              <a:buFontTx/>
+              <a:buNone/>
+              <a:defRPr sz="2500">
+                <a:solidFill>
+                  <a:schemeClr val="bg1"/>
+                </a:solidFill>
+                <a:latin typeface="Consolas"/>
+              </a:defRPr>
+            </a:lvl2pPr>
+            <a:lvl3pPr marL="548476" indent="0">
+              <a:buFontTx/>
+              <a:buNone/>
+              <a:defRPr sz="2500">
+                <a:solidFill>
+                  <a:schemeClr val="bg1"/>
+                </a:solidFill>
+                <a:latin typeface="Consolas"/>
+              </a:defRPr>
+            </a:lvl3pPr>
+            <a:lvl4pPr marL="756061" indent="0">
+              <a:buFontTx/>
+              <a:buNone/>
+              <a:defRPr sz="2500">
+                <a:solidFill>
+                  <a:schemeClr val="bg1"/>
+                </a:solidFill>
+                <a:latin typeface="Consolas"/>
+              </a:defRPr>
+            </a:lvl4pPr>
+            <a:lvl5pPr marL="961738" indent="0">
+              <a:buFontTx/>
+              <a:buNone/>
+              <a:defRPr sz="2500">
+                <a:solidFill>
+                  <a:schemeClr val="bg1"/>
+                </a:solidFill>
+                <a:latin typeface="Consolas"/>
+              </a:defRPr>
+            </a:lvl5pPr>
+          </a:lstStyle>
+          <a:p>
+            <a:pPr lvl="0"/>
+            <a:r>
+              <a:rPr lang="en-US" dirty="0" smtClean="0"/>
+              <a:t>command</a:t>
+            </a:r>
+            <a:endParaRPr lang="en-US" dirty="0"/>
+          </a:p>
+        </p:txBody>
+      </p:sp>
+    </p:spTree>
+    <p:extLst>
+      <p:ext uri="{BB962C8B-B14F-4D97-AF65-F5344CB8AC3E}">
+        <p14:creationId xmlns:p14="http://schemas.microsoft.com/office/powerpoint/2010/main" val="2419775565"/>
+      </p:ext>
+    </p:extLst>
+  </p:cSld>
+  <p:clrMapOvr>
+    <a:masterClrMapping/>
+  </p:clrMapOvr>
+  <mc:AlternateContent xmlns:mc="http://schemas.openxmlformats.org/markup-compatibility/2006" xmlns:p14="http://schemas.microsoft.com/office/powerpoint/2010/main">
+    <mc:Choice Requires="p14">
+      <p:transition spd="med" p14:dur="700">
+        <p:fade/>
+      </p:transition>
+    </mc:Choice>
+    <mc:Fallback xmlns="">
+      <p:transition spd="med">
+        <p:fade/>
+      </p:transition>
+    </mc:Fallback>
+  </mc:AlternateContent>
+  <p:timing>
+    <p:tnLst>
+      <p:par>
+        <p:cTn xmlns:p14="http://schemas.microsoft.com/office/powerpoint/2010/main" id="1" dur="indefinite" restart="never" nodeType="tmRoot"/>
+      </p:par>
+    </p:tnLst>
+  </p:timing>
+</p:sldLayout>
+</file>
+
+<file path=ppt/slideLayouts/slideLayout53.xml><?xml version="1.0" encoding="utf-8"?>
+<p:sldLayout xmlns:a="http://schemas.openxmlformats.org/drawingml/2006/main" xmlns:r="http://schemas.openxmlformats.org/officeDocument/2006/relationships" xmlns:p="http://schemas.openxmlformats.org/presentationml/2006/main" preserve="1">
+  <p:cSld name="Logo Middle">
+    <p:spTree>
+      <p:nvGrpSpPr>
+        <p:cNvPr id="1" name=""/>
+        <p:cNvGrpSpPr/>
+        <p:nvPr/>
+      </p:nvGrpSpPr>
+      <p:grpSpPr>
+        <a:xfrm>
+          <a:off x="0" y="0"/>
+          <a:ext cx="0" cy="0"/>
+          <a:chOff x="0" y="0"/>
+          <a:chExt cx="0" cy="0"/>
+        </a:xfrm>
+      </p:grpSpPr>
+      <p:sp>
+        <p:nvSpPr>
+          <p:cNvPr id="3" name="Rectangle 2"/>
+          <p:cNvSpPr/>
+          <p:nvPr userDrawn="1"/>
+        </p:nvSpPr>
+        <p:spPr bwMode="auto">
+          <a:xfrm>
+            <a:off x="13624989" y="7228094"/>
+            <a:ext cx="815304" cy="783958"/>
+          </a:xfrm>
+          <a:prstGeom prst="rect">
+            <a:avLst/>
+          </a:prstGeom>
+          <a:solidFill>
+            <a:srgbClr val="FEFEFE"/>
+          </a:solidFill>
+          <a:ln>
+            <a:noFill/>
+            <a:headEnd type="none" w="med" len="med"/>
+            <a:tailEnd type="none" w="med" len="med"/>
+          </a:ln>
+          <a:effectLst/>
+        </p:spPr>
+        <p:style>
+          <a:lnRef idx="1">
+            <a:schemeClr val="accent4"/>
+          </a:lnRef>
+          <a:fillRef idx="3">
+            <a:schemeClr val="accent4"/>
+          </a:fillRef>
+          <a:effectRef idx="2">
+            <a:schemeClr val="accent4"/>
+          </a:effectRef>
+          <a:fontRef idx="minor">
+            <a:schemeClr val="lt1"/>
+          </a:fontRef>
+        </p:style>
+        <p:txBody>
+          <a:bodyPr vert="horz" wrap="square" lIns="91436" tIns="45718" rIns="91436" bIns="45718" numCol="1" rtlCol="0" anchor="ctr" anchorCtr="0" compatLnSpc="1">
+            <a:prstTxWarp prst="textNoShape">
+              <a:avLst/>
+            </a:prstTxWarp>
+          </a:bodyPr>
+          <a:lstStyle/>
+          <a:p>
+            <a:pPr algn="ctr" defTabSz="914099"/>
+            <a:r>
+              <a:rPr lang="en-US" sz="2400" dirty="0" smtClean="0">
+                <a:gradFill>
+                  <a:gsLst>
+                    <a:gs pos="0">
+                      <a:srgbClr val="FFFFFF"/>
+                    </a:gs>
+                    <a:gs pos="100000">
+                      <a:srgbClr val="FFFFFF"/>
+                    </a:gs>
+                  </a:gsLst>
+                  <a:lin ang="5400000" scaled="0"/>
+                </a:gradFill>
+                <a:latin typeface="Gill Sans Light"/>
+                <a:cs typeface="Gill Sans Light"/>
+              </a:rPr>
+              <a:t> </a:t>
+            </a:r>
+          </a:p>
+        </p:txBody>
+      </p:sp>
+      <p:pic>
+        <p:nvPicPr>
+          <p:cNvPr id="5" name="Picture 4"/>
+          <p:cNvPicPr>
+            <a:picLocks noChangeAspect="1"/>
+          </p:cNvPicPr>
+          <p:nvPr userDrawn="1"/>
+        </p:nvPicPr>
+        <p:blipFill>
+          <a:blip r:embed="rId2">
+            <a:extLst>
+              <a:ext uri="{28A0092B-C50C-407E-A947-70E740481C1C}">
+                <a14:useLocalDpi xmlns:a14="http://schemas.microsoft.com/office/drawing/2010/main" val="0"/>
+              </a:ext>
+            </a:extLst>
+          </a:blip>
+          <a:stretch>
+            <a:fillRect/>
+          </a:stretch>
+        </p:blipFill>
+        <p:spPr>
+          <a:xfrm>
+            <a:off x="2170149" y="2106198"/>
+            <a:ext cx="10557040" cy="2919620"/>
+          </a:xfrm>
+          <a:prstGeom prst="rect">
+            <a:avLst/>
+          </a:prstGeom>
+        </p:spPr>
+      </p:pic>
+      <p:sp>
+        <p:nvSpPr>
+          <p:cNvPr id="6" name="Rectangle 5"/>
+          <p:cNvSpPr/>
+          <p:nvPr userDrawn="1"/>
+        </p:nvSpPr>
+        <p:spPr bwMode="auto">
+          <a:xfrm>
+            <a:off x="152390" y="7228094"/>
+            <a:ext cx="1421254" cy="783958"/>
+          </a:xfrm>
+          <a:prstGeom prst="rect">
+            <a:avLst/>
+          </a:prstGeom>
+          <a:solidFill>
+            <a:srgbClr val="FEFEFE"/>
+          </a:solidFill>
+          <a:ln>
+            <a:noFill/>
+            <a:headEnd type="none" w="med" len="med"/>
+            <a:tailEnd type="none" w="med" len="med"/>
+          </a:ln>
+          <a:effectLst/>
+        </p:spPr>
+        <p:style>
+          <a:lnRef idx="1">
+            <a:schemeClr val="accent4"/>
+          </a:lnRef>
+          <a:fillRef idx="3">
+            <a:schemeClr val="accent4"/>
+          </a:fillRef>
+          <a:effectRef idx="2">
+            <a:schemeClr val="accent4"/>
+          </a:effectRef>
+          <a:fontRef idx="minor">
+            <a:schemeClr val="lt1"/>
+          </a:fontRef>
+        </p:style>
+        <p:txBody>
+          <a:bodyPr vert="horz" wrap="square" lIns="91436" tIns="45718" rIns="91436" bIns="45718" numCol="1" rtlCol="0" anchor="ctr" anchorCtr="0" compatLnSpc="1">
+            <a:prstTxWarp prst="textNoShape">
+              <a:avLst/>
+            </a:prstTxWarp>
+          </a:bodyPr>
+          <a:lstStyle/>
+          <a:p>
+            <a:pPr algn="ctr" defTabSz="914099"/>
+            <a:r>
+              <a:rPr lang="en-US" sz="2400" dirty="0" smtClean="0">
+                <a:gradFill>
+                  <a:gsLst>
+                    <a:gs pos="0">
+                      <a:srgbClr val="FFFFFF"/>
+                    </a:gs>
+                    <a:gs pos="100000">
+                      <a:srgbClr val="FFFFFF"/>
+                    </a:gs>
+                  </a:gsLst>
+                  <a:lin ang="5400000" scaled="0"/>
+                </a:gradFill>
+                <a:latin typeface="Gill Sans Light"/>
+                <a:cs typeface="Gill Sans Light"/>
+              </a:rPr>
+              <a:t> </a:t>
+            </a:r>
+          </a:p>
+        </p:txBody>
+      </p:sp>
+    </p:spTree>
+    <p:extLst>
+      <p:ext uri="{BB962C8B-B14F-4D97-AF65-F5344CB8AC3E}">
+        <p14:creationId xmlns:p14="http://schemas.microsoft.com/office/powerpoint/2010/main" val="3648106252"/>
+      </p:ext>
+    </p:extLst>
+  </p:cSld>
+  <p:clrMapOvr>
+    <a:masterClrMapping/>
+  </p:clrMapOvr>
+  <mc:AlternateContent xmlns:mc="http://schemas.openxmlformats.org/markup-compatibility/2006" xmlns:p14="http://schemas.microsoft.com/office/powerpoint/2010/main">
+    <mc:Choice Requires="p14">
+      <p:transition spd="med" p14:dur="700">
+        <p:fade/>
+      </p:transition>
+    </mc:Choice>
+    <mc:Fallback xmlns="">
+      <p:transition spd="med">
+        <p:fade/>
+      </p:transition>
+    </mc:Fallback>
+  </mc:AlternateContent>
+  <p:timing>
+    <p:tnLst>
+      <p:par>
+        <p:cTn xmlns:p14="http://schemas.microsoft.com/office/powerpoint/2010/main" id="1" dur="indefinite" restart="never" nodeType="tmRoot"/>
+      </p:par>
+    </p:tnLst>
+  </p:timing>
+</p:sldLayout>
+</file>
+
+<file path=ppt/slideLayouts/slideLayout54.xml><?xml version="1.0" encoding="utf-8"?>
+<p:sldLayout xmlns:a="http://schemas.openxmlformats.org/drawingml/2006/main" xmlns:r="http://schemas.openxmlformats.org/officeDocument/2006/relationships" xmlns:p="http://schemas.openxmlformats.org/presentationml/2006/main" preserve="1" userDrawn="1">
+  <p:cSld name="Blank">
+    <p:spTree>
+      <p:nvGrpSpPr>
+        <p:cNvPr id="1" name=""/>
+        <p:cNvGrpSpPr/>
+        <p:nvPr/>
+      </p:nvGrpSpPr>
+      <p:grpSpPr>
+        <a:xfrm>
+          <a:off x="0" y="0"/>
+          <a:ext cx="0" cy="0"/>
+          <a:chOff x="0" y="0"/>
+          <a:chExt cx="0" cy="0"/>
+        </a:xfrm>
+      </p:grpSpPr>
+    </p:spTree>
+    <p:extLst>
+      <p:ext uri="{BB962C8B-B14F-4D97-AF65-F5344CB8AC3E}">
+        <p14:creationId xmlns:p14="http://schemas.microsoft.com/office/powerpoint/2010/main" val="500373317"/>
+      </p:ext>
+    </p:extLst>
+  </p:cSld>
+  <p:clrMapOvr>
+    <a:masterClrMapping/>
+  </p:clrMapOvr>
+  <mc:AlternateContent xmlns:mc="http://schemas.openxmlformats.org/markup-compatibility/2006" xmlns:p14="http://schemas.microsoft.com/office/powerpoint/2010/main">
+    <mc:Choice Requires="p14">
+      <p:transition spd="med" p14:dur="700">
+        <p:fade/>
+      </p:transition>
+    </mc:Choice>
+    <mc:Fallback xmlns="">
+      <p:transition spd="med">
+        <p:fade/>
+      </p:transition>
+    </mc:Fallback>
+  </mc:AlternateContent>
+</p:sldLayout>
+</file>
+
+<file path=ppt/slideLayouts/slideLayout55.xml><?xml version="1.0" encoding="utf-8"?>
+<p:sldLayout xmlns:a="http://schemas.openxmlformats.org/drawingml/2006/main" xmlns:r="http://schemas.openxmlformats.org/officeDocument/2006/relationships" xmlns:p="http://schemas.openxmlformats.org/presentationml/2006/main" preserve="1">
+  <p:cSld name="Divider Slide">
+    <p:spTree>
+      <p:nvGrpSpPr>
+        <p:cNvPr id="1" name=""/>
+        <p:cNvGrpSpPr/>
+        <p:nvPr/>
+      </p:nvGrpSpPr>
+      <p:grpSpPr>
+        <a:xfrm>
+          <a:off x="0" y="0"/>
+          <a:ext cx="0" cy="0"/>
+          <a:chOff x="0" y="0"/>
+          <a:chExt cx="0" cy="0"/>
+        </a:xfrm>
+      </p:grpSpPr>
+      <p:sp>
+        <p:nvSpPr>
+          <p:cNvPr id="4" name="Title 1"/>
+          <p:cNvSpPr>
+            <a:spLocks noGrp="1"/>
+          </p:cNvSpPr>
+          <p:nvPr>
+            <p:ph type="ctrTitle"/>
+          </p:nvPr>
+        </p:nvSpPr>
+        <p:spPr bwMode="white">
+          <a:xfrm>
+            <a:off x="2379738" y="2246695"/>
+            <a:ext cx="9875520" cy="1203795"/>
+          </a:xfrm>
+        </p:spPr>
+        <p:txBody>
+          <a:bodyPr wrap="square" lIns="82274" tIns="82274" rIns="82274" bIns="82274" anchor="ctr" anchorCtr="0">
+            <a:noAutofit/>
+          </a:bodyPr>
+          <a:lstStyle>
+            <a:lvl1pPr algn="ctr">
+              <a:lnSpc>
+                <a:spcPct val="90000"/>
+              </a:lnSpc>
+              <a:defRPr sz="4300" b="1" spc="0" baseline="0">
+                <a:solidFill>
+                  <a:srgbClr val="435464"/>
+                </a:solidFill>
+              </a:defRPr>
+            </a:lvl1pPr>
+          </a:lstStyle>
+          <a:p>
+            <a:r>
+              <a:rPr lang="en-US" smtClean="0"/>
+              <a:t>Click to edit Master title style</a:t>
+            </a:r>
+            <a:endParaRPr lang="en-US" dirty="0"/>
+          </a:p>
+        </p:txBody>
+      </p:sp>
+      <p:sp>
+        <p:nvSpPr>
+          <p:cNvPr id="5" name="Subtitle 2"/>
+          <p:cNvSpPr>
+            <a:spLocks noGrp="1"/>
+          </p:cNvSpPr>
+          <p:nvPr>
+            <p:ph type="subTitle" idx="1"/>
+          </p:nvPr>
+        </p:nvSpPr>
+        <p:spPr bwMode="white">
+          <a:xfrm>
+            <a:off x="2379738" y="3106028"/>
+            <a:ext cx="9875520" cy="504709"/>
+          </a:xfrm>
+        </p:spPr>
+        <p:txBody>
+          <a:bodyPr wrap="square" lIns="82274" tIns="82274" rIns="82274" bIns="82274">
+            <a:spAutoFit/>
+          </a:bodyPr>
+          <a:lstStyle>
+            <a:lvl1pPr marL="0" indent="0" algn="ctr">
+              <a:lnSpc>
+                <a:spcPct val="90000"/>
+              </a:lnSpc>
+              <a:spcBef>
+                <a:spcPts val="0"/>
+              </a:spcBef>
+              <a:buNone/>
+              <a:defRPr sz="2400">
+                <a:solidFill>
+                  <a:srgbClr val="435464"/>
+                </a:solidFill>
+              </a:defRPr>
+            </a:lvl1pPr>
+            <a:lvl2pPr marL="548453" indent="0" algn="ctr">
+              <a:buNone/>
+              <a:defRPr>
+                <a:solidFill>
+                  <a:schemeClr val="tx1">
+                    <a:tint val="75000"/>
+                  </a:schemeClr>
+                </a:solidFill>
+              </a:defRPr>
+            </a:lvl2pPr>
+            <a:lvl3pPr marL="1096907" indent="0" algn="ctr">
+              <a:buNone/>
+              <a:defRPr>
+                <a:solidFill>
+                  <a:schemeClr val="tx1">
+                    <a:tint val="75000"/>
+                  </a:schemeClr>
+                </a:solidFill>
+              </a:defRPr>
+            </a:lvl3pPr>
+            <a:lvl4pPr marL="1645362" indent="0" algn="ctr">
+              <a:buNone/>
+              <a:defRPr>
+                <a:solidFill>
+                  <a:schemeClr val="tx1">
+                    <a:tint val="75000"/>
+                  </a:schemeClr>
+                </a:solidFill>
+              </a:defRPr>
+            </a:lvl4pPr>
+            <a:lvl5pPr marL="2193816" indent="0" algn="ctr">
+              <a:buNone/>
+              <a:defRPr>
+                <a:solidFill>
+                  <a:schemeClr val="tx1">
+                    <a:tint val="75000"/>
+                  </a:schemeClr>
+                </a:solidFill>
+              </a:defRPr>
+            </a:lvl5pPr>
+            <a:lvl6pPr marL="2742267" indent="0" algn="ctr">
+              <a:buNone/>
+              <a:defRPr>
+                <a:solidFill>
+                  <a:schemeClr val="tx1">
+                    <a:tint val="75000"/>
+                  </a:schemeClr>
+                </a:solidFill>
+              </a:defRPr>
+            </a:lvl6pPr>
+            <a:lvl7pPr marL="3290722" indent="0" algn="ctr">
+              <a:buNone/>
+              <a:defRPr>
+                <a:solidFill>
+                  <a:schemeClr val="tx1">
+                    <a:tint val="75000"/>
+                  </a:schemeClr>
+                </a:solidFill>
+              </a:defRPr>
+            </a:lvl7pPr>
+            <a:lvl8pPr marL="3839178" indent="0" algn="ctr">
+              <a:buNone/>
+              <a:defRPr>
+                <a:solidFill>
+                  <a:schemeClr val="tx1">
+                    <a:tint val="75000"/>
+                  </a:schemeClr>
+                </a:solidFill>
+              </a:defRPr>
+            </a:lvl8pPr>
+            <a:lvl9pPr marL="4387630" indent="0" algn="ctr">
+              <a:buNone/>
+              <a:defRPr>
+                <a:solidFill>
+                  <a:schemeClr val="tx1">
+                    <a:tint val="75000"/>
+                  </a:schemeClr>
+                </a:solidFill>
+              </a:defRPr>
+            </a:lvl9pPr>
+          </a:lstStyle>
+          <a:p>
+            <a:r>
+              <a:rPr lang="en-US" smtClean="0"/>
+              <a:t>Click to edit Master subtitle style</a:t>
+            </a:r>
+            <a:endParaRPr lang="en-US" dirty="0"/>
+          </a:p>
+        </p:txBody>
+      </p:sp>
+    </p:spTree>
+    <p:extLst>
+      <p:ext uri="{BB962C8B-B14F-4D97-AF65-F5344CB8AC3E}">
+        <p14:creationId xmlns:p14="http://schemas.microsoft.com/office/powerpoint/2010/main" val="1594085878"/>
+      </p:ext>
+    </p:extLst>
+  </p:cSld>
+  <p:clrMapOvr>
+    <a:masterClrMapping/>
+  </p:clrMapOvr>
+  <mc:AlternateContent xmlns:mc="http://schemas.openxmlformats.org/markup-compatibility/2006" xmlns:p14="http://schemas.microsoft.com/office/powerpoint/2010/main">
+    <mc:Choice Requires="p14">
+      <p:transition spd="med" p14:dur="700">
+        <p:fade/>
+      </p:transition>
+    </mc:Choice>
+    <mc:Fallback xmlns="">
+      <p:transition spd="med">
+        <p:fade/>
+      </p:transition>
+    </mc:Fallback>
+  </mc:AlternateContent>
+  <p:timing>
+    <p:tnLst>
+      <p:par>
+        <p:cTn xmlns:p14="http://schemas.microsoft.com/office/powerpoint/2010/main" id="1" dur="indefinite" restart="never" nodeType="tmRoot"/>
+      </p:par>
+    </p:tnLst>
+  </p:timing>
+</p:sldLayout>
+</file>
+
+<file path=ppt/slideLayouts/slideLayout56.xml><?xml version="1.0" encoding="utf-8"?>
+<p:sldLayout xmlns:a="http://schemas.openxmlformats.org/drawingml/2006/main" xmlns:r="http://schemas.openxmlformats.org/officeDocument/2006/relationships" xmlns:p="http://schemas.openxmlformats.org/presentationml/2006/main" preserve="1">
+  <p:cSld name="Thank You">
+    <p:spTree>
+      <p:nvGrpSpPr>
+        <p:cNvPr id="1" name=""/>
+        <p:cNvGrpSpPr/>
+        <p:nvPr/>
+      </p:nvGrpSpPr>
+      <p:grpSpPr>
+        <a:xfrm>
+          <a:off x="0" y="0"/>
+          <a:ext cx="0" cy="0"/>
+          <a:chOff x="0" y="0"/>
+          <a:chExt cx="0" cy="0"/>
+        </a:xfrm>
+      </p:grpSpPr>
+      <p:sp>
+        <p:nvSpPr>
+          <p:cNvPr id="4" name="Title 1"/>
+          <p:cNvSpPr>
+            <a:spLocks noGrp="1"/>
+          </p:cNvSpPr>
+          <p:nvPr>
+            <p:ph type="ctrTitle"/>
+          </p:nvPr>
+        </p:nvSpPr>
+        <p:spPr bwMode="white">
+          <a:xfrm>
+            <a:off x="2379738" y="2246695"/>
+            <a:ext cx="9875520" cy="1203795"/>
+          </a:xfrm>
+        </p:spPr>
+        <p:txBody>
+          <a:bodyPr wrap="square" lIns="82274" tIns="82274" rIns="82274" bIns="82274" anchor="ctr" anchorCtr="0">
+            <a:noAutofit/>
+          </a:bodyPr>
+          <a:lstStyle>
+            <a:lvl1pPr algn="ctr">
+              <a:lnSpc>
+                <a:spcPct val="90000"/>
+              </a:lnSpc>
+              <a:defRPr sz="4300" b="1" spc="0" baseline="0">
+                <a:solidFill>
+                  <a:srgbClr val="435464"/>
+                </a:solidFill>
+              </a:defRPr>
+            </a:lvl1pPr>
+          </a:lstStyle>
+          <a:p>
+            <a:r>
+              <a:rPr lang="en-US" smtClean="0"/>
+              <a:t>Click to edit Master title style</a:t>
+            </a:r>
+            <a:endParaRPr lang="en-US" dirty="0"/>
+          </a:p>
+        </p:txBody>
+      </p:sp>
+      <p:sp>
+        <p:nvSpPr>
+          <p:cNvPr id="5" name="Subtitle 2"/>
+          <p:cNvSpPr>
+            <a:spLocks noGrp="1"/>
+          </p:cNvSpPr>
+          <p:nvPr>
+            <p:ph type="subTitle" idx="1"/>
+          </p:nvPr>
+        </p:nvSpPr>
+        <p:spPr bwMode="white">
+          <a:xfrm>
+            <a:off x="2379738" y="3106028"/>
+            <a:ext cx="9875520" cy="504709"/>
+          </a:xfrm>
+        </p:spPr>
+        <p:txBody>
+          <a:bodyPr wrap="square" lIns="82274" tIns="82274" rIns="82274" bIns="82274">
+            <a:spAutoFit/>
+          </a:bodyPr>
+          <a:lstStyle>
+            <a:lvl1pPr marL="0" indent="0" algn="ctr">
+              <a:lnSpc>
+                <a:spcPct val="90000"/>
+              </a:lnSpc>
+              <a:spcBef>
+                <a:spcPts val="0"/>
+              </a:spcBef>
+              <a:buNone/>
+              <a:defRPr sz="2400">
+                <a:solidFill>
+                  <a:srgbClr val="435464"/>
+                </a:solidFill>
+              </a:defRPr>
+            </a:lvl1pPr>
+            <a:lvl2pPr marL="548453" indent="0" algn="ctr">
+              <a:buNone/>
+              <a:defRPr>
+                <a:solidFill>
+                  <a:schemeClr val="tx1">
+                    <a:tint val="75000"/>
+                  </a:schemeClr>
+                </a:solidFill>
+              </a:defRPr>
+            </a:lvl2pPr>
+            <a:lvl3pPr marL="1096907" indent="0" algn="ctr">
+              <a:buNone/>
+              <a:defRPr>
+                <a:solidFill>
+                  <a:schemeClr val="tx1">
+                    <a:tint val="75000"/>
+                  </a:schemeClr>
+                </a:solidFill>
+              </a:defRPr>
+            </a:lvl3pPr>
+            <a:lvl4pPr marL="1645362" indent="0" algn="ctr">
+              <a:buNone/>
+              <a:defRPr>
+                <a:solidFill>
+                  <a:schemeClr val="tx1">
+                    <a:tint val="75000"/>
+                  </a:schemeClr>
+                </a:solidFill>
+              </a:defRPr>
+            </a:lvl4pPr>
+            <a:lvl5pPr marL="2193816" indent="0" algn="ctr">
+              <a:buNone/>
+              <a:defRPr>
+                <a:solidFill>
+                  <a:schemeClr val="tx1">
+                    <a:tint val="75000"/>
+                  </a:schemeClr>
+                </a:solidFill>
+              </a:defRPr>
+            </a:lvl5pPr>
+            <a:lvl6pPr marL="2742267" indent="0" algn="ctr">
+              <a:buNone/>
+              <a:defRPr>
+                <a:solidFill>
+                  <a:schemeClr val="tx1">
+                    <a:tint val="75000"/>
+                  </a:schemeClr>
+                </a:solidFill>
+              </a:defRPr>
+            </a:lvl6pPr>
+            <a:lvl7pPr marL="3290722" indent="0" algn="ctr">
+              <a:buNone/>
+              <a:defRPr>
+                <a:solidFill>
+                  <a:schemeClr val="tx1">
+                    <a:tint val="75000"/>
+                  </a:schemeClr>
+                </a:solidFill>
+              </a:defRPr>
+            </a:lvl7pPr>
+            <a:lvl8pPr marL="3839178" indent="0" algn="ctr">
+              <a:buNone/>
+              <a:defRPr>
+                <a:solidFill>
+                  <a:schemeClr val="tx1">
+                    <a:tint val="75000"/>
+                  </a:schemeClr>
+                </a:solidFill>
+              </a:defRPr>
+            </a:lvl8pPr>
+            <a:lvl9pPr marL="4387630" indent="0" algn="ctr">
+              <a:buNone/>
+              <a:defRPr>
+                <a:solidFill>
+                  <a:schemeClr val="tx1">
+                    <a:tint val="75000"/>
+                  </a:schemeClr>
+                </a:solidFill>
+              </a:defRPr>
+            </a:lvl9pPr>
+          </a:lstStyle>
+          <a:p>
+            <a:r>
+              <a:rPr lang="en-US" smtClean="0"/>
+              <a:t>Click to edit Master subtitle style</a:t>
+            </a:r>
+            <a:endParaRPr lang="en-US" dirty="0"/>
+          </a:p>
+        </p:txBody>
+      </p:sp>
+    </p:spTree>
+    <p:extLst>
+      <p:ext uri="{BB962C8B-B14F-4D97-AF65-F5344CB8AC3E}">
+        <p14:creationId xmlns:p14="http://schemas.microsoft.com/office/powerpoint/2010/main" val="37139107"/>
       </p:ext>
     </p:extLst>
   </p:cSld>
@@ -10332,6 +13565,492 @@
 </p:sldMaster>
 </file>
 
+<file path=ppt/slideMasters/slideMaster4.xml><?xml version="1.0" encoding="utf-8"?>
+<p:sldMaster xmlns:a="http://schemas.openxmlformats.org/drawingml/2006/main" xmlns:r="http://schemas.openxmlformats.org/officeDocument/2006/relationships" xmlns:p="http://schemas.openxmlformats.org/presentationml/2006/main" preserve="1">
+  <p:cSld>
+    <p:bg bwMode="auto">
+      <p:bgPr>
+        <a:blipFill dpi="0" rotWithShape="1">
+          <a:blip r:embed="rId19"/>
+          <a:srcRect/>
+          <a:stretch>
+            <a:fillRect/>
+          </a:stretch>
+        </a:blipFill>
+        <a:effectLst/>
+      </p:bgPr>
+    </p:bg>
+    <p:spTree>
+      <p:nvGrpSpPr>
+        <p:cNvPr id="1" name=""/>
+        <p:cNvGrpSpPr/>
+        <p:nvPr/>
+      </p:nvGrpSpPr>
+      <p:grpSpPr>
+        <a:xfrm>
+          <a:off x="0" y="0"/>
+          <a:ext cx="0" cy="0"/>
+          <a:chOff x="0" y="0"/>
+          <a:chExt cx="0" cy="0"/>
+        </a:xfrm>
+      </p:grpSpPr>
+      <p:sp>
+        <p:nvSpPr>
+          <p:cNvPr id="2" name="Title Placeholder 1"/>
+          <p:cNvSpPr>
+            <a:spLocks noGrp="1"/>
+          </p:cNvSpPr>
+          <p:nvPr>
+            <p:ph type="title"/>
+          </p:nvPr>
+        </p:nvSpPr>
+        <p:spPr bwMode="white">
+          <a:xfrm>
+            <a:off x="609602" y="548642"/>
+            <a:ext cx="13411200" cy="609397"/>
+          </a:xfrm>
+          <a:prstGeom prst="rect">
+            <a:avLst/>
+          </a:prstGeom>
+        </p:spPr>
+        <p:txBody>
+          <a:bodyPr vert="horz" wrap="square" lIns="0" tIns="0" rIns="0" bIns="0" rtlCol="0" anchor="t" anchorCtr="0">
+            <a:spAutoFit/>
+          </a:bodyPr>
+          <a:lstStyle/>
+          <a:p>
+            <a:r>
+              <a:rPr lang="en-US" smtClean="0"/>
+              <a:t>Click to edit Master title style</a:t>
+            </a:r>
+            <a:endParaRPr lang="en-US" dirty="0"/>
+          </a:p>
+        </p:txBody>
+      </p:sp>
+      <p:sp>
+        <p:nvSpPr>
+          <p:cNvPr id="3" name="Text Placeholder 2"/>
+          <p:cNvSpPr>
+            <a:spLocks noGrp="1"/>
+          </p:cNvSpPr>
+          <p:nvPr>
+            <p:ph type="body" idx="1"/>
+          </p:nvPr>
+        </p:nvSpPr>
+        <p:spPr bwMode="white">
+          <a:xfrm>
+            <a:off x="609602" y="1670580"/>
+            <a:ext cx="13411200" cy="5166360"/>
+          </a:xfrm>
+          <a:prstGeom prst="rect">
+            <a:avLst/>
+          </a:prstGeom>
+        </p:spPr>
+        <p:txBody>
+          <a:bodyPr vert="horz" wrap="square" lIns="0" tIns="0" rIns="0" bIns="0" rtlCol="0">
+            <a:noAutofit/>
+          </a:bodyPr>
+          <a:lstStyle/>
+          <a:p>
+            <a:pPr lvl="0"/>
+            <a:r>
+              <a:rPr lang="en-US" smtClean="0"/>
+              <a:t>Click to edit Master text styles</a:t>
+            </a:r>
+          </a:p>
+          <a:p>
+            <a:pPr lvl="1"/>
+            <a:r>
+              <a:rPr lang="en-US" smtClean="0"/>
+              <a:t>Second level</a:t>
+            </a:r>
+          </a:p>
+          <a:p>
+            <a:pPr lvl="2"/>
+            <a:r>
+              <a:rPr lang="en-US" smtClean="0"/>
+              <a:t>Third level</a:t>
+            </a:r>
+          </a:p>
+          <a:p>
+            <a:pPr lvl="3"/>
+            <a:r>
+              <a:rPr lang="en-US" smtClean="0"/>
+              <a:t>Fourth level</a:t>
+            </a:r>
+          </a:p>
+          <a:p>
+            <a:pPr lvl="4"/>
+            <a:r>
+              <a:rPr lang="en-US" smtClean="0"/>
+              <a:t>Fifth level</a:t>
+            </a:r>
+            <a:endParaRPr lang="en-US" dirty="0"/>
+          </a:p>
+        </p:txBody>
+      </p:sp>
+      <p:pic>
+        <p:nvPicPr>
+          <p:cNvPr id="4" name="Picture 3"/>
+          <p:cNvPicPr>
+            <a:picLocks noChangeAspect="1"/>
+          </p:cNvPicPr>
+          <p:nvPr/>
+        </p:nvPicPr>
+        <p:blipFill>
+          <a:blip r:embed="rId20">
+            <a:extLst>
+              <a:ext uri="{28A0092B-C50C-407E-A947-70E740481C1C}">
+                <a14:useLocalDpi xmlns:a14="http://schemas.microsoft.com/office/drawing/2010/main" val="0"/>
+              </a:ext>
+            </a:extLst>
+          </a:blip>
+          <a:stretch>
+            <a:fillRect/>
+          </a:stretch>
+        </p:blipFill>
+        <p:spPr>
+          <a:xfrm>
+            <a:off x="297259" y="7606895"/>
+            <a:ext cx="1207366" cy="295997"/>
+          </a:xfrm>
+          <a:prstGeom prst="rect">
+            <a:avLst/>
+          </a:prstGeom>
+        </p:spPr>
+      </p:pic>
+    </p:spTree>
+    <p:extLst>
+      <p:ext uri="{BB962C8B-B14F-4D97-AF65-F5344CB8AC3E}">
+        <p14:creationId xmlns:p14="http://schemas.microsoft.com/office/powerpoint/2010/main" val="2138223100"/>
+      </p:ext>
+    </p:extLst>
+  </p:cSld>
+  <p:clrMap bg1="lt1" tx1="dk1" bg2="lt2" tx2="dk2" accent1="accent1" accent2="accent2" accent3="accent3" accent4="accent4" accent5="accent5" accent6="accent6" hlink="hlink" folHlink="folHlink"/>
+  <p:sldLayoutIdLst>
+    <p:sldLayoutId id="2147484007" r:id="rId1"/>
+    <p:sldLayoutId id="2147484008" r:id="rId2"/>
+    <p:sldLayoutId id="2147484009" r:id="rId3"/>
+    <p:sldLayoutId id="2147484010" r:id="rId4"/>
+    <p:sldLayoutId id="2147484011" r:id="rId5"/>
+    <p:sldLayoutId id="2147484012" r:id="rId6"/>
+    <p:sldLayoutId id="2147484013" r:id="rId7"/>
+    <p:sldLayoutId id="2147484014" r:id="rId8"/>
+    <p:sldLayoutId id="2147484015" r:id="rId9"/>
+    <p:sldLayoutId id="2147484016" r:id="rId10"/>
+    <p:sldLayoutId id="2147484017" r:id="rId11"/>
+    <p:sldLayoutId id="2147484018" r:id="rId12"/>
+    <p:sldLayoutId id="2147484019" r:id="rId13"/>
+    <p:sldLayoutId id="2147484020" r:id="rId14"/>
+    <p:sldLayoutId id="2147484021" r:id="rId15"/>
+    <p:sldLayoutId id="2147484022" r:id="rId16"/>
+    <p:sldLayoutId id="2147484023" r:id="rId17"/>
+  </p:sldLayoutIdLst>
+  <mc:AlternateContent xmlns:mc="http://schemas.openxmlformats.org/markup-compatibility/2006" xmlns:p14="http://schemas.microsoft.com/office/powerpoint/2010/main">
+    <mc:Choice Requires="p14">
+      <p:transition spd="med" p14:dur="700">
+        <p:fade/>
+      </p:transition>
+    </mc:Choice>
+    <mc:Fallback xmlns="">
+      <p:transition spd="med">
+        <p:fade/>
+      </p:transition>
+    </mc:Fallback>
+  </mc:AlternateContent>
+  <p:timing>
+    <p:tnLst>
+      <p:par>
+        <p:cTn xmlns:p14="http://schemas.microsoft.com/office/powerpoint/2010/main" id="1" dur="indefinite" restart="never" nodeType="tmRoot"/>
+      </p:par>
+    </p:tnLst>
+  </p:timing>
+  <p:hf sldNum="0" hdr="0" ftr="0" dt="0"/>
+  <p:txStyles>
+    <p:titleStyle>
+      <a:lvl1pPr algn="l" defTabSz="1096907" rtl="0" eaLnBrk="1" latinLnBrk="0" hangingPunct="1">
+        <a:lnSpc>
+          <a:spcPct val="90000"/>
+        </a:lnSpc>
+        <a:spcBef>
+          <a:spcPct val="0"/>
+        </a:spcBef>
+        <a:buNone/>
+        <a:defRPr lang="en-US" sz="4300" b="0" i="0" kern="1200" cap="none" spc="0" baseline="0" dirty="0" smtClean="0">
+          <a:ln w="3175">
+            <a:noFill/>
+          </a:ln>
+          <a:solidFill>
+            <a:srgbClr val="435464"/>
+          </a:solidFill>
+          <a:effectLst/>
+          <a:latin typeface="Gill Sans Light"/>
+          <a:ea typeface="+mn-ea"/>
+          <a:cs typeface="Gill Sans Light"/>
+        </a:defRPr>
+      </a:lvl1pPr>
+    </p:titleStyle>
+    <p:bodyStyle>
+      <a:lvl1pPr marL="278046" indent="-278046" algn="l" defTabSz="1096907" rtl="0" eaLnBrk="1" latinLnBrk="0" hangingPunct="1">
+        <a:lnSpc>
+          <a:spcPct val="100000"/>
+        </a:lnSpc>
+        <a:spcBef>
+          <a:spcPts val="720"/>
+        </a:spcBef>
+        <a:buSzPct val="90000"/>
+        <a:buFont typeface="Arial" pitchFamily="34" charset="0"/>
+        <a:buChar char="•"/>
+        <a:defRPr sz="2900" b="0" i="0" kern="1200" baseline="0">
+          <a:solidFill>
+            <a:srgbClr val="435464"/>
+          </a:solidFill>
+          <a:latin typeface="Gill Sans Light"/>
+          <a:ea typeface="+mn-ea"/>
+          <a:cs typeface="Gill Sans Light"/>
+        </a:defRPr>
+      </a:lvl1pPr>
+      <a:lvl2pPr marL="620948" indent="-342900" algn="l" defTabSz="1096907" rtl="0" eaLnBrk="1" latinLnBrk="0" hangingPunct="1">
+        <a:lnSpc>
+          <a:spcPct val="100000"/>
+        </a:lnSpc>
+        <a:spcBef>
+          <a:spcPts val="720"/>
+        </a:spcBef>
+        <a:buSzPct val="25000"/>
+        <a:buFont typeface="Lucida Grande"/>
+        <a:buChar char=" "/>
+        <a:defRPr sz="2400" b="0" i="0" kern="1200" baseline="0">
+          <a:solidFill>
+            <a:srgbClr val="435464"/>
+          </a:solidFill>
+          <a:latin typeface="Gill Sans Light"/>
+          <a:ea typeface="+mn-ea"/>
+          <a:cs typeface="Gill Sans Light"/>
+        </a:defRPr>
+      </a:lvl2pPr>
+      <a:lvl3pPr marL="891376" indent="-342900" algn="l" defTabSz="1096907" rtl="0" eaLnBrk="1" latinLnBrk="0" hangingPunct="1">
+        <a:lnSpc>
+          <a:spcPct val="100000"/>
+        </a:lnSpc>
+        <a:spcBef>
+          <a:spcPts val="720"/>
+        </a:spcBef>
+        <a:buSzPct val="25000"/>
+        <a:buFont typeface="Lucida Grande"/>
+        <a:buChar char=" "/>
+        <a:defRPr sz="2100" b="0" i="0" kern="1200" baseline="0">
+          <a:solidFill>
+            <a:srgbClr val="435464"/>
+          </a:solidFill>
+          <a:latin typeface="Gill Sans Light"/>
+          <a:ea typeface="+mn-ea"/>
+          <a:cs typeface="Gill Sans Light"/>
+        </a:defRPr>
+      </a:lvl3pPr>
+      <a:lvl4pPr marL="1098961" indent="-342900" algn="l" defTabSz="1096907" rtl="0" eaLnBrk="1" latinLnBrk="0" hangingPunct="1">
+        <a:lnSpc>
+          <a:spcPct val="100000"/>
+        </a:lnSpc>
+        <a:spcBef>
+          <a:spcPts val="720"/>
+        </a:spcBef>
+        <a:buSzPct val="25000"/>
+        <a:buFont typeface="Lucida Grande"/>
+        <a:buChar char=" "/>
+        <a:defRPr sz="1900" b="0" i="0" kern="1200" baseline="0">
+          <a:solidFill>
+            <a:srgbClr val="435464"/>
+          </a:solidFill>
+          <a:latin typeface="Gill Sans Light"/>
+          <a:ea typeface="+mn-ea"/>
+          <a:cs typeface="Gill Sans Light"/>
+        </a:defRPr>
+      </a:lvl4pPr>
+      <a:lvl5pPr marL="1304638" indent="-342900" algn="l" defTabSz="1096907" rtl="0" eaLnBrk="1" latinLnBrk="0" hangingPunct="1">
+        <a:lnSpc>
+          <a:spcPct val="100000"/>
+        </a:lnSpc>
+        <a:spcBef>
+          <a:spcPts val="720"/>
+        </a:spcBef>
+        <a:buSzPct val="25000"/>
+        <a:buFont typeface="Lucida Grande"/>
+        <a:buChar char=" "/>
+        <a:defRPr sz="1900" b="0" i="0" kern="1200" baseline="0">
+          <a:solidFill>
+            <a:srgbClr val="435464"/>
+          </a:solidFill>
+          <a:latin typeface="Gill Sans Light"/>
+          <a:ea typeface="+mn-ea"/>
+          <a:cs typeface="Gill Sans Light"/>
+        </a:defRPr>
+      </a:lvl5pPr>
+      <a:lvl6pPr marL="3016494" indent="-274227" algn="l" defTabSz="1096907" rtl="0" eaLnBrk="1" latinLnBrk="0" hangingPunct="1">
+        <a:spcBef>
+          <a:spcPct val="20000"/>
+        </a:spcBef>
+        <a:buFont typeface="Arial" pitchFamily="34" charset="0"/>
+        <a:buChar char="•"/>
+        <a:defRPr sz="2400" kern="1200">
+          <a:solidFill>
+            <a:schemeClr val="tx1"/>
+          </a:solidFill>
+          <a:latin typeface="+mn-lt"/>
+          <a:ea typeface="+mn-ea"/>
+          <a:cs typeface="+mn-cs"/>
+        </a:defRPr>
+      </a:lvl6pPr>
+      <a:lvl7pPr marL="3564949" indent="-274227" algn="l" defTabSz="1096907" rtl="0" eaLnBrk="1" latinLnBrk="0" hangingPunct="1">
+        <a:spcBef>
+          <a:spcPct val="20000"/>
+        </a:spcBef>
+        <a:buFont typeface="Arial" pitchFamily="34" charset="0"/>
+        <a:buChar char="•"/>
+        <a:defRPr sz="2400" kern="1200">
+          <a:solidFill>
+            <a:schemeClr val="tx1"/>
+          </a:solidFill>
+          <a:latin typeface="+mn-lt"/>
+          <a:ea typeface="+mn-ea"/>
+          <a:cs typeface="+mn-cs"/>
+        </a:defRPr>
+      </a:lvl7pPr>
+      <a:lvl8pPr marL="4113403" indent="-274227" algn="l" defTabSz="1096907" rtl="0" eaLnBrk="1" latinLnBrk="0" hangingPunct="1">
+        <a:spcBef>
+          <a:spcPct val="20000"/>
+        </a:spcBef>
+        <a:buFont typeface="Arial" pitchFamily="34" charset="0"/>
+        <a:buChar char="•"/>
+        <a:defRPr sz="2400" kern="1200">
+          <a:solidFill>
+            <a:schemeClr val="tx1"/>
+          </a:solidFill>
+          <a:latin typeface="+mn-lt"/>
+          <a:ea typeface="+mn-ea"/>
+          <a:cs typeface="+mn-cs"/>
+        </a:defRPr>
+      </a:lvl8pPr>
+      <a:lvl9pPr marL="4661858" indent="-274227" algn="l" defTabSz="1096907" rtl="0" eaLnBrk="1" latinLnBrk="0" hangingPunct="1">
+        <a:spcBef>
+          <a:spcPct val="20000"/>
+        </a:spcBef>
+        <a:buFont typeface="Arial" pitchFamily="34" charset="0"/>
+        <a:buChar char="•"/>
+        <a:defRPr sz="2400" kern="1200">
+          <a:solidFill>
+            <a:schemeClr val="tx1"/>
+          </a:solidFill>
+          <a:latin typeface="+mn-lt"/>
+          <a:ea typeface="+mn-ea"/>
+          <a:cs typeface="+mn-cs"/>
+        </a:defRPr>
+      </a:lvl9pPr>
+    </p:bodyStyle>
+    <p:otherStyle>
+      <a:defPPr>
+        <a:defRPr lang="en-US"/>
+      </a:defPPr>
+      <a:lvl1pPr marL="0" algn="l" defTabSz="1096907" rtl="0" eaLnBrk="1" latinLnBrk="0" hangingPunct="1">
+        <a:defRPr sz="2100" kern="1200">
+          <a:solidFill>
+            <a:schemeClr val="tx1"/>
+          </a:solidFill>
+          <a:latin typeface="+mn-lt"/>
+          <a:ea typeface="+mn-ea"/>
+          <a:cs typeface="+mn-cs"/>
+        </a:defRPr>
+      </a:lvl1pPr>
+      <a:lvl2pPr marL="548453" algn="l" defTabSz="1096907" rtl="0" eaLnBrk="1" latinLnBrk="0" hangingPunct="1">
+        <a:defRPr sz="2100" kern="1200">
+          <a:solidFill>
+            <a:schemeClr val="tx1"/>
+          </a:solidFill>
+          <a:latin typeface="+mn-lt"/>
+          <a:ea typeface="+mn-ea"/>
+          <a:cs typeface="+mn-cs"/>
+        </a:defRPr>
+      </a:lvl2pPr>
+      <a:lvl3pPr marL="1096907" algn="l" defTabSz="1096907" rtl="0" eaLnBrk="1" latinLnBrk="0" hangingPunct="1">
+        <a:defRPr sz="2100" kern="1200">
+          <a:solidFill>
+            <a:schemeClr val="tx1"/>
+          </a:solidFill>
+          <a:latin typeface="+mn-lt"/>
+          <a:ea typeface="+mn-ea"/>
+          <a:cs typeface="+mn-cs"/>
+        </a:defRPr>
+      </a:lvl3pPr>
+      <a:lvl4pPr marL="1645362" algn="l" defTabSz="1096907" rtl="0" eaLnBrk="1" latinLnBrk="0" hangingPunct="1">
+        <a:defRPr sz="2100" kern="1200">
+          <a:solidFill>
+            <a:schemeClr val="tx1"/>
+          </a:solidFill>
+          <a:latin typeface="+mn-lt"/>
+          <a:ea typeface="+mn-ea"/>
+          <a:cs typeface="+mn-cs"/>
+        </a:defRPr>
+      </a:lvl4pPr>
+      <a:lvl5pPr marL="2193816" algn="l" defTabSz="1096907" rtl="0" eaLnBrk="1" latinLnBrk="0" hangingPunct="1">
+        <a:defRPr sz="2100" kern="1200">
+          <a:solidFill>
+            <a:schemeClr val="tx1"/>
+          </a:solidFill>
+          <a:latin typeface="+mn-lt"/>
+          <a:ea typeface="+mn-ea"/>
+          <a:cs typeface="+mn-cs"/>
+        </a:defRPr>
+      </a:lvl5pPr>
+      <a:lvl6pPr marL="2742267" algn="l" defTabSz="1096907" rtl="0" eaLnBrk="1" latinLnBrk="0" hangingPunct="1">
+        <a:defRPr sz="2100" kern="1200">
+          <a:solidFill>
+            <a:schemeClr val="tx1"/>
+          </a:solidFill>
+          <a:latin typeface="+mn-lt"/>
+          <a:ea typeface="+mn-ea"/>
+          <a:cs typeface="+mn-cs"/>
+        </a:defRPr>
+      </a:lvl6pPr>
+      <a:lvl7pPr marL="3290722" algn="l" defTabSz="1096907" rtl="0" eaLnBrk="1" latinLnBrk="0" hangingPunct="1">
+        <a:defRPr sz="2100" kern="1200">
+          <a:solidFill>
+            <a:schemeClr val="tx1"/>
+          </a:solidFill>
+          <a:latin typeface="+mn-lt"/>
+          <a:ea typeface="+mn-ea"/>
+          <a:cs typeface="+mn-cs"/>
+        </a:defRPr>
+      </a:lvl7pPr>
+      <a:lvl8pPr marL="3839178" algn="l" defTabSz="1096907" rtl="0" eaLnBrk="1" latinLnBrk="0" hangingPunct="1">
+        <a:defRPr sz="2100" kern="1200">
+          <a:solidFill>
+            <a:schemeClr val="tx1"/>
+          </a:solidFill>
+          <a:latin typeface="+mn-lt"/>
+          <a:ea typeface="+mn-ea"/>
+          <a:cs typeface="+mn-cs"/>
+        </a:defRPr>
+      </a:lvl8pPr>
+      <a:lvl9pPr marL="4387630" algn="l" defTabSz="1096907" rtl="0" eaLnBrk="1" latinLnBrk="0" hangingPunct="1">
+        <a:defRPr sz="2100" kern="1200">
+          <a:solidFill>
+            <a:schemeClr val="tx1"/>
+          </a:solidFill>
+          <a:latin typeface="+mn-lt"/>
+          <a:ea typeface="+mn-ea"/>
+          <a:cs typeface="+mn-cs"/>
+        </a:defRPr>
+      </a:lvl9pPr>
+    </p:otherStyle>
+  </p:txStyles>
+  <p:extLst mod="1">
+    <p:ext uri="{27BBF7A9-308A-43DC-89C8-2F10F3537804}">
+      <p15:sldGuideLst xmlns="" xmlns:p15="http://schemas.microsoft.com/office/powerpoint/2012/main"/>
+    </p:ext>
+  </p:extLst>
+</p:sldMaster>
+</file>
+
 <file path=ppt/slides/slide1.xml><?xml version="1.0" encoding="utf-8"?>
 <p:sld xmlns:a="http://schemas.openxmlformats.org/drawingml/2006/main" xmlns:r="http://schemas.openxmlformats.org/officeDocument/2006/relationships" xmlns:p="http://schemas.openxmlformats.org/presentationml/2006/main">
   <p:cSld>
@@ -11716,11 +15435,11 @@
             </a:r>
             <a:r>
               <a:rPr lang="en-US" sz="2400" b="1" dirty="0" smtClean="0"/>
-              <a:t>- test/smoke/default/</a:t>
+              <a:t>- /home/chef/profiles/</a:t>
             </a:r>
             <a:r>
               <a:rPr lang="en-US" sz="2400" b="1" dirty="0" err="1" smtClean="0"/>
-              <a:t>server.rb</a:t>
+              <a:t>ssh</a:t>
             </a:r>
             <a:endParaRPr lang="en-US" sz="2400" b="1" dirty="0" smtClean="0"/>
           </a:p>
@@ -13490,170 +17209,6 @@
           <a:p>
             <a:r>
               <a:rPr lang="en-US" dirty="0" smtClean="0"/>
-              <a:t>Add Smoke Tests</a:t>
-            </a:r>
-            <a:endParaRPr lang="en-US" dirty="0"/>
-          </a:p>
-        </p:txBody>
-      </p:sp>
-      <p:sp>
-        <p:nvSpPr>
-          <p:cNvPr id="5" name="Content Placeholder 4"/>
-          <p:cNvSpPr>
-            <a:spLocks noGrp="1"/>
-          </p:cNvSpPr>
-          <p:nvPr>
-            <p:ph sz="quarter" idx="11"/>
-          </p:nvPr>
-        </p:nvSpPr>
-        <p:spPr/>
-        <p:txBody>
-          <a:bodyPr/>
-          <a:lstStyle/>
-          <a:p>
-            <a:endParaRPr lang="en-US"/>
-          </a:p>
-        </p:txBody>
-      </p:sp>
-      <p:sp>
-        <p:nvSpPr>
-          <p:cNvPr id="4" name="Text Placeholder 3"/>
-          <p:cNvSpPr>
-            <a:spLocks noGrp="1"/>
-          </p:cNvSpPr>
-          <p:nvPr>
-            <p:ph type="body" sz="quarter" idx="12"/>
-          </p:nvPr>
-        </p:nvSpPr>
-        <p:spPr/>
-        <p:txBody>
-          <a:bodyPr>
-            <a:normAutofit fontScale="92500"/>
-          </a:bodyPr>
-          <a:lstStyle/>
-          <a:p>
-            <a:r>
-              <a:rPr lang="en-US" dirty="0" err="1"/>
-              <a:t>cp</a:t>
-            </a:r>
-            <a:r>
-              <a:rPr lang="en-US" dirty="0"/>
-              <a:t> </a:t>
-            </a:r>
-            <a:r>
-              <a:rPr lang="en-US" dirty="0" smtClean="0"/>
-              <a:t>~/profiles</a:t>
-            </a:r>
-            <a:r>
-              <a:rPr lang="en-US" dirty="0"/>
-              <a:t>/</a:t>
-            </a:r>
-            <a:r>
-              <a:rPr lang="en-US" dirty="0" err="1"/>
-              <a:t>ssh</a:t>
-            </a:r>
-            <a:r>
-              <a:rPr lang="en-US" dirty="0"/>
-              <a:t>/controls/</a:t>
-            </a:r>
-            <a:r>
-              <a:rPr lang="en-US" dirty="0" err="1"/>
-              <a:t>ssh.rb</a:t>
-            </a:r>
-            <a:r>
-              <a:rPr lang="en-US" dirty="0"/>
-              <a:t> </a:t>
-            </a:r>
-            <a:r>
-              <a:rPr lang="en-US" dirty="0" smtClean="0"/>
-              <a:t>~/cookbooks</a:t>
-            </a:r>
-            <a:r>
-              <a:rPr lang="en-US" dirty="0"/>
-              <a:t>/</a:t>
-            </a:r>
-            <a:r>
-              <a:rPr lang="en-US" dirty="0" err="1"/>
-              <a:t>ssh</a:t>
-            </a:r>
-            <a:r>
-              <a:rPr lang="en-US" dirty="0"/>
-              <a:t>/test/smoke/default/</a:t>
-            </a:r>
-            <a:r>
-              <a:rPr lang="en-US" dirty="0" err="1"/>
-              <a:t>server.rb</a:t>
-            </a:r>
-            <a:endParaRPr lang="en-US" dirty="0"/>
-          </a:p>
-        </p:txBody>
-      </p:sp>
-    </p:spTree>
-    <p:extLst>
-      <p:ext uri="{BB962C8B-B14F-4D97-AF65-F5344CB8AC3E}">
-        <p14:creationId xmlns:p14="http://schemas.microsoft.com/office/powerpoint/2010/main" val="608042242"/>
-      </p:ext>
-    </p:extLst>
-  </p:cSld>
-  <p:clrMapOvr>
-    <a:masterClrMapping/>
-  </p:clrMapOvr>
-  <mc:AlternateContent xmlns:mc="http://schemas.openxmlformats.org/markup-compatibility/2006" xmlns:p14="http://schemas.microsoft.com/office/powerpoint/2010/main">
-    <mc:Choice Requires="p14">
-      <p:transition spd="med" p14:dur="700">
-        <p:fade/>
-      </p:transition>
-    </mc:Choice>
-    <mc:Fallback xmlns="">
-      <p:transition spd="med">
-        <p:fade/>
-      </p:transition>
-    </mc:Fallback>
-  </mc:AlternateContent>
-  <p:timing>
-    <p:tnLst>
-      <p:par>
-        <p:cTn xmlns:p14="http://schemas.microsoft.com/office/powerpoint/2010/main" id="1" dur="indefinite" restart="never" nodeType="tmRoot"/>
-      </p:par>
-    </p:tnLst>
-  </p:timing>
-</p:sld>
-</file>
-
-<file path=ppt/slides/slide19.xml><?xml version="1.0" encoding="utf-8"?>
-<p:sld xmlns:a="http://schemas.openxmlformats.org/drawingml/2006/main" xmlns:r="http://schemas.openxmlformats.org/officeDocument/2006/relationships" xmlns:p="http://schemas.openxmlformats.org/presentationml/2006/main">
-  <p:cSld>
-    <p:spTree>
-      <p:nvGrpSpPr>
-        <p:cNvPr id="1" name=""/>
-        <p:cNvGrpSpPr/>
-        <p:nvPr/>
-      </p:nvGrpSpPr>
-      <p:grpSpPr>
-        <a:xfrm>
-          <a:off x="0" y="0"/>
-          <a:ext cx="0" cy="0"/>
-          <a:chOff x="0" y="0"/>
-          <a:chExt cx="0" cy="0"/>
-        </a:xfrm>
-      </p:grpSpPr>
-      <p:sp>
-        <p:nvSpPr>
-          <p:cNvPr id="2" name="Title 1"/>
-          <p:cNvSpPr>
-            <a:spLocks noGrp="1"/>
-          </p:cNvSpPr>
-          <p:nvPr>
-            <p:ph type="title"/>
-          </p:nvPr>
-        </p:nvSpPr>
-        <p:spPr/>
-        <p:txBody>
-          <a:bodyPr/>
-          <a:lstStyle/>
-          <a:p>
-            <a:r>
-              <a:rPr lang="en-US" dirty="0" smtClean="0"/>
               <a:t>Verify the Kitchen</a:t>
             </a:r>
             <a:endParaRPr lang="en-US" dirty="0"/>
@@ -13876,116 +17431,7 @@
 </p:sld>
 </file>
 
-<file path=ppt/slides/slide2.xml><?xml version="1.0" encoding="utf-8"?>
-<p:sld xmlns:a="http://schemas.openxmlformats.org/drawingml/2006/main" xmlns:r="http://schemas.openxmlformats.org/officeDocument/2006/relationships" xmlns:p="http://schemas.openxmlformats.org/presentationml/2006/main">
-  <p:cSld>
-    <p:spTree>
-      <p:nvGrpSpPr>
-        <p:cNvPr id="1" name=""/>
-        <p:cNvGrpSpPr/>
-        <p:nvPr/>
-      </p:nvGrpSpPr>
-      <p:grpSpPr>
-        <a:xfrm>
-          <a:off x="0" y="0"/>
-          <a:ext cx="0" cy="0"/>
-          <a:chOff x="0" y="0"/>
-          <a:chExt cx="0" cy="0"/>
-        </a:xfrm>
-      </p:grpSpPr>
-      <p:sp>
-        <p:nvSpPr>
-          <p:cNvPr id="4" name="Title 3"/>
-          <p:cNvSpPr>
-            <a:spLocks noGrp="1"/>
-          </p:cNvSpPr>
-          <p:nvPr>
-            <p:ph type="title"/>
-          </p:nvPr>
-        </p:nvSpPr>
-        <p:spPr/>
-        <p:txBody>
-          <a:bodyPr/>
-          <a:lstStyle/>
-          <a:p>
-            <a:r>
-              <a:rPr lang="en-US" dirty="0" smtClean="0"/>
-              <a:t>Simple SSH Cookbook</a:t>
-            </a:r>
-            <a:endParaRPr lang="en-US" dirty="0"/>
-          </a:p>
-        </p:txBody>
-      </p:sp>
-      <p:sp>
-        <p:nvSpPr>
-          <p:cNvPr id="5" name="Text Placeholder 4"/>
-          <p:cNvSpPr>
-            <a:spLocks noGrp="1"/>
-          </p:cNvSpPr>
-          <p:nvPr>
-            <p:ph type="body" sz="quarter" idx="10"/>
-          </p:nvPr>
-        </p:nvSpPr>
-        <p:spPr/>
-        <p:txBody>
-          <a:bodyPr/>
-          <a:lstStyle/>
-          <a:p>
-            <a:r>
-              <a:rPr lang="en-US" dirty="0" smtClean="0"/>
-              <a:t>A server recipe to manage the </a:t>
-            </a:r>
-            <a:r>
-              <a:rPr lang="en-US" dirty="0" err="1" smtClean="0"/>
-              <a:t>sshd_config</a:t>
-            </a:r>
-            <a:r>
-              <a:rPr lang="en-US" dirty="0" smtClean="0"/>
-              <a:t> file</a:t>
-            </a:r>
-          </a:p>
-          <a:p>
-            <a:r>
-              <a:rPr lang="en-US" dirty="0" smtClean="0"/>
-              <a:t>Local test environment configured</a:t>
-            </a:r>
-            <a:endParaRPr lang="en-US" dirty="0"/>
-          </a:p>
-        </p:txBody>
-      </p:sp>
-    </p:spTree>
-    <p:extLst>
-      <p:ext uri="{BB962C8B-B14F-4D97-AF65-F5344CB8AC3E}">
-        <p14:creationId xmlns:p14="http://schemas.microsoft.com/office/powerpoint/2010/main" val="2594124120"/>
-      </p:ext>
-    </p:extLst>
-  </p:cSld>
-  <p:clrMapOvr>
-    <a:masterClrMapping/>
-  </p:clrMapOvr>
-  <mc:AlternateContent xmlns:mc="http://schemas.openxmlformats.org/markup-compatibility/2006" xmlns:p14="http://schemas.microsoft.com/office/powerpoint/2010/main">
-    <mc:Choice Requires="p14">
-      <p:transition spd="med" p14:dur="700">
-        <p:fade/>
-      </p:transition>
-    </mc:Choice>
-    <mc:Fallback xmlns="">
-      <p:transition spd="med">
-        <p:fade/>
-      </p:transition>
-    </mc:Fallback>
-  </mc:AlternateContent>
-  <p:timing>
-    <p:tnLst>
-      <p:par>
-        <p:cTn xmlns:p14="http://schemas.microsoft.com/office/powerpoint/2010/main" id="1" dur="indefinite" restart="never" nodeType="tmRoot"/>
-      </p:par>
-    </p:tnLst>
-  </p:timing>
-</p:sld>
-</file>
-
-<file path=ppt/slides/slide20.xml><?xml version="1.0" encoding="utf-8"?>
+<file path=ppt/slides/slide19.xml><?xml version="1.0" encoding="utf-8"?>
 <p:sld xmlns:a="http://schemas.openxmlformats.org/drawingml/2006/main" xmlns:r="http://schemas.openxmlformats.org/officeDocument/2006/relationships" xmlns:p="http://schemas.openxmlformats.org/presentationml/2006/main">
   <p:cSld>
     <p:spTree>
@@ -14444,7 +17890,116 @@
 </p:sld>
 </file>
 
-<file path=ppt/slides/slide21.xml><?xml version="1.0" encoding="utf-8"?>
+<file path=ppt/slides/slide2.xml><?xml version="1.0" encoding="utf-8"?>
+<p:sld xmlns:a="http://schemas.openxmlformats.org/drawingml/2006/main" xmlns:r="http://schemas.openxmlformats.org/officeDocument/2006/relationships" xmlns:p="http://schemas.openxmlformats.org/presentationml/2006/main">
+  <p:cSld>
+    <p:spTree>
+      <p:nvGrpSpPr>
+        <p:cNvPr id="1" name=""/>
+        <p:cNvGrpSpPr/>
+        <p:nvPr/>
+      </p:nvGrpSpPr>
+      <p:grpSpPr>
+        <a:xfrm>
+          <a:off x="0" y="0"/>
+          <a:ext cx="0" cy="0"/>
+          <a:chOff x="0" y="0"/>
+          <a:chExt cx="0" cy="0"/>
+        </a:xfrm>
+      </p:grpSpPr>
+      <p:sp>
+        <p:nvSpPr>
+          <p:cNvPr id="4" name="Title 3"/>
+          <p:cNvSpPr>
+            <a:spLocks noGrp="1"/>
+          </p:cNvSpPr>
+          <p:nvPr>
+            <p:ph type="title"/>
+          </p:nvPr>
+        </p:nvSpPr>
+        <p:spPr/>
+        <p:txBody>
+          <a:bodyPr/>
+          <a:lstStyle/>
+          <a:p>
+            <a:r>
+              <a:rPr lang="en-US" dirty="0" smtClean="0"/>
+              <a:t>Simple SSH Cookbook</a:t>
+            </a:r>
+            <a:endParaRPr lang="en-US" dirty="0"/>
+          </a:p>
+        </p:txBody>
+      </p:sp>
+      <p:sp>
+        <p:nvSpPr>
+          <p:cNvPr id="5" name="Text Placeholder 4"/>
+          <p:cNvSpPr>
+            <a:spLocks noGrp="1"/>
+          </p:cNvSpPr>
+          <p:nvPr>
+            <p:ph type="body" sz="quarter" idx="10"/>
+          </p:nvPr>
+        </p:nvSpPr>
+        <p:spPr/>
+        <p:txBody>
+          <a:bodyPr/>
+          <a:lstStyle/>
+          <a:p>
+            <a:r>
+              <a:rPr lang="en-US" dirty="0" smtClean="0"/>
+              <a:t>A server recipe to manage the </a:t>
+            </a:r>
+            <a:r>
+              <a:rPr lang="en-US" dirty="0" err="1" smtClean="0"/>
+              <a:t>sshd_config</a:t>
+            </a:r>
+            <a:r>
+              <a:rPr lang="en-US" dirty="0" smtClean="0"/>
+              <a:t> file</a:t>
+            </a:r>
+          </a:p>
+          <a:p>
+            <a:r>
+              <a:rPr lang="en-US" dirty="0" smtClean="0"/>
+              <a:t>Local test environment configured</a:t>
+            </a:r>
+            <a:endParaRPr lang="en-US" dirty="0"/>
+          </a:p>
+        </p:txBody>
+      </p:sp>
+    </p:spTree>
+    <p:extLst>
+      <p:ext uri="{BB962C8B-B14F-4D97-AF65-F5344CB8AC3E}">
+        <p14:creationId xmlns:p14="http://schemas.microsoft.com/office/powerpoint/2010/main" val="2594124120"/>
+      </p:ext>
+    </p:extLst>
+  </p:cSld>
+  <p:clrMapOvr>
+    <a:masterClrMapping/>
+  </p:clrMapOvr>
+  <mc:AlternateContent xmlns:mc="http://schemas.openxmlformats.org/markup-compatibility/2006" xmlns:p14="http://schemas.microsoft.com/office/powerpoint/2010/main">
+    <mc:Choice Requires="p14">
+      <p:transition spd="med" p14:dur="700">
+        <p:fade/>
+      </p:transition>
+    </mc:Choice>
+    <mc:Fallback xmlns="">
+      <p:transition spd="med">
+        <p:fade/>
+      </p:transition>
+    </mc:Fallback>
+  </mc:AlternateContent>
+  <p:timing>
+    <p:tnLst>
+      <p:par>
+        <p:cTn xmlns:p14="http://schemas.microsoft.com/office/powerpoint/2010/main" id="1" dur="indefinite" restart="never" nodeType="tmRoot"/>
+      </p:par>
+    </p:tnLst>
+  </p:timing>
+</p:sld>
+</file>
+
+<file path=ppt/slides/slide20.xml><?xml version="1.0" encoding="utf-8"?>
 <p:sld xmlns:a="http://schemas.openxmlformats.org/drawingml/2006/main" xmlns:r="http://schemas.openxmlformats.org/officeDocument/2006/relationships" xmlns:p="http://schemas.openxmlformats.org/presentationml/2006/main">
   <p:cSld>
     <p:spTree>
@@ -14763,7 +18318,7 @@
 </p:sld>
 </file>
 
-<file path=ppt/slides/slide22.xml><?xml version="1.0" encoding="utf-8"?>
+<file path=ppt/slides/slide21.xml><?xml version="1.0" encoding="utf-8"?>
 <p:sld xmlns:a="http://schemas.openxmlformats.org/drawingml/2006/main" xmlns:r="http://schemas.openxmlformats.org/officeDocument/2006/relationships" xmlns:p="http://schemas.openxmlformats.org/presentationml/2006/main">
   <p:cSld>
     <p:spTree>
@@ -15612,7 +19167,7 @@
 </p:sld>
 </file>
 
-<file path=ppt/slides/slide23.xml><?xml version="1.0" encoding="utf-8"?>
+<file path=ppt/slides/slide22.xml><?xml version="1.0" encoding="utf-8"?>
 <p:sld xmlns:a="http://schemas.openxmlformats.org/drawingml/2006/main" xmlns:r="http://schemas.openxmlformats.org/officeDocument/2006/relationships" xmlns:p="http://schemas.openxmlformats.org/presentationml/2006/main">
   <p:cSld>
     <p:spTree>
@@ -15832,7 +19387,7 @@
 </p:sld>
 </file>
 
-<file path=ppt/slides/slide24.xml><?xml version="1.0" encoding="utf-8"?>
+<file path=ppt/slides/slide23.xml><?xml version="1.0" encoding="utf-8"?>
 <p:sld xmlns:a="http://schemas.openxmlformats.org/drawingml/2006/main" xmlns:r="http://schemas.openxmlformats.org/officeDocument/2006/relationships" xmlns:p="http://schemas.openxmlformats.org/presentationml/2006/main">
   <p:cSld>
     <p:spTree>
@@ -16036,7 +19591,7 @@
 </p:sld>
 </file>
 
-<file path=ppt/slides/slide25.xml><?xml version="1.0" encoding="utf-8"?>
+<file path=ppt/slides/slide24.xml><?xml version="1.0" encoding="utf-8"?>
 <p:sld xmlns:a="http://schemas.openxmlformats.org/drawingml/2006/main" xmlns:r="http://schemas.openxmlformats.org/officeDocument/2006/relationships" xmlns:p="http://schemas.openxmlformats.org/presentationml/2006/main">
   <p:cSld>
     <p:spTree>
@@ -16885,6 +20440,197 @@
 </p:sld>
 </file>
 
+<file path=ppt/slides/slide25.xml><?xml version="1.0" encoding="utf-8"?>
+<p:sld xmlns:a="http://schemas.openxmlformats.org/drawingml/2006/main" xmlns:r="http://schemas.openxmlformats.org/officeDocument/2006/relationships" xmlns:p="http://schemas.openxmlformats.org/presentationml/2006/main">
+  <p:cSld>
+    <p:spTree>
+      <p:nvGrpSpPr>
+        <p:cNvPr id="1" name=""/>
+        <p:cNvGrpSpPr/>
+        <p:nvPr/>
+      </p:nvGrpSpPr>
+      <p:grpSpPr>
+        <a:xfrm>
+          <a:off x="0" y="0"/>
+          <a:ext cx="0" cy="0"/>
+          <a:chOff x="0" y="0"/>
+          <a:chExt cx="0" cy="0"/>
+        </a:xfrm>
+      </p:grpSpPr>
+      <p:sp>
+        <p:nvSpPr>
+          <p:cNvPr id="2" name="Title 1"/>
+          <p:cNvSpPr>
+            <a:spLocks noGrp="1"/>
+          </p:cNvSpPr>
+          <p:nvPr>
+            <p:ph type="title"/>
+          </p:nvPr>
+        </p:nvSpPr>
+        <p:spPr/>
+        <p:txBody>
+          <a:bodyPr/>
+          <a:lstStyle/>
+          <a:p>
+            <a:r>
+              <a:rPr lang="en-US" dirty="0" smtClean="0"/>
+              <a:t>Test the Kitchen (1of 2)</a:t>
+            </a:r>
+            <a:endParaRPr lang="en-US" dirty="0"/>
+          </a:p>
+        </p:txBody>
+      </p:sp>
+      <p:sp>
+        <p:nvSpPr>
+          <p:cNvPr id="3" name="Content Placeholder 2"/>
+          <p:cNvSpPr>
+            <a:spLocks noGrp="1"/>
+          </p:cNvSpPr>
+          <p:nvPr>
+            <p:ph sz="quarter" idx="11"/>
+          </p:nvPr>
+        </p:nvSpPr>
+        <p:spPr/>
+        <p:txBody>
+          <a:bodyPr>
+            <a:normAutofit fontScale="92500" lnSpcReduction="20000"/>
+          </a:bodyPr>
+          <a:lstStyle/>
+          <a:p>
+            <a:r>
+              <a:rPr lang="en-US" dirty="0"/>
+              <a:t>-----&gt; Starting Kitchen (v1.15.0)</a:t>
+            </a:r>
+          </a:p>
+          <a:p>
+            <a:r>
+              <a:rPr lang="en-US" dirty="0"/>
+              <a:t>...</a:t>
+            </a:r>
+          </a:p>
+          <a:p>
+            <a:r>
+              <a:rPr lang="en-US" dirty="0"/>
+              <a:t>-----&gt; Cleaning up any prior instances of &lt;server-centos-73&gt;</a:t>
+            </a:r>
+          </a:p>
+          <a:p>
+            <a:r>
+              <a:rPr lang="en-US" dirty="0"/>
+              <a:t>-----&gt; Destroying &lt;server-centos-73&gt;...</a:t>
+            </a:r>
+          </a:p>
+          <a:p>
+            <a:r>
+              <a:rPr lang="en-US" dirty="0"/>
+              <a:t>...</a:t>
+            </a:r>
+          </a:p>
+          <a:p>
+            <a:r>
+              <a:rPr lang="en-US" dirty="0"/>
+              <a:t>-----&gt; Testing &lt;server-centos-73&gt;</a:t>
+            </a:r>
+          </a:p>
+          <a:p>
+            <a:r>
+              <a:rPr lang="en-US" dirty="0"/>
+              <a:t>-----&gt; Creating &lt;server-centos-73&gt;...</a:t>
+            </a:r>
+          </a:p>
+          <a:p>
+            <a:r>
+              <a:rPr lang="en-US" dirty="0"/>
+              <a:t>...</a:t>
+            </a:r>
+          </a:p>
+          <a:p>
+            <a:r>
+              <a:rPr lang="en-US" dirty="0"/>
+              <a:t>-----&gt; Creating &lt;server-centos-73&gt;...</a:t>
+            </a:r>
+          </a:p>
+          <a:p>
+            <a:r>
+              <a:rPr lang="en-US" dirty="0"/>
+              <a:t>...</a:t>
+            </a:r>
+          </a:p>
+          <a:p>
+            <a:r>
+              <a:rPr lang="en-US" dirty="0"/>
+              <a:t>       Finished creating &lt;server-centos-73&gt; (0m0.60s).</a:t>
+            </a:r>
+          </a:p>
+          <a:p>
+            <a:r>
+              <a:rPr lang="en-US" dirty="0"/>
+              <a:t>-----&gt; Converging &lt;server-centos-73&gt;...</a:t>
+            </a:r>
+          </a:p>
+          <a:p>
+            <a:r>
+              <a:rPr lang="en-US" dirty="0"/>
+              <a:t>...</a:t>
+            </a:r>
+          </a:p>
+        </p:txBody>
+      </p:sp>
+      <p:sp>
+        <p:nvSpPr>
+          <p:cNvPr id="4" name="Text Placeholder 3"/>
+          <p:cNvSpPr>
+            <a:spLocks noGrp="1"/>
+          </p:cNvSpPr>
+          <p:nvPr>
+            <p:ph type="body" sz="quarter" idx="12"/>
+          </p:nvPr>
+        </p:nvSpPr>
+        <p:spPr/>
+        <p:txBody>
+          <a:bodyPr/>
+          <a:lstStyle/>
+          <a:p>
+            <a:r>
+              <a:rPr lang="en-US" dirty="0" smtClean="0"/>
+              <a:t>kitchen test</a:t>
+            </a:r>
+            <a:endParaRPr lang="en-US" dirty="0"/>
+          </a:p>
+        </p:txBody>
+      </p:sp>
+    </p:spTree>
+    <p:extLst>
+      <p:ext uri="{BB962C8B-B14F-4D97-AF65-F5344CB8AC3E}">
+        <p14:creationId xmlns:p14="http://schemas.microsoft.com/office/powerpoint/2010/main" val="3610316771"/>
+      </p:ext>
+    </p:extLst>
+  </p:cSld>
+  <p:clrMapOvr>
+    <a:masterClrMapping/>
+  </p:clrMapOvr>
+  <mc:AlternateContent xmlns:mc="http://schemas.openxmlformats.org/markup-compatibility/2006" xmlns:p14="http://schemas.microsoft.com/office/powerpoint/2010/main">
+    <mc:Choice Requires="p14">
+      <p:transition spd="med" p14:dur="700">
+        <p:fade/>
+      </p:transition>
+    </mc:Choice>
+    <mc:Fallback xmlns="">
+      <p:transition spd="med">
+        <p:fade/>
+      </p:transition>
+    </mc:Fallback>
+  </mc:AlternateContent>
+  <p:timing>
+    <p:tnLst>
+      <p:par>
+        <p:cTn xmlns:p14="http://schemas.microsoft.com/office/powerpoint/2010/main" id="1" dur="indefinite" restart="never" nodeType="tmRoot"/>
+      </p:par>
+    </p:tnLst>
+  </p:timing>
+</p:sld>
+</file>
+
 <file path=ppt/slides/slide26.xml><?xml version="1.0" encoding="utf-8"?>
 <p:sld xmlns:a="http://schemas.openxmlformats.org/drawingml/2006/main" xmlns:r="http://schemas.openxmlformats.org/officeDocument/2006/relationships" xmlns:p="http://schemas.openxmlformats.org/presentationml/2006/main">
   <p:cSld>
@@ -16919,7 +20665,7 @@
           <a:p>
             <a:r>
               <a:rPr lang="en-US" dirty="0" smtClean="0"/>
-              <a:t>Test the Kitchen (1of 2)</a:t>
+              <a:t>Test the Kitchen (2 of 2)</a:t>
             </a:r>
             <a:endParaRPr lang="en-US" dirty="0"/>
           </a:p>
@@ -16938,13 +20684,13 @@
         <p:spPr/>
         <p:txBody>
           <a:bodyPr>
-            <a:normAutofit fontScale="92500" lnSpcReduction="20000"/>
+            <a:normAutofit fontScale="92500" lnSpcReduction="10000"/>
           </a:bodyPr>
           <a:lstStyle/>
           <a:p>
             <a:r>
               <a:rPr lang="en-US" dirty="0"/>
-              <a:t>-----&gt; Starting Kitchen (v1.15.0)</a:t>
+              <a:t>-----&gt; Installing Chef Omnibus (install only if missing)</a:t>
             </a:r>
           </a:p>
           <a:p>
@@ -16956,7 +20702,43 @@
           <a:p>
             <a:r>
               <a:rPr lang="en-US" dirty="0"/>
-              <a:t>-----&gt; Cleaning up any prior instances of &lt;server-centos-73&gt;</a:t>
+              <a:t>-----&gt; Setting up &lt;server-centos-73&gt;...</a:t>
+            </a:r>
+          </a:p>
+          <a:p>
+            <a:r>
+              <a:rPr lang="en-US" dirty="0"/>
+              <a:t>       Finished setting up &lt;server-centos-73&gt; (0m0.00s).</a:t>
+            </a:r>
+          </a:p>
+          <a:p>
+            <a:r>
+              <a:rPr lang="en-US" dirty="0"/>
+              <a:t>-----&gt; Verifying &lt;server-centos-73&gt;...</a:t>
+            </a:r>
+          </a:p>
+          <a:p>
+            <a:r>
+              <a:rPr lang="en-US" dirty="0"/>
+              <a:t>...</a:t>
+            </a:r>
+          </a:p>
+          <a:p>
+            <a:r>
+              <a:rPr lang="en-US" dirty="0"/>
+              <a:t>Profile Summary: 1 successful, 0 failures, 0 skipped</a:t>
+            </a:r>
+          </a:p>
+          <a:p>
+            <a:r>
+              <a:rPr lang="en-US" dirty="0"/>
+              <a:t>Test Summary: 1 successful, 0 failures, 0 skipped</a:t>
+            </a:r>
+          </a:p>
+          <a:p>
+            <a:r>
+              <a:rPr lang="en-US" dirty="0"/>
+              <a:t>       Finished verifying &lt;server-centos-73&gt; (0m0.51s).</a:t>
             </a:r>
           </a:p>
           <a:p>
@@ -16974,49 +20756,7 @@
           <a:p>
             <a:r>
               <a:rPr lang="en-US" dirty="0"/>
-              <a:t>-----&gt; Testing &lt;server-centos-73&gt;</a:t>
-            </a:r>
-          </a:p>
-          <a:p>
-            <a:r>
-              <a:rPr lang="en-US" dirty="0"/>
-              <a:t>-----&gt; Creating &lt;server-centos-73&gt;...</a:t>
-            </a:r>
-          </a:p>
-          <a:p>
-            <a:r>
-              <a:rPr lang="en-US" dirty="0"/>
-              <a:t>...</a:t>
-            </a:r>
-          </a:p>
-          <a:p>
-            <a:r>
-              <a:rPr lang="en-US" dirty="0"/>
-              <a:t>-----&gt; Creating &lt;server-centos-73&gt;...</a:t>
-            </a:r>
-          </a:p>
-          <a:p>
-            <a:r>
-              <a:rPr lang="en-US" dirty="0"/>
-              <a:t>...</a:t>
-            </a:r>
-          </a:p>
-          <a:p>
-            <a:r>
-              <a:rPr lang="en-US" dirty="0"/>
-              <a:t>       Finished creating &lt;server-centos-73&gt; (0m0.60s).</a:t>
-            </a:r>
-          </a:p>
-          <a:p>
-            <a:r>
-              <a:rPr lang="en-US" dirty="0"/>
-              <a:t>-----&gt; Converging &lt;server-centos-73&gt;...</a:t>
-            </a:r>
-          </a:p>
-          <a:p>
-            <a:r>
-              <a:rPr lang="en-US" dirty="0"/>
-              <a:t>...</a:t>
+              <a:t>-----&gt; Kitchen is finished. (0m25.18s)</a:t>
             </a:r>
           </a:p>
         </p:txBody>
@@ -17047,7 +20787,7 @@
     </p:spTree>
     <p:extLst>
       <p:ext uri="{BB962C8B-B14F-4D97-AF65-F5344CB8AC3E}">
-        <p14:creationId xmlns:p14="http://schemas.microsoft.com/office/powerpoint/2010/main" val="3610316771"/>
+        <p14:creationId xmlns:p14="http://schemas.microsoft.com/office/powerpoint/2010/main" val="1637455770"/>
       </p:ext>
     </p:extLst>
   </p:cSld>
@@ -17110,7 +20850,7 @@
           <a:p>
             <a:r>
               <a:rPr lang="en-US" dirty="0" smtClean="0"/>
-              <a:t>Test the Kitchen (2 of 2)</a:t>
+              <a:t>What’s next?</a:t>
             </a:r>
             <a:endParaRPr lang="en-US" dirty="0"/>
           </a:p>
@@ -17118,102 +20858,12 @@
       </p:sp>
       <p:sp>
         <p:nvSpPr>
-          <p:cNvPr id="3" name="Content Placeholder 2"/>
+          <p:cNvPr id="3" name="Text Placeholder 2"/>
           <p:cNvSpPr>
             <a:spLocks noGrp="1"/>
           </p:cNvSpPr>
           <p:nvPr>
-            <p:ph sz="quarter" idx="11"/>
-          </p:nvPr>
-        </p:nvSpPr>
-        <p:spPr/>
-        <p:txBody>
-          <a:bodyPr>
-            <a:normAutofit fontScale="92500" lnSpcReduction="10000"/>
-          </a:bodyPr>
-          <a:lstStyle/>
-          <a:p>
-            <a:r>
-              <a:rPr lang="en-US" dirty="0"/>
-              <a:t>-----&gt; Installing Chef Omnibus (install only if missing)</a:t>
-            </a:r>
-          </a:p>
-          <a:p>
-            <a:r>
-              <a:rPr lang="en-US" dirty="0"/>
-              <a:t>...</a:t>
-            </a:r>
-          </a:p>
-          <a:p>
-            <a:r>
-              <a:rPr lang="en-US" dirty="0"/>
-              <a:t>-----&gt; Setting up &lt;server-centos-73&gt;...</a:t>
-            </a:r>
-          </a:p>
-          <a:p>
-            <a:r>
-              <a:rPr lang="en-US" dirty="0"/>
-              <a:t>       Finished setting up &lt;server-centos-73&gt; (0m0.00s).</a:t>
-            </a:r>
-          </a:p>
-          <a:p>
-            <a:r>
-              <a:rPr lang="en-US" dirty="0"/>
-              <a:t>-----&gt; Verifying &lt;server-centos-73&gt;...</a:t>
-            </a:r>
-          </a:p>
-          <a:p>
-            <a:r>
-              <a:rPr lang="en-US" dirty="0"/>
-              <a:t>...</a:t>
-            </a:r>
-          </a:p>
-          <a:p>
-            <a:r>
-              <a:rPr lang="en-US" dirty="0"/>
-              <a:t>Profile Summary: 1 successful, 0 failures, 0 skipped</a:t>
-            </a:r>
-          </a:p>
-          <a:p>
-            <a:r>
-              <a:rPr lang="en-US" dirty="0"/>
-              <a:t>Test Summary: 1 successful, 0 failures, 0 skipped</a:t>
-            </a:r>
-          </a:p>
-          <a:p>
-            <a:r>
-              <a:rPr lang="en-US" dirty="0"/>
-              <a:t>       Finished verifying &lt;server-centos-73&gt; (0m0.51s).</a:t>
-            </a:r>
-          </a:p>
-          <a:p>
-            <a:r>
-              <a:rPr lang="en-US" dirty="0"/>
-              <a:t>-----&gt; Destroying &lt;server-centos-73&gt;...</a:t>
-            </a:r>
-          </a:p>
-          <a:p>
-            <a:r>
-              <a:rPr lang="en-US" dirty="0"/>
-              <a:t>...</a:t>
-            </a:r>
-          </a:p>
-          <a:p>
-            <a:r>
-              <a:rPr lang="en-US" dirty="0"/>
-              <a:t>-----&gt; Kitchen is finished. (0m25.18s)</a:t>
-            </a:r>
-          </a:p>
-        </p:txBody>
-      </p:sp>
-      <p:sp>
-        <p:nvSpPr>
-          <p:cNvPr id="4" name="Text Placeholder 3"/>
-          <p:cNvSpPr>
-            <a:spLocks noGrp="1"/>
-          </p:cNvSpPr>
-          <p:nvPr>
-            <p:ph type="body" sz="quarter" idx="12"/>
+            <p:ph type="body" sz="quarter" idx="10"/>
           </p:nvPr>
         </p:nvSpPr>
         <p:spPr/>
@@ -17223,7 +20873,13 @@
           <a:p>
             <a:r>
               <a:rPr lang="en-US" dirty="0" smtClean="0"/>
-              <a:t>kitchen test</a:t>
+              <a:t>Test-driven development cycle is complete</a:t>
+            </a:r>
+          </a:p>
+          <a:p>
+            <a:r>
+              <a:rPr lang="en-US" dirty="0" smtClean="0"/>
+              <a:t>Deploy the change</a:t>
             </a:r>
             <a:endParaRPr lang="en-US" dirty="0"/>
           </a:p>
@@ -17232,7 +20888,7 @@
     </p:spTree>
     <p:extLst>
       <p:ext uri="{BB962C8B-B14F-4D97-AF65-F5344CB8AC3E}">
-        <p14:creationId xmlns:p14="http://schemas.microsoft.com/office/powerpoint/2010/main" val="1637455770"/>
+        <p14:creationId xmlns:p14="http://schemas.microsoft.com/office/powerpoint/2010/main" val="2621689289"/>
       </p:ext>
     </p:extLst>
   </p:cSld>
@@ -17295,7 +20951,7 @@
           <a:p>
             <a:r>
               <a:rPr lang="en-US" dirty="0" smtClean="0"/>
-              <a:t>What’s next?</a:t>
+              <a:t>Remediate with Chef</a:t>
             </a:r>
             <a:endParaRPr lang="en-US" dirty="0"/>
           </a:p>
@@ -17303,37 +20959,185 @@
       </p:sp>
       <p:sp>
         <p:nvSpPr>
-          <p:cNvPr id="3" name="Text Placeholder 2"/>
+          <p:cNvPr id="3" name="Content Placeholder 2"/>
           <p:cNvSpPr>
             <a:spLocks noGrp="1"/>
           </p:cNvSpPr>
           <p:nvPr>
-            <p:ph type="body" sz="quarter" idx="10"/>
+            <p:ph sz="quarter" idx="11"/>
           </p:nvPr>
         </p:nvSpPr>
         <p:spPr/>
         <p:txBody>
-          <a:bodyPr/>
+          <a:bodyPr>
+            <a:normAutofit fontScale="62500" lnSpcReduction="20000"/>
+          </a:bodyPr>
           <a:lstStyle/>
           <a:p>
             <a:r>
-              <a:rPr lang="en-US" dirty="0" smtClean="0"/>
-              <a:t>Test-driven development cycle is complete</a:t>
-            </a:r>
-          </a:p>
-          <a:p>
-            <a:r>
-              <a:rPr lang="en-US" dirty="0" smtClean="0"/>
-              <a:t>Deploy the change</a:t>
-            </a:r>
+              <a:rPr lang="en-US" dirty="0"/>
+              <a:t>[2017-03-10T16:48:02+00:00] INFO: Forking chef instance to converge...</a:t>
+            </a:r>
+          </a:p>
+          <a:p>
+            <a:r>
+              <a:rPr lang="en-US" dirty="0"/>
+              <a:t>Starting Chef Client, version 12.18.31</a:t>
+            </a:r>
+          </a:p>
+          <a:p>
+            <a:r>
+              <a:rPr lang="en-US" dirty="0"/>
+              <a:t>...</a:t>
+            </a:r>
+          </a:p>
+          <a:p>
+            <a:r>
+              <a:rPr lang="en-US" dirty="0"/>
+              <a:t>Synchronizing Cookbooks:</a:t>
+            </a:r>
+          </a:p>
+          <a:p>
+            <a:r>
+              <a:rPr lang="en-US" dirty="0"/>
+              <a:t>  - </a:t>
+            </a:r>
+            <a:r>
+              <a:rPr lang="en-US" dirty="0" err="1"/>
+              <a:t>ssh</a:t>
+            </a:r>
+            <a:r>
+              <a:rPr lang="en-US" dirty="0"/>
+              <a:t> (0.1.0)</a:t>
+            </a:r>
+          </a:p>
+          <a:p>
+            <a:r>
+              <a:rPr lang="en-US" dirty="0"/>
+              <a:t>  - audit (2.4.0)</a:t>
+            </a:r>
+          </a:p>
+          <a:p>
+            <a:r>
+              <a:rPr lang="en-US" dirty="0"/>
+              <a:t>  - </a:t>
+            </a:r>
+            <a:r>
+              <a:rPr lang="en-US" dirty="0" err="1"/>
+              <a:t>compat_resource</a:t>
+            </a:r>
+            <a:r>
+              <a:rPr lang="en-US" dirty="0"/>
+              <a:t> (12.16.3)</a:t>
+            </a:r>
+          </a:p>
+          <a:p>
+            <a:r>
+              <a:rPr lang="en-US" dirty="0"/>
+              <a:t>...</a:t>
+            </a:r>
+          </a:p>
+          <a:p>
+            <a:r>
+              <a:rPr lang="en-US" dirty="0"/>
+              <a:t>    -#Protocol 2</a:t>
+            </a:r>
+          </a:p>
+          <a:p>
+            <a:r>
+              <a:rPr lang="en-US" dirty="0"/>
+              <a:t>    +Protocol 2</a:t>
+            </a:r>
+          </a:p>
+          <a:p>
+            <a:r>
+              <a:rPr lang="en-US" dirty="0"/>
+              <a:t>...</a:t>
+            </a:r>
+          </a:p>
+          <a:p>
+            <a:r>
+              <a:rPr lang="en-US" dirty="0"/>
+              <a:t>[2017-03-10T16:48:05+00:00] INFO: Chef Run complete in 1.248588588 seconds</a:t>
+            </a:r>
+          </a:p>
+          <a:p>
             <a:endParaRPr lang="en-US" dirty="0"/>
+          </a:p>
+          <a:p>
+            <a:r>
+              <a:rPr lang="en-US" dirty="0"/>
+              <a:t>Running handlers:</a:t>
+            </a:r>
+          </a:p>
+          <a:p>
+            <a:r>
+              <a:rPr lang="en-US" dirty="0"/>
+              <a:t>...</a:t>
+            </a:r>
+          </a:p>
+          <a:p>
+            <a:r>
+              <a:rPr lang="en-US" dirty="0"/>
+              <a:t>[2017-03-10T16:48:05+00:00] INFO: Report handlers complete</a:t>
+            </a:r>
+          </a:p>
+          <a:p>
+            <a:r>
+              <a:rPr lang="en-US" dirty="0"/>
+              <a:t>Chef Client finished, 1/3 resources updated in 03 seconds</a:t>
+            </a:r>
+          </a:p>
+        </p:txBody>
+      </p:sp>
+      <p:sp>
+        <p:nvSpPr>
+          <p:cNvPr id="4" name="Text Placeholder 3"/>
+          <p:cNvSpPr>
+            <a:spLocks noGrp="1"/>
+          </p:cNvSpPr>
+          <p:nvPr>
+            <p:ph type="body" sz="quarter" idx="12"/>
+          </p:nvPr>
+        </p:nvSpPr>
+        <p:spPr/>
+        <p:txBody>
+          <a:bodyPr>
+            <a:normAutofit/>
+          </a:bodyPr>
+          <a:lstStyle/>
+          <a:p>
+            <a:r>
+              <a:rPr lang="en-US" dirty="0" err="1"/>
+              <a:t>sudo</a:t>
+            </a:r>
+            <a:r>
+              <a:rPr lang="en-US" dirty="0"/>
+              <a:t> </a:t>
+            </a:r>
+            <a:r>
+              <a:rPr lang="en-US" dirty="0" err="1"/>
+              <a:t>run_chef</a:t>
+            </a:r>
+            <a:r>
+              <a:rPr lang="en-US" dirty="0"/>
+              <a:t> "recipe[</a:t>
+            </a:r>
+            <a:r>
+              <a:rPr lang="en-US" dirty="0" err="1"/>
+              <a:t>ssh</a:t>
+            </a:r>
+            <a:r>
+              <a:rPr lang="en-US" dirty="0"/>
+              <a:t>::server],recipe[audit::default]"</a:t>
+            </a:r>
           </a:p>
         </p:txBody>
       </p:sp>
     </p:spTree>
     <p:extLst>
       <p:ext uri="{BB962C8B-B14F-4D97-AF65-F5344CB8AC3E}">
-        <p14:creationId xmlns:p14="http://schemas.microsoft.com/office/powerpoint/2010/main" val="2621689289"/>
+        <p14:creationId xmlns:p14="http://schemas.microsoft.com/office/powerpoint/2010/main" val="2706915904"/>
       </p:ext>
     </p:extLst>
   </p:cSld>
@@ -17379,9 +21183,34 @@
           <a:chExt cx="0" cy="0"/>
         </a:xfrm>
       </p:grpSpPr>
-      <p:sp>
-        <p:nvSpPr>
-          <p:cNvPr id="2" name="Title 1"/>
+      <p:pic>
+        <p:nvPicPr>
+          <p:cNvPr id="6" name="Picture Placeholder 5" descr="template-resource.png"/>
+          <p:cNvPicPr>
+            <a:picLocks noGrp="1" noChangeAspect="1"/>
+          </p:cNvPicPr>
+          <p:nvPr>
+            <p:ph type="pic" sz="quarter" idx="13"/>
+          </p:nvPr>
+        </p:nvPicPr>
+        <p:blipFill>
+          <a:blip r:embed="rId2">
+            <a:extLst>
+              <a:ext uri="{28A0092B-C50C-407E-A947-70E740481C1C}">
+                <a14:useLocalDpi xmlns:a14="http://schemas.microsoft.com/office/drawing/2010/main" val="0"/>
+              </a:ext>
+            </a:extLst>
+          </a:blip>
+          <a:srcRect t="-14265" b="-14265"/>
+          <a:stretch>
+            <a:fillRect/>
+          </a:stretch>
+        </p:blipFill>
+        <p:spPr/>
+      </p:pic>
+      <p:sp>
+        <p:nvSpPr>
+          <p:cNvPr id="3" name="Title 2"/>
           <p:cNvSpPr>
             <a:spLocks noGrp="1"/>
           </p:cNvSpPr>
@@ -17396,193 +21225,16 @@
           <a:p>
             <a:r>
               <a:rPr lang="en-US" dirty="0" smtClean="0"/>
-              <a:t>Remediate with Chef</a:t>
+              <a:t>Verify Converge Status in Automate</a:t>
             </a:r>
             <a:endParaRPr lang="en-US" dirty="0"/>
-          </a:p>
-        </p:txBody>
-      </p:sp>
-      <p:sp>
-        <p:nvSpPr>
-          <p:cNvPr id="3" name="Content Placeholder 2"/>
-          <p:cNvSpPr>
-            <a:spLocks noGrp="1"/>
-          </p:cNvSpPr>
-          <p:nvPr>
-            <p:ph sz="quarter" idx="11"/>
-          </p:nvPr>
-        </p:nvSpPr>
-        <p:spPr/>
-        <p:txBody>
-          <a:bodyPr>
-            <a:normAutofit fontScale="62500" lnSpcReduction="20000"/>
-          </a:bodyPr>
-          <a:lstStyle/>
-          <a:p>
-            <a:r>
-              <a:rPr lang="en-US" dirty="0"/>
-              <a:t>[2017-03-10T16:48:02+00:00] INFO: Forking chef instance to converge...</a:t>
-            </a:r>
-          </a:p>
-          <a:p>
-            <a:r>
-              <a:rPr lang="en-US" dirty="0"/>
-              <a:t>Starting Chef Client, version 12.18.31</a:t>
-            </a:r>
-          </a:p>
-          <a:p>
-            <a:r>
-              <a:rPr lang="en-US" dirty="0"/>
-              <a:t>...</a:t>
-            </a:r>
-          </a:p>
-          <a:p>
-            <a:r>
-              <a:rPr lang="en-US" dirty="0"/>
-              <a:t>Synchronizing Cookbooks:</a:t>
-            </a:r>
-          </a:p>
-          <a:p>
-            <a:r>
-              <a:rPr lang="en-US" dirty="0"/>
-              <a:t>  - </a:t>
-            </a:r>
-            <a:r>
-              <a:rPr lang="en-US" dirty="0" err="1"/>
-              <a:t>ssh</a:t>
-            </a:r>
-            <a:r>
-              <a:rPr lang="en-US" dirty="0"/>
-              <a:t> (0.1.0)</a:t>
-            </a:r>
-          </a:p>
-          <a:p>
-            <a:r>
-              <a:rPr lang="en-US" dirty="0"/>
-              <a:t>  - audit (2.4.0)</a:t>
-            </a:r>
-          </a:p>
-          <a:p>
-            <a:r>
-              <a:rPr lang="en-US" dirty="0"/>
-              <a:t>  - </a:t>
-            </a:r>
-            <a:r>
-              <a:rPr lang="en-US" dirty="0" err="1"/>
-              <a:t>compat_resource</a:t>
-            </a:r>
-            <a:r>
-              <a:rPr lang="en-US" dirty="0"/>
-              <a:t> (12.16.3)</a:t>
-            </a:r>
-          </a:p>
-          <a:p>
-            <a:r>
-              <a:rPr lang="en-US" dirty="0"/>
-              <a:t>...</a:t>
-            </a:r>
-          </a:p>
-          <a:p>
-            <a:r>
-              <a:rPr lang="en-US" dirty="0"/>
-              <a:t>    -#Protocol 2</a:t>
-            </a:r>
-          </a:p>
-          <a:p>
-            <a:r>
-              <a:rPr lang="en-US" dirty="0"/>
-              <a:t>    +Protocol 2</a:t>
-            </a:r>
-          </a:p>
-          <a:p>
-            <a:r>
-              <a:rPr lang="en-US" dirty="0"/>
-              <a:t>...</a:t>
-            </a:r>
-          </a:p>
-          <a:p>
-            <a:r>
-              <a:rPr lang="en-US" dirty="0"/>
-              <a:t>[2017-03-10T16:48:05+00:00] INFO: Chef Run complete in 1.248588588 seconds</a:t>
-            </a:r>
-          </a:p>
-          <a:p>
-            <a:endParaRPr lang="en-US" dirty="0"/>
-          </a:p>
-          <a:p>
-            <a:r>
-              <a:rPr lang="en-US" dirty="0"/>
-              <a:t>Running handlers:</a:t>
-            </a:r>
-          </a:p>
-          <a:p>
-            <a:r>
-              <a:rPr lang="en-US" dirty="0"/>
-              <a:t>...</a:t>
-            </a:r>
-          </a:p>
-          <a:p>
-            <a:r>
-              <a:rPr lang="en-US" dirty="0"/>
-              <a:t>[2017-03-10T16:48:05+00:00] INFO: Report handlers complete</a:t>
-            </a:r>
-          </a:p>
-          <a:p>
-            <a:r>
-              <a:rPr lang="en-US" dirty="0"/>
-              <a:t>Chef Client finished, 1/3 resources updated in 03 seconds</a:t>
-            </a:r>
-          </a:p>
-        </p:txBody>
-      </p:sp>
-      <p:sp>
-        <p:nvSpPr>
-          <p:cNvPr id="4" name="Text Placeholder 3"/>
-          <p:cNvSpPr>
-            <a:spLocks noGrp="1"/>
-          </p:cNvSpPr>
-          <p:nvPr>
-            <p:ph type="body" sz="quarter" idx="12"/>
-          </p:nvPr>
-        </p:nvSpPr>
-        <p:spPr/>
-        <p:txBody>
-          <a:bodyPr>
-            <a:normAutofit fontScale="77500" lnSpcReduction="20000"/>
-          </a:bodyPr>
-          <a:lstStyle/>
-          <a:p>
-            <a:r>
-              <a:rPr lang="en-US" dirty="0" err="1"/>
-              <a:t>sudo</a:t>
-            </a:r>
-            <a:r>
-              <a:rPr lang="en-US" dirty="0"/>
-              <a:t> chef-client --local-mode -j </a:t>
-            </a:r>
-            <a:r>
-              <a:rPr lang="en-US" dirty="0" err="1"/>
-              <a:t>config.json</a:t>
-            </a:r>
-            <a:r>
-              <a:rPr lang="en-US" dirty="0"/>
-              <a:t> -r "recipe[</a:t>
-            </a:r>
-            <a:r>
-              <a:rPr lang="en-US" dirty="0" err="1"/>
-              <a:t>ssh</a:t>
-            </a:r>
-            <a:r>
-              <a:rPr lang="en-US" dirty="0"/>
-              <a:t>::server],recipe[audit::default]"</a:t>
-            </a:r>
           </a:p>
         </p:txBody>
       </p:sp>
     </p:spTree>
     <p:extLst>
       <p:ext uri="{BB962C8B-B14F-4D97-AF65-F5344CB8AC3E}">
-        <p14:creationId xmlns:p14="http://schemas.microsoft.com/office/powerpoint/2010/main" val="2706915904"/>
+        <p14:creationId xmlns:p14="http://schemas.microsoft.com/office/powerpoint/2010/main" val="2067681484"/>
       </p:ext>
     </p:extLst>
   </p:cSld>
@@ -17742,14 +21394,44 @@
           <a:chExt cx="0" cy="0"/>
         </a:xfrm>
       </p:grpSpPr>
+      <p:sp>
+        <p:nvSpPr>
+          <p:cNvPr id="3" name="Title 2"/>
+          <p:cNvSpPr>
+            <a:spLocks noGrp="1"/>
+          </p:cNvSpPr>
+          <p:nvPr>
+            <p:ph type="title"/>
+          </p:nvPr>
+        </p:nvSpPr>
+        <p:spPr/>
+        <p:txBody>
+          <a:bodyPr/>
+          <a:lstStyle/>
+          <a:p>
+            <a:r>
+              <a:rPr lang="en-US" dirty="0"/>
+              <a:t>Verify </a:t>
+            </a:r>
+            <a:r>
+              <a:rPr lang="en-US" dirty="0" smtClean="0"/>
+              <a:t>Compliance Status </a:t>
+            </a:r>
+            <a:r>
+              <a:rPr lang="en-US" dirty="0"/>
+              <a:t>in Automate</a:t>
+            </a:r>
+          </a:p>
+        </p:txBody>
+      </p:sp>
       <p:pic>
         <p:nvPicPr>
-          <p:cNvPr id="4" name="Media Placeholder 3" descr="Chef_Automate.png"/>
+          <p:cNvPr id="4" name="Picture Placeholder 3" descr="passing-compliance.png"/>
           <p:cNvPicPr>
             <a:picLocks noGrp="1" noChangeAspect="1"/>
           </p:cNvPicPr>
           <p:nvPr>
-            <p:ph type="media" sz="quarter" idx="12"/>
+            <p:ph type="pic" sz="quarter" idx="13"/>
           </p:nvPr>
         </p:nvPicPr>
         <p:blipFill>
@@ -17760,40 +21442,17 @@
               </a:ext>
             </a:extLst>
           </a:blip>
-          <a:srcRect t="12289" b="12289"/>
+          <a:srcRect t="18371" b="18371"/>
           <a:stretch>
             <a:fillRect/>
           </a:stretch>
         </p:blipFill>
         <p:spPr/>
       </p:pic>
-      <p:sp>
-        <p:nvSpPr>
-          <p:cNvPr id="3" name="Title 2"/>
-          <p:cNvSpPr>
-            <a:spLocks noGrp="1"/>
-          </p:cNvSpPr>
-          <p:nvPr>
-            <p:ph type="title"/>
-          </p:nvPr>
-        </p:nvSpPr>
-        <p:spPr/>
-        <p:txBody>
-          <a:bodyPr/>
-          <a:lstStyle/>
-          <a:p>
-            <a:r>
-              <a:rPr lang="en-US" dirty="0" smtClean="0"/>
-              <a:t>Verify Converge Status in Automate</a:t>
-            </a:r>
-            <a:endParaRPr lang="en-US" dirty="0"/>
-          </a:p>
-        </p:txBody>
-      </p:sp>
     </p:spTree>
     <p:extLst>
       <p:ext uri="{BB962C8B-B14F-4D97-AF65-F5344CB8AC3E}">
-        <p14:creationId xmlns:p14="http://schemas.microsoft.com/office/powerpoint/2010/main" val="2067681484"/>
+        <p14:creationId xmlns:p14="http://schemas.microsoft.com/office/powerpoint/2010/main" val="2232138444"/>
       </p:ext>
     </p:extLst>
   </p:cSld>
@@ -17841,12 +21500,12 @@
       </p:grpSpPr>
       <p:pic>
         <p:nvPicPr>
-          <p:cNvPr id="4" name="Media Placeholder 3" descr="Chef_Automate.png"/>
+          <p:cNvPr id="7" name="Picture Placeholder 6" descr="passing-ssh-v2-compliance.png"/>
           <p:cNvPicPr>
             <a:picLocks noGrp="1" noChangeAspect="1"/>
           </p:cNvPicPr>
           <p:nvPr>
-            <p:ph type="media" sz="quarter" idx="12"/>
+            <p:ph type="pic" sz="quarter" idx="13"/>
           </p:nvPr>
         </p:nvPicPr>
         <p:blipFill>
@@ -17857,111 +21516,7 @@
               </a:ext>
             </a:extLst>
           </a:blip>
-          <a:srcRect t="5864" b="5864"/>
-          <a:stretch>
-            <a:fillRect/>
-          </a:stretch>
-        </p:blipFill>
-        <p:spPr/>
-      </p:pic>
-      <p:sp>
-        <p:nvSpPr>
-          <p:cNvPr id="3" name="Title 2"/>
-          <p:cNvSpPr>
-            <a:spLocks noGrp="1"/>
-          </p:cNvSpPr>
-          <p:nvPr>
-            <p:ph type="title"/>
-          </p:nvPr>
-        </p:nvSpPr>
-        <p:spPr/>
-        <p:txBody>
-          <a:bodyPr/>
-          <a:lstStyle/>
-          <a:p>
-            <a:r>
-              <a:rPr lang="en-US" dirty="0"/>
-              <a:t>Verify </a:t>
-            </a:r>
-            <a:r>
-              <a:rPr lang="en-US" dirty="0" smtClean="0"/>
-              <a:t>Compliance Status </a:t>
-            </a:r>
-            <a:r>
-              <a:rPr lang="en-US" dirty="0"/>
-              <a:t>in Automate</a:t>
-            </a:r>
-          </a:p>
-        </p:txBody>
-      </p:sp>
-    </p:spTree>
-    <p:extLst>
-      <p:ext uri="{BB962C8B-B14F-4D97-AF65-F5344CB8AC3E}">
-        <p14:creationId xmlns:p14="http://schemas.microsoft.com/office/powerpoint/2010/main" val="2265205565"/>
-      </p:ext>
-    </p:extLst>
-  </p:cSld>
-  <p:clrMapOvr>
-    <a:masterClrMapping/>
-  </p:clrMapOvr>
-  <mc:AlternateContent xmlns:mc="http://schemas.openxmlformats.org/markup-compatibility/2006" xmlns:p14="http://schemas.microsoft.com/office/powerpoint/2010/main">
-    <mc:Choice Requires="p14">
-      <p:transition spd="med" p14:dur="700">
-        <p:fade/>
-      </p:transition>
-    </mc:Choice>
-    <mc:Fallback xmlns="">
-      <p:transition spd="med">
-        <p:fade/>
-      </p:transition>
-    </mc:Fallback>
-  </mc:AlternateContent>
-  <p:timing>
-    <p:tnLst>
-      <p:par>
-        <p:cTn xmlns:p14="http://schemas.microsoft.com/office/powerpoint/2010/main" id="1" dur="indefinite" restart="never" nodeType="tmRoot"/>
-      </p:par>
-    </p:tnLst>
-  </p:timing>
-</p:sld>
-</file>
-
-<file path=ppt/slides/slide32.xml><?xml version="1.0" encoding="utf-8"?>
-<p:sld xmlns:a="http://schemas.openxmlformats.org/drawingml/2006/main" xmlns:r="http://schemas.openxmlformats.org/officeDocument/2006/relationships" xmlns:p="http://schemas.openxmlformats.org/presentationml/2006/main">
-  <p:cSld>
-    <p:spTree>
-      <p:nvGrpSpPr>
-        <p:cNvPr id="1" name=""/>
-        <p:cNvGrpSpPr/>
-        <p:nvPr/>
-      </p:nvGrpSpPr>
-      <p:grpSpPr>
-        <a:xfrm>
-          <a:off x="0" y="0"/>
-          <a:ext cx="0" cy="0"/>
-          <a:chOff x="0" y="0"/>
-          <a:chExt cx="0" cy="0"/>
-        </a:xfrm>
-      </p:grpSpPr>
-      <p:pic>
-        <p:nvPicPr>
-          <p:cNvPr id="5" name="Media Placeholder 4" descr="Chef_Automate.png"/>
-          <p:cNvPicPr>
-            <a:picLocks noGrp="1" noChangeAspect="1"/>
-          </p:cNvPicPr>
-          <p:nvPr>
-            <p:ph type="media" sz="quarter" idx="12"/>
-          </p:nvPr>
-        </p:nvPicPr>
-        <p:blipFill>
-          <a:blip r:embed="rId2">
-            <a:extLst>
-              <a:ext uri="{28A0092B-C50C-407E-A947-70E740481C1C}">
-                <a14:useLocalDpi xmlns:a14="http://schemas.microsoft.com/office/drawing/2010/main" val="0"/>
-              </a:ext>
-            </a:extLst>
-          </a:blip>
-          <a:srcRect l="1417" r="1417"/>
+          <a:srcRect t="-23417" b="-23417"/>
           <a:stretch>
             <a:fillRect/>
           </a:stretch>
@@ -21763,6 +25318,402 @@
 </file>
 
 <file path=ppt/theme/theme4.xml><?xml version="1.0" encoding="utf-8"?>
+<a:theme xmlns:a="http://schemas.openxmlformats.org/drawingml/2006/main" name="3_Chef2015v2">
+  <a:themeElements>
+    <a:clrScheme name="InSpec">
+      <a:dk1>
+        <a:sysClr val="windowText" lastClr="000000"/>
+      </a:dk1>
+      <a:lt1>
+        <a:sysClr val="window" lastClr="FFFFFF"/>
+      </a:lt1>
+      <a:dk2>
+        <a:srgbClr val="2F3336"/>
+      </a:dk2>
+      <a:lt2>
+        <a:srgbClr val="FFFFFF"/>
+      </a:lt2>
+      <a:accent1>
+        <a:srgbClr val="4197B5"/>
+      </a:accent1>
+      <a:accent2>
+        <a:srgbClr val="63CE99"/>
+      </a:accent2>
+      <a:accent3>
+        <a:srgbClr val="5C6670"/>
+      </a:accent3>
+      <a:accent4>
+        <a:srgbClr val="C3C6C8"/>
+      </a:accent4>
+      <a:accent5>
+        <a:srgbClr val="F18B21"/>
+      </a:accent5>
+      <a:accent6>
+        <a:srgbClr val="87B09A"/>
+      </a:accent6>
+      <a:hlink>
+        <a:srgbClr val="0000FF"/>
+      </a:hlink>
+      <a:folHlink>
+        <a:srgbClr val="800080"/>
+      </a:folHlink>
+    </a:clrScheme>
+    <a:fontScheme name="Solstice">
+      <a:majorFont>
+        <a:latin typeface="Gill Sans MT"/>
+        <a:ea typeface=""/>
+        <a:cs typeface=""/>
+        <a:font script="Grek" typeface="Corbel"/>
+        <a:font script="Cyrl" typeface="Corbel"/>
+        <a:font script="Jpan" typeface="ＭＳ ゴシック"/>
+        <a:font script="Hang" typeface="휴먼매직체"/>
+        <a:font script="Hans" typeface="华文中宋"/>
+        <a:font script="Hant" typeface="微軟正黑體"/>
+        <a:font script="Arab" typeface="Majalla UI"/>
+        <a:font script="Hebr" typeface="Arial"/>
+        <a:font script="Thai" typeface="Cordia New"/>
+        <a:font script="Ethi" typeface="Nyala"/>
+        <a:font script="Beng" typeface="Vrinda"/>
+        <a:font script="Gujr" typeface="Shruti"/>
+        <a:font script="Khmr" typeface="DaunPenh"/>
+        <a:font script="Knda" typeface="Tunga"/>
+        <a:font script="Guru" typeface="Raavi"/>
+        <a:font script="Cans" typeface="Euphemia"/>
+        <a:font script="Cher" typeface="Plantagenet Cherokee"/>
+        <a:font script="Yiii" typeface="Microsoft Yi Baiti"/>
+        <a:font script="Tibt" typeface="Microsoft Himalaya"/>
+        <a:font script="Thaa" typeface="MV Boli"/>
+        <a:font script="Deva" typeface="Mangal"/>
+        <a:font script="Telu" typeface="Gautami"/>
+        <a:font script="Taml" typeface="Latha"/>
+        <a:font script="Syrc" typeface="Estrangelo Edessa"/>
+        <a:font script="Orya" typeface="Kalinga"/>
+        <a:font script="Mlym" typeface="Kartika"/>
+        <a:font script="Laoo" typeface="DokChampa"/>
+        <a:font script="Sinh" typeface="Iskoola Pota"/>
+        <a:font script="Mong" typeface="Mongolian Baiti"/>
+        <a:font script="Viet" typeface="Tahoma"/>
+        <a:font script="Uigh" typeface="Microsoft Uighur"/>
+      </a:majorFont>
+      <a:minorFont>
+        <a:latin typeface="Gill Sans MT"/>
+        <a:ea typeface=""/>
+        <a:cs typeface=""/>
+        <a:font script="Grek" typeface="Corbel"/>
+        <a:font script="Cyrl" typeface="Corbel"/>
+        <a:font script="Jpan" typeface="ＭＳ ゴシック"/>
+        <a:font script="Hang" typeface="HY엽서L"/>
+        <a:font script="Hans" typeface="华文中宋"/>
+        <a:font script="Hant" typeface="微軟正黑體"/>
+        <a:font script="Arab" typeface="Majalla UI"/>
+        <a:font script="Hebr" typeface="Arial"/>
+        <a:font script="Thai" typeface="Cordia New"/>
+        <a:font script="Ethi" typeface="Nyala"/>
+        <a:font script="Beng" typeface="Vrinda"/>
+        <a:font script="Gujr" typeface="Shruti"/>
+        <a:font script="Khmr" typeface="DaunPenh"/>
+        <a:font script="Knda" typeface="Tunga"/>
+        <a:font script="Guru" typeface="Raavi"/>
+        <a:font script="Cans" typeface="Euphemia"/>
+        <a:font script="Cher" typeface="Plantagenet Cherokee"/>
+        <a:font script="Yiii" typeface="Microsoft Yi Baiti"/>
+        <a:font script="Tibt" typeface="Microsoft Himalaya"/>
+        <a:font script="Thaa" typeface="MV Boli"/>
+        <a:font script="Deva" typeface="Mangal"/>
+        <a:font script="Telu" typeface="Gautami"/>
+        <a:font script="Taml" typeface="Latha"/>
+        <a:font script="Syrc" typeface="Estrangelo Edessa"/>
+        <a:font script="Orya" typeface="Kalinga"/>
+        <a:font script="Mlym" typeface="Kartika"/>
+        <a:font script="Laoo" typeface="DokChampa"/>
+        <a:font script="Sinh" typeface="Iskoola Pota"/>
+        <a:font script="Mong" typeface="Mongolian Baiti"/>
+        <a:font script="Viet" typeface="Tahoma"/>
+        <a:font script="Uigh" typeface="Microsoft Uighur"/>
+      </a:minorFont>
+    </a:fontScheme>
+    <a:fmtScheme name="Angles">
+      <a:fillStyleLst>
+        <a:solidFill>
+          <a:schemeClr val="phClr"/>
+        </a:solidFill>
+        <a:gradFill rotWithShape="1">
+          <a:gsLst>
+            <a:gs pos="0">
+              <a:schemeClr val="phClr">
+                <a:tint val="50000"/>
+                <a:satMod val="300000"/>
+              </a:schemeClr>
+            </a:gs>
+            <a:gs pos="35000">
+              <a:schemeClr val="phClr">
+                <a:tint val="37000"/>
+                <a:satMod val="300000"/>
+              </a:schemeClr>
+            </a:gs>
+            <a:gs pos="100000">
+              <a:schemeClr val="phClr">
+                <a:tint val="15000"/>
+                <a:satMod val="350000"/>
+              </a:schemeClr>
+            </a:gs>
+          </a:gsLst>
+          <a:lin ang="16200000" scaled="1"/>
+        </a:gradFill>
+        <a:gradFill rotWithShape="1">
+          <a:gsLst>
+            <a:gs pos="0">
+              <a:schemeClr val="phClr">
+                <a:shade val="51000"/>
+                <a:satMod val="130000"/>
+              </a:schemeClr>
+            </a:gs>
+            <a:gs pos="80000">
+              <a:schemeClr val="phClr">
+                <a:shade val="93000"/>
+                <a:satMod val="130000"/>
+              </a:schemeClr>
+            </a:gs>
+            <a:gs pos="100000">
+              <a:schemeClr val="phClr">
+                <a:shade val="94000"/>
+                <a:satMod val="135000"/>
+              </a:schemeClr>
+            </a:gs>
+          </a:gsLst>
+          <a:lin ang="16200000" scaled="0"/>
+        </a:gradFill>
+      </a:fillStyleLst>
+      <a:lnStyleLst>
+        <a:ln w="9525" cap="flat" cmpd="sng" algn="ctr">
+          <a:solidFill>
+            <a:schemeClr val="phClr">
+              <a:shade val="95000"/>
+              <a:satMod val="105000"/>
+            </a:schemeClr>
+          </a:solidFill>
+          <a:prstDash val="solid"/>
+        </a:ln>
+        <a:ln w="25400" cap="flat" cmpd="sng" algn="ctr">
+          <a:solidFill>
+            <a:schemeClr val="phClr"/>
+          </a:solidFill>
+          <a:prstDash val="solid"/>
+        </a:ln>
+        <a:ln w="38100" cap="flat" cmpd="sng" algn="ctr">
+          <a:solidFill>
+            <a:schemeClr val="phClr"/>
+          </a:solidFill>
+          <a:prstDash val="solid"/>
+        </a:ln>
+      </a:lnStyleLst>
+      <a:effectStyleLst>
+        <a:effectStyle>
+          <a:effectLst>
+            <a:outerShdw blurRad="40000" dist="20000" dir="5400000" rotWithShape="0">
+              <a:srgbClr val="000000">
+                <a:alpha val="38000"/>
+              </a:srgbClr>
+            </a:outerShdw>
+          </a:effectLst>
+        </a:effectStyle>
+        <a:effectStyle>
+          <a:effectLst>
+            <a:outerShdw blurRad="40000" dist="23000" dir="5400000" rotWithShape="0">
+              <a:srgbClr val="000000">
+                <a:alpha val="35000"/>
+              </a:srgbClr>
+            </a:outerShdw>
+          </a:effectLst>
+        </a:effectStyle>
+        <a:effectStyle>
+          <a:effectLst>
+            <a:outerShdw blurRad="40000" dist="23000" dir="5400000" rotWithShape="0">
+              <a:srgbClr val="000000">
+                <a:alpha val="35000"/>
+              </a:srgbClr>
+            </a:outerShdw>
+          </a:effectLst>
+          <a:scene3d>
+            <a:camera prst="orthographicFront">
+              <a:rot lat="0" lon="0" rev="0"/>
+            </a:camera>
+            <a:lightRig rig="threePt" dir="t">
+              <a:rot lat="0" lon="0" rev="20400000"/>
+            </a:lightRig>
+          </a:scene3d>
+          <a:sp3d contourW="6350">
+            <a:bevelT w="41275" h="19050" prst="angle"/>
+            <a:contourClr>
+              <a:schemeClr val="phClr">
+                <a:shade val="25000"/>
+                <a:satMod val="150000"/>
+              </a:schemeClr>
+            </a:contourClr>
+          </a:sp3d>
+        </a:effectStyle>
+      </a:effectStyleLst>
+      <a:bgFillStyleLst>
+        <a:solidFill>
+          <a:schemeClr val="phClr"/>
+        </a:solidFill>
+        <a:gradFill rotWithShape="1">
+          <a:gsLst>
+            <a:gs pos="0">
+              <a:schemeClr val="phClr">
+                <a:tint val="40000"/>
+                <a:satMod val="350000"/>
+              </a:schemeClr>
+            </a:gs>
+            <a:gs pos="40000">
+              <a:schemeClr val="phClr">
+                <a:tint val="45000"/>
+                <a:shade val="99000"/>
+                <a:satMod val="350000"/>
+              </a:schemeClr>
+            </a:gs>
+            <a:gs pos="100000">
+              <a:schemeClr val="phClr">
+                <a:shade val="20000"/>
+                <a:satMod val="255000"/>
+              </a:schemeClr>
+            </a:gs>
+          </a:gsLst>
+          <a:path path="circle">
+            <a:fillToRect l="50000" t="-80000" r="50000" b="180000"/>
+          </a:path>
+        </a:gradFill>
+        <a:gradFill rotWithShape="1">
+          <a:gsLst>
+            <a:gs pos="0">
+              <a:schemeClr val="phClr">
+                <a:tint val="80000"/>
+                <a:satMod val="300000"/>
+              </a:schemeClr>
+            </a:gs>
+            <a:gs pos="100000">
+              <a:schemeClr val="phClr">
+                <a:shade val="30000"/>
+                <a:satMod val="200000"/>
+              </a:schemeClr>
+            </a:gs>
+          </a:gsLst>
+          <a:path path="circle">
+            <a:fillToRect l="50000" t="50000" r="50000" b="50000"/>
+          </a:path>
+        </a:gradFill>
+      </a:bgFillStyleLst>
+    </a:fmtScheme>
+  </a:themeElements>
+  <a:objectDefaults>
+    <a:spDef>
+      <a:spPr bwMode="auto">
+        <a:solidFill>
+          <a:schemeClr val="accent1"/>
+        </a:solidFill>
+        <a:ln>
+          <a:noFill/>
+          <a:headEnd type="none" w="med" len="med"/>
+          <a:tailEnd type="none" w="med" len="med"/>
+        </a:ln>
+        <a:effectLst/>
+      </a:spPr>
+      <a:bodyPr vert="horz" wrap="square" lIns="91436" tIns="45718" rIns="91436" bIns="45718" numCol="1" rtlCol="0" anchor="ctr" anchorCtr="0" compatLnSpc="1">
+        <a:prstTxWarp prst="textNoShape">
+          <a:avLst/>
+        </a:prstTxWarp>
+      </a:bodyPr>
+      <a:lstStyle>
+        <a:defPPr algn="ctr" defTabSz="914099">
+          <a:defRPr sz="2400" dirty="0" smtClean="0">
+            <a:gradFill>
+              <a:gsLst>
+                <a:gs pos="0">
+                  <a:srgbClr val="FFFFFF"/>
+                </a:gs>
+                <a:gs pos="100000">
+                  <a:srgbClr val="FFFFFF"/>
+                </a:gs>
+              </a:gsLst>
+              <a:lin ang="5400000" scaled="0"/>
+            </a:gradFill>
+            <a:latin typeface="Gill Sans Light"/>
+            <a:cs typeface="Gill Sans Light"/>
+          </a:defRPr>
+        </a:defPPr>
+      </a:lstStyle>
+      <a:style>
+        <a:lnRef idx="1">
+          <a:schemeClr val="accent4"/>
+        </a:lnRef>
+        <a:fillRef idx="3">
+          <a:schemeClr val="accent4"/>
+        </a:fillRef>
+        <a:effectRef idx="2">
+          <a:schemeClr val="accent4"/>
+        </a:effectRef>
+        <a:fontRef idx="minor">
+          <a:schemeClr val="lt1"/>
+        </a:fontRef>
+      </a:style>
+    </a:spDef>
+    <a:lnDef>
+      <a:spPr>
+        <a:ln w="38100" cmpd="sng">
+          <a:solidFill>
+            <a:schemeClr val="accent1"/>
+          </a:solidFill>
+          <a:prstDash val="lgDash"/>
+        </a:ln>
+        <a:effectLst/>
+      </a:spPr>
+      <a:bodyPr/>
+      <a:lstStyle/>
+      <a:style>
+        <a:lnRef idx="2">
+          <a:schemeClr val="accent1"/>
+        </a:lnRef>
+        <a:fillRef idx="0">
+          <a:schemeClr val="accent1"/>
+        </a:fillRef>
+        <a:effectRef idx="1">
+          <a:schemeClr val="accent1"/>
+        </a:effectRef>
+        <a:fontRef idx="minor">
+          <a:schemeClr val="tx1"/>
+        </a:fontRef>
+      </a:style>
+    </a:lnDef>
+    <a:txDef>
+      <a:spPr>
+        <a:noFill/>
+      </a:spPr>
+      <a:bodyPr wrap="none" lIns="0" tIns="0" rIns="0" bIns="0" rtlCol="0">
+        <a:spAutoFit/>
+      </a:bodyPr>
+      <a:lstStyle>
+        <a:defPPr>
+          <a:defRPr sz="2400" dirty="0" smtClean="0">
+            <a:solidFill>
+              <a:schemeClr val="accent2"/>
+            </a:solidFill>
+            <a:latin typeface="Gill Sans Light"/>
+            <a:cs typeface="Gill Sans Light"/>
+          </a:defRPr>
+        </a:defPPr>
+      </a:lstStyle>
+    </a:txDef>
+  </a:objectDefaults>
+  <a:extraClrSchemeLst/>
+  <a:extLst>
+    <a:ext uri="{05A4C25C-085E-4340-85A3-A5531E510DB2}">
+      <thm15:themeFamily xmlns="" xmlns:thm15="http://schemas.microsoft.com/office/thememl/2012/main" name="Chef-Template-16x9-Blue.potx" id="{AEDCA41E-F161-4EBB-B511-A8687687A8DC}" vid="{64ECDA82-38C2-4FAD-B0A3-D276970F43D1}"/>
+    </a:ext>
+  </a:extLst>
+</a:theme>
+</file>
+
+<file path=ppt/theme/theme5.xml><?xml version="1.0" encoding="utf-8"?>
 <a:theme xmlns:a="http://schemas.openxmlformats.org/drawingml/2006/main" name="Office Theme">
   <a:themeElements>
     <a:clrScheme name="Office">
